--- a/log.pptx
+++ b/log.pptx
@@ -1,15 +1,24 @@
 
 <file path=ppt/presentation.xml><?xml version="1.0" encoding="utf-8"?>
-<p:presentation xmlns:a="http://schemas.openxmlformats.org/drawingml/2006/main" xmlns:r="http://schemas.openxmlformats.org/officeDocument/2006/relationships" xmlns:p="http://schemas.openxmlformats.org/presentationml/2006/main" saveSubsetFonts="1">
+<p:presentation xmlns:a="http://schemas.openxmlformats.org/drawingml/2006/main" xmlns:r="http://schemas.openxmlformats.org/officeDocument/2006/relationships" xmlns:p="http://schemas.openxmlformats.org/presentationml/2006/main">
   <p:sldMasterIdLst>
     <p:sldMasterId id="2147483648" r:id="rId1"/>
   </p:sldMasterIdLst>
   <p:sldIdLst>
-    <p:sldId id="256" r:id="rId2"/>
-    <p:sldId id="257" r:id="rId3"/>
-    <p:sldId id="258" r:id="rId4"/>
-    <p:sldId id="259" r:id="rId5"/>
-    <p:sldId id="260" r:id="rId6"/>
+    <p:sldId id="256" r:id="rId3"/>
+    <p:sldId id="257" r:id="rId4"/>
+    <p:sldId id="258" r:id="rId5"/>
+    <p:sldId id="262" r:id="rId6"/>
+    <p:sldId id="264" r:id="rId7"/>
+    <p:sldId id="265" r:id="rId8"/>
+    <p:sldId id="263" r:id="rId9"/>
+    <p:sldId id="259" r:id="rId10"/>
+    <p:sldId id="260" r:id="rId11"/>
+    <p:sldId id="266" r:id="rId12"/>
+    <p:sldId id="267" r:id="rId13"/>
+    <p:sldId id="268" r:id="rId14"/>
+    <p:sldId id="269" r:id="rId15"/>
+    <p:sldId id="270" r:id="rId16"/>
   </p:sldIdLst>
   <p:sldSz cx="12192000" cy="6858000"/>
   <p:notesSz cx="6858000" cy="9144000"/>
@@ -130,13 +139,7 @@
       </p:grpSpPr>
       <p:sp>
         <p:nvSpPr>
-          <p:cNvPr id="2" name="标题 1">
-            <a:extLst>
-              <a:ext uri="{FF2B5EF4-FFF2-40B4-BE49-F238E27FC236}">
-                <a16:creationId xmlns:a16="http://schemas.microsoft.com/office/drawing/2014/main" id="{50F37167-F0F8-4973-A310-710DAB36BCDD}"/>
-              </a:ext>
-            </a:extLst>
-          </p:cNvPr>
+          <p:cNvPr id="2" name="标题 1"/>
           <p:cNvSpPr>
             <a:spLocks noGrp="1"/>
           </p:cNvSpPr>
@@ -162,18 +165,13 @@
               <a:rPr lang="zh-CN" altLang="en-US"/>
               <a:t>单击此处编辑母版标题样式</a:t>
             </a:r>
-          </a:p>
-        </p:txBody>
-      </p:sp>
-      <p:sp>
-        <p:nvSpPr>
-          <p:cNvPr id="3" name="副标题 2">
-            <a:extLst>
-              <a:ext uri="{FF2B5EF4-FFF2-40B4-BE49-F238E27FC236}">
-                <a16:creationId xmlns:a16="http://schemas.microsoft.com/office/drawing/2014/main" id="{7C88BA37-0F14-488A-8A1C-748257838FC5}"/>
-              </a:ext>
-            </a:extLst>
-          </p:cNvPr>
+            <a:endParaRPr lang="zh-CN" altLang="en-US"/>
+          </a:p>
+        </p:txBody>
+      </p:sp>
+      <p:sp>
+        <p:nvSpPr>
+          <p:cNvPr id="3" name="副标题 2"/>
           <p:cNvSpPr>
             <a:spLocks noGrp="1"/>
           </p:cNvSpPr>
@@ -232,18 +230,13 @@
               <a:rPr lang="zh-CN" altLang="en-US"/>
               <a:t>单击此处编辑母版副标题样式</a:t>
             </a:r>
-          </a:p>
-        </p:txBody>
-      </p:sp>
-      <p:sp>
-        <p:nvSpPr>
-          <p:cNvPr id="4" name="日期占位符 3">
-            <a:extLst>
-              <a:ext uri="{FF2B5EF4-FFF2-40B4-BE49-F238E27FC236}">
-                <a16:creationId xmlns:a16="http://schemas.microsoft.com/office/drawing/2014/main" id="{E6162086-1021-44A0-93CA-E60677BB4006}"/>
-              </a:ext>
-            </a:extLst>
-          </p:cNvPr>
+            <a:endParaRPr lang="zh-CN" altLang="en-US"/>
+          </a:p>
+        </p:txBody>
+      </p:sp>
+      <p:sp>
+        <p:nvSpPr>
+          <p:cNvPr id="4" name="日期占位符 3"/>
           <p:cNvSpPr>
             <a:spLocks noGrp="1"/>
           </p:cNvSpPr>
@@ -258,7 +251,6 @@
           <a:p>
             <a:fld id="{DDD654C4-C72C-44C4-AA05-A5B2208255A8}" type="datetimeFigureOut">
               <a:rPr lang="zh-CN" altLang="en-US" smtClean="0"/>
-              <a:t>2021/5/17</a:t>
             </a:fld>
             <a:endParaRPr lang="zh-CN" altLang="en-US"/>
           </a:p>
@@ -266,13 +258,7 @@
       </p:sp>
       <p:sp>
         <p:nvSpPr>
-          <p:cNvPr id="5" name="页脚占位符 4">
-            <a:extLst>
-              <a:ext uri="{FF2B5EF4-FFF2-40B4-BE49-F238E27FC236}">
-                <a16:creationId xmlns:a16="http://schemas.microsoft.com/office/drawing/2014/main" id="{96054004-FD68-4B90-B7C0-7DF1547B88CE}"/>
-              </a:ext>
-            </a:extLst>
-          </p:cNvPr>
+          <p:cNvPr id="5" name="页脚占位符 4"/>
           <p:cNvSpPr>
             <a:spLocks noGrp="1"/>
           </p:cNvSpPr>
@@ -291,13 +277,7 @@
       </p:sp>
       <p:sp>
         <p:nvSpPr>
-          <p:cNvPr id="6" name="灯片编号占位符 5">
-            <a:extLst>
-              <a:ext uri="{FF2B5EF4-FFF2-40B4-BE49-F238E27FC236}">
-                <a16:creationId xmlns:a16="http://schemas.microsoft.com/office/drawing/2014/main" id="{47D96377-1C07-4D8E-9B8A-EC0F0C161400}"/>
-              </a:ext>
-            </a:extLst>
-          </p:cNvPr>
+          <p:cNvPr id="6" name="灯片编号占位符 5"/>
           <p:cNvSpPr>
             <a:spLocks noGrp="1"/>
           </p:cNvSpPr>
@@ -312,18 +292,12 @@
           <a:p>
             <a:fld id="{A5FBB800-440C-474C-B735-C127FD42B685}" type="slidenum">
               <a:rPr lang="zh-CN" altLang="en-US" smtClean="0"/>
-              <a:t>‹#›</a:t>
             </a:fld>
             <a:endParaRPr lang="zh-CN" altLang="en-US"/>
           </a:p>
         </p:txBody>
       </p:sp>
     </p:spTree>
-    <p:extLst>
-      <p:ext uri="{BB962C8B-B14F-4D97-AF65-F5344CB8AC3E}">
-        <p14:creationId xmlns:p14="http://schemas.microsoft.com/office/powerpoint/2010/main" val="1564731314"/>
-      </p:ext>
-    </p:extLst>
   </p:cSld>
   <p:clrMapOvr>
     <a:masterClrMapping/>
@@ -350,13 +324,7 @@
       </p:grpSpPr>
       <p:sp>
         <p:nvSpPr>
-          <p:cNvPr id="2" name="标题 1">
-            <a:extLst>
-              <a:ext uri="{FF2B5EF4-FFF2-40B4-BE49-F238E27FC236}">
-                <a16:creationId xmlns:a16="http://schemas.microsoft.com/office/drawing/2014/main" id="{246C7E2D-35F2-4E21-A792-EC6230F5F3C2}"/>
-              </a:ext>
-            </a:extLst>
-          </p:cNvPr>
+          <p:cNvPr id="2" name="标题 1"/>
           <p:cNvSpPr>
             <a:spLocks noGrp="1"/>
           </p:cNvSpPr>
@@ -373,18 +341,13 @@
               <a:rPr lang="zh-CN" altLang="en-US"/>
               <a:t>单击此处编辑母版标题样式</a:t>
             </a:r>
-          </a:p>
-        </p:txBody>
-      </p:sp>
-      <p:sp>
-        <p:nvSpPr>
-          <p:cNvPr id="3" name="竖排文字占位符 2">
-            <a:extLst>
-              <a:ext uri="{FF2B5EF4-FFF2-40B4-BE49-F238E27FC236}">
-                <a16:creationId xmlns:a16="http://schemas.microsoft.com/office/drawing/2014/main" id="{E6928666-57C1-40E2-9C18-5E75D1006E62}"/>
-              </a:ext>
-            </a:extLst>
-          </p:cNvPr>
+            <a:endParaRPr lang="zh-CN" altLang="en-US"/>
+          </a:p>
+        </p:txBody>
+      </p:sp>
+      <p:sp>
+        <p:nvSpPr>
+          <p:cNvPr id="3" name="竖排文字占位符 2"/>
           <p:cNvSpPr>
             <a:spLocks noGrp="1"/>
           </p:cNvSpPr>
@@ -402,6 +365,7 @@
               <a:rPr lang="zh-CN" altLang="en-US"/>
               <a:t>单击此处编辑母版文本样式</a:t>
             </a:r>
+            <a:endParaRPr lang="zh-CN" altLang="en-US"/>
           </a:p>
           <a:p>
             <a:pPr lvl="1"/>
@@ -409,6 +373,7 @@
               <a:rPr lang="zh-CN" altLang="en-US"/>
               <a:t>二级</a:t>
             </a:r>
+            <a:endParaRPr lang="zh-CN" altLang="en-US"/>
           </a:p>
           <a:p>
             <a:pPr lvl="2"/>
@@ -416,6 +381,7 @@
               <a:rPr lang="zh-CN" altLang="en-US"/>
               <a:t>三级</a:t>
             </a:r>
+            <a:endParaRPr lang="zh-CN" altLang="en-US"/>
           </a:p>
           <a:p>
             <a:pPr lvl="3"/>
@@ -423,6 +389,7 @@
               <a:rPr lang="zh-CN" altLang="en-US"/>
               <a:t>四级</a:t>
             </a:r>
+            <a:endParaRPr lang="zh-CN" altLang="en-US"/>
           </a:p>
           <a:p>
             <a:pPr lvl="4"/>
@@ -430,18 +397,13 @@
               <a:rPr lang="zh-CN" altLang="en-US"/>
               <a:t>五级</a:t>
             </a:r>
-          </a:p>
-        </p:txBody>
-      </p:sp>
-      <p:sp>
-        <p:nvSpPr>
-          <p:cNvPr id="4" name="日期占位符 3">
-            <a:extLst>
-              <a:ext uri="{FF2B5EF4-FFF2-40B4-BE49-F238E27FC236}">
-                <a16:creationId xmlns:a16="http://schemas.microsoft.com/office/drawing/2014/main" id="{764BC745-D9D7-4D65-B542-C4F3006AE1BB}"/>
-              </a:ext>
-            </a:extLst>
-          </p:cNvPr>
+            <a:endParaRPr lang="zh-CN" altLang="en-US"/>
+          </a:p>
+        </p:txBody>
+      </p:sp>
+      <p:sp>
+        <p:nvSpPr>
+          <p:cNvPr id="4" name="日期占位符 3"/>
           <p:cNvSpPr>
             <a:spLocks noGrp="1"/>
           </p:cNvSpPr>
@@ -456,7 +418,6 @@
           <a:p>
             <a:fld id="{DDD654C4-C72C-44C4-AA05-A5B2208255A8}" type="datetimeFigureOut">
               <a:rPr lang="zh-CN" altLang="en-US" smtClean="0"/>
-              <a:t>2021/5/17</a:t>
             </a:fld>
             <a:endParaRPr lang="zh-CN" altLang="en-US"/>
           </a:p>
@@ -464,13 +425,7 @@
       </p:sp>
       <p:sp>
         <p:nvSpPr>
-          <p:cNvPr id="5" name="页脚占位符 4">
-            <a:extLst>
-              <a:ext uri="{FF2B5EF4-FFF2-40B4-BE49-F238E27FC236}">
-                <a16:creationId xmlns:a16="http://schemas.microsoft.com/office/drawing/2014/main" id="{6FE9EE96-1353-43D4-845D-1D0381659E6B}"/>
-              </a:ext>
-            </a:extLst>
-          </p:cNvPr>
+          <p:cNvPr id="5" name="页脚占位符 4"/>
           <p:cNvSpPr>
             <a:spLocks noGrp="1"/>
           </p:cNvSpPr>
@@ -489,13 +444,7 @@
       </p:sp>
       <p:sp>
         <p:nvSpPr>
-          <p:cNvPr id="6" name="灯片编号占位符 5">
-            <a:extLst>
-              <a:ext uri="{FF2B5EF4-FFF2-40B4-BE49-F238E27FC236}">
-                <a16:creationId xmlns:a16="http://schemas.microsoft.com/office/drawing/2014/main" id="{FB978F35-6E0E-41DA-8096-334B338275B9}"/>
-              </a:ext>
-            </a:extLst>
-          </p:cNvPr>
+          <p:cNvPr id="6" name="灯片编号占位符 5"/>
           <p:cNvSpPr>
             <a:spLocks noGrp="1"/>
           </p:cNvSpPr>
@@ -510,18 +459,12 @@
           <a:p>
             <a:fld id="{A5FBB800-440C-474C-B735-C127FD42B685}" type="slidenum">
               <a:rPr lang="zh-CN" altLang="en-US" smtClean="0"/>
-              <a:t>‹#›</a:t>
             </a:fld>
             <a:endParaRPr lang="zh-CN" altLang="en-US"/>
           </a:p>
         </p:txBody>
       </p:sp>
     </p:spTree>
-    <p:extLst>
-      <p:ext uri="{BB962C8B-B14F-4D97-AF65-F5344CB8AC3E}">
-        <p14:creationId xmlns:p14="http://schemas.microsoft.com/office/powerpoint/2010/main" val="750491411"/>
-      </p:ext>
-    </p:extLst>
   </p:cSld>
   <p:clrMapOvr>
     <a:masterClrMapping/>
@@ -548,13 +491,7 @@
       </p:grpSpPr>
       <p:sp>
         <p:nvSpPr>
-          <p:cNvPr id="2" name="竖排标题 1">
-            <a:extLst>
-              <a:ext uri="{FF2B5EF4-FFF2-40B4-BE49-F238E27FC236}">
-                <a16:creationId xmlns:a16="http://schemas.microsoft.com/office/drawing/2014/main" id="{C4D001D2-25FB-4BE0-9BA4-4B7763694722}"/>
-              </a:ext>
-            </a:extLst>
-          </p:cNvPr>
+          <p:cNvPr id="2" name="竖排标题 1"/>
           <p:cNvSpPr>
             <a:spLocks noGrp="1"/>
           </p:cNvSpPr>
@@ -576,18 +513,13 @@
               <a:rPr lang="zh-CN" altLang="en-US"/>
               <a:t>单击此处编辑母版标题样式</a:t>
             </a:r>
-          </a:p>
-        </p:txBody>
-      </p:sp>
-      <p:sp>
-        <p:nvSpPr>
-          <p:cNvPr id="3" name="竖排文字占位符 2">
-            <a:extLst>
-              <a:ext uri="{FF2B5EF4-FFF2-40B4-BE49-F238E27FC236}">
-                <a16:creationId xmlns:a16="http://schemas.microsoft.com/office/drawing/2014/main" id="{53B88701-6294-424B-A7F1-F7B1307F2777}"/>
-              </a:ext>
-            </a:extLst>
-          </p:cNvPr>
+            <a:endParaRPr lang="zh-CN" altLang="en-US"/>
+          </a:p>
+        </p:txBody>
+      </p:sp>
+      <p:sp>
+        <p:nvSpPr>
+          <p:cNvPr id="3" name="竖排文字占位符 2"/>
           <p:cNvSpPr>
             <a:spLocks noGrp="1"/>
           </p:cNvSpPr>
@@ -610,6 +542,7 @@
               <a:rPr lang="zh-CN" altLang="en-US"/>
               <a:t>单击此处编辑母版文本样式</a:t>
             </a:r>
+            <a:endParaRPr lang="zh-CN" altLang="en-US"/>
           </a:p>
           <a:p>
             <a:pPr lvl="1"/>
@@ -617,6 +550,7 @@
               <a:rPr lang="zh-CN" altLang="en-US"/>
               <a:t>二级</a:t>
             </a:r>
+            <a:endParaRPr lang="zh-CN" altLang="en-US"/>
           </a:p>
           <a:p>
             <a:pPr lvl="2"/>
@@ -624,6 +558,7 @@
               <a:rPr lang="zh-CN" altLang="en-US"/>
               <a:t>三级</a:t>
             </a:r>
+            <a:endParaRPr lang="zh-CN" altLang="en-US"/>
           </a:p>
           <a:p>
             <a:pPr lvl="3"/>
@@ -631,6 +566,7 @@
               <a:rPr lang="zh-CN" altLang="en-US"/>
               <a:t>四级</a:t>
             </a:r>
+            <a:endParaRPr lang="zh-CN" altLang="en-US"/>
           </a:p>
           <a:p>
             <a:pPr lvl="4"/>
@@ -638,18 +574,13 @@
               <a:rPr lang="zh-CN" altLang="en-US"/>
               <a:t>五级</a:t>
             </a:r>
-          </a:p>
-        </p:txBody>
-      </p:sp>
-      <p:sp>
-        <p:nvSpPr>
-          <p:cNvPr id="4" name="日期占位符 3">
-            <a:extLst>
-              <a:ext uri="{FF2B5EF4-FFF2-40B4-BE49-F238E27FC236}">
-                <a16:creationId xmlns:a16="http://schemas.microsoft.com/office/drawing/2014/main" id="{9E0FFF41-8D62-4A93-AB9B-3AC437EF705E}"/>
-              </a:ext>
-            </a:extLst>
-          </p:cNvPr>
+            <a:endParaRPr lang="zh-CN" altLang="en-US"/>
+          </a:p>
+        </p:txBody>
+      </p:sp>
+      <p:sp>
+        <p:nvSpPr>
+          <p:cNvPr id="4" name="日期占位符 3"/>
           <p:cNvSpPr>
             <a:spLocks noGrp="1"/>
           </p:cNvSpPr>
@@ -664,7 +595,6 @@
           <a:p>
             <a:fld id="{DDD654C4-C72C-44C4-AA05-A5B2208255A8}" type="datetimeFigureOut">
               <a:rPr lang="zh-CN" altLang="en-US" smtClean="0"/>
-              <a:t>2021/5/17</a:t>
             </a:fld>
             <a:endParaRPr lang="zh-CN" altLang="en-US"/>
           </a:p>
@@ -672,13 +602,7 @@
       </p:sp>
       <p:sp>
         <p:nvSpPr>
-          <p:cNvPr id="5" name="页脚占位符 4">
-            <a:extLst>
-              <a:ext uri="{FF2B5EF4-FFF2-40B4-BE49-F238E27FC236}">
-                <a16:creationId xmlns:a16="http://schemas.microsoft.com/office/drawing/2014/main" id="{0601AC27-C03F-4889-884E-E39DA4876BCC}"/>
-              </a:ext>
-            </a:extLst>
-          </p:cNvPr>
+          <p:cNvPr id="5" name="页脚占位符 4"/>
           <p:cNvSpPr>
             <a:spLocks noGrp="1"/>
           </p:cNvSpPr>
@@ -697,13 +621,7 @@
       </p:sp>
       <p:sp>
         <p:nvSpPr>
-          <p:cNvPr id="6" name="灯片编号占位符 5">
-            <a:extLst>
-              <a:ext uri="{FF2B5EF4-FFF2-40B4-BE49-F238E27FC236}">
-                <a16:creationId xmlns:a16="http://schemas.microsoft.com/office/drawing/2014/main" id="{375E3F65-6F9E-4D23-A3A4-8E69E2D0AF16}"/>
-              </a:ext>
-            </a:extLst>
-          </p:cNvPr>
+          <p:cNvPr id="6" name="灯片编号占位符 5"/>
           <p:cNvSpPr>
             <a:spLocks noGrp="1"/>
           </p:cNvSpPr>
@@ -718,18 +636,12 @@
           <a:p>
             <a:fld id="{A5FBB800-440C-474C-B735-C127FD42B685}" type="slidenum">
               <a:rPr lang="zh-CN" altLang="en-US" smtClean="0"/>
-              <a:t>‹#›</a:t>
             </a:fld>
             <a:endParaRPr lang="zh-CN" altLang="en-US"/>
           </a:p>
         </p:txBody>
       </p:sp>
     </p:spTree>
-    <p:extLst>
-      <p:ext uri="{BB962C8B-B14F-4D97-AF65-F5344CB8AC3E}">
-        <p14:creationId xmlns:p14="http://schemas.microsoft.com/office/powerpoint/2010/main" val="2394651234"/>
-      </p:ext>
-    </p:extLst>
   </p:cSld>
   <p:clrMapOvr>
     <a:masterClrMapping/>
@@ -756,13 +668,7 @@
       </p:grpSpPr>
       <p:sp>
         <p:nvSpPr>
-          <p:cNvPr id="2" name="标题 1">
-            <a:extLst>
-              <a:ext uri="{FF2B5EF4-FFF2-40B4-BE49-F238E27FC236}">
-                <a16:creationId xmlns:a16="http://schemas.microsoft.com/office/drawing/2014/main" id="{43E3B115-4727-4519-923D-2DDC06650426}"/>
-              </a:ext>
-            </a:extLst>
-          </p:cNvPr>
+          <p:cNvPr id="2" name="标题 1"/>
           <p:cNvSpPr>
             <a:spLocks noGrp="1"/>
           </p:cNvSpPr>
@@ -779,18 +685,13 @@
               <a:rPr lang="zh-CN" altLang="en-US"/>
               <a:t>单击此处编辑母版标题样式</a:t>
             </a:r>
-          </a:p>
-        </p:txBody>
-      </p:sp>
-      <p:sp>
-        <p:nvSpPr>
-          <p:cNvPr id="3" name="内容占位符 2">
-            <a:extLst>
-              <a:ext uri="{FF2B5EF4-FFF2-40B4-BE49-F238E27FC236}">
-                <a16:creationId xmlns:a16="http://schemas.microsoft.com/office/drawing/2014/main" id="{542496AC-E0BD-4F25-9313-54E02F7FEE00}"/>
-              </a:ext>
-            </a:extLst>
-          </p:cNvPr>
+            <a:endParaRPr lang="zh-CN" altLang="en-US"/>
+          </a:p>
+        </p:txBody>
+      </p:sp>
+      <p:sp>
+        <p:nvSpPr>
+          <p:cNvPr id="3" name="内容占位符 2"/>
           <p:cNvSpPr>
             <a:spLocks noGrp="1"/>
           </p:cNvSpPr>
@@ -808,6 +709,7 @@
               <a:rPr lang="zh-CN" altLang="en-US"/>
               <a:t>单击此处编辑母版文本样式</a:t>
             </a:r>
+            <a:endParaRPr lang="zh-CN" altLang="en-US"/>
           </a:p>
           <a:p>
             <a:pPr lvl="1"/>
@@ -815,6 +717,7 @@
               <a:rPr lang="zh-CN" altLang="en-US"/>
               <a:t>二级</a:t>
             </a:r>
+            <a:endParaRPr lang="zh-CN" altLang="en-US"/>
           </a:p>
           <a:p>
             <a:pPr lvl="2"/>
@@ -822,6 +725,7 @@
               <a:rPr lang="zh-CN" altLang="en-US"/>
               <a:t>三级</a:t>
             </a:r>
+            <a:endParaRPr lang="zh-CN" altLang="en-US"/>
           </a:p>
           <a:p>
             <a:pPr lvl="3"/>
@@ -829,6 +733,7 @@
               <a:rPr lang="zh-CN" altLang="en-US"/>
               <a:t>四级</a:t>
             </a:r>
+            <a:endParaRPr lang="zh-CN" altLang="en-US"/>
           </a:p>
           <a:p>
             <a:pPr lvl="4"/>
@@ -836,18 +741,13 @@
               <a:rPr lang="zh-CN" altLang="en-US"/>
               <a:t>五级</a:t>
             </a:r>
-          </a:p>
-        </p:txBody>
-      </p:sp>
-      <p:sp>
-        <p:nvSpPr>
-          <p:cNvPr id="4" name="日期占位符 3">
-            <a:extLst>
-              <a:ext uri="{FF2B5EF4-FFF2-40B4-BE49-F238E27FC236}">
-                <a16:creationId xmlns:a16="http://schemas.microsoft.com/office/drawing/2014/main" id="{56363E2B-6D5C-4480-AC73-06E265666315}"/>
-              </a:ext>
-            </a:extLst>
-          </p:cNvPr>
+            <a:endParaRPr lang="zh-CN" altLang="en-US"/>
+          </a:p>
+        </p:txBody>
+      </p:sp>
+      <p:sp>
+        <p:nvSpPr>
+          <p:cNvPr id="4" name="日期占位符 3"/>
           <p:cNvSpPr>
             <a:spLocks noGrp="1"/>
           </p:cNvSpPr>
@@ -862,7 +762,6 @@
           <a:p>
             <a:fld id="{DDD654C4-C72C-44C4-AA05-A5B2208255A8}" type="datetimeFigureOut">
               <a:rPr lang="zh-CN" altLang="en-US" smtClean="0"/>
-              <a:t>2021/5/17</a:t>
             </a:fld>
             <a:endParaRPr lang="zh-CN" altLang="en-US"/>
           </a:p>
@@ -870,13 +769,7 @@
       </p:sp>
       <p:sp>
         <p:nvSpPr>
-          <p:cNvPr id="5" name="页脚占位符 4">
-            <a:extLst>
-              <a:ext uri="{FF2B5EF4-FFF2-40B4-BE49-F238E27FC236}">
-                <a16:creationId xmlns:a16="http://schemas.microsoft.com/office/drawing/2014/main" id="{780D7E47-18F0-4FE2-9FCE-5A24A896AB88}"/>
-              </a:ext>
-            </a:extLst>
-          </p:cNvPr>
+          <p:cNvPr id="5" name="页脚占位符 4"/>
           <p:cNvSpPr>
             <a:spLocks noGrp="1"/>
           </p:cNvSpPr>
@@ -895,13 +788,7 @@
       </p:sp>
       <p:sp>
         <p:nvSpPr>
-          <p:cNvPr id="6" name="灯片编号占位符 5">
-            <a:extLst>
-              <a:ext uri="{FF2B5EF4-FFF2-40B4-BE49-F238E27FC236}">
-                <a16:creationId xmlns:a16="http://schemas.microsoft.com/office/drawing/2014/main" id="{DC99E170-DE6C-4AEB-90ED-27B348EFB9C8}"/>
-              </a:ext>
-            </a:extLst>
-          </p:cNvPr>
+          <p:cNvPr id="6" name="灯片编号占位符 5"/>
           <p:cNvSpPr>
             <a:spLocks noGrp="1"/>
           </p:cNvSpPr>
@@ -916,18 +803,12 @@
           <a:p>
             <a:fld id="{A5FBB800-440C-474C-B735-C127FD42B685}" type="slidenum">
               <a:rPr lang="zh-CN" altLang="en-US" smtClean="0"/>
-              <a:t>‹#›</a:t>
             </a:fld>
             <a:endParaRPr lang="zh-CN" altLang="en-US"/>
           </a:p>
         </p:txBody>
       </p:sp>
     </p:spTree>
-    <p:extLst>
-      <p:ext uri="{BB962C8B-B14F-4D97-AF65-F5344CB8AC3E}">
-        <p14:creationId xmlns:p14="http://schemas.microsoft.com/office/powerpoint/2010/main" val="2971407604"/>
-      </p:ext>
-    </p:extLst>
   </p:cSld>
   <p:clrMapOvr>
     <a:masterClrMapping/>
@@ -954,13 +835,7 @@
       </p:grpSpPr>
       <p:sp>
         <p:nvSpPr>
-          <p:cNvPr id="2" name="标题 1">
-            <a:extLst>
-              <a:ext uri="{FF2B5EF4-FFF2-40B4-BE49-F238E27FC236}">
-                <a16:creationId xmlns:a16="http://schemas.microsoft.com/office/drawing/2014/main" id="{7B2D9988-E540-4626-8E47-4408751E94DB}"/>
-              </a:ext>
-            </a:extLst>
-          </p:cNvPr>
+          <p:cNvPr id="2" name="标题 1"/>
           <p:cNvSpPr>
             <a:spLocks noGrp="1"/>
           </p:cNvSpPr>
@@ -986,18 +861,13 @@
               <a:rPr lang="zh-CN" altLang="en-US"/>
               <a:t>单击此处编辑母版标题样式</a:t>
             </a:r>
-          </a:p>
-        </p:txBody>
-      </p:sp>
-      <p:sp>
-        <p:nvSpPr>
-          <p:cNvPr id="3" name="文本占位符 2">
-            <a:extLst>
-              <a:ext uri="{FF2B5EF4-FFF2-40B4-BE49-F238E27FC236}">
-                <a16:creationId xmlns:a16="http://schemas.microsoft.com/office/drawing/2014/main" id="{FF9C8AEF-A17E-4897-90FD-4D679A710935}"/>
-              </a:ext>
-            </a:extLst>
-          </p:cNvPr>
+            <a:endParaRPr lang="zh-CN" altLang="en-US"/>
+          </a:p>
+        </p:txBody>
+      </p:sp>
+      <p:sp>
+        <p:nvSpPr>
+          <p:cNvPr id="3" name="文本占位符 2"/>
           <p:cNvSpPr>
             <a:spLocks noGrp="1"/>
           </p:cNvSpPr>
@@ -1111,18 +981,13 @@
               <a:rPr lang="zh-CN" altLang="en-US"/>
               <a:t>单击此处编辑母版文本样式</a:t>
             </a:r>
-          </a:p>
-        </p:txBody>
-      </p:sp>
-      <p:sp>
-        <p:nvSpPr>
-          <p:cNvPr id="4" name="日期占位符 3">
-            <a:extLst>
-              <a:ext uri="{FF2B5EF4-FFF2-40B4-BE49-F238E27FC236}">
-                <a16:creationId xmlns:a16="http://schemas.microsoft.com/office/drawing/2014/main" id="{03554DAE-A5C9-4DBF-8CFB-31AB78C3CE50}"/>
-              </a:ext>
-            </a:extLst>
-          </p:cNvPr>
+            <a:endParaRPr lang="zh-CN" altLang="en-US"/>
+          </a:p>
+        </p:txBody>
+      </p:sp>
+      <p:sp>
+        <p:nvSpPr>
+          <p:cNvPr id="4" name="日期占位符 3"/>
           <p:cNvSpPr>
             <a:spLocks noGrp="1"/>
           </p:cNvSpPr>
@@ -1137,7 +1002,6 @@
           <a:p>
             <a:fld id="{DDD654C4-C72C-44C4-AA05-A5B2208255A8}" type="datetimeFigureOut">
               <a:rPr lang="zh-CN" altLang="en-US" smtClean="0"/>
-              <a:t>2021/5/17</a:t>
             </a:fld>
             <a:endParaRPr lang="zh-CN" altLang="en-US"/>
           </a:p>
@@ -1145,13 +1009,7 @@
       </p:sp>
       <p:sp>
         <p:nvSpPr>
-          <p:cNvPr id="5" name="页脚占位符 4">
-            <a:extLst>
-              <a:ext uri="{FF2B5EF4-FFF2-40B4-BE49-F238E27FC236}">
-                <a16:creationId xmlns:a16="http://schemas.microsoft.com/office/drawing/2014/main" id="{9C0ABF7C-8617-4868-9B2B-C5127655349E}"/>
-              </a:ext>
-            </a:extLst>
-          </p:cNvPr>
+          <p:cNvPr id="5" name="页脚占位符 4"/>
           <p:cNvSpPr>
             <a:spLocks noGrp="1"/>
           </p:cNvSpPr>
@@ -1170,13 +1028,7 @@
       </p:sp>
       <p:sp>
         <p:nvSpPr>
-          <p:cNvPr id="6" name="灯片编号占位符 5">
-            <a:extLst>
-              <a:ext uri="{FF2B5EF4-FFF2-40B4-BE49-F238E27FC236}">
-                <a16:creationId xmlns:a16="http://schemas.microsoft.com/office/drawing/2014/main" id="{87AC878C-465D-443C-A96B-A5137D19E3A9}"/>
-              </a:ext>
-            </a:extLst>
-          </p:cNvPr>
+          <p:cNvPr id="6" name="灯片编号占位符 5"/>
           <p:cNvSpPr>
             <a:spLocks noGrp="1"/>
           </p:cNvSpPr>
@@ -1191,18 +1043,12 @@
           <a:p>
             <a:fld id="{A5FBB800-440C-474C-B735-C127FD42B685}" type="slidenum">
               <a:rPr lang="zh-CN" altLang="en-US" smtClean="0"/>
-              <a:t>‹#›</a:t>
             </a:fld>
             <a:endParaRPr lang="zh-CN" altLang="en-US"/>
           </a:p>
         </p:txBody>
       </p:sp>
     </p:spTree>
-    <p:extLst>
-      <p:ext uri="{BB962C8B-B14F-4D97-AF65-F5344CB8AC3E}">
-        <p14:creationId xmlns:p14="http://schemas.microsoft.com/office/powerpoint/2010/main" val="1253216738"/>
-      </p:ext>
-    </p:extLst>
   </p:cSld>
   <p:clrMapOvr>
     <a:masterClrMapping/>
@@ -1229,13 +1075,7 @@
       </p:grpSpPr>
       <p:sp>
         <p:nvSpPr>
-          <p:cNvPr id="2" name="标题 1">
-            <a:extLst>
-              <a:ext uri="{FF2B5EF4-FFF2-40B4-BE49-F238E27FC236}">
-                <a16:creationId xmlns:a16="http://schemas.microsoft.com/office/drawing/2014/main" id="{2D5773A0-90CA-4BAB-83DF-8A7EDFD28B02}"/>
-              </a:ext>
-            </a:extLst>
-          </p:cNvPr>
+          <p:cNvPr id="2" name="标题 1"/>
           <p:cNvSpPr>
             <a:spLocks noGrp="1"/>
           </p:cNvSpPr>
@@ -1252,18 +1092,13 @@
               <a:rPr lang="zh-CN" altLang="en-US"/>
               <a:t>单击此处编辑母版标题样式</a:t>
             </a:r>
-          </a:p>
-        </p:txBody>
-      </p:sp>
-      <p:sp>
-        <p:nvSpPr>
-          <p:cNvPr id="3" name="内容占位符 2">
-            <a:extLst>
-              <a:ext uri="{FF2B5EF4-FFF2-40B4-BE49-F238E27FC236}">
-                <a16:creationId xmlns:a16="http://schemas.microsoft.com/office/drawing/2014/main" id="{B71ACF4C-750F-45D8-965A-9D62FDBD91C1}"/>
-              </a:ext>
-            </a:extLst>
-          </p:cNvPr>
+            <a:endParaRPr lang="zh-CN" altLang="en-US"/>
+          </a:p>
+        </p:txBody>
+      </p:sp>
+      <p:sp>
+        <p:nvSpPr>
+          <p:cNvPr id="3" name="内容占位符 2"/>
           <p:cNvSpPr>
             <a:spLocks noGrp="1"/>
           </p:cNvSpPr>
@@ -1286,6 +1121,7 @@
               <a:rPr lang="zh-CN" altLang="en-US"/>
               <a:t>单击此处编辑母版文本样式</a:t>
             </a:r>
+            <a:endParaRPr lang="zh-CN" altLang="en-US"/>
           </a:p>
           <a:p>
             <a:pPr lvl="1"/>
@@ -1293,6 +1129,7 @@
               <a:rPr lang="zh-CN" altLang="en-US"/>
               <a:t>二级</a:t>
             </a:r>
+            <a:endParaRPr lang="zh-CN" altLang="en-US"/>
           </a:p>
           <a:p>
             <a:pPr lvl="2"/>
@@ -1300,6 +1137,7 @@
               <a:rPr lang="zh-CN" altLang="en-US"/>
               <a:t>三级</a:t>
             </a:r>
+            <a:endParaRPr lang="zh-CN" altLang="en-US"/>
           </a:p>
           <a:p>
             <a:pPr lvl="3"/>
@@ -1307,6 +1145,7 @@
               <a:rPr lang="zh-CN" altLang="en-US"/>
               <a:t>四级</a:t>
             </a:r>
+            <a:endParaRPr lang="zh-CN" altLang="en-US"/>
           </a:p>
           <a:p>
             <a:pPr lvl="4"/>
@@ -1314,18 +1153,13 @@
               <a:rPr lang="zh-CN" altLang="en-US"/>
               <a:t>五级</a:t>
             </a:r>
-          </a:p>
-        </p:txBody>
-      </p:sp>
-      <p:sp>
-        <p:nvSpPr>
-          <p:cNvPr id="4" name="内容占位符 3">
-            <a:extLst>
-              <a:ext uri="{FF2B5EF4-FFF2-40B4-BE49-F238E27FC236}">
-                <a16:creationId xmlns:a16="http://schemas.microsoft.com/office/drawing/2014/main" id="{89A44697-73EB-441F-A016-9AEEE7FA61AD}"/>
-              </a:ext>
-            </a:extLst>
-          </p:cNvPr>
+            <a:endParaRPr lang="zh-CN" altLang="en-US"/>
+          </a:p>
+        </p:txBody>
+      </p:sp>
+      <p:sp>
+        <p:nvSpPr>
+          <p:cNvPr id="4" name="内容占位符 3"/>
           <p:cNvSpPr>
             <a:spLocks noGrp="1"/>
           </p:cNvSpPr>
@@ -1348,6 +1182,7 @@
               <a:rPr lang="zh-CN" altLang="en-US"/>
               <a:t>单击此处编辑母版文本样式</a:t>
             </a:r>
+            <a:endParaRPr lang="zh-CN" altLang="en-US"/>
           </a:p>
           <a:p>
             <a:pPr lvl="1"/>
@@ -1355,6 +1190,7 @@
               <a:rPr lang="zh-CN" altLang="en-US"/>
               <a:t>二级</a:t>
             </a:r>
+            <a:endParaRPr lang="zh-CN" altLang="en-US"/>
           </a:p>
           <a:p>
             <a:pPr lvl="2"/>
@@ -1362,6 +1198,7 @@
               <a:rPr lang="zh-CN" altLang="en-US"/>
               <a:t>三级</a:t>
             </a:r>
+            <a:endParaRPr lang="zh-CN" altLang="en-US"/>
           </a:p>
           <a:p>
             <a:pPr lvl="3"/>
@@ -1369,6 +1206,7 @@
               <a:rPr lang="zh-CN" altLang="en-US"/>
               <a:t>四级</a:t>
             </a:r>
+            <a:endParaRPr lang="zh-CN" altLang="en-US"/>
           </a:p>
           <a:p>
             <a:pPr lvl="4"/>
@@ -1376,18 +1214,13 @@
               <a:rPr lang="zh-CN" altLang="en-US"/>
               <a:t>五级</a:t>
             </a:r>
-          </a:p>
-        </p:txBody>
-      </p:sp>
-      <p:sp>
-        <p:nvSpPr>
-          <p:cNvPr id="5" name="日期占位符 4">
-            <a:extLst>
-              <a:ext uri="{FF2B5EF4-FFF2-40B4-BE49-F238E27FC236}">
-                <a16:creationId xmlns:a16="http://schemas.microsoft.com/office/drawing/2014/main" id="{0BDE2173-224E-455E-BB4E-31EF421AC012}"/>
-              </a:ext>
-            </a:extLst>
-          </p:cNvPr>
+            <a:endParaRPr lang="zh-CN" altLang="en-US"/>
+          </a:p>
+        </p:txBody>
+      </p:sp>
+      <p:sp>
+        <p:nvSpPr>
+          <p:cNvPr id="5" name="日期占位符 4"/>
           <p:cNvSpPr>
             <a:spLocks noGrp="1"/>
           </p:cNvSpPr>
@@ -1402,7 +1235,6 @@
           <a:p>
             <a:fld id="{DDD654C4-C72C-44C4-AA05-A5B2208255A8}" type="datetimeFigureOut">
               <a:rPr lang="zh-CN" altLang="en-US" smtClean="0"/>
-              <a:t>2021/5/17</a:t>
             </a:fld>
             <a:endParaRPr lang="zh-CN" altLang="en-US"/>
           </a:p>
@@ -1410,13 +1242,7 @@
       </p:sp>
       <p:sp>
         <p:nvSpPr>
-          <p:cNvPr id="6" name="页脚占位符 5">
-            <a:extLst>
-              <a:ext uri="{FF2B5EF4-FFF2-40B4-BE49-F238E27FC236}">
-                <a16:creationId xmlns:a16="http://schemas.microsoft.com/office/drawing/2014/main" id="{FD429DDE-82A4-4006-9ADC-D62FC76D6A43}"/>
-              </a:ext>
-            </a:extLst>
-          </p:cNvPr>
+          <p:cNvPr id="6" name="页脚占位符 5"/>
           <p:cNvSpPr>
             <a:spLocks noGrp="1"/>
           </p:cNvSpPr>
@@ -1435,13 +1261,7 @@
       </p:sp>
       <p:sp>
         <p:nvSpPr>
-          <p:cNvPr id="7" name="灯片编号占位符 6">
-            <a:extLst>
-              <a:ext uri="{FF2B5EF4-FFF2-40B4-BE49-F238E27FC236}">
-                <a16:creationId xmlns:a16="http://schemas.microsoft.com/office/drawing/2014/main" id="{AC966FBD-2290-4A81-97DC-A1B99C3C982D}"/>
-              </a:ext>
-            </a:extLst>
-          </p:cNvPr>
+          <p:cNvPr id="7" name="灯片编号占位符 6"/>
           <p:cNvSpPr>
             <a:spLocks noGrp="1"/>
           </p:cNvSpPr>
@@ -1456,18 +1276,12 @@
           <a:p>
             <a:fld id="{A5FBB800-440C-474C-B735-C127FD42B685}" type="slidenum">
               <a:rPr lang="zh-CN" altLang="en-US" smtClean="0"/>
-              <a:t>‹#›</a:t>
             </a:fld>
             <a:endParaRPr lang="zh-CN" altLang="en-US"/>
           </a:p>
         </p:txBody>
       </p:sp>
     </p:spTree>
-    <p:extLst>
-      <p:ext uri="{BB962C8B-B14F-4D97-AF65-F5344CB8AC3E}">
-        <p14:creationId xmlns:p14="http://schemas.microsoft.com/office/powerpoint/2010/main" val="3660902578"/>
-      </p:ext>
-    </p:extLst>
   </p:cSld>
   <p:clrMapOvr>
     <a:masterClrMapping/>
@@ -1494,13 +1308,7 @@
       </p:grpSpPr>
       <p:sp>
         <p:nvSpPr>
-          <p:cNvPr id="2" name="标题 1">
-            <a:extLst>
-              <a:ext uri="{FF2B5EF4-FFF2-40B4-BE49-F238E27FC236}">
-                <a16:creationId xmlns:a16="http://schemas.microsoft.com/office/drawing/2014/main" id="{52D85213-4062-49B2-B0A7-6F9ED81E75D1}"/>
-              </a:ext>
-            </a:extLst>
-          </p:cNvPr>
+          <p:cNvPr id="2" name="标题 1"/>
           <p:cNvSpPr>
             <a:spLocks noGrp="1"/>
           </p:cNvSpPr>
@@ -1522,18 +1330,13 @@
               <a:rPr lang="zh-CN" altLang="en-US"/>
               <a:t>单击此处编辑母版标题样式</a:t>
             </a:r>
-          </a:p>
-        </p:txBody>
-      </p:sp>
-      <p:sp>
-        <p:nvSpPr>
-          <p:cNvPr id="3" name="文本占位符 2">
-            <a:extLst>
-              <a:ext uri="{FF2B5EF4-FFF2-40B4-BE49-F238E27FC236}">
-                <a16:creationId xmlns:a16="http://schemas.microsoft.com/office/drawing/2014/main" id="{9ACE028A-FC7B-4A9E-B6A0-6D9B5BA44B29}"/>
-              </a:ext>
-            </a:extLst>
-          </p:cNvPr>
+            <a:endParaRPr lang="zh-CN" altLang="en-US"/>
+          </a:p>
+        </p:txBody>
+      </p:sp>
+      <p:sp>
+        <p:nvSpPr>
+          <p:cNvPr id="3" name="文本占位符 2"/>
           <p:cNvSpPr>
             <a:spLocks noGrp="1"/>
           </p:cNvSpPr>
@@ -1593,18 +1396,13 @@
               <a:rPr lang="zh-CN" altLang="en-US"/>
               <a:t>单击此处编辑母版文本样式</a:t>
             </a:r>
-          </a:p>
-        </p:txBody>
-      </p:sp>
-      <p:sp>
-        <p:nvSpPr>
-          <p:cNvPr id="4" name="内容占位符 3">
-            <a:extLst>
-              <a:ext uri="{FF2B5EF4-FFF2-40B4-BE49-F238E27FC236}">
-                <a16:creationId xmlns:a16="http://schemas.microsoft.com/office/drawing/2014/main" id="{4622DF5C-BA55-45CA-A6F4-27155FC846C0}"/>
-              </a:ext>
-            </a:extLst>
-          </p:cNvPr>
+            <a:endParaRPr lang="zh-CN" altLang="en-US"/>
+          </a:p>
+        </p:txBody>
+      </p:sp>
+      <p:sp>
+        <p:nvSpPr>
+          <p:cNvPr id="4" name="内容占位符 3"/>
           <p:cNvSpPr>
             <a:spLocks noGrp="1"/>
           </p:cNvSpPr>
@@ -1627,6 +1425,7 @@
               <a:rPr lang="zh-CN" altLang="en-US"/>
               <a:t>单击此处编辑母版文本样式</a:t>
             </a:r>
+            <a:endParaRPr lang="zh-CN" altLang="en-US"/>
           </a:p>
           <a:p>
             <a:pPr lvl="1"/>
@@ -1634,6 +1433,7 @@
               <a:rPr lang="zh-CN" altLang="en-US"/>
               <a:t>二级</a:t>
             </a:r>
+            <a:endParaRPr lang="zh-CN" altLang="en-US"/>
           </a:p>
           <a:p>
             <a:pPr lvl="2"/>
@@ -1641,6 +1441,7 @@
               <a:rPr lang="zh-CN" altLang="en-US"/>
               <a:t>三级</a:t>
             </a:r>
+            <a:endParaRPr lang="zh-CN" altLang="en-US"/>
           </a:p>
           <a:p>
             <a:pPr lvl="3"/>
@@ -1648,6 +1449,7 @@
               <a:rPr lang="zh-CN" altLang="en-US"/>
               <a:t>四级</a:t>
             </a:r>
+            <a:endParaRPr lang="zh-CN" altLang="en-US"/>
           </a:p>
           <a:p>
             <a:pPr lvl="4"/>
@@ -1655,18 +1457,13 @@
               <a:rPr lang="zh-CN" altLang="en-US"/>
               <a:t>五级</a:t>
             </a:r>
-          </a:p>
-        </p:txBody>
-      </p:sp>
-      <p:sp>
-        <p:nvSpPr>
-          <p:cNvPr id="5" name="文本占位符 4">
-            <a:extLst>
-              <a:ext uri="{FF2B5EF4-FFF2-40B4-BE49-F238E27FC236}">
-                <a16:creationId xmlns:a16="http://schemas.microsoft.com/office/drawing/2014/main" id="{CDC12C5D-510E-4FAF-9F7D-F3728759082F}"/>
-              </a:ext>
-            </a:extLst>
-          </p:cNvPr>
+            <a:endParaRPr lang="zh-CN" altLang="en-US"/>
+          </a:p>
+        </p:txBody>
+      </p:sp>
+      <p:sp>
+        <p:nvSpPr>
+          <p:cNvPr id="5" name="文本占位符 4"/>
           <p:cNvSpPr>
             <a:spLocks noGrp="1"/>
           </p:cNvSpPr>
@@ -1726,18 +1523,13 @@
               <a:rPr lang="zh-CN" altLang="en-US"/>
               <a:t>单击此处编辑母版文本样式</a:t>
             </a:r>
-          </a:p>
-        </p:txBody>
-      </p:sp>
-      <p:sp>
-        <p:nvSpPr>
-          <p:cNvPr id="6" name="内容占位符 5">
-            <a:extLst>
-              <a:ext uri="{FF2B5EF4-FFF2-40B4-BE49-F238E27FC236}">
-                <a16:creationId xmlns:a16="http://schemas.microsoft.com/office/drawing/2014/main" id="{AAD3BBAA-4E9F-41B0-8024-3E6A44B41883}"/>
-              </a:ext>
-            </a:extLst>
-          </p:cNvPr>
+            <a:endParaRPr lang="zh-CN" altLang="en-US"/>
+          </a:p>
+        </p:txBody>
+      </p:sp>
+      <p:sp>
+        <p:nvSpPr>
+          <p:cNvPr id="6" name="内容占位符 5"/>
           <p:cNvSpPr>
             <a:spLocks noGrp="1"/>
           </p:cNvSpPr>
@@ -1760,6 +1552,7 @@
               <a:rPr lang="zh-CN" altLang="en-US"/>
               <a:t>单击此处编辑母版文本样式</a:t>
             </a:r>
+            <a:endParaRPr lang="zh-CN" altLang="en-US"/>
           </a:p>
           <a:p>
             <a:pPr lvl="1"/>
@@ -1767,6 +1560,7 @@
               <a:rPr lang="zh-CN" altLang="en-US"/>
               <a:t>二级</a:t>
             </a:r>
+            <a:endParaRPr lang="zh-CN" altLang="en-US"/>
           </a:p>
           <a:p>
             <a:pPr lvl="2"/>
@@ -1774,6 +1568,7 @@
               <a:rPr lang="zh-CN" altLang="en-US"/>
               <a:t>三级</a:t>
             </a:r>
+            <a:endParaRPr lang="zh-CN" altLang="en-US"/>
           </a:p>
           <a:p>
             <a:pPr lvl="3"/>
@@ -1781,6 +1576,7 @@
               <a:rPr lang="zh-CN" altLang="en-US"/>
               <a:t>四级</a:t>
             </a:r>
+            <a:endParaRPr lang="zh-CN" altLang="en-US"/>
           </a:p>
           <a:p>
             <a:pPr lvl="4"/>
@@ -1788,18 +1584,13 @@
               <a:rPr lang="zh-CN" altLang="en-US"/>
               <a:t>五级</a:t>
             </a:r>
-          </a:p>
-        </p:txBody>
-      </p:sp>
-      <p:sp>
-        <p:nvSpPr>
-          <p:cNvPr id="7" name="日期占位符 6">
-            <a:extLst>
-              <a:ext uri="{FF2B5EF4-FFF2-40B4-BE49-F238E27FC236}">
-                <a16:creationId xmlns:a16="http://schemas.microsoft.com/office/drawing/2014/main" id="{899E6B43-E0F2-428D-955E-CDA392249552}"/>
-              </a:ext>
-            </a:extLst>
-          </p:cNvPr>
+            <a:endParaRPr lang="zh-CN" altLang="en-US"/>
+          </a:p>
+        </p:txBody>
+      </p:sp>
+      <p:sp>
+        <p:nvSpPr>
+          <p:cNvPr id="7" name="日期占位符 6"/>
           <p:cNvSpPr>
             <a:spLocks noGrp="1"/>
           </p:cNvSpPr>
@@ -1814,7 +1605,6 @@
           <a:p>
             <a:fld id="{DDD654C4-C72C-44C4-AA05-A5B2208255A8}" type="datetimeFigureOut">
               <a:rPr lang="zh-CN" altLang="en-US" smtClean="0"/>
-              <a:t>2021/5/17</a:t>
             </a:fld>
             <a:endParaRPr lang="zh-CN" altLang="en-US"/>
           </a:p>
@@ -1822,13 +1612,7 @@
       </p:sp>
       <p:sp>
         <p:nvSpPr>
-          <p:cNvPr id="8" name="页脚占位符 7">
-            <a:extLst>
-              <a:ext uri="{FF2B5EF4-FFF2-40B4-BE49-F238E27FC236}">
-                <a16:creationId xmlns:a16="http://schemas.microsoft.com/office/drawing/2014/main" id="{60C830E6-1532-4343-A427-59EE202B923F}"/>
-              </a:ext>
-            </a:extLst>
-          </p:cNvPr>
+          <p:cNvPr id="8" name="页脚占位符 7"/>
           <p:cNvSpPr>
             <a:spLocks noGrp="1"/>
           </p:cNvSpPr>
@@ -1847,13 +1631,7 @@
       </p:sp>
       <p:sp>
         <p:nvSpPr>
-          <p:cNvPr id="9" name="灯片编号占位符 8">
-            <a:extLst>
-              <a:ext uri="{FF2B5EF4-FFF2-40B4-BE49-F238E27FC236}">
-                <a16:creationId xmlns:a16="http://schemas.microsoft.com/office/drawing/2014/main" id="{5B45E548-0A1B-4863-9E17-5766EFC972B9}"/>
-              </a:ext>
-            </a:extLst>
-          </p:cNvPr>
+          <p:cNvPr id="9" name="灯片编号占位符 8"/>
           <p:cNvSpPr>
             <a:spLocks noGrp="1"/>
           </p:cNvSpPr>
@@ -1868,18 +1646,12 @@
           <a:p>
             <a:fld id="{A5FBB800-440C-474C-B735-C127FD42B685}" type="slidenum">
               <a:rPr lang="zh-CN" altLang="en-US" smtClean="0"/>
-              <a:t>‹#›</a:t>
             </a:fld>
             <a:endParaRPr lang="zh-CN" altLang="en-US"/>
           </a:p>
         </p:txBody>
       </p:sp>
     </p:spTree>
-    <p:extLst>
-      <p:ext uri="{BB962C8B-B14F-4D97-AF65-F5344CB8AC3E}">
-        <p14:creationId xmlns:p14="http://schemas.microsoft.com/office/powerpoint/2010/main" val="3705737028"/>
-      </p:ext>
-    </p:extLst>
   </p:cSld>
   <p:clrMapOvr>
     <a:masterClrMapping/>
@@ -1906,13 +1678,7 @@
       </p:grpSpPr>
       <p:sp>
         <p:nvSpPr>
-          <p:cNvPr id="2" name="标题 1">
-            <a:extLst>
-              <a:ext uri="{FF2B5EF4-FFF2-40B4-BE49-F238E27FC236}">
-                <a16:creationId xmlns:a16="http://schemas.microsoft.com/office/drawing/2014/main" id="{EFC63A2E-EDD8-488E-9854-904D3647FC66}"/>
-              </a:ext>
-            </a:extLst>
-          </p:cNvPr>
+          <p:cNvPr id="2" name="标题 1"/>
           <p:cNvSpPr>
             <a:spLocks noGrp="1"/>
           </p:cNvSpPr>
@@ -1929,18 +1695,13 @@
               <a:rPr lang="zh-CN" altLang="en-US"/>
               <a:t>单击此处编辑母版标题样式</a:t>
             </a:r>
-          </a:p>
-        </p:txBody>
-      </p:sp>
-      <p:sp>
-        <p:nvSpPr>
-          <p:cNvPr id="3" name="日期占位符 2">
-            <a:extLst>
-              <a:ext uri="{FF2B5EF4-FFF2-40B4-BE49-F238E27FC236}">
-                <a16:creationId xmlns:a16="http://schemas.microsoft.com/office/drawing/2014/main" id="{31E3559B-4D15-4A0A-9C67-C3787F1B8005}"/>
-              </a:ext>
-            </a:extLst>
-          </p:cNvPr>
+            <a:endParaRPr lang="zh-CN" altLang="en-US"/>
+          </a:p>
+        </p:txBody>
+      </p:sp>
+      <p:sp>
+        <p:nvSpPr>
+          <p:cNvPr id="3" name="日期占位符 2"/>
           <p:cNvSpPr>
             <a:spLocks noGrp="1"/>
           </p:cNvSpPr>
@@ -1955,7 +1716,6 @@
           <a:p>
             <a:fld id="{DDD654C4-C72C-44C4-AA05-A5B2208255A8}" type="datetimeFigureOut">
               <a:rPr lang="zh-CN" altLang="en-US" smtClean="0"/>
-              <a:t>2021/5/17</a:t>
             </a:fld>
             <a:endParaRPr lang="zh-CN" altLang="en-US"/>
           </a:p>
@@ -1963,13 +1723,7 @@
       </p:sp>
       <p:sp>
         <p:nvSpPr>
-          <p:cNvPr id="4" name="页脚占位符 3">
-            <a:extLst>
-              <a:ext uri="{FF2B5EF4-FFF2-40B4-BE49-F238E27FC236}">
-                <a16:creationId xmlns:a16="http://schemas.microsoft.com/office/drawing/2014/main" id="{BD6351B6-2210-428E-AA13-288365A08186}"/>
-              </a:ext>
-            </a:extLst>
-          </p:cNvPr>
+          <p:cNvPr id="4" name="页脚占位符 3"/>
           <p:cNvSpPr>
             <a:spLocks noGrp="1"/>
           </p:cNvSpPr>
@@ -1988,13 +1742,7 @@
       </p:sp>
       <p:sp>
         <p:nvSpPr>
-          <p:cNvPr id="5" name="灯片编号占位符 4">
-            <a:extLst>
-              <a:ext uri="{FF2B5EF4-FFF2-40B4-BE49-F238E27FC236}">
-                <a16:creationId xmlns:a16="http://schemas.microsoft.com/office/drawing/2014/main" id="{A68DD625-D6DA-4534-BB46-DCFE40A215C0}"/>
-              </a:ext>
-            </a:extLst>
-          </p:cNvPr>
+          <p:cNvPr id="5" name="灯片编号占位符 4"/>
           <p:cNvSpPr>
             <a:spLocks noGrp="1"/>
           </p:cNvSpPr>
@@ -2009,18 +1757,12 @@
           <a:p>
             <a:fld id="{A5FBB800-440C-474C-B735-C127FD42B685}" type="slidenum">
               <a:rPr lang="zh-CN" altLang="en-US" smtClean="0"/>
-              <a:t>‹#›</a:t>
             </a:fld>
             <a:endParaRPr lang="zh-CN" altLang="en-US"/>
           </a:p>
         </p:txBody>
       </p:sp>
     </p:spTree>
-    <p:extLst>
-      <p:ext uri="{BB962C8B-B14F-4D97-AF65-F5344CB8AC3E}">
-        <p14:creationId xmlns:p14="http://schemas.microsoft.com/office/powerpoint/2010/main" val="2263874762"/>
-      </p:ext>
-    </p:extLst>
   </p:cSld>
   <p:clrMapOvr>
     <a:masterClrMapping/>
@@ -2047,13 +1789,7 @@
       </p:grpSpPr>
       <p:sp>
         <p:nvSpPr>
-          <p:cNvPr id="2" name="日期占位符 1">
-            <a:extLst>
-              <a:ext uri="{FF2B5EF4-FFF2-40B4-BE49-F238E27FC236}">
-                <a16:creationId xmlns:a16="http://schemas.microsoft.com/office/drawing/2014/main" id="{0E47D679-C748-4B01-BDBA-78B013613132}"/>
-              </a:ext>
-            </a:extLst>
-          </p:cNvPr>
+          <p:cNvPr id="2" name="日期占位符 1"/>
           <p:cNvSpPr>
             <a:spLocks noGrp="1"/>
           </p:cNvSpPr>
@@ -2068,7 +1804,6 @@
           <a:p>
             <a:fld id="{DDD654C4-C72C-44C4-AA05-A5B2208255A8}" type="datetimeFigureOut">
               <a:rPr lang="zh-CN" altLang="en-US" smtClean="0"/>
-              <a:t>2021/5/17</a:t>
             </a:fld>
             <a:endParaRPr lang="zh-CN" altLang="en-US"/>
           </a:p>
@@ -2076,13 +1811,7 @@
       </p:sp>
       <p:sp>
         <p:nvSpPr>
-          <p:cNvPr id="3" name="页脚占位符 2">
-            <a:extLst>
-              <a:ext uri="{FF2B5EF4-FFF2-40B4-BE49-F238E27FC236}">
-                <a16:creationId xmlns:a16="http://schemas.microsoft.com/office/drawing/2014/main" id="{8D6AA2C6-0C50-4889-8B6D-EB3BE4676D07}"/>
-              </a:ext>
-            </a:extLst>
-          </p:cNvPr>
+          <p:cNvPr id="3" name="页脚占位符 2"/>
           <p:cNvSpPr>
             <a:spLocks noGrp="1"/>
           </p:cNvSpPr>
@@ -2101,13 +1830,7 @@
       </p:sp>
       <p:sp>
         <p:nvSpPr>
-          <p:cNvPr id="4" name="灯片编号占位符 3">
-            <a:extLst>
-              <a:ext uri="{FF2B5EF4-FFF2-40B4-BE49-F238E27FC236}">
-                <a16:creationId xmlns:a16="http://schemas.microsoft.com/office/drawing/2014/main" id="{1D3FFCE0-3531-4FB8-AC98-AD9C42ABA1E4}"/>
-              </a:ext>
-            </a:extLst>
-          </p:cNvPr>
+          <p:cNvPr id="4" name="灯片编号占位符 3"/>
           <p:cNvSpPr>
             <a:spLocks noGrp="1"/>
           </p:cNvSpPr>
@@ -2122,18 +1845,12 @@
           <a:p>
             <a:fld id="{A5FBB800-440C-474C-B735-C127FD42B685}" type="slidenum">
               <a:rPr lang="zh-CN" altLang="en-US" smtClean="0"/>
-              <a:t>‹#›</a:t>
             </a:fld>
             <a:endParaRPr lang="zh-CN" altLang="en-US"/>
           </a:p>
         </p:txBody>
       </p:sp>
     </p:spTree>
-    <p:extLst>
-      <p:ext uri="{BB962C8B-B14F-4D97-AF65-F5344CB8AC3E}">
-        <p14:creationId xmlns:p14="http://schemas.microsoft.com/office/powerpoint/2010/main" val="603754873"/>
-      </p:ext>
-    </p:extLst>
   </p:cSld>
   <p:clrMapOvr>
     <a:masterClrMapping/>
@@ -2160,13 +1877,7 @@
       </p:grpSpPr>
       <p:sp>
         <p:nvSpPr>
-          <p:cNvPr id="2" name="标题 1">
-            <a:extLst>
-              <a:ext uri="{FF2B5EF4-FFF2-40B4-BE49-F238E27FC236}">
-                <a16:creationId xmlns:a16="http://schemas.microsoft.com/office/drawing/2014/main" id="{61E17461-82FC-4427-A4D5-F2A447287340}"/>
-              </a:ext>
-            </a:extLst>
-          </p:cNvPr>
+          <p:cNvPr id="2" name="标题 1"/>
           <p:cNvSpPr>
             <a:spLocks noGrp="1"/>
           </p:cNvSpPr>
@@ -2192,18 +1903,13 @@
               <a:rPr lang="zh-CN" altLang="en-US"/>
               <a:t>单击此处编辑母版标题样式</a:t>
             </a:r>
-          </a:p>
-        </p:txBody>
-      </p:sp>
-      <p:sp>
-        <p:nvSpPr>
-          <p:cNvPr id="3" name="内容占位符 2">
-            <a:extLst>
-              <a:ext uri="{FF2B5EF4-FFF2-40B4-BE49-F238E27FC236}">
-                <a16:creationId xmlns:a16="http://schemas.microsoft.com/office/drawing/2014/main" id="{7A27D561-9511-4145-B828-8F67418D9CB9}"/>
-              </a:ext>
-            </a:extLst>
-          </p:cNvPr>
+            <a:endParaRPr lang="zh-CN" altLang="en-US"/>
+          </a:p>
+        </p:txBody>
+      </p:sp>
+      <p:sp>
+        <p:nvSpPr>
+          <p:cNvPr id="3" name="内容占位符 2"/>
           <p:cNvSpPr>
             <a:spLocks noGrp="1"/>
           </p:cNvSpPr>
@@ -2254,6 +1960,7 @@
               <a:rPr lang="zh-CN" altLang="en-US"/>
               <a:t>单击此处编辑母版文本样式</a:t>
             </a:r>
+            <a:endParaRPr lang="zh-CN" altLang="en-US"/>
           </a:p>
           <a:p>
             <a:pPr lvl="1"/>
@@ -2261,6 +1968,7 @@
               <a:rPr lang="zh-CN" altLang="en-US"/>
               <a:t>二级</a:t>
             </a:r>
+            <a:endParaRPr lang="zh-CN" altLang="en-US"/>
           </a:p>
           <a:p>
             <a:pPr lvl="2"/>
@@ -2268,6 +1976,7 @@
               <a:rPr lang="zh-CN" altLang="en-US"/>
               <a:t>三级</a:t>
             </a:r>
+            <a:endParaRPr lang="zh-CN" altLang="en-US"/>
           </a:p>
           <a:p>
             <a:pPr lvl="3"/>
@@ -2275,6 +1984,7 @@
               <a:rPr lang="zh-CN" altLang="en-US"/>
               <a:t>四级</a:t>
             </a:r>
+            <a:endParaRPr lang="zh-CN" altLang="en-US"/>
           </a:p>
           <a:p>
             <a:pPr lvl="4"/>
@@ -2282,18 +1992,13 @@
               <a:rPr lang="zh-CN" altLang="en-US"/>
               <a:t>五级</a:t>
             </a:r>
-          </a:p>
-        </p:txBody>
-      </p:sp>
-      <p:sp>
-        <p:nvSpPr>
-          <p:cNvPr id="4" name="文本占位符 3">
-            <a:extLst>
-              <a:ext uri="{FF2B5EF4-FFF2-40B4-BE49-F238E27FC236}">
-                <a16:creationId xmlns:a16="http://schemas.microsoft.com/office/drawing/2014/main" id="{EE8C2806-F55E-41A3-B3B8-9513E5F1C950}"/>
-              </a:ext>
-            </a:extLst>
-          </p:cNvPr>
+            <a:endParaRPr lang="zh-CN" altLang="en-US"/>
+          </a:p>
+        </p:txBody>
+      </p:sp>
+      <p:sp>
+        <p:nvSpPr>
+          <p:cNvPr id="4" name="文本占位符 3"/>
           <p:cNvSpPr>
             <a:spLocks noGrp="1"/>
           </p:cNvSpPr>
@@ -2353,18 +2058,13 @@
               <a:rPr lang="zh-CN" altLang="en-US"/>
               <a:t>单击此处编辑母版文本样式</a:t>
             </a:r>
-          </a:p>
-        </p:txBody>
-      </p:sp>
-      <p:sp>
-        <p:nvSpPr>
-          <p:cNvPr id="5" name="日期占位符 4">
-            <a:extLst>
-              <a:ext uri="{FF2B5EF4-FFF2-40B4-BE49-F238E27FC236}">
-                <a16:creationId xmlns:a16="http://schemas.microsoft.com/office/drawing/2014/main" id="{C09164B7-CB5E-491C-A61D-595702C43859}"/>
-              </a:ext>
-            </a:extLst>
-          </p:cNvPr>
+            <a:endParaRPr lang="zh-CN" altLang="en-US"/>
+          </a:p>
+        </p:txBody>
+      </p:sp>
+      <p:sp>
+        <p:nvSpPr>
+          <p:cNvPr id="5" name="日期占位符 4"/>
           <p:cNvSpPr>
             <a:spLocks noGrp="1"/>
           </p:cNvSpPr>
@@ -2379,7 +2079,6 @@
           <a:p>
             <a:fld id="{DDD654C4-C72C-44C4-AA05-A5B2208255A8}" type="datetimeFigureOut">
               <a:rPr lang="zh-CN" altLang="en-US" smtClean="0"/>
-              <a:t>2021/5/17</a:t>
             </a:fld>
             <a:endParaRPr lang="zh-CN" altLang="en-US"/>
           </a:p>
@@ -2387,13 +2086,7 @@
       </p:sp>
       <p:sp>
         <p:nvSpPr>
-          <p:cNvPr id="6" name="页脚占位符 5">
-            <a:extLst>
-              <a:ext uri="{FF2B5EF4-FFF2-40B4-BE49-F238E27FC236}">
-                <a16:creationId xmlns:a16="http://schemas.microsoft.com/office/drawing/2014/main" id="{9BD5F79E-D4DA-4493-8F8D-AA0EBD3DB52F}"/>
-              </a:ext>
-            </a:extLst>
-          </p:cNvPr>
+          <p:cNvPr id="6" name="页脚占位符 5"/>
           <p:cNvSpPr>
             <a:spLocks noGrp="1"/>
           </p:cNvSpPr>
@@ -2412,13 +2105,7 @@
       </p:sp>
       <p:sp>
         <p:nvSpPr>
-          <p:cNvPr id="7" name="灯片编号占位符 6">
-            <a:extLst>
-              <a:ext uri="{FF2B5EF4-FFF2-40B4-BE49-F238E27FC236}">
-                <a16:creationId xmlns:a16="http://schemas.microsoft.com/office/drawing/2014/main" id="{FF61B334-0322-4ADF-9A4C-E614CEAB848B}"/>
-              </a:ext>
-            </a:extLst>
-          </p:cNvPr>
+          <p:cNvPr id="7" name="灯片编号占位符 6"/>
           <p:cNvSpPr>
             <a:spLocks noGrp="1"/>
           </p:cNvSpPr>
@@ -2433,18 +2120,12 @@
           <a:p>
             <a:fld id="{A5FBB800-440C-474C-B735-C127FD42B685}" type="slidenum">
               <a:rPr lang="zh-CN" altLang="en-US" smtClean="0"/>
-              <a:t>‹#›</a:t>
             </a:fld>
             <a:endParaRPr lang="zh-CN" altLang="en-US"/>
           </a:p>
         </p:txBody>
       </p:sp>
     </p:spTree>
-    <p:extLst>
-      <p:ext uri="{BB962C8B-B14F-4D97-AF65-F5344CB8AC3E}">
-        <p14:creationId xmlns:p14="http://schemas.microsoft.com/office/powerpoint/2010/main" val="3779143051"/>
-      </p:ext>
-    </p:extLst>
   </p:cSld>
   <p:clrMapOvr>
     <a:masterClrMapping/>
@@ -2471,13 +2152,7 @@
       </p:grpSpPr>
       <p:sp>
         <p:nvSpPr>
-          <p:cNvPr id="2" name="标题 1">
-            <a:extLst>
-              <a:ext uri="{FF2B5EF4-FFF2-40B4-BE49-F238E27FC236}">
-                <a16:creationId xmlns:a16="http://schemas.microsoft.com/office/drawing/2014/main" id="{1352922D-67AE-4E30-A1C1-681CD8D72BB8}"/>
-              </a:ext>
-            </a:extLst>
-          </p:cNvPr>
+          <p:cNvPr id="2" name="标题 1"/>
           <p:cNvSpPr>
             <a:spLocks noGrp="1"/>
           </p:cNvSpPr>
@@ -2503,18 +2178,13 @@
               <a:rPr lang="zh-CN" altLang="en-US"/>
               <a:t>单击此处编辑母版标题样式</a:t>
             </a:r>
-          </a:p>
-        </p:txBody>
-      </p:sp>
-      <p:sp>
-        <p:nvSpPr>
-          <p:cNvPr id="3" name="图片占位符 2">
-            <a:extLst>
-              <a:ext uri="{FF2B5EF4-FFF2-40B4-BE49-F238E27FC236}">
-                <a16:creationId xmlns:a16="http://schemas.microsoft.com/office/drawing/2014/main" id="{043661F4-9447-449E-857D-6F57DB3AF2E2}"/>
-              </a:ext>
-            </a:extLst>
-          </p:cNvPr>
+            <a:endParaRPr lang="zh-CN" altLang="en-US"/>
+          </a:p>
+        </p:txBody>
+      </p:sp>
+      <p:sp>
+        <p:nvSpPr>
+          <p:cNvPr id="3" name="图片占位符 2"/>
           <p:cNvSpPr>
             <a:spLocks noGrp="1"/>
           </p:cNvSpPr>
@@ -2575,13 +2245,7 @@
       </p:sp>
       <p:sp>
         <p:nvSpPr>
-          <p:cNvPr id="4" name="文本占位符 3">
-            <a:extLst>
-              <a:ext uri="{FF2B5EF4-FFF2-40B4-BE49-F238E27FC236}">
-                <a16:creationId xmlns:a16="http://schemas.microsoft.com/office/drawing/2014/main" id="{AE1CEEF8-19A4-4070-924A-B91844F848CF}"/>
-              </a:ext>
-            </a:extLst>
-          </p:cNvPr>
+          <p:cNvPr id="4" name="文本占位符 3"/>
           <p:cNvSpPr>
             <a:spLocks noGrp="1"/>
           </p:cNvSpPr>
@@ -2641,18 +2305,13 @@
               <a:rPr lang="zh-CN" altLang="en-US"/>
               <a:t>单击此处编辑母版文本样式</a:t>
             </a:r>
-          </a:p>
-        </p:txBody>
-      </p:sp>
-      <p:sp>
-        <p:nvSpPr>
-          <p:cNvPr id="5" name="日期占位符 4">
-            <a:extLst>
-              <a:ext uri="{FF2B5EF4-FFF2-40B4-BE49-F238E27FC236}">
-                <a16:creationId xmlns:a16="http://schemas.microsoft.com/office/drawing/2014/main" id="{801052A1-159F-4BCB-8B92-21D9E05E12C7}"/>
-              </a:ext>
-            </a:extLst>
-          </p:cNvPr>
+            <a:endParaRPr lang="zh-CN" altLang="en-US"/>
+          </a:p>
+        </p:txBody>
+      </p:sp>
+      <p:sp>
+        <p:nvSpPr>
+          <p:cNvPr id="5" name="日期占位符 4"/>
           <p:cNvSpPr>
             <a:spLocks noGrp="1"/>
           </p:cNvSpPr>
@@ -2667,7 +2326,6 @@
           <a:p>
             <a:fld id="{DDD654C4-C72C-44C4-AA05-A5B2208255A8}" type="datetimeFigureOut">
               <a:rPr lang="zh-CN" altLang="en-US" smtClean="0"/>
-              <a:t>2021/5/17</a:t>
             </a:fld>
             <a:endParaRPr lang="zh-CN" altLang="en-US"/>
           </a:p>
@@ -2675,13 +2333,7 @@
       </p:sp>
       <p:sp>
         <p:nvSpPr>
-          <p:cNvPr id="6" name="页脚占位符 5">
-            <a:extLst>
-              <a:ext uri="{FF2B5EF4-FFF2-40B4-BE49-F238E27FC236}">
-                <a16:creationId xmlns:a16="http://schemas.microsoft.com/office/drawing/2014/main" id="{70D2A066-1F4C-4CF2-B536-DE4BD07557D9}"/>
-              </a:ext>
-            </a:extLst>
-          </p:cNvPr>
+          <p:cNvPr id="6" name="页脚占位符 5"/>
           <p:cNvSpPr>
             <a:spLocks noGrp="1"/>
           </p:cNvSpPr>
@@ -2700,13 +2352,7 @@
       </p:sp>
       <p:sp>
         <p:nvSpPr>
-          <p:cNvPr id="7" name="灯片编号占位符 6">
-            <a:extLst>
-              <a:ext uri="{FF2B5EF4-FFF2-40B4-BE49-F238E27FC236}">
-                <a16:creationId xmlns:a16="http://schemas.microsoft.com/office/drawing/2014/main" id="{288BD2E8-80E6-4735-9F19-CAB9C6833F28}"/>
-              </a:ext>
-            </a:extLst>
-          </p:cNvPr>
+          <p:cNvPr id="7" name="灯片编号占位符 6"/>
           <p:cNvSpPr>
             <a:spLocks noGrp="1"/>
           </p:cNvSpPr>
@@ -2721,18 +2367,12 @@
           <a:p>
             <a:fld id="{A5FBB800-440C-474C-B735-C127FD42B685}" type="slidenum">
               <a:rPr lang="zh-CN" altLang="en-US" smtClean="0"/>
-              <a:t>‹#›</a:t>
             </a:fld>
             <a:endParaRPr lang="zh-CN" altLang="en-US"/>
           </a:p>
         </p:txBody>
       </p:sp>
     </p:spTree>
-    <p:extLst>
-      <p:ext uri="{BB962C8B-B14F-4D97-AF65-F5344CB8AC3E}">
-        <p14:creationId xmlns:p14="http://schemas.microsoft.com/office/powerpoint/2010/main" val="2874657674"/>
-      </p:ext>
-    </p:extLst>
   </p:cSld>
   <p:clrMapOvr>
     <a:masterClrMapping/>
@@ -2764,13 +2404,7 @@
       </p:grpSpPr>
       <p:sp>
         <p:nvSpPr>
-          <p:cNvPr id="2" name="标题占位符 1">
-            <a:extLst>
-              <a:ext uri="{FF2B5EF4-FFF2-40B4-BE49-F238E27FC236}">
-                <a16:creationId xmlns:a16="http://schemas.microsoft.com/office/drawing/2014/main" id="{35B63703-3752-4B03-B68A-A99F85D2926E}"/>
-              </a:ext>
-            </a:extLst>
-          </p:cNvPr>
+          <p:cNvPr id="2" name="标题占位符 1"/>
           <p:cNvSpPr>
             <a:spLocks noGrp="1"/>
           </p:cNvSpPr>
@@ -2797,18 +2431,13 @@
               <a:rPr lang="zh-CN" altLang="en-US"/>
               <a:t>单击此处编辑母版标题样式</a:t>
             </a:r>
-          </a:p>
-        </p:txBody>
-      </p:sp>
-      <p:sp>
-        <p:nvSpPr>
-          <p:cNvPr id="3" name="文本占位符 2">
-            <a:extLst>
-              <a:ext uri="{FF2B5EF4-FFF2-40B4-BE49-F238E27FC236}">
-                <a16:creationId xmlns:a16="http://schemas.microsoft.com/office/drawing/2014/main" id="{24BCA56E-37A5-435C-95CB-E133D2A928F8}"/>
-              </a:ext>
-            </a:extLst>
-          </p:cNvPr>
+            <a:endParaRPr lang="zh-CN" altLang="en-US"/>
+          </a:p>
+        </p:txBody>
+      </p:sp>
+      <p:sp>
+        <p:nvSpPr>
+          <p:cNvPr id="3" name="文本占位符 2"/>
           <p:cNvSpPr>
             <a:spLocks noGrp="1"/>
           </p:cNvSpPr>
@@ -2836,6 +2465,7 @@
               <a:rPr lang="zh-CN" altLang="en-US"/>
               <a:t>单击此处编辑母版文本样式</a:t>
             </a:r>
+            <a:endParaRPr lang="zh-CN" altLang="en-US"/>
           </a:p>
           <a:p>
             <a:pPr lvl="1"/>
@@ -2843,6 +2473,7 @@
               <a:rPr lang="zh-CN" altLang="en-US"/>
               <a:t>二级</a:t>
             </a:r>
+            <a:endParaRPr lang="zh-CN" altLang="en-US"/>
           </a:p>
           <a:p>
             <a:pPr lvl="2"/>
@@ -2850,6 +2481,7 @@
               <a:rPr lang="zh-CN" altLang="en-US"/>
               <a:t>三级</a:t>
             </a:r>
+            <a:endParaRPr lang="zh-CN" altLang="en-US"/>
           </a:p>
           <a:p>
             <a:pPr lvl="3"/>
@@ -2857,6 +2489,7 @@
               <a:rPr lang="zh-CN" altLang="en-US"/>
               <a:t>四级</a:t>
             </a:r>
+            <a:endParaRPr lang="zh-CN" altLang="en-US"/>
           </a:p>
           <a:p>
             <a:pPr lvl="4"/>
@@ -2864,18 +2497,13 @@
               <a:rPr lang="zh-CN" altLang="en-US"/>
               <a:t>五级</a:t>
             </a:r>
-          </a:p>
-        </p:txBody>
-      </p:sp>
-      <p:sp>
-        <p:nvSpPr>
-          <p:cNvPr id="4" name="日期占位符 3">
-            <a:extLst>
-              <a:ext uri="{FF2B5EF4-FFF2-40B4-BE49-F238E27FC236}">
-                <a16:creationId xmlns:a16="http://schemas.microsoft.com/office/drawing/2014/main" id="{A0E3E608-298F-469B-BD86-25E9DEB8DCF5}"/>
-              </a:ext>
-            </a:extLst>
-          </p:cNvPr>
+            <a:endParaRPr lang="zh-CN" altLang="en-US"/>
+          </a:p>
+        </p:txBody>
+      </p:sp>
+      <p:sp>
+        <p:nvSpPr>
+          <p:cNvPr id="4" name="日期占位符 3"/>
           <p:cNvSpPr>
             <a:spLocks noGrp="1"/>
           </p:cNvSpPr>
@@ -2908,7 +2536,6 @@
           <a:p>
             <a:fld id="{DDD654C4-C72C-44C4-AA05-A5B2208255A8}" type="datetimeFigureOut">
               <a:rPr lang="zh-CN" altLang="en-US" smtClean="0"/>
-              <a:t>2021/5/17</a:t>
             </a:fld>
             <a:endParaRPr lang="zh-CN" altLang="en-US"/>
           </a:p>
@@ -2916,13 +2543,7 @@
       </p:sp>
       <p:sp>
         <p:nvSpPr>
-          <p:cNvPr id="5" name="页脚占位符 4">
-            <a:extLst>
-              <a:ext uri="{FF2B5EF4-FFF2-40B4-BE49-F238E27FC236}">
-                <a16:creationId xmlns:a16="http://schemas.microsoft.com/office/drawing/2014/main" id="{A4249DB3-2B84-45FF-B954-15BF10ABBE34}"/>
-              </a:ext>
-            </a:extLst>
-          </p:cNvPr>
+          <p:cNvPr id="5" name="页脚占位符 4"/>
           <p:cNvSpPr>
             <a:spLocks noGrp="1"/>
           </p:cNvSpPr>
@@ -2959,13 +2580,7 @@
       </p:sp>
       <p:sp>
         <p:nvSpPr>
-          <p:cNvPr id="6" name="灯片编号占位符 5">
-            <a:extLst>
-              <a:ext uri="{FF2B5EF4-FFF2-40B4-BE49-F238E27FC236}">
-                <a16:creationId xmlns:a16="http://schemas.microsoft.com/office/drawing/2014/main" id="{DAC1C7D4-DC6F-4C6B-8A85-6B95CDEE811C}"/>
-              </a:ext>
-            </a:extLst>
-          </p:cNvPr>
+          <p:cNvPr id="6" name="灯片编号占位符 5"/>
           <p:cNvSpPr>
             <a:spLocks noGrp="1"/>
           </p:cNvSpPr>
@@ -2998,18 +2613,12 @@
           <a:p>
             <a:fld id="{A5FBB800-440C-474C-B735-C127FD42B685}" type="slidenum">
               <a:rPr lang="zh-CN" altLang="en-US" smtClean="0"/>
-              <a:t>‹#›</a:t>
             </a:fld>
             <a:endParaRPr lang="zh-CN" altLang="en-US"/>
           </a:p>
         </p:txBody>
       </p:sp>
     </p:spTree>
-    <p:extLst>
-      <p:ext uri="{BB962C8B-B14F-4D97-AF65-F5344CB8AC3E}">
-        <p14:creationId xmlns:p14="http://schemas.microsoft.com/office/powerpoint/2010/main" val="3870824149"/>
-      </p:ext>
-    </p:extLst>
   </p:cSld>
   <p:clrMap bg1="lt1" tx1="dk1" bg2="lt2" tx2="dk2" accent1="accent1" accent2="accent2" accent3="accent3" accent4="accent4" accent5="accent5" accent6="accent6" hlink="hlink" folHlink="folHlink"/>
   <p:sldLayoutIdLst>
@@ -3327,13 +2936,7 @@
       </p:grpSpPr>
       <p:sp>
         <p:nvSpPr>
-          <p:cNvPr id="3" name="副标题 2">
-            <a:extLst>
-              <a:ext uri="{FF2B5EF4-FFF2-40B4-BE49-F238E27FC236}">
-                <a16:creationId xmlns:a16="http://schemas.microsoft.com/office/drawing/2014/main" id="{8BDB713C-1260-4AD6-A4D2-85E07DBD9869}"/>
-              </a:ext>
-            </a:extLst>
-          </p:cNvPr>
+          <p:cNvPr id="3" name="副标题 2"/>
           <p:cNvSpPr>
             <a:spLocks noGrp="1"/>
           </p:cNvSpPr>
@@ -3376,7 +2979,7 @@
               <a:rPr lang="zh-CN" altLang="en-US" dirty="0"/>
               <a:t>分类</a:t>
             </a:r>
-            <a:endParaRPr lang="en-US" altLang="zh-CN" dirty="0"/>
+            <a:endParaRPr lang="zh-CN" altLang="en-US" dirty="0"/>
           </a:p>
           <a:p>
             <a:pPr marL="457200" indent="-457200" algn="l">
@@ -3384,20 +2987,109 @@
             </a:pPr>
             <a:r>
               <a:rPr lang="en-US" altLang="zh-CN" dirty="0"/>
-              <a:t>glossary</a:t>
-            </a:r>
+              <a:t>Log</a:t>
+            </a:r>
+            <a:r>
+              <a:rPr lang="zh-CN" altLang="en-US" dirty="0"/>
+              <a:t>格式</a:t>
+            </a:r>
+            <a:endParaRPr lang="zh-CN" altLang="en-US" dirty="0"/>
           </a:p>
           <a:p>
             <a:pPr marL="457200" indent="-457200" algn="l">
               <a:buAutoNum type="arabicPeriod"/>
             </a:pPr>
             <a:r>
+              <a:rPr lang="en-US" altLang="zh-CN" dirty="0">
+                <a:sym typeface="+mn-ea"/>
+              </a:rPr>
+              <a:t>Log</a:t>
+            </a:r>
+            <a:r>
+              <a:rPr lang="zh-CN" altLang="en-US" dirty="0">
+                <a:sym typeface="+mn-ea"/>
+              </a:rPr>
+              <a:t>实例</a:t>
+            </a:r>
+            <a:endParaRPr lang="zh-CN" altLang="en-US" dirty="0"/>
+          </a:p>
+          <a:p>
+            <a:pPr marL="457200" indent="-457200" algn="l">
+              <a:buAutoNum type="arabicPeriod"/>
+            </a:pPr>
+            <a:r>
+              <a:rPr lang="en-US" altLang="zh-CN" dirty="0">
+                <a:sym typeface="+mn-ea"/>
+              </a:rPr>
+              <a:t>Log</a:t>
+            </a:r>
+            <a:r>
+              <a:rPr lang="zh-CN" altLang="en-US" dirty="0">
+                <a:sym typeface="+mn-ea"/>
+              </a:rPr>
+              <a:t>支持的功能</a:t>
+            </a:r>
+            <a:endParaRPr lang="en-US" altLang="zh-CN" dirty="0"/>
+          </a:p>
+          <a:p>
+            <a:pPr marL="457200" indent="-457200" algn="l">
+              <a:buAutoNum type="arabicPeriod"/>
+            </a:pPr>
+            <a:r>
+              <a:rPr lang="en-US" altLang="zh-CN" dirty="0"/>
+              <a:t>glossary</a:t>
+            </a:r>
+            <a:endParaRPr lang="en-US" altLang="zh-CN" dirty="0"/>
+          </a:p>
+          <a:p>
+            <a:pPr marL="457200" indent="-457200" algn="l">
+              <a:buAutoNum type="arabicPeriod"/>
+            </a:pPr>
+            <a:r>
+              <a:rPr lang="en-US" altLang="zh-CN" dirty="0">
+                <a:sym typeface="+mn-ea"/>
+              </a:rPr>
+              <a:t>Log</a:t>
+            </a:r>
+            <a:r>
+              <a:rPr lang="zh-CN" altLang="en-US" dirty="0">
+                <a:sym typeface="+mn-ea"/>
+              </a:rPr>
+              <a:t>实现</a:t>
+            </a:r>
+            <a:endParaRPr lang="en-US" altLang="zh-CN" dirty="0"/>
+          </a:p>
+          <a:p>
+            <a:pPr marL="457200" indent="-457200" algn="l">
+              <a:buAutoNum type="arabicPeriod"/>
+            </a:pPr>
+            <a:r>
+              <a:rPr lang="en-US" altLang="zh-CN" dirty="0">
+                <a:sym typeface="+mn-ea"/>
+              </a:rPr>
+              <a:t>Log</a:t>
+            </a:r>
+            <a:r>
+              <a:rPr lang="zh-CN" altLang="en-US" dirty="0">
+                <a:sym typeface="+mn-ea"/>
+              </a:rPr>
+              <a:t>管理</a:t>
+            </a:r>
+            <a:endParaRPr lang="zh-CN" altLang="en-US" dirty="0">
+              <a:sym typeface="+mn-ea"/>
+            </a:endParaRPr>
+          </a:p>
+          <a:p>
+            <a:pPr marL="457200" indent="-457200" algn="l">
+              <a:buAutoNum type="arabicPeriod"/>
+            </a:pPr>
+            <a:r>
               <a:rPr lang="en-US" altLang="zh-CN" dirty="0"/>
               <a:t>Log</a:t>
             </a:r>
             <a:r>
               <a:rPr lang="zh-CN" altLang="en-US" dirty="0"/>
-              <a:t>管理</a:t>
+              <a:t>调试</a:t>
             </a:r>
             <a:endParaRPr lang="en-US" altLang="zh-CN" dirty="0"/>
           </a:p>
@@ -3411,45 +3103,713 @@
             </a:r>
             <a:r>
               <a:rPr lang="zh-CN" altLang="en-US" dirty="0"/>
-              <a:t>实现</a:t>
-            </a:r>
-            <a:endParaRPr lang="en-US" altLang="zh-CN" dirty="0"/>
-          </a:p>
-          <a:p>
-            <a:pPr marL="457200" indent="-457200" algn="l">
-              <a:buAutoNum type="arabicPeriod"/>
-            </a:pPr>
-            <a:r>
-              <a:rPr lang="en-US" altLang="zh-CN" dirty="0"/>
+              <a:t>三步走</a:t>
+            </a:r>
+            <a:endParaRPr lang="zh-CN" altLang="en-US" dirty="0"/>
+          </a:p>
+        </p:txBody>
+      </p:sp>
+    </p:spTree>
+  </p:cSld>
+  <p:clrMapOvr>
+    <a:masterClrMapping/>
+  </p:clrMapOvr>
+</p:sld>
+</file>
+
+<file path=ppt/slides/slide10.xml><?xml version="1.0" encoding="utf-8"?>
+<p:sld xmlns:a="http://schemas.openxmlformats.org/drawingml/2006/main" xmlns:r="http://schemas.openxmlformats.org/officeDocument/2006/relationships" xmlns:p="http://schemas.openxmlformats.org/presentationml/2006/main">
+  <p:cSld>
+    <p:spTree>
+      <p:nvGrpSpPr>
+        <p:cNvPr id="1" name=""/>
+        <p:cNvGrpSpPr/>
+        <p:nvPr/>
+      </p:nvGrpSpPr>
+      <p:grpSpPr/>
+      <p:sp>
+        <p:nvSpPr>
+          <p:cNvPr id="3" name="内容占位符 2"/>
+          <p:cNvSpPr>
+            <a:spLocks noGrp="1"/>
+          </p:cNvSpPr>
+          <p:nvPr>
+            <p:ph idx="1"/>
+          </p:nvPr>
+        </p:nvSpPr>
+        <p:spPr>
+          <a:xfrm>
+            <a:off x="838200" y="413385"/>
+            <a:ext cx="10515600" cy="5763895"/>
+          </a:xfrm>
+        </p:spPr>
+        <p:txBody>
+          <a:bodyPr/>
+          <a:p>
+            <a:pPr marL="0" indent="0">
+              <a:buNone/>
+            </a:pPr>
+            <a:r>
+              <a:rPr lang="en-US" altLang="zh-CN"/>
               <a:t>Log</a:t>
             </a:r>
             <a:r>
-              <a:rPr lang="zh-CN" altLang="en-US" dirty="0"/>
+              <a:rPr lang="zh-CN" altLang="en-US"/>
+              <a:t>管理</a:t>
+            </a:r>
+            <a:endParaRPr lang="zh-CN" altLang="en-US"/>
+          </a:p>
+          <a:p>
+            <a:pPr marL="0" indent="0">
+              <a:buNone/>
+            </a:pPr>
+            <a:r>
+              <a:rPr lang="en-US" altLang="zh-CN"/>
+              <a:t>1. </a:t>
+            </a:r>
+            <a:r>
+              <a:rPr lang="zh-CN" altLang="en-US"/>
+              <a:t>统一，命名、格式、内容、字段顺序</a:t>
+            </a:r>
+            <a:endParaRPr lang="zh-CN" altLang="en-US"/>
+          </a:p>
+          <a:p>
+            <a:pPr marL="0" indent="0">
+              <a:buNone/>
+            </a:pPr>
+            <a:r>
+              <a:rPr lang="en-US" altLang="zh-CN"/>
+              <a:t>2. </a:t>
+            </a:r>
+            <a:r>
+              <a:rPr lang="zh-CN" altLang="en-US"/>
+              <a:t>按需，客户需求，自身需求</a:t>
+            </a:r>
+            <a:endParaRPr lang="zh-CN" altLang="en-US"/>
+          </a:p>
+          <a:p>
+            <a:pPr marL="0" indent="0">
+              <a:buNone/>
+            </a:pPr>
+            <a:r>
+              <a:rPr lang="zh-CN" altLang="en-US"/>
+              <a:t> </a:t>
+            </a:r>
+            <a:r>
+              <a:rPr lang="en-US" altLang="zh-CN"/>
+              <a:t>   </a:t>
+            </a:r>
+            <a:r>
+              <a:rPr lang="zh-CN" altLang="en-US"/>
+              <a:t>一般而言，涉及丢包，资源分配，或对报文有特定检查都需要发送</a:t>
+            </a:r>
+            <a:r>
+              <a:rPr lang="en-US" altLang="zh-CN"/>
+              <a:t>log</a:t>
+            </a:r>
+            <a:endParaRPr lang="zh-CN" altLang="en-US"/>
+          </a:p>
+          <a:p>
+            <a:pPr marL="0" indent="0">
+              <a:buNone/>
+            </a:pPr>
+            <a:r>
+              <a:rPr lang="en-US" altLang="zh-CN"/>
+              <a:t>3. </a:t>
+            </a:r>
+            <a:r>
+              <a:rPr lang="zh-CN" altLang="en-US"/>
+              <a:t>简单易扩展</a:t>
+            </a:r>
+            <a:endParaRPr lang="zh-CN" altLang="en-US"/>
+          </a:p>
+        </p:txBody>
+      </p:sp>
+    </p:spTree>
+  </p:cSld>
+  <p:clrMapOvr>
+    <a:masterClrMapping/>
+  </p:clrMapOvr>
+</p:sld>
+</file>
+
+<file path=ppt/slides/slide11.xml><?xml version="1.0" encoding="utf-8"?>
+<p:sld xmlns:a="http://schemas.openxmlformats.org/drawingml/2006/main" xmlns:r="http://schemas.openxmlformats.org/officeDocument/2006/relationships" xmlns:p="http://schemas.openxmlformats.org/presentationml/2006/main">
+  <p:cSld>
+    <p:spTree>
+      <p:nvGrpSpPr>
+        <p:cNvPr id="1" name=""/>
+        <p:cNvGrpSpPr/>
+        <p:nvPr/>
+      </p:nvGrpSpPr>
+      <p:grpSpPr/>
+      <p:sp>
+        <p:nvSpPr>
+          <p:cNvPr id="3" name="内容占位符 2"/>
+          <p:cNvSpPr>
+            <a:spLocks noGrp="1"/>
+          </p:cNvSpPr>
+          <p:nvPr>
+            <p:ph idx="1"/>
+          </p:nvPr>
+        </p:nvSpPr>
+        <p:spPr>
+          <a:xfrm>
+            <a:off x="838200" y="488315"/>
+            <a:ext cx="10515600" cy="5688965"/>
+          </a:xfrm>
+        </p:spPr>
+        <p:txBody>
+          <a:bodyPr/>
+          <a:p>
+            <a:pPr marL="0" indent="0">
+              <a:buNone/>
+            </a:pPr>
+            <a:r>
+              <a:rPr lang="en-US" altLang="zh-CN"/>
+              <a:t>Log</a:t>
+            </a:r>
+            <a:r>
+              <a:rPr lang="zh-CN" altLang="en-US"/>
               <a:t>调试</a:t>
             </a:r>
-            <a:endParaRPr lang="en-US" altLang="zh-CN" dirty="0"/>
-          </a:p>
-          <a:p>
-            <a:pPr marL="457200" indent="-457200" algn="l">
-              <a:buAutoNum type="arabicPeriod"/>
-            </a:pPr>
-            <a:r>
-              <a:rPr lang="en-US" altLang="zh-CN" dirty="0"/>
+            <a:endParaRPr lang="zh-CN" altLang="en-US"/>
+          </a:p>
+          <a:p>
+            <a:pPr marL="0" indent="0">
+              <a:buNone/>
+            </a:pPr>
+            <a:r>
+              <a:rPr lang="en-US" altLang="zh-CN"/>
+              <a:t>1. Log</a:t>
+            </a:r>
+            <a:r>
+              <a:rPr lang="zh-CN" altLang="en-US"/>
+              <a:t>是非功能模块，需要其他模块触发，可以添加命令触发机制</a:t>
+            </a:r>
+            <a:endParaRPr lang="zh-CN" altLang="en-US"/>
+          </a:p>
+          <a:p>
+            <a:pPr marL="0" indent="0">
+              <a:buNone/>
+            </a:pPr>
+            <a:r>
+              <a:rPr lang="en-US" altLang="zh-CN"/>
+              <a:t>2. Log</a:t>
+            </a:r>
+            <a:r>
+              <a:rPr lang="zh-CN" altLang="en-US"/>
+              <a:t>问题大多是性能，配置或网络相关</a:t>
+            </a:r>
+            <a:endParaRPr lang="zh-CN" altLang="en-US"/>
+          </a:p>
+          <a:p>
+            <a:pPr marL="0" indent="0">
+              <a:buNone/>
+            </a:pPr>
+            <a:r>
+              <a:rPr lang="en-US" altLang="zh-CN"/>
+              <a:t>3. </a:t>
+            </a:r>
+            <a:endParaRPr lang="en-US" altLang="zh-CN"/>
+          </a:p>
+        </p:txBody>
+      </p:sp>
+    </p:spTree>
+  </p:cSld>
+  <p:clrMapOvr>
+    <a:masterClrMapping/>
+  </p:clrMapOvr>
+</p:sld>
+</file>
+
+<file path=ppt/slides/slide12.xml><?xml version="1.0" encoding="utf-8"?>
+<p:sld xmlns:a="http://schemas.openxmlformats.org/drawingml/2006/main" xmlns:r="http://schemas.openxmlformats.org/officeDocument/2006/relationships" xmlns:p="http://schemas.openxmlformats.org/presentationml/2006/main">
+  <p:cSld>
+    <p:spTree>
+      <p:nvGrpSpPr>
+        <p:cNvPr id="1" name=""/>
+        <p:cNvGrpSpPr/>
+        <p:nvPr/>
+      </p:nvGrpSpPr>
+      <p:grpSpPr/>
+      <p:sp>
+        <p:nvSpPr>
+          <p:cNvPr id="3" name="内容占位符 2"/>
+          <p:cNvSpPr>
+            <a:spLocks noGrp="1"/>
+          </p:cNvSpPr>
+          <p:nvPr>
+            <p:ph idx="1"/>
+          </p:nvPr>
+        </p:nvSpPr>
+        <p:spPr>
+          <a:xfrm>
+            <a:off x="838200" y="344170"/>
+            <a:ext cx="10515600" cy="5207000"/>
+          </a:xfrm>
+        </p:spPr>
+        <p:txBody>
+          <a:bodyPr>
+            <a:normAutofit lnSpcReduction="20000"/>
+          </a:bodyPr>
+          <a:p>
+            <a:pPr marL="0" indent="0">
+              <a:buNone/>
+            </a:pPr>
+            <a:r>
+              <a:rPr lang="en-US" altLang="zh-CN" dirty="0">
+                <a:sym typeface="+mn-ea"/>
+              </a:rPr>
               <a:t>Log</a:t>
             </a:r>
             <a:r>
-              <a:rPr lang="zh-CN" altLang="en-US" dirty="0"/>
+              <a:rPr lang="zh-CN" altLang="en-US" dirty="0">
+                <a:sym typeface="+mn-ea"/>
+              </a:rPr>
               <a:t>三步走</a:t>
             </a:r>
+            <a:r>
+              <a:rPr lang="en-US" altLang="zh-CN" dirty="0">
+                <a:sym typeface="+mn-ea"/>
+              </a:rPr>
+              <a:t>(1)</a:t>
+            </a:r>
+            <a:endParaRPr lang="zh-CN" altLang="en-US" dirty="0"/>
+          </a:p>
+          <a:p>
+            <a:pPr marL="0" indent="0">
+              <a:buNone/>
+            </a:pPr>
+            <a:r>
+              <a:rPr lang="zh-CN" altLang="en-US"/>
+              <a:t>短期：</a:t>
+            </a:r>
+            <a:r>
+              <a:rPr lang="en-US" altLang="zh-CN"/>
+              <a:t>Log</a:t>
+            </a:r>
+            <a:r>
+              <a:rPr lang="zh-CN"/>
+              <a:t>定义框架</a:t>
+            </a:r>
+            <a:endParaRPr lang="en-US" altLang="zh-CN"/>
+          </a:p>
+          <a:p>
+            <a:pPr marL="0" indent="0">
+              <a:buNone/>
+            </a:pPr>
+            <a:r>
+              <a:rPr lang="en-US" altLang="zh-CN"/>
+              <a:t>           Log</a:t>
+            </a:r>
+            <a:r>
+              <a:rPr lang="zh-CN" altLang="en-US"/>
+              <a:t>生成</a:t>
+            </a:r>
+            <a:r>
+              <a:rPr lang="en-US" altLang="zh-CN"/>
+              <a:t>API, better to make a common lib for both event and stream mode</a:t>
+            </a:r>
+            <a:endParaRPr lang="en-US" altLang="zh-CN"/>
+          </a:p>
+          <a:p>
+            <a:pPr marL="0" indent="0">
+              <a:buNone/>
+            </a:pPr>
+            <a:r>
+              <a:rPr lang="en-US" altLang="zh-CN"/>
+              <a:t>           traditional log (RFC3164), sd-log (RFC5424)</a:t>
+            </a:r>
+            <a:endParaRPr lang="en-US" altLang="zh-CN"/>
+          </a:p>
+          <a:p>
+            <a:pPr marL="0" indent="0">
+              <a:buNone/>
+            </a:pPr>
+            <a:r>
+              <a:rPr lang="en-US" altLang="zh-CN"/>
+              <a:t>           event mode (save to file)</a:t>
+            </a:r>
+            <a:endParaRPr lang="en-US" altLang="zh-CN"/>
+          </a:p>
+          <a:p>
+            <a:pPr marL="0" indent="0">
+              <a:buNone/>
+            </a:pPr>
+            <a:r>
+              <a:rPr lang="en-US" altLang="zh-CN"/>
+              <a:t>           </a:t>
+            </a:r>
+            <a:r>
+              <a:rPr lang="en-US" altLang="zh-CN">
+                <a:sym typeface="+mn-ea"/>
+              </a:rPr>
+              <a:t>Log file </a:t>
+            </a:r>
+            <a:r>
+              <a:rPr lang="zh-CN" altLang="en-US">
+                <a:sym typeface="+mn-ea"/>
+              </a:rPr>
+              <a:t>rotate</a:t>
+            </a:r>
+            <a:endParaRPr lang="en-US" altLang="zh-CN"/>
+          </a:p>
+          <a:p>
+            <a:pPr marL="0" indent="0">
+              <a:buNone/>
+            </a:pPr>
+            <a:r>
+              <a:rPr lang="en-US" altLang="zh-CN"/>
+              <a:t>           udp based stream mode</a:t>
+            </a:r>
+            <a:endParaRPr lang="en-US" altLang="zh-CN"/>
+          </a:p>
+          <a:p>
+            <a:pPr marL="0" indent="0">
+              <a:buNone/>
+            </a:pPr>
+            <a:r>
+              <a:rPr lang="en-US" altLang="zh-CN"/>
+              <a:t>           multiple stream support</a:t>
+            </a:r>
+            <a:endParaRPr lang="en-US" altLang="zh-CN"/>
+          </a:p>
+          <a:p>
+            <a:pPr marL="0" indent="0">
+              <a:buNone/>
+            </a:pPr>
+            <a:r>
+              <a:rPr lang="en-US" altLang="zh-CN"/>
+              <a:t>           rate limit </a:t>
+            </a:r>
+            <a:endParaRPr lang="en-US" altLang="zh-CN"/>
+          </a:p>
+          <a:p>
+            <a:pPr marL="0" indent="0">
+              <a:buNone/>
+            </a:pPr>
+            <a:r>
+              <a:rPr lang="en-US" altLang="zh-CN"/>
+              <a:t>           </a:t>
+            </a:r>
+            <a:r>
+              <a:rPr lang="zh-CN" altLang="en-US"/>
+              <a:t>自生成</a:t>
+            </a:r>
+            <a:r>
+              <a:rPr lang="en-US" altLang="zh-CN"/>
+              <a:t>log (debug)</a:t>
+            </a:r>
+            <a:endParaRPr lang="en-US" altLang="zh-CN"/>
+          </a:p>
+          <a:p>
+            <a:pPr marL="0" indent="0">
+              <a:buNone/>
+            </a:pPr>
+            <a:r>
+              <a:rPr lang="en-US" altLang="zh-CN"/>
+              <a:t>           </a:t>
+            </a:r>
+            <a:r>
+              <a:rPr lang="zh-CN" altLang="en-US"/>
+              <a:t>配置处理</a:t>
+            </a:r>
+            <a:endParaRPr lang="zh-CN" altLang="en-US"/>
           </a:p>
         </p:txBody>
       </p:sp>
     </p:spTree>
-    <p:extLst>
-      <p:ext uri="{BB962C8B-B14F-4D97-AF65-F5344CB8AC3E}">
-        <p14:creationId xmlns:p14="http://schemas.microsoft.com/office/powerpoint/2010/main" val="1420584230"/>
-      </p:ext>
-    </p:extLst>
+  </p:cSld>
+  <p:clrMapOvr>
+    <a:masterClrMapping/>
+  </p:clrMapOvr>
+</p:sld>
+</file>
+
+<file path=ppt/slides/slide13.xml><?xml version="1.0" encoding="utf-8"?>
+<p:sld xmlns:a="http://schemas.openxmlformats.org/drawingml/2006/main" xmlns:r="http://schemas.openxmlformats.org/officeDocument/2006/relationships" xmlns:p="http://schemas.openxmlformats.org/presentationml/2006/main">
+  <p:cSld>
+    <p:spTree>
+      <p:nvGrpSpPr>
+        <p:cNvPr id="1" name=""/>
+        <p:cNvGrpSpPr/>
+        <p:nvPr/>
+      </p:nvGrpSpPr>
+      <p:grpSpPr/>
+      <p:sp>
+        <p:nvSpPr>
+          <p:cNvPr id="3" name="内容占位符 2"/>
+          <p:cNvSpPr>
+            <a:spLocks noGrp="1"/>
+          </p:cNvSpPr>
+          <p:nvPr>
+            <p:ph idx="1"/>
+          </p:nvPr>
+        </p:nvSpPr>
+        <p:spPr>
+          <a:xfrm>
+            <a:off x="838200" y="504825"/>
+            <a:ext cx="10515600" cy="4690110"/>
+          </a:xfrm>
+        </p:spPr>
+        <p:txBody>
+          <a:bodyPr/>
+          <a:p>
+            <a:pPr marL="0" indent="0">
+              <a:buNone/>
+            </a:pPr>
+            <a:r>
+              <a:rPr lang="en-US" altLang="zh-CN" dirty="0">
+                <a:sym typeface="+mn-ea"/>
+              </a:rPr>
+              <a:t>Log</a:t>
+            </a:r>
+            <a:r>
+              <a:rPr lang="zh-CN" altLang="en-US" dirty="0">
+                <a:sym typeface="+mn-ea"/>
+              </a:rPr>
+              <a:t>三步走</a:t>
+            </a:r>
+            <a:r>
+              <a:rPr lang="en-US" altLang="zh-CN" dirty="0">
+                <a:sym typeface="+mn-ea"/>
+              </a:rPr>
+              <a:t>(2)</a:t>
+            </a:r>
+            <a:endParaRPr lang="zh-CN" altLang="en-US" dirty="0"/>
+          </a:p>
+          <a:p>
+            <a:pPr marL="0" indent="0">
+              <a:buNone/>
+            </a:pPr>
+            <a:r>
+              <a:rPr lang="zh-CN" altLang="en-US"/>
+              <a:t>中期：</a:t>
+            </a:r>
+            <a:r>
+              <a:rPr lang="en-US" altLang="zh-CN"/>
+              <a:t>binary/protobuf log (to save disk space and bandwidth)</a:t>
+            </a:r>
+            <a:endParaRPr lang="en-US" altLang="zh-CN"/>
+          </a:p>
+          <a:p>
+            <a:pPr marL="0" indent="0">
+              <a:buNone/>
+            </a:pPr>
+            <a:r>
+              <a:rPr lang="en-US" altLang="zh-CN"/>
+              <a:t>           Log filter (by facility/category/severity/regex)</a:t>
+            </a:r>
+            <a:endParaRPr lang="en-US" altLang="zh-CN"/>
+          </a:p>
+          <a:p>
+            <a:pPr marL="0" indent="0">
+              <a:buNone/>
+            </a:pPr>
+            <a:r>
+              <a:rPr lang="en-US" altLang="zh-CN"/>
+              <a:t>           tcp/tls based stream mode</a:t>
+            </a:r>
+            <a:endParaRPr lang="en-US" altLang="zh-CN"/>
+          </a:p>
+          <a:p>
+            <a:pPr marL="0" indent="0">
+              <a:buNone/>
+            </a:pPr>
+            <a:r>
+              <a:rPr lang="en-US" altLang="zh-CN"/>
+              <a:t>           performance and log acceleration</a:t>
+            </a:r>
+            <a:endParaRPr lang="en-US" altLang="zh-CN"/>
+          </a:p>
+          <a:p>
+            <a:pPr marL="0" indent="0">
+              <a:buNone/>
+            </a:pPr>
+            <a:r>
+              <a:rPr lang="en-US" altLang="zh-CN"/>
+              <a:t>           event mode (save to DB)</a:t>
+            </a:r>
+            <a:endParaRPr lang="en-US" altLang="zh-CN"/>
+          </a:p>
+          <a:p>
+            <a:pPr marL="0" indent="0">
+              <a:buNone/>
+            </a:pPr>
+            <a:r>
+              <a:rPr lang="en-US" altLang="zh-CN"/>
+              <a:t>           </a:t>
+            </a:r>
+            <a:r>
+              <a:rPr lang="zh-CN" altLang="en-US"/>
+              <a:t>超长</a:t>
+            </a:r>
+            <a:r>
+              <a:rPr lang="en-US" altLang="zh-CN"/>
+              <a:t>log</a:t>
+            </a:r>
+            <a:r>
+              <a:rPr lang="zh-CN" altLang="en-US"/>
+              <a:t>截断</a:t>
+            </a:r>
+            <a:endParaRPr lang="en-US" altLang="zh-CN"/>
+          </a:p>
+          <a:p>
+            <a:pPr marL="0" indent="0">
+              <a:buNone/>
+            </a:pPr>
+            <a:r>
+              <a:rPr lang="en-US" altLang="zh-CN"/>
+              <a:t>           </a:t>
+            </a:r>
+            <a:endParaRPr lang="en-US" altLang="zh-CN"/>
+          </a:p>
+        </p:txBody>
+      </p:sp>
+    </p:spTree>
+  </p:cSld>
+  <p:clrMapOvr>
+    <a:masterClrMapping/>
+  </p:clrMapOvr>
+</p:sld>
+</file>
+
+<file path=ppt/slides/slide14.xml><?xml version="1.0" encoding="utf-8"?>
+<p:sld xmlns:a="http://schemas.openxmlformats.org/drawingml/2006/main" xmlns:r="http://schemas.openxmlformats.org/officeDocument/2006/relationships" xmlns:p="http://schemas.openxmlformats.org/presentationml/2006/main">
+  <p:cSld>
+    <p:spTree>
+      <p:nvGrpSpPr>
+        <p:cNvPr id="1" name=""/>
+        <p:cNvGrpSpPr/>
+        <p:nvPr/>
+      </p:nvGrpSpPr>
+      <p:grpSpPr/>
+      <p:sp>
+        <p:nvSpPr>
+          <p:cNvPr id="3" name="内容占位符 2"/>
+          <p:cNvSpPr>
+            <a:spLocks noGrp="1"/>
+          </p:cNvSpPr>
+          <p:nvPr>
+            <p:ph idx="1"/>
+          </p:nvPr>
+        </p:nvSpPr>
+        <p:spPr>
+          <a:xfrm>
+            <a:off x="838200" y="429260"/>
+            <a:ext cx="10515600" cy="5748020"/>
+          </a:xfrm>
+        </p:spPr>
+        <p:txBody>
+          <a:bodyPr/>
+          <a:p>
+            <a:pPr marL="0" indent="0">
+              <a:buNone/>
+            </a:pPr>
+            <a:r>
+              <a:rPr lang="en-US" altLang="zh-CN" dirty="0">
+                <a:sym typeface="+mn-ea"/>
+              </a:rPr>
+              <a:t>Log</a:t>
+            </a:r>
+            <a:r>
+              <a:rPr lang="zh-CN" altLang="en-US" dirty="0">
+                <a:sym typeface="+mn-ea"/>
+              </a:rPr>
+              <a:t>三步走</a:t>
+            </a:r>
+            <a:r>
+              <a:rPr lang="en-US" altLang="zh-CN" dirty="0">
+                <a:sym typeface="+mn-ea"/>
+              </a:rPr>
+              <a:t>(3)</a:t>
+            </a:r>
+            <a:endParaRPr lang="zh-CN" altLang="en-US" dirty="0"/>
+          </a:p>
+          <a:p>
+            <a:pPr marL="0" indent="0">
+              <a:buNone/>
+            </a:pPr>
+            <a:r>
+              <a:rPr lang="zh-CN" altLang="en-US"/>
+              <a:t>长期：</a:t>
+            </a:r>
+            <a:r>
+              <a:rPr lang="en-US" altLang="zh-CN"/>
+              <a:t>on-box reporting (low/mid-end), save log to db, and generate reports, like top count 10, top volume 10, top risk 10, show statistics in specific interval, etc..</a:t>
+            </a:r>
+            <a:endParaRPr lang="en-US" altLang="zh-CN"/>
+          </a:p>
+          <a:p>
+            <a:pPr marL="0" indent="0">
+              <a:buNone/>
+            </a:pPr>
+            <a:r>
+              <a:rPr lang="en-US" altLang="zh-CN"/>
+              <a:t>           </a:t>
+            </a:r>
+            <a:r>
+              <a:rPr lang="zh-CN" altLang="en-US"/>
+              <a:t>客户定制</a:t>
+            </a:r>
+            <a:r>
+              <a:rPr lang="en-US" altLang="zh-CN"/>
+              <a:t>log</a:t>
+            </a:r>
+            <a:r>
+              <a:rPr lang="zh-CN" altLang="en-US"/>
+              <a:t>，可以根据需要使用命令配置希望得到的</a:t>
+            </a:r>
+            <a:r>
+              <a:rPr lang="en-US" altLang="zh-CN"/>
+              <a:t>log</a:t>
+            </a:r>
+            <a:r>
+              <a:rPr lang="zh-CN" altLang="en-US"/>
+              <a:t>形式，比如改变某些字段顺序，去除某些字段</a:t>
+            </a:r>
+            <a:endParaRPr lang="zh-CN" altLang="en-US"/>
+          </a:p>
+          <a:p>
+            <a:pPr marL="0" indent="0">
+              <a:buNone/>
+            </a:pPr>
+            <a:r>
+              <a:rPr lang="zh-CN" altLang="en-US"/>
+              <a:t> </a:t>
+            </a:r>
+            <a:r>
+              <a:rPr lang="en-US" altLang="zh-CN"/>
+              <a:t>          </a:t>
+            </a:r>
+            <a:r>
+              <a:rPr lang="zh-CN" altLang="en-US"/>
+              <a:t>自动生成</a:t>
+            </a:r>
+            <a:r>
+              <a:rPr lang="en-US" altLang="zh-CN"/>
+              <a:t>log</a:t>
+            </a:r>
+            <a:r>
+              <a:rPr lang="zh-CN" altLang="en-US"/>
+              <a:t>帮助文档</a:t>
+            </a:r>
+            <a:endParaRPr lang="zh-CN" altLang="en-US"/>
+          </a:p>
+          <a:p>
+            <a:pPr marL="0" indent="0">
+              <a:buNone/>
+            </a:pPr>
+            <a:r>
+              <a:rPr lang="en-US" altLang="zh-CN"/>
+              <a:t>           </a:t>
+            </a:r>
+            <a:endParaRPr lang="en-US" altLang="zh-CN"/>
+          </a:p>
+        </p:txBody>
+      </p:sp>
+    </p:spTree>
   </p:cSld>
   <p:clrMapOvr>
     <a:masterClrMapping/>
@@ -3476,13 +3836,7 @@
       </p:grpSpPr>
       <p:sp>
         <p:nvSpPr>
-          <p:cNvPr id="3" name="副标题 2">
-            <a:extLst>
-              <a:ext uri="{FF2B5EF4-FFF2-40B4-BE49-F238E27FC236}">
-                <a16:creationId xmlns:a16="http://schemas.microsoft.com/office/drawing/2014/main" id="{EA06DE68-3DD9-4C1E-A581-0FF8AEAEEA86}"/>
-              </a:ext>
-            </a:extLst>
-          </p:cNvPr>
+          <p:cNvPr id="3" name="副标题 2"/>
           <p:cNvSpPr>
             <a:spLocks noGrp="1"/>
           </p:cNvSpPr>
@@ -3605,15 +3959,11 @@
               <a:rPr lang="zh-CN" altLang="en-US" dirty="0"/>
               <a:t>，各种统计信息等。</a:t>
             </a:r>
+            <a:endParaRPr lang="zh-CN" altLang="en-US" dirty="0"/>
           </a:p>
         </p:txBody>
       </p:sp>
     </p:spTree>
-    <p:extLst>
-      <p:ext uri="{BB962C8B-B14F-4D97-AF65-F5344CB8AC3E}">
-        <p14:creationId xmlns:p14="http://schemas.microsoft.com/office/powerpoint/2010/main" val="1235492281"/>
-      </p:ext>
-    </p:extLst>
   </p:cSld>
   <p:clrMapOvr>
     <a:masterClrMapping/>
@@ -3640,13 +3990,7 @@
       </p:grpSpPr>
       <p:sp>
         <p:nvSpPr>
-          <p:cNvPr id="3" name="内容占位符 2">
-            <a:extLst>
-              <a:ext uri="{FF2B5EF4-FFF2-40B4-BE49-F238E27FC236}">
-                <a16:creationId xmlns:a16="http://schemas.microsoft.com/office/drawing/2014/main" id="{0CA5EE6A-8BCD-4D29-9B70-32014296A4CB}"/>
-              </a:ext>
-            </a:extLst>
-          </p:cNvPr>
+          <p:cNvPr id="3" name="内容占位符 2"/>
           <p:cNvSpPr>
             <a:spLocks noGrp="1"/>
           </p:cNvSpPr>
@@ -3685,6 +4029,7 @@
               <a:rPr lang="en-US" altLang="zh-CN" dirty="0"/>
               <a:t>Event log      vs       traffic log</a:t>
             </a:r>
+            <a:endParaRPr lang="en-US" altLang="zh-CN" dirty="0"/>
           </a:p>
           <a:p>
             <a:pPr marL="0" indent="0">
@@ -3762,15 +4107,31 @@
               <a:rPr lang="zh-CN" altLang="en-US" dirty="0"/>
               <a:t>，系统资源使用等信息。</a:t>
             </a:r>
+            <a:endParaRPr lang="zh-CN" altLang="en-US" dirty="0"/>
+          </a:p>
+          <a:p>
+            <a:pPr marL="0" indent="0">
+              <a:buNone/>
+            </a:pPr>
+            <a:endParaRPr lang="zh-CN" altLang="en-US" dirty="0"/>
+          </a:p>
+          <a:p>
+            <a:pPr marL="0" indent="0">
+              <a:buNone/>
+            </a:pPr>
+            <a:r>
+              <a:rPr lang="zh-CN" altLang="en-US" dirty="0"/>
+              <a:t>这里指的是</a:t>
+            </a:r>
+            <a:r>
+              <a:rPr lang="en-US" altLang="zh-CN" dirty="0"/>
+              <a:t>traffic log</a:t>
+            </a:r>
+            <a:endParaRPr lang="en-US" altLang="zh-CN" dirty="0"/>
           </a:p>
         </p:txBody>
       </p:sp>
     </p:spTree>
-    <p:extLst>
-      <p:ext uri="{BB962C8B-B14F-4D97-AF65-F5344CB8AC3E}">
-        <p14:creationId xmlns:p14="http://schemas.microsoft.com/office/powerpoint/2010/main" val="930808066"/>
-      </p:ext>
-    </p:extLst>
   </p:cSld>
   <p:clrMapOvr>
     <a:masterClrMapping/>
@@ -3787,23 +4148,10 @@
         <p:cNvGrpSpPr/>
         <p:nvPr/>
       </p:nvGrpSpPr>
-      <p:grpSpPr>
-        <a:xfrm>
-          <a:off x="0" y="0"/>
-          <a:ext cx="0" cy="0"/>
-          <a:chOff x="0" y="0"/>
-          <a:chExt cx="0" cy="0"/>
-        </a:xfrm>
-      </p:grpSpPr>
-      <p:sp>
-        <p:nvSpPr>
-          <p:cNvPr id="3" name="内容占位符 2">
-            <a:extLst>
-              <a:ext uri="{FF2B5EF4-FFF2-40B4-BE49-F238E27FC236}">
-                <a16:creationId xmlns:a16="http://schemas.microsoft.com/office/drawing/2014/main" id="{03C8593D-2183-4AB2-B881-0213EDE3AC6B}"/>
-              </a:ext>
-            </a:extLst>
-          </p:cNvPr>
+      <p:grpSpPr/>
+      <p:sp>
+        <p:nvSpPr>
+          <p:cNvPr id="3" name="内容占位符 2"/>
           <p:cNvSpPr>
             <a:spLocks noGrp="1"/>
           </p:cNvSpPr>
@@ -3813,228 +4161,33 @@
         </p:nvSpPr>
         <p:spPr>
           <a:xfrm>
-            <a:off x="838200" y="499621"/>
-            <a:ext cx="10515600" cy="5986020"/>
+            <a:off x="838200" y="472440"/>
+            <a:ext cx="10515600" cy="5704840"/>
           </a:xfrm>
         </p:spPr>
         <p:txBody>
           <a:bodyPr/>
-          <a:lstStyle/>
-          <a:p>
-            <a:pPr marL="0" indent="0">
-              <a:buNone/>
-            </a:pPr>
-            <a:r>
-              <a:rPr lang="en-US" altLang="zh-CN" dirty="0"/>
-              <a:t>Glossary</a:t>
-            </a:r>
-            <a:r>
-              <a:rPr lang="zh-CN" altLang="en-US" dirty="0"/>
-              <a:t>：</a:t>
-            </a:r>
-            <a:endParaRPr lang="en-US" altLang="zh-CN" dirty="0"/>
-          </a:p>
-          <a:p>
-            <a:pPr marL="0" indent="0">
-              <a:buNone/>
-            </a:pPr>
-            <a:r>
-              <a:rPr lang="en-US" altLang="zh-CN" dirty="0"/>
-              <a:t>Flow </a:t>
-            </a:r>
-            <a:r>
-              <a:rPr lang="zh-CN" altLang="en-US" dirty="0"/>
-              <a:t>防火墙处理报文基本流程</a:t>
-            </a:r>
-            <a:endParaRPr lang="en-US" altLang="zh-CN" dirty="0"/>
-          </a:p>
-          <a:p>
-            <a:pPr marL="0" indent="0">
-              <a:buNone/>
-            </a:pPr>
-            <a:r>
-              <a:rPr lang="en-US" altLang="zh-CN" dirty="0"/>
-              <a:t>Service </a:t>
-            </a:r>
-            <a:r>
-              <a:rPr lang="zh-CN" altLang="en-US" dirty="0"/>
-              <a:t>防火墙提供的上层服务，以</a:t>
-            </a:r>
-            <a:r>
-              <a:rPr lang="en-US" altLang="zh-CN" dirty="0"/>
-              <a:t>flow</a:t>
-            </a:r>
-            <a:r>
-              <a:rPr lang="zh-CN" altLang="en-US" dirty="0"/>
-              <a:t>为基础，如</a:t>
-            </a:r>
-            <a:r>
-              <a:rPr lang="en-US" altLang="zh-CN" dirty="0"/>
-              <a:t>IDS</a:t>
-            </a:r>
-            <a:r>
-              <a:rPr lang="zh-CN" altLang="en-US" dirty="0"/>
-              <a:t>，</a:t>
-            </a:r>
-            <a:r>
-              <a:rPr lang="en-US" altLang="zh-CN" dirty="0"/>
-              <a:t>UTM</a:t>
-            </a:r>
-            <a:r>
-              <a:rPr lang="zh-CN" altLang="en-US" dirty="0"/>
-              <a:t>，</a:t>
-            </a:r>
-            <a:r>
-              <a:rPr lang="en-US" altLang="zh-CN" dirty="0"/>
-              <a:t>IDP</a:t>
-            </a:r>
-            <a:r>
-              <a:rPr lang="zh-CN" altLang="en-US" dirty="0"/>
-              <a:t>，</a:t>
-            </a:r>
-            <a:r>
-              <a:rPr lang="en-US" altLang="zh-CN" dirty="0"/>
-              <a:t>TCP proxy</a:t>
-            </a:r>
-            <a:r>
-              <a:rPr lang="zh-CN" altLang="en-US" dirty="0"/>
-              <a:t>等</a:t>
-            </a:r>
-            <a:endParaRPr lang="en-US" altLang="zh-CN" dirty="0"/>
-          </a:p>
-          <a:p>
-            <a:pPr marL="0" indent="0">
-              <a:buNone/>
-            </a:pPr>
-            <a:r>
-              <a:rPr lang="en-US" altLang="zh-CN" dirty="0"/>
-              <a:t>Control/data plane </a:t>
-            </a:r>
-            <a:r>
-              <a:rPr lang="zh-CN" altLang="en-US" dirty="0"/>
-              <a:t>控制</a:t>
-            </a:r>
-            <a:r>
-              <a:rPr lang="en-US" altLang="zh-CN" dirty="0"/>
-              <a:t>/</a:t>
-            </a:r>
-            <a:r>
-              <a:rPr lang="zh-CN" altLang="en-US" dirty="0"/>
-              <a:t>数据平面</a:t>
-            </a:r>
-            <a:endParaRPr lang="en-US" altLang="zh-CN" dirty="0"/>
-          </a:p>
-          <a:p>
-            <a:pPr marL="0" indent="0">
-              <a:buNone/>
-            </a:pPr>
-            <a:r>
-              <a:rPr lang="en-US" altLang="zh-CN" dirty="0" err="1"/>
-              <a:t>Ukernel</a:t>
-            </a:r>
-            <a:r>
-              <a:rPr lang="en-US" altLang="zh-CN" dirty="0"/>
-              <a:t> </a:t>
-            </a:r>
-            <a:r>
-              <a:rPr lang="zh-CN" altLang="en-US" dirty="0"/>
-              <a:t>数据平面通过</a:t>
-            </a:r>
-            <a:r>
-              <a:rPr lang="en-US" altLang="zh-CN" dirty="0" err="1"/>
-              <a:t>ukernel</a:t>
-            </a:r>
-            <a:r>
-              <a:rPr lang="zh-CN" altLang="en-US" dirty="0"/>
-              <a:t>与控制平面通信</a:t>
-            </a:r>
-            <a:endParaRPr lang="en-US" altLang="zh-CN" dirty="0"/>
-          </a:p>
-          <a:p>
-            <a:pPr marL="0" indent="0">
-              <a:buNone/>
-            </a:pPr>
-            <a:r>
-              <a:rPr lang="en-US" altLang="zh-CN" dirty="0"/>
-              <a:t>DPQ data plane queue</a:t>
-            </a:r>
-            <a:r>
-              <a:rPr lang="zh-CN" altLang="en-US" dirty="0"/>
-              <a:t>，数据平面处理报文、消息队列，</a:t>
-            </a:r>
-            <a:r>
-              <a:rPr lang="en-US" altLang="zh-CN" dirty="0"/>
-              <a:t>flow</a:t>
-            </a:r>
-            <a:r>
-              <a:rPr lang="zh-CN" altLang="en-US" dirty="0"/>
-              <a:t>获取队列中的报文或消息进行处理</a:t>
-            </a:r>
-            <a:endParaRPr lang="en-US" altLang="zh-CN" dirty="0"/>
-          </a:p>
-          <a:p>
-            <a:pPr marL="0" indent="0">
-              <a:buNone/>
-            </a:pPr>
-            <a:r>
-              <a:rPr lang="en-US" altLang="zh-CN" dirty="0"/>
-              <a:t>Reinject  flow</a:t>
-            </a:r>
-            <a:r>
-              <a:rPr lang="zh-CN" altLang="en-US" dirty="0"/>
-              <a:t>处理过程中将报文或消息重新加入队列</a:t>
-            </a:r>
-            <a:endParaRPr lang="en-US" altLang="zh-CN" dirty="0"/>
-          </a:p>
-          <a:p>
-            <a:pPr marL="0" indent="0">
-              <a:buNone/>
-            </a:pPr>
-            <a:r>
-              <a:rPr lang="en-US" altLang="zh-CN" dirty="0" err="1"/>
-              <a:t>Rtlogd</a:t>
-            </a:r>
-            <a:r>
-              <a:rPr lang="en-US" altLang="zh-CN" dirty="0"/>
-              <a:t> run time log daemon</a:t>
-            </a:r>
-            <a:r>
-              <a:rPr lang="zh-CN" altLang="en-US" dirty="0"/>
-              <a:t>，控制平面处理</a:t>
-            </a:r>
-            <a:r>
-              <a:rPr lang="en-US" altLang="zh-CN" dirty="0"/>
-              <a:t>log</a:t>
-            </a:r>
-            <a:r>
-              <a:rPr lang="zh-CN" altLang="en-US" dirty="0"/>
-              <a:t>进程</a:t>
-            </a:r>
-            <a:endParaRPr lang="en-US" altLang="zh-CN" dirty="0"/>
-          </a:p>
-          <a:p>
-            <a:pPr marL="0" indent="0">
-              <a:buNone/>
-            </a:pPr>
-            <a:r>
-              <a:rPr lang="en-US" altLang="zh-CN" dirty="0" err="1"/>
-              <a:t>Llmd</a:t>
-            </a:r>
-            <a:r>
-              <a:rPr lang="en-US" altLang="zh-CN" dirty="0"/>
-              <a:t> local logging management daemon</a:t>
-            </a:r>
-            <a:r>
-              <a:rPr lang="zh-CN" altLang="en-US" dirty="0"/>
-              <a:t>，控制平面处理本地</a:t>
-            </a:r>
-            <a:r>
-              <a:rPr lang="en-US" altLang="zh-CN" dirty="0"/>
-              <a:t>log</a:t>
-            </a:r>
-            <a:r>
-              <a:rPr lang="zh-CN" altLang="en-US" dirty="0"/>
-              <a:t>进程</a:t>
+          <a:p>
+            <a:pPr marL="0" indent="0">
+              <a:buNone/>
+            </a:pPr>
+            <a:r>
+              <a:rPr lang="en-US" altLang="zh-CN"/>
+              <a:t>Log</a:t>
+            </a:r>
+            <a:r>
+              <a:rPr lang="zh-CN" altLang="en-US"/>
+              <a:t>格式</a:t>
+            </a:r>
+            <a:endParaRPr lang="zh-CN" altLang="en-US"/>
+          </a:p>
+          <a:p>
+            <a:pPr marL="0" indent="0">
+              <a:buNone/>
+            </a:pPr>
+            <a:r>
+              <a:rPr lang="en-US" altLang="zh-CN"/>
+              <a:t>RFC3164 (traditional) syslog</a:t>
             </a:r>
             <a:endParaRPr lang="en-US" altLang="zh-CN"/>
           </a:p>
@@ -4042,16 +4195,31 @@
             <a:pPr marL="0" indent="0">
               <a:buNone/>
             </a:pPr>
-            <a:endParaRPr lang="zh-CN" altLang="en-US" dirty="0"/>
+            <a:r>
+              <a:rPr lang="en-US" altLang="zh-CN"/>
+              <a:t>RFC5424 structure data log (SD-log)</a:t>
+            </a:r>
+            <a:endParaRPr lang="en-US" altLang="zh-CN"/>
+          </a:p>
+          <a:p>
+            <a:pPr marL="0" indent="0">
+              <a:buNone/>
+            </a:pPr>
+            <a:endParaRPr lang="zh-CN" altLang="en-US"/>
+          </a:p>
+          <a:p>
+            <a:pPr marL="0" indent="0">
+              <a:buNone/>
+            </a:pPr>
+            <a:r>
+              <a:rPr lang="en-US" altLang="zh-CN"/>
+              <a:t>other related RFCs:</a:t>
+            </a:r>
+            <a:endParaRPr lang="en-US" altLang="zh-CN"/>
           </a:p>
         </p:txBody>
       </p:sp>
     </p:spTree>
-    <p:extLst>
-      <p:ext uri="{BB962C8B-B14F-4D97-AF65-F5344CB8AC3E}">
-        <p14:creationId xmlns:p14="http://schemas.microsoft.com/office/powerpoint/2010/main" val="2692221642"/>
-      </p:ext>
-    </p:extLst>
   </p:cSld>
   <p:clrMapOvr>
     <a:masterClrMapping/>
@@ -4068,6 +4236,380 @@
         <p:cNvGrpSpPr/>
         <p:nvPr/>
       </p:nvGrpSpPr>
+      <p:grpSpPr/>
+      <p:sp>
+        <p:nvSpPr>
+          <p:cNvPr id="3" name="内容占位符 2"/>
+          <p:cNvSpPr>
+            <a:spLocks noGrp="1"/>
+          </p:cNvSpPr>
+          <p:nvPr>
+            <p:ph idx="1"/>
+          </p:nvPr>
+        </p:nvSpPr>
+        <p:spPr>
+          <a:xfrm>
+            <a:off x="838200" y="551180"/>
+            <a:ext cx="10515600" cy="5626100"/>
+          </a:xfrm>
+        </p:spPr>
+        <p:txBody>
+          <a:bodyPr>
+            <a:normAutofit lnSpcReduction="10000"/>
+          </a:bodyPr>
+          <a:p>
+            <a:pPr marL="0" indent="0">
+              <a:buNone/>
+            </a:pPr>
+            <a:r>
+              <a:rPr lang="en-US" altLang="zh-CN" dirty="0">
+                <a:sym typeface="+mn-ea"/>
+              </a:rPr>
+              <a:t>Log</a:t>
+            </a:r>
+            <a:r>
+              <a:rPr lang="zh-CN" altLang="en-US" dirty="0">
+                <a:sym typeface="+mn-ea"/>
+              </a:rPr>
+              <a:t>实例</a:t>
+            </a:r>
+            <a:r>
+              <a:rPr lang="en-US" altLang="zh-CN" dirty="0">
+                <a:sym typeface="+mn-ea"/>
+              </a:rPr>
+              <a:t> (1) </a:t>
+            </a:r>
+            <a:endParaRPr lang="zh-CN" altLang="en-US" dirty="0"/>
+          </a:p>
+          <a:p>
+            <a:pPr marL="0" indent="0">
+              <a:buNone/>
+            </a:pPr>
+            <a:r>
+              <a:rPr lang="en-US" altLang="zh-CN" dirty="0">
+                <a:sym typeface="+mn-ea"/>
+              </a:rPr>
+              <a:t>traditonal log</a:t>
+            </a:r>
+            <a:endParaRPr lang="en-US" altLang="zh-CN" dirty="0">
+              <a:sym typeface="+mn-ea"/>
+            </a:endParaRPr>
+          </a:p>
+          <a:p>
+            <a:pPr marL="0" indent="0">
+              <a:buNone/>
+            </a:pPr>
+            <a:r>
+              <a:rPr lang="zh-CN" altLang="en-US">
+                <a:solidFill>
+                  <a:srgbClr val="0000FF"/>
+                </a:solidFill>
+              </a:rPr>
+              <a:t>&lt;14&gt;</a:t>
+            </a:r>
+            <a:r>
+              <a:rPr lang="zh-CN" altLang="en-US">
+                <a:solidFill>
+                  <a:srgbClr val="FF0000"/>
+                </a:solidFill>
+              </a:rPr>
+              <a:t>Aug 31</a:t>
+            </a:r>
+            <a:r>
+              <a:rPr lang="zh-CN" altLang="en-US"/>
+              <a:t> </a:t>
+            </a:r>
+            <a:r>
+              <a:rPr lang="zh-CN" altLang="en-US">
+                <a:solidFill>
+                  <a:srgbClr val="FF0000"/>
+                </a:solidFill>
+              </a:rPr>
+              <a:t>15:21:06</a:t>
+            </a:r>
+            <a:r>
+              <a:rPr lang="zh-CN" altLang="en-US"/>
+              <a:t> </a:t>
+            </a:r>
+            <a:r>
+              <a:rPr lang="zh-CN" altLang="en-US">
+                <a:solidFill>
+                  <a:srgbClr val="00FF00"/>
+                </a:solidFill>
+              </a:rPr>
+              <a:t>flow-vsrx10</a:t>
+            </a:r>
+            <a:r>
+              <a:rPr lang="zh-CN" altLang="en-US"/>
+              <a:t> </a:t>
+            </a:r>
+            <a:r>
+              <a:rPr lang="en-US" altLang="zh-CN">
+                <a:solidFill>
+                  <a:srgbClr val="00B0F0"/>
+                </a:solidFill>
+              </a:rPr>
+              <a:t>RT_FLOW: RT_FLOW_SESSION_CLOSE</a:t>
+            </a:r>
+            <a:r>
+              <a:rPr lang="en-US" altLang="zh-CN">
+                <a:solidFill>
+                  <a:schemeClr val="tx1"/>
+                </a:solidFill>
+              </a:rPr>
+              <a:t>:</a:t>
+            </a:r>
+            <a:r>
+              <a:rPr lang="zh-CN" altLang="en-US"/>
+              <a:t> session closed Some reason: 124.193.37.100/30007-&gt;124.193.37.200/32768 0x0 Medium 124.193.37.100/30007-&gt;124.193.37.200/32768 0x0 Fake src nat type Fake src nat rule Fake dst nat type Fake dst nat rule 17 session_policy4 source_zone4 Fake dst zone 1 4294967295(1073741824) 4294967294(1073741824) 4294967291 junos:SSL junos:SSL user4(Fake UAC roles) source_interface4 Fake encrypt Infrastructure Encryption 4 application-character4 client-proxy 3735928575 124.193.37.100/30007-&gt;124.193.37.200/32768 Fake host Fake src vrf group Fake dst vrf group Fake tunnel inspection root</a:t>
+            </a:r>
+            <a:endParaRPr lang="zh-CN" altLang="en-US"/>
+          </a:p>
+        </p:txBody>
+      </p:sp>
+    </p:spTree>
+  </p:cSld>
+  <p:clrMapOvr>
+    <a:masterClrMapping/>
+  </p:clrMapOvr>
+</p:sld>
+</file>
+
+<file path=ppt/slides/slide6.xml><?xml version="1.0" encoding="utf-8"?>
+<p:sld xmlns:a="http://schemas.openxmlformats.org/drawingml/2006/main" xmlns:r="http://schemas.openxmlformats.org/officeDocument/2006/relationships" xmlns:p="http://schemas.openxmlformats.org/presentationml/2006/main">
+  <p:cSld>
+    <p:spTree>
+      <p:nvGrpSpPr>
+        <p:cNvPr id="1" name=""/>
+        <p:cNvGrpSpPr/>
+        <p:nvPr/>
+      </p:nvGrpSpPr>
+      <p:grpSpPr/>
+      <p:sp>
+        <p:nvSpPr>
+          <p:cNvPr id="3" name="内容占位符 2"/>
+          <p:cNvSpPr>
+            <a:spLocks noGrp="1"/>
+          </p:cNvSpPr>
+          <p:nvPr>
+            <p:ph idx="1"/>
+          </p:nvPr>
+        </p:nvSpPr>
+        <p:spPr>
+          <a:xfrm>
+            <a:off x="838200" y="502285"/>
+            <a:ext cx="10515600" cy="5674995"/>
+          </a:xfrm>
+        </p:spPr>
+        <p:txBody>
+          <a:bodyPr>
+            <a:normAutofit fontScale="60000"/>
+          </a:bodyPr>
+          <a:p>
+            <a:pPr marL="0" indent="0">
+              <a:buNone/>
+            </a:pPr>
+            <a:r>
+              <a:rPr lang="en-US" altLang="zh-CN" dirty="0">
+                <a:sym typeface="+mn-ea"/>
+              </a:rPr>
+              <a:t>Log</a:t>
+            </a:r>
+            <a:r>
+              <a:rPr lang="zh-CN" altLang="en-US" dirty="0">
+                <a:sym typeface="+mn-ea"/>
+              </a:rPr>
+              <a:t>实例</a:t>
+            </a:r>
+            <a:r>
+              <a:rPr lang="en-US" altLang="zh-CN" dirty="0">
+                <a:sym typeface="+mn-ea"/>
+              </a:rPr>
+              <a:t> (2)</a:t>
+            </a:r>
+            <a:endParaRPr lang="en-US" altLang="zh-CN" dirty="0">
+              <a:sym typeface="+mn-ea"/>
+            </a:endParaRPr>
+          </a:p>
+          <a:p>
+            <a:pPr marL="0" indent="0">
+              <a:buNone/>
+            </a:pPr>
+            <a:r>
+              <a:rPr lang="en-US" altLang="zh-CN"/>
+              <a:t>sd-log:</a:t>
+            </a:r>
+            <a:endParaRPr lang="en-US" altLang="zh-CN"/>
+          </a:p>
+          <a:p>
+            <a:pPr marL="0" indent="0">
+              <a:buNone/>
+            </a:pPr>
+            <a:r>
+              <a:rPr lang="en-US" altLang="zh-CN">
+                <a:solidFill>
+                  <a:srgbClr val="0000FF"/>
+                </a:solidFill>
+              </a:rPr>
+              <a:t>&lt;14&gt;</a:t>
+            </a:r>
+            <a:r>
+              <a:rPr lang="en-US" altLang="zh-CN">
+                <a:solidFill>
+                  <a:srgbClr val="7030A0"/>
+                </a:solidFill>
+              </a:rPr>
+              <a:t>1</a:t>
+            </a:r>
+            <a:r>
+              <a:rPr lang="en-US" altLang="zh-CN"/>
+              <a:t> </a:t>
+            </a:r>
+            <a:r>
+              <a:rPr lang="en-US" altLang="zh-CN">
+                <a:solidFill>
+                  <a:srgbClr val="FF0000"/>
+                </a:solidFill>
+              </a:rPr>
+              <a:t>2020-08-31T15:30:16.840Z</a:t>
+            </a:r>
+            <a:r>
+              <a:rPr lang="en-US" altLang="zh-CN"/>
+              <a:t> </a:t>
+            </a:r>
+            <a:r>
+              <a:rPr lang="en-US" altLang="zh-CN">
+                <a:solidFill>
+                  <a:srgbClr val="00FF00"/>
+                </a:solidFill>
+              </a:rPr>
+              <a:t>flow-vsrx10</a:t>
+            </a:r>
+            <a:r>
+              <a:rPr lang="en-US" altLang="zh-CN"/>
+              <a:t> </a:t>
+            </a:r>
+            <a:r>
+              <a:rPr lang="en-US" altLang="zh-CN">
+                <a:solidFill>
+                  <a:srgbClr val="00B0F0"/>
+                </a:solidFill>
+              </a:rPr>
+              <a:t>RT_FLOW - RT_FLOW_SESSION_CLOSE</a:t>
+            </a:r>
+            <a:r>
+              <a:rPr lang="en-US" altLang="zh-CN"/>
+              <a:t> </a:t>
+            </a:r>
+            <a:r>
+              <a:rPr lang="en-US" altLang="zh-CN">
+                <a:solidFill>
+                  <a:srgbClr val="FA16E7"/>
+                </a:solidFill>
+              </a:rPr>
+              <a:t>[</a:t>
+            </a:r>
+            <a:r>
+              <a:rPr lang="en-US" altLang="zh-CN"/>
+              <a:t>junos@2636.1.1.1.2.129 reason="Some reason" source-address="124.193.37.100" source-port="31006" destination-address="124.193.37.200" destination-port="32768" connection-tag="0" service-name="Medium" nat-source-address="124.193.37.100" nat-source-port="31006" nat-destination-address="124.193.37.200" nat-destination-port="32768" nat-connection-tag="0" src-nat-rule-type="Fake src nat type" src-nat-rule-name="Fake src nat rule" dst-nat-rule-type="Fake dst nat type" dst-nat-rule-name="Fake dst nat rule" protocol-id="17" policy-name="session_policy4" source-zone-name="source_zone4" destination-zone-name="Fake dst zone" session-id-32="1" packets-from-client="4294967295" bytes-from-client="1073741824" packets-from-server="4294967294" bytes-from-server="1073741824" elapsed-time="4294967291" application="junos:SSL" nested-application="junos:SSL" username="user4" roles="Fake UAC roles" packet-incoming-interface="source_interface4" encrypted="Fake encrypt" application-category="Infrastructure" application-sub-category="Encryption" application-risk="4" application-characteristics="application-character4" secure-web-proxy-session-type="client-proxy" peer-session-id="3735928575" peer-source-address="124.193.37.100" peer-source-port="31006" peer-destination-address="124.193.37.200" peer-destination-port="32768" hostname="Fake host" src-vrf-grp="Fake src vrf group" dst-vrf-grp="Fake dst vrf group" tunnel-inspection="Fake tunnel inspection" tunnel-inspection-policy-set="root"</a:t>
+            </a:r>
+            <a:r>
+              <a:rPr lang="en-US" altLang="zh-CN">
+                <a:solidFill>
+                  <a:srgbClr val="FA16E7"/>
+                </a:solidFill>
+              </a:rPr>
+              <a:t>]</a:t>
+            </a:r>
+            <a:endParaRPr lang="en-US" altLang="zh-CN">
+              <a:solidFill>
+                <a:srgbClr val="FA16E7"/>
+              </a:solidFill>
+            </a:endParaRPr>
+          </a:p>
+        </p:txBody>
+      </p:sp>
+    </p:spTree>
+  </p:cSld>
+  <p:clrMapOvr>
+    <a:masterClrMapping/>
+  </p:clrMapOvr>
+</p:sld>
+</file>
+
+<file path=ppt/slides/slide7.xml><?xml version="1.0" encoding="utf-8"?>
+<p:sld xmlns:a="http://schemas.openxmlformats.org/drawingml/2006/main" xmlns:r="http://schemas.openxmlformats.org/officeDocument/2006/relationships" xmlns:p="http://schemas.openxmlformats.org/presentationml/2006/main">
+  <p:cSld>
+    <p:spTree>
+      <p:nvGrpSpPr>
+        <p:cNvPr id="1" name=""/>
+        <p:cNvGrpSpPr/>
+        <p:nvPr/>
+      </p:nvGrpSpPr>
+      <p:grpSpPr/>
+      <p:sp>
+        <p:nvSpPr>
+          <p:cNvPr id="3" name="内容占位符 2"/>
+          <p:cNvSpPr>
+            <a:spLocks noGrp="1"/>
+          </p:cNvSpPr>
+          <p:nvPr>
+            <p:ph idx="1"/>
+          </p:nvPr>
+        </p:nvSpPr>
+        <p:spPr>
+          <a:xfrm>
+            <a:off x="838200" y="482600"/>
+            <a:ext cx="10515600" cy="5694680"/>
+          </a:xfrm>
+        </p:spPr>
+        <p:txBody>
+          <a:bodyPr/>
+          <a:p>
+            <a:pPr marL="0" indent="0">
+              <a:buNone/>
+            </a:pPr>
+            <a:r>
+              <a:rPr lang="en-US" altLang="zh-CN" dirty="0">
+                <a:sym typeface="+mn-ea"/>
+              </a:rPr>
+              <a:t>Log</a:t>
+            </a:r>
+            <a:r>
+              <a:rPr lang="zh-CN" altLang="en-US" dirty="0">
+                <a:sym typeface="+mn-ea"/>
+              </a:rPr>
+              <a:t>支持的功能</a:t>
+            </a:r>
+            <a:endParaRPr lang="zh-CN" altLang="en-US" dirty="0">
+              <a:sym typeface="+mn-ea"/>
+            </a:endParaRPr>
+          </a:p>
+          <a:p>
+            <a:pPr marL="0" indent="0">
+              <a:buNone/>
+            </a:pPr>
+            <a:endParaRPr lang="zh-CN" altLang="en-US"/>
+          </a:p>
+        </p:txBody>
+      </p:sp>
+    </p:spTree>
+  </p:cSld>
+  <p:clrMapOvr>
+    <a:masterClrMapping/>
+  </p:clrMapOvr>
+</p:sld>
+</file>
+
+<file path=ppt/slides/slide8.xml><?xml version="1.0" encoding="utf-8"?>
+<p:sld xmlns:a="http://schemas.openxmlformats.org/drawingml/2006/main" xmlns:r="http://schemas.openxmlformats.org/officeDocument/2006/relationships" xmlns:p="http://schemas.openxmlformats.org/presentationml/2006/main">
+  <p:cSld>
+    <p:spTree>
+      <p:nvGrpSpPr>
+        <p:cNvPr id="1" name=""/>
+        <p:cNvGrpSpPr/>
+        <p:nvPr/>
+      </p:nvGrpSpPr>
       <p:grpSpPr>
         <a:xfrm>
           <a:off x="0" y="0"/>
@@ -4078,65 +4620,382 @@
       </p:grpSpPr>
       <p:sp>
         <p:nvSpPr>
-          <p:cNvPr id="2" name="标题 1">
-            <a:extLst>
-              <a:ext uri="{FF2B5EF4-FFF2-40B4-BE49-F238E27FC236}">
-                <a16:creationId xmlns:a16="http://schemas.microsoft.com/office/drawing/2014/main" id="{CBD25002-D4B8-4305-A592-D62D6D6D49C6}"/>
-              </a:ext>
-            </a:extLst>
-          </p:cNvPr>
-          <p:cNvSpPr>
-            <a:spLocks noGrp="1"/>
-          </p:cNvSpPr>
-          <p:nvPr>
-            <p:ph type="title"/>
-          </p:nvPr>
-        </p:nvSpPr>
-        <p:spPr/>
+          <p:cNvPr id="3" name="内容占位符 2"/>
+          <p:cNvSpPr>
+            <a:spLocks noGrp="1"/>
+          </p:cNvSpPr>
+          <p:nvPr>
+            <p:ph idx="1"/>
+          </p:nvPr>
+        </p:nvSpPr>
+        <p:spPr>
+          <a:xfrm>
+            <a:off x="838200" y="499621"/>
+            <a:ext cx="10515600" cy="5986020"/>
+          </a:xfrm>
+        </p:spPr>
         <p:txBody>
           <a:bodyPr/>
           <a:lstStyle/>
           <a:p>
-            <a:endParaRPr lang="zh-CN" altLang="en-US"/>
-          </a:p>
-        </p:txBody>
-      </p:sp>
-      <p:sp>
-        <p:nvSpPr>
-          <p:cNvPr id="3" name="内容占位符 2">
-            <a:extLst>
-              <a:ext uri="{FF2B5EF4-FFF2-40B4-BE49-F238E27FC236}">
-                <a16:creationId xmlns:a16="http://schemas.microsoft.com/office/drawing/2014/main" id="{F483B7D2-ED81-495D-A056-F17BBA09C311}"/>
-              </a:ext>
-            </a:extLst>
-          </p:cNvPr>
-          <p:cNvSpPr>
-            <a:spLocks noGrp="1"/>
-          </p:cNvSpPr>
-          <p:nvPr>
-            <p:ph idx="1"/>
-          </p:nvPr>
-        </p:nvSpPr>
-        <p:spPr/>
-        <p:txBody>
-          <a:bodyPr/>
-          <a:lstStyle/>
-          <a:p>
-            <a:endParaRPr lang="zh-CN" altLang="en-US"/>
+            <a:pPr marL="0" indent="0">
+              <a:buNone/>
+            </a:pPr>
+            <a:r>
+              <a:rPr lang="en-US" altLang="zh-CN" dirty="0"/>
+              <a:t>Glossary</a:t>
+            </a:r>
+            <a:r>
+              <a:rPr lang="zh-CN" altLang="en-US" dirty="0"/>
+              <a:t>：</a:t>
+            </a:r>
+            <a:endParaRPr lang="en-US" altLang="zh-CN" dirty="0"/>
+          </a:p>
+          <a:p>
+            <a:pPr marL="0" indent="0">
+              <a:buNone/>
+            </a:pPr>
+            <a:r>
+              <a:rPr lang="en-US" altLang="zh-CN" dirty="0"/>
+              <a:t>Flow </a:t>
+            </a:r>
+            <a:r>
+              <a:rPr lang="zh-CN" altLang="en-US" dirty="0"/>
+              <a:t>防火墙处理报文基本流程</a:t>
+            </a:r>
+            <a:endParaRPr lang="en-US" altLang="zh-CN" dirty="0"/>
+          </a:p>
+          <a:p>
+            <a:pPr marL="0" indent="0">
+              <a:buNone/>
+            </a:pPr>
+            <a:r>
+              <a:rPr lang="en-US" altLang="zh-CN" dirty="0"/>
+              <a:t>Service </a:t>
+            </a:r>
+            <a:r>
+              <a:rPr lang="zh-CN" altLang="en-US" dirty="0"/>
+              <a:t>防火墙提供的上层服务，以</a:t>
+            </a:r>
+            <a:r>
+              <a:rPr lang="en-US" altLang="zh-CN" dirty="0"/>
+              <a:t>flow</a:t>
+            </a:r>
+            <a:r>
+              <a:rPr lang="zh-CN" altLang="en-US" dirty="0"/>
+              <a:t>为基础，如</a:t>
+            </a:r>
+            <a:r>
+              <a:rPr lang="en-US" altLang="zh-CN" dirty="0"/>
+              <a:t>IDS</a:t>
+            </a:r>
+            <a:r>
+              <a:rPr lang="zh-CN" altLang="en-US" dirty="0"/>
+              <a:t>，</a:t>
+            </a:r>
+            <a:r>
+              <a:rPr lang="en-US" altLang="zh-CN" dirty="0"/>
+              <a:t>UTM</a:t>
+            </a:r>
+            <a:r>
+              <a:rPr lang="zh-CN" altLang="en-US" dirty="0"/>
+              <a:t>，</a:t>
+            </a:r>
+            <a:r>
+              <a:rPr lang="en-US" altLang="zh-CN" dirty="0"/>
+              <a:t>IDP</a:t>
+            </a:r>
+            <a:r>
+              <a:rPr lang="zh-CN" altLang="en-US" dirty="0"/>
+              <a:t>，</a:t>
+            </a:r>
+            <a:r>
+              <a:rPr lang="en-US" altLang="zh-CN" dirty="0"/>
+              <a:t>TCP proxy</a:t>
+            </a:r>
+            <a:r>
+              <a:rPr lang="zh-CN" altLang="en-US" dirty="0"/>
+              <a:t>等</a:t>
+            </a:r>
+            <a:endParaRPr lang="en-US" altLang="zh-CN" dirty="0"/>
+          </a:p>
+          <a:p>
+            <a:pPr marL="0" indent="0">
+              <a:buNone/>
+            </a:pPr>
+            <a:r>
+              <a:rPr lang="en-US" altLang="zh-CN" dirty="0"/>
+              <a:t>Control/data plane </a:t>
+            </a:r>
+            <a:r>
+              <a:rPr lang="zh-CN" altLang="en-US" dirty="0"/>
+              <a:t>控制</a:t>
+            </a:r>
+            <a:r>
+              <a:rPr lang="en-US" altLang="zh-CN" dirty="0"/>
+              <a:t>/</a:t>
+            </a:r>
+            <a:r>
+              <a:rPr lang="zh-CN" altLang="en-US" dirty="0"/>
+              <a:t>数据平面</a:t>
+            </a:r>
+            <a:endParaRPr lang="en-US" altLang="zh-CN" dirty="0"/>
+          </a:p>
+          <a:p>
+            <a:pPr marL="0" indent="0">
+              <a:buNone/>
+            </a:pPr>
+            <a:r>
+              <a:rPr lang="en-US" altLang="zh-CN" dirty="0" err="1"/>
+              <a:t>Ukernel</a:t>
+            </a:r>
+            <a:r>
+              <a:rPr lang="en-US" altLang="zh-CN" dirty="0"/>
+              <a:t> </a:t>
+            </a:r>
+            <a:r>
+              <a:rPr lang="zh-CN" altLang="en-US" dirty="0"/>
+              <a:t>数据平面通过</a:t>
+            </a:r>
+            <a:r>
+              <a:rPr lang="en-US" altLang="zh-CN" dirty="0" err="1"/>
+              <a:t>ukernel</a:t>
+            </a:r>
+            <a:r>
+              <a:rPr lang="zh-CN" altLang="en-US" dirty="0"/>
+              <a:t>与控制平面通信</a:t>
+            </a:r>
+            <a:endParaRPr lang="en-US" altLang="zh-CN" dirty="0"/>
+          </a:p>
+          <a:p>
+            <a:pPr marL="0" indent="0">
+              <a:buNone/>
+            </a:pPr>
+            <a:r>
+              <a:rPr lang="en-US" altLang="zh-CN" dirty="0"/>
+              <a:t>DPQ data plane queue</a:t>
+            </a:r>
+            <a:r>
+              <a:rPr lang="zh-CN" altLang="en-US" dirty="0"/>
+              <a:t>，数据平面处理报文、消息队列，</a:t>
+            </a:r>
+            <a:r>
+              <a:rPr lang="en-US" altLang="zh-CN" dirty="0"/>
+              <a:t>flow</a:t>
+            </a:r>
+            <a:r>
+              <a:rPr lang="zh-CN" altLang="en-US" dirty="0"/>
+              <a:t>获取队列中的报文或消息进行处理</a:t>
+            </a:r>
+            <a:endParaRPr lang="en-US" altLang="zh-CN" dirty="0"/>
+          </a:p>
+          <a:p>
+            <a:pPr marL="0" indent="0">
+              <a:buNone/>
+            </a:pPr>
+            <a:r>
+              <a:rPr lang="en-US" altLang="zh-CN" dirty="0"/>
+              <a:t>Reinject  flow</a:t>
+            </a:r>
+            <a:r>
+              <a:rPr lang="zh-CN" altLang="en-US" dirty="0"/>
+              <a:t>处理过程中将报文或消息重新加入队列</a:t>
+            </a:r>
+            <a:endParaRPr lang="en-US" altLang="zh-CN" dirty="0"/>
+          </a:p>
+          <a:p>
+            <a:pPr marL="0" indent="0">
+              <a:buNone/>
+            </a:pPr>
+            <a:r>
+              <a:rPr lang="en-US" altLang="zh-CN" dirty="0" err="1"/>
+              <a:t>Rtlogd</a:t>
+            </a:r>
+            <a:r>
+              <a:rPr lang="en-US" altLang="zh-CN" dirty="0"/>
+              <a:t> run/real time log daemon</a:t>
+            </a:r>
+            <a:r>
+              <a:rPr lang="zh-CN" altLang="en-US" dirty="0"/>
+              <a:t>，控制平面处理</a:t>
+            </a:r>
+            <a:r>
+              <a:rPr lang="en-US" altLang="zh-CN" dirty="0"/>
+              <a:t>log</a:t>
+            </a:r>
+            <a:r>
+              <a:rPr lang="zh-CN" altLang="en-US" dirty="0"/>
+              <a:t>进程</a:t>
+            </a:r>
+            <a:endParaRPr lang="en-US" altLang="zh-CN" dirty="0"/>
+          </a:p>
+          <a:p>
+            <a:pPr marL="0" indent="0">
+              <a:buNone/>
+            </a:pPr>
+            <a:r>
+              <a:rPr lang="en-US" altLang="zh-CN" dirty="0" err="1"/>
+              <a:t>Llmd</a:t>
+            </a:r>
+            <a:r>
+              <a:rPr lang="en-US" altLang="zh-CN" dirty="0"/>
+              <a:t> local logging management daemon</a:t>
+            </a:r>
+            <a:r>
+              <a:rPr lang="zh-CN" altLang="en-US" dirty="0"/>
+              <a:t>，控制平面处理本地</a:t>
+            </a:r>
+            <a:r>
+              <a:rPr lang="en-US" altLang="zh-CN" dirty="0"/>
+              <a:t>log</a:t>
+            </a:r>
+            <a:r>
+              <a:rPr lang="zh-CN" altLang="en-US" dirty="0"/>
+              <a:t>进程</a:t>
+            </a:r>
+            <a:endParaRPr lang="en-US" altLang="zh-CN"/>
+          </a:p>
+          <a:p>
+            <a:pPr marL="0" indent="0">
+              <a:buNone/>
+            </a:pPr>
+            <a:endParaRPr lang="zh-CN" altLang="en-US" dirty="0"/>
           </a:p>
         </p:txBody>
       </p:sp>
     </p:spTree>
-    <p:extLst>
-      <p:ext uri="{BB962C8B-B14F-4D97-AF65-F5344CB8AC3E}">
-        <p14:creationId xmlns:p14="http://schemas.microsoft.com/office/powerpoint/2010/main" val="2224673437"/>
-      </p:ext>
-    </p:extLst>
   </p:cSld>
   <p:clrMapOvr>
     <a:masterClrMapping/>
   </p:clrMapOvr>
 </p:sld>
+</file>
+
+<file path=ppt/slides/slide9.xml><?xml version="1.0" encoding="utf-8"?>
+<p:sld xmlns:a="http://schemas.openxmlformats.org/drawingml/2006/main" xmlns:r="http://schemas.openxmlformats.org/officeDocument/2006/relationships" xmlns:p="http://schemas.openxmlformats.org/presentationml/2006/main">
+  <p:cSld>
+    <p:spTree>
+      <p:nvGrpSpPr>
+        <p:cNvPr id="1" name=""/>
+        <p:cNvGrpSpPr/>
+        <p:nvPr/>
+      </p:nvGrpSpPr>
+      <p:grpSpPr>
+        <a:xfrm>
+          <a:off x="0" y="0"/>
+          <a:ext cx="0" cy="0"/>
+          <a:chOff x="0" y="0"/>
+          <a:chExt cx="0" cy="0"/>
+        </a:xfrm>
+      </p:grpSpPr>
+      <p:sp>
+        <p:nvSpPr>
+          <p:cNvPr id="3" name="内容占位符 2"/>
+          <p:cNvSpPr>
+            <a:spLocks noGrp="1"/>
+          </p:cNvSpPr>
+          <p:nvPr>
+            <p:ph idx="1"/>
+          </p:nvPr>
+        </p:nvSpPr>
+        <p:spPr>
+          <a:xfrm>
+            <a:off x="838200" y="621665"/>
+            <a:ext cx="10515600" cy="5883910"/>
+          </a:xfrm>
+        </p:spPr>
+        <p:txBody>
+          <a:bodyPr/>
+          <a:lstStyle/>
+          <a:p>
+            <a:pPr marL="0" indent="0">
+              <a:buNone/>
+            </a:pPr>
+            <a:r>
+              <a:rPr lang="en-US" altLang="zh-CN" dirty="0">
+                <a:sym typeface="+mn-ea"/>
+              </a:rPr>
+              <a:t>Log</a:t>
+            </a:r>
+            <a:r>
+              <a:rPr lang="zh-CN" altLang="en-US" dirty="0">
+                <a:sym typeface="+mn-ea"/>
+              </a:rPr>
+              <a:t>实现</a:t>
+            </a:r>
+            <a:endParaRPr lang="zh-CN" altLang="en-US"/>
+          </a:p>
+        </p:txBody>
+      </p:sp>
+      <p:sp>
+        <p:nvSpPr>
+          <p:cNvPr id="6" name="文本框 5"/>
+          <p:cNvSpPr txBox="1"/>
+          <p:nvPr/>
+        </p:nvSpPr>
+        <p:spPr>
+          <a:xfrm>
+            <a:off x="4826000" y="3244850"/>
+            <a:ext cx="2540000" cy="368300"/>
+          </a:xfrm>
+          <a:prstGeom prst="rect">
+            <a:avLst/>
+          </a:prstGeom>
+          <a:noFill/>
+        </p:spPr>
+        <p:txBody>
+          <a:bodyPr wrap="square" rtlCol="0" anchor="t">
+            <a:spAutoFit/>
+          </a:bodyPr>
+          <a:p>
+            <a:r>
+              <a:rPr lang="zh-CN" altLang="en-US"/>
+              <a:t> </a:t>
+            </a:r>
+            <a:endParaRPr lang="zh-CN" altLang="en-US"/>
+          </a:p>
+        </p:txBody>
+      </p:sp>
+      <p:pic>
+        <p:nvPicPr>
+          <p:cNvPr id="7" name="图片 6" descr="jlog"/>
+          <p:cNvPicPr>
+            <a:picLocks noChangeAspect="1"/>
+          </p:cNvPicPr>
+          <p:nvPr>
+            <p:custDataLst>
+              <p:tags r:id="rId1"/>
+            </p:custDataLst>
+          </p:nvPr>
+        </p:nvPicPr>
+        <p:blipFill>
+          <a:blip r:embed="rId2"/>
+          <a:stretch>
+            <a:fillRect/>
+          </a:stretch>
+        </p:blipFill>
+        <p:spPr>
+          <a:xfrm>
+            <a:off x="3159125" y="62865"/>
+            <a:ext cx="6301740" cy="7223125"/>
+          </a:xfrm>
+          <a:prstGeom prst="rect">
+            <a:avLst/>
+          </a:prstGeom>
+        </p:spPr>
+      </p:pic>
+    </p:spTree>
+  </p:cSld>
+  <p:clrMapOvr>
+    <a:masterClrMapping/>
+  </p:clrMapOvr>
+</p:sld>
+</file>
+
+<file path=ppt/tags/tag1.xml><?xml version="1.0" encoding="utf-8"?>
+<p:tagLst xmlns:p="http://schemas.openxmlformats.org/presentationml/2006/main">
+  <p:tag name="KSO_WM_UNIT_PLACING_PICTURE_USER_VIEWPORT" val="{&quot;height&quot;:7370,&quot;width&quot;:6430}"/>
+</p:tagLst>
 </file>
 
 <file path=ppt/theme/theme1.xml><?xml version="1.0" encoding="utf-8"?>
@@ -4182,7 +5041,7 @@
     </a:clrScheme>
     <a:fontScheme name="Office">
       <a:majorFont>
-        <a:latin typeface="等线 Light" panose="020F0302020204030204"/>
+        <a:latin typeface="等线 Light"/>
         <a:ea typeface=""/>
         <a:cs typeface=""/>
         <a:font script="Jpan" typeface="游ゴシック Light"/>
@@ -4215,26 +5074,9 @@
         <a:font script="Viet" typeface="Times New Roman"/>
         <a:font script="Uigh" typeface="Microsoft Uighur"/>
         <a:font script="Geor" typeface="Sylfaen"/>
-        <a:font script="Armn" typeface="Arial"/>
-        <a:font script="Bugi" typeface="Leelawadee UI"/>
-        <a:font script="Bopo" typeface="Microsoft JhengHei"/>
-        <a:font script="Java" typeface="Javanese Text"/>
-        <a:font script="Lisu" typeface="Segoe UI"/>
-        <a:font script="Mymr" typeface="Myanmar Text"/>
-        <a:font script="Nkoo" typeface="Ebrima"/>
-        <a:font script="Olck" typeface="Nirmala UI"/>
-        <a:font script="Osma" typeface="Ebrima"/>
-        <a:font script="Phag" typeface="Phagspa"/>
-        <a:font script="Syrn" typeface="Estrangelo Edessa"/>
-        <a:font script="Syrj" typeface="Estrangelo Edessa"/>
-        <a:font script="Syre" typeface="Estrangelo Edessa"/>
-        <a:font script="Sora" typeface="Nirmala UI"/>
-        <a:font script="Tale" typeface="Microsoft Tai Le"/>
-        <a:font script="Talu" typeface="Microsoft New Tai Lue"/>
-        <a:font script="Tfng" typeface="Ebrima"/>
       </a:majorFont>
       <a:minorFont>
-        <a:latin typeface="等线" panose="020F0502020204030204"/>
+        <a:latin typeface="等线"/>
         <a:ea typeface=""/>
         <a:cs typeface=""/>
         <a:font script="Jpan" typeface="游ゴシック"/>
@@ -4267,23 +5109,6 @@
         <a:font script="Viet" typeface="Arial"/>
         <a:font script="Uigh" typeface="Microsoft Uighur"/>
         <a:font script="Geor" typeface="Sylfaen"/>
-        <a:font script="Armn" typeface="Arial"/>
-        <a:font script="Bugi" typeface="Leelawadee UI"/>
-        <a:font script="Bopo" typeface="Microsoft JhengHei"/>
-        <a:font script="Java" typeface="Javanese Text"/>
-        <a:font script="Lisu" typeface="Segoe UI"/>
-        <a:font script="Mymr" typeface="Myanmar Text"/>
-        <a:font script="Nkoo" typeface="Ebrima"/>
-        <a:font script="Olck" typeface="Nirmala UI"/>
-        <a:font script="Osma" typeface="Ebrima"/>
-        <a:font script="Phag" typeface="Phagspa"/>
-        <a:font script="Syrn" typeface="Estrangelo Edessa"/>
-        <a:font script="Syrj" typeface="Estrangelo Edessa"/>
-        <a:font script="Syre" typeface="Estrangelo Edessa"/>
-        <a:font script="Sora" typeface="Nirmala UI"/>
-        <a:font script="Tale" typeface="Microsoft Tai Le"/>
-        <a:font script="Talu" typeface="Microsoft New Tai Lue"/>
-        <a:font script="Tfng" typeface="Ebrima"/>
       </a:minorFont>
     </a:fontScheme>
     <a:fmtScheme name="Office">
@@ -4424,8 +5249,6 @@
       </a:bgFillStyleLst>
     </a:fmtScheme>
   </a:themeElements>
-  <a:objectDefaults/>
-  <a:extraClrSchemeLst/>
   <a:extLst>
     <a:ext uri="{05A4C25C-085E-4340-85A3-A5531E510DB2}">
       <thm15:themeFamily xmlns:thm15="http://schemas.microsoft.com/office/thememl/2012/main" name="Office Theme" id="{62F939B6-93AF-4DB8-9C6B-D6C7DFDC589F}" vid="{4A3C46E8-61CC-4603-A589-7422A47A8E4A}"/>

--- a/log.pptx
+++ b/log.pptx
@@ -5,20 +5,24 @@
     <p:sldMasterId id="2147483648" r:id="rId1"/>
   </p:sldMasterIdLst>
   <p:sldIdLst>
-    <p:sldId id="256" r:id="rId3"/>
-    <p:sldId id="257" r:id="rId4"/>
-    <p:sldId id="258" r:id="rId5"/>
-    <p:sldId id="262" r:id="rId6"/>
-    <p:sldId id="264" r:id="rId7"/>
-    <p:sldId id="265" r:id="rId8"/>
-    <p:sldId id="263" r:id="rId9"/>
+    <p:sldId id="256" r:id="rId2"/>
+    <p:sldId id="257" r:id="rId3"/>
+    <p:sldId id="258" r:id="rId4"/>
+    <p:sldId id="262" r:id="rId5"/>
+    <p:sldId id="264" r:id="rId6"/>
+    <p:sldId id="265" r:id="rId7"/>
+    <p:sldId id="263" r:id="rId8"/>
+    <p:sldId id="271" r:id="rId9"/>
     <p:sldId id="259" r:id="rId10"/>
     <p:sldId id="260" r:id="rId11"/>
-    <p:sldId id="266" r:id="rId12"/>
-    <p:sldId id="267" r:id="rId13"/>
-    <p:sldId id="268" r:id="rId14"/>
-    <p:sldId id="269" r:id="rId15"/>
-    <p:sldId id="270" r:id="rId16"/>
+    <p:sldId id="272" r:id="rId12"/>
+    <p:sldId id="273" r:id="rId13"/>
+    <p:sldId id="274" r:id="rId14"/>
+    <p:sldId id="266" r:id="rId15"/>
+    <p:sldId id="267" r:id="rId16"/>
+    <p:sldId id="268" r:id="rId17"/>
+    <p:sldId id="269" r:id="rId18"/>
+    <p:sldId id="270" r:id="rId19"/>
   </p:sldIdLst>
   <p:sldSz cx="12192000" cy="6858000"/>
   <p:notesSz cx="6858000" cy="9144000"/>
@@ -117,6 +121,11 @@
       </a:defRPr>
     </a:lvl9pPr>
   </p:defaultTextStyle>
+  <p:extLst>
+    <p:ext uri="{EFAFB233-063F-42B5-8137-9DF3F51BA10A}">
+      <p15:sldGuideLst xmlns:p15="http://schemas.microsoft.com/office/powerpoint/2012/main"/>
+    </p:ext>
+  </p:extLst>
 </p:presentation>
 </file>
 
@@ -165,7 +174,6 @@
               <a:rPr lang="zh-CN" altLang="en-US"/>
               <a:t>单击此处编辑母版标题样式</a:t>
             </a:r>
-            <a:endParaRPr lang="zh-CN" altLang="en-US"/>
           </a:p>
         </p:txBody>
       </p:sp>
@@ -230,7 +238,6 @@
               <a:rPr lang="zh-CN" altLang="en-US"/>
               <a:t>单击此处编辑母版副标题样式</a:t>
             </a:r>
-            <a:endParaRPr lang="zh-CN" altLang="en-US"/>
           </a:p>
         </p:txBody>
       </p:sp>
@@ -251,6 +258,7 @@
           <a:p>
             <a:fld id="{DDD654C4-C72C-44C4-AA05-A5B2208255A8}" type="datetimeFigureOut">
               <a:rPr lang="zh-CN" altLang="en-US" smtClean="0"/>
+              <a:t>2021/5/19</a:t>
             </a:fld>
             <a:endParaRPr lang="zh-CN" altLang="en-US"/>
           </a:p>
@@ -292,6 +300,7 @@
           <a:p>
             <a:fld id="{A5FBB800-440C-474C-B735-C127FD42B685}" type="slidenum">
               <a:rPr lang="zh-CN" altLang="en-US" smtClean="0"/>
+              <a:t>‹#›</a:t>
             </a:fld>
             <a:endParaRPr lang="zh-CN" altLang="en-US"/>
           </a:p>
@@ -341,7 +350,6 @@
               <a:rPr lang="zh-CN" altLang="en-US"/>
               <a:t>单击此处编辑母版标题样式</a:t>
             </a:r>
-            <a:endParaRPr lang="zh-CN" altLang="en-US"/>
           </a:p>
         </p:txBody>
       </p:sp>
@@ -365,7 +373,6 @@
               <a:rPr lang="zh-CN" altLang="en-US"/>
               <a:t>单击此处编辑母版文本样式</a:t>
             </a:r>
-            <a:endParaRPr lang="zh-CN" altLang="en-US"/>
           </a:p>
           <a:p>
             <a:pPr lvl="1"/>
@@ -373,7 +380,6 @@
               <a:rPr lang="zh-CN" altLang="en-US"/>
               <a:t>二级</a:t>
             </a:r>
-            <a:endParaRPr lang="zh-CN" altLang="en-US"/>
           </a:p>
           <a:p>
             <a:pPr lvl="2"/>
@@ -381,7 +387,6 @@
               <a:rPr lang="zh-CN" altLang="en-US"/>
               <a:t>三级</a:t>
             </a:r>
-            <a:endParaRPr lang="zh-CN" altLang="en-US"/>
           </a:p>
           <a:p>
             <a:pPr lvl="3"/>
@@ -389,7 +394,6 @@
               <a:rPr lang="zh-CN" altLang="en-US"/>
               <a:t>四级</a:t>
             </a:r>
-            <a:endParaRPr lang="zh-CN" altLang="en-US"/>
           </a:p>
           <a:p>
             <a:pPr lvl="4"/>
@@ -397,7 +401,6 @@
               <a:rPr lang="zh-CN" altLang="en-US"/>
               <a:t>五级</a:t>
             </a:r>
-            <a:endParaRPr lang="zh-CN" altLang="en-US"/>
           </a:p>
         </p:txBody>
       </p:sp>
@@ -418,6 +421,7 @@
           <a:p>
             <a:fld id="{DDD654C4-C72C-44C4-AA05-A5B2208255A8}" type="datetimeFigureOut">
               <a:rPr lang="zh-CN" altLang="en-US" smtClean="0"/>
+              <a:t>2021/5/19</a:t>
             </a:fld>
             <a:endParaRPr lang="zh-CN" altLang="en-US"/>
           </a:p>
@@ -459,6 +463,7 @@
           <a:p>
             <a:fld id="{A5FBB800-440C-474C-B735-C127FD42B685}" type="slidenum">
               <a:rPr lang="zh-CN" altLang="en-US" smtClean="0"/>
+              <a:t>‹#›</a:t>
             </a:fld>
             <a:endParaRPr lang="zh-CN" altLang="en-US"/>
           </a:p>
@@ -513,7 +518,6 @@
               <a:rPr lang="zh-CN" altLang="en-US"/>
               <a:t>单击此处编辑母版标题样式</a:t>
             </a:r>
-            <a:endParaRPr lang="zh-CN" altLang="en-US"/>
           </a:p>
         </p:txBody>
       </p:sp>
@@ -542,7 +546,6 @@
               <a:rPr lang="zh-CN" altLang="en-US"/>
               <a:t>单击此处编辑母版文本样式</a:t>
             </a:r>
-            <a:endParaRPr lang="zh-CN" altLang="en-US"/>
           </a:p>
           <a:p>
             <a:pPr lvl="1"/>
@@ -550,7 +553,6 @@
               <a:rPr lang="zh-CN" altLang="en-US"/>
               <a:t>二级</a:t>
             </a:r>
-            <a:endParaRPr lang="zh-CN" altLang="en-US"/>
           </a:p>
           <a:p>
             <a:pPr lvl="2"/>
@@ -558,7 +560,6 @@
               <a:rPr lang="zh-CN" altLang="en-US"/>
               <a:t>三级</a:t>
             </a:r>
-            <a:endParaRPr lang="zh-CN" altLang="en-US"/>
           </a:p>
           <a:p>
             <a:pPr lvl="3"/>
@@ -566,7 +567,6 @@
               <a:rPr lang="zh-CN" altLang="en-US"/>
               <a:t>四级</a:t>
             </a:r>
-            <a:endParaRPr lang="zh-CN" altLang="en-US"/>
           </a:p>
           <a:p>
             <a:pPr lvl="4"/>
@@ -574,7 +574,6 @@
               <a:rPr lang="zh-CN" altLang="en-US"/>
               <a:t>五级</a:t>
             </a:r>
-            <a:endParaRPr lang="zh-CN" altLang="en-US"/>
           </a:p>
         </p:txBody>
       </p:sp>
@@ -595,6 +594,7 @@
           <a:p>
             <a:fld id="{DDD654C4-C72C-44C4-AA05-A5B2208255A8}" type="datetimeFigureOut">
               <a:rPr lang="zh-CN" altLang="en-US" smtClean="0"/>
+              <a:t>2021/5/19</a:t>
             </a:fld>
             <a:endParaRPr lang="zh-CN" altLang="en-US"/>
           </a:p>
@@ -636,6 +636,7 @@
           <a:p>
             <a:fld id="{A5FBB800-440C-474C-B735-C127FD42B685}" type="slidenum">
               <a:rPr lang="zh-CN" altLang="en-US" smtClean="0"/>
+              <a:t>‹#›</a:t>
             </a:fld>
             <a:endParaRPr lang="zh-CN" altLang="en-US"/>
           </a:p>
@@ -685,7 +686,6 @@
               <a:rPr lang="zh-CN" altLang="en-US"/>
               <a:t>单击此处编辑母版标题样式</a:t>
             </a:r>
-            <a:endParaRPr lang="zh-CN" altLang="en-US"/>
           </a:p>
         </p:txBody>
       </p:sp>
@@ -709,7 +709,6 @@
               <a:rPr lang="zh-CN" altLang="en-US"/>
               <a:t>单击此处编辑母版文本样式</a:t>
             </a:r>
-            <a:endParaRPr lang="zh-CN" altLang="en-US"/>
           </a:p>
           <a:p>
             <a:pPr lvl="1"/>
@@ -717,7 +716,6 @@
               <a:rPr lang="zh-CN" altLang="en-US"/>
               <a:t>二级</a:t>
             </a:r>
-            <a:endParaRPr lang="zh-CN" altLang="en-US"/>
           </a:p>
           <a:p>
             <a:pPr lvl="2"/>
@@ -725,7 +723,6 @@
               <a:rPr lang="zh-CN" altLang="en-US"/>
               <a:t>三级</a:t>
             </a:r>
-            <a:endParaRPr lang="zh-CN" altLang="en-US"/>
           </a:p>
           <a:p>
             <a:pPr lvl="3"/>
@@ -733,7 +730,6 @@
               <a:rPr lang="zh-CN" altLang="en-US"/>
               <a:t>四级</a:t>
             </a:r>
-            <a:endParaRPr lang="zh-CN" altLang="en-US"/>
           </a:p>
           <a:p>
             <a:pPr lvl="4"/>
@@ -741,7 +737,6 @@
               <a:rPr lang="zh-CN" altLang="en-US"/>
               <a:t>五级</a:t>
             </a:r>
-            <a:endParaRPr lang="zh-CN" altLang="en-US"/>
           </a:p>
         </p:txBody>
       </p:sp>
@@ -762,6 +757,7 @@
           <a:p>
             <a:fld id="{DDD654C4-C72C-44C4-AA05-A5B2208255A8}" type="datetimeFigureOut">
               <a:rPr lang="zh-CN" altLang="en-US" smtClean="0"/>
+              <a:t>2021/5/19</a:t>
             </a:fld>
             <a:endParaRPr lang="zh-CN" altLang="en-US"/>
           </a:p>
@@ -803,6 +799,7 @@
           <a:p>
             <a:fld id="{A5FBB800-440C-474C-B735-C127FD42B685}" type="slidenum">
               <a:rPr lang="zh-CN" altLang="en-US" smtClean="0"/>
+              <a:t>‹#›</a:t>
             </a:fld>
             <a:endParaRPr lang="zh-CN" altLang="en-US"/>
           </a:p>
@@ -861,7 +858,6 @@
               <a:rPr lang="zh-CN" altLang="en-US"/>
               <a:t>单击此处编辑母版标题样式</a:t>
             </a:r>
-            <a:endParaRPr lang="zh-CN" altLang="en-US"/>
           </a:p>
         </p:txBody>
       </p:sp>
@@ -981,7 +977,6 @@
               <a:rPr lang="zh-CN" altLang="en-US"/>
               <a:t>单击此处编辑母版文本样式</a:t>
             </a:r>
-            <a:endParaRPr lang="zh-CN" altLang="en-US"/>
           </a:p>
         </p:txBody>
       </p:sp>
@@ -1002,6 +997,7 @@
           <a:p>
             <a:fld id="{DDD654C4-C72C-44C4-AA05-A5B2208255A8}" type="datetimeFigureOut">
               <a:rPr lang="zh-CN" altLang="en-US" smtClean="0"/>
+              <a:t>2021/5/19</a:t>
             </a:fld>
             <a:endParaRPr lang="zh-CN" altLang="en-US"/>
           </a:p>
@@ -1043,6 +1039,7 @@
           <a:p>
             <a:fld id="{A5FBB800-440C-474C-B735-C127FD42B685}" type="slidenum">
               <a:rPr lang="zh-CN" altLang="en-US" smtClean="0"/>
+              <a:t>‹#›</a:t>
             </a:fld>
             <a:endParaRPr lang="zh-CN" altLang="en-US"/>
           </a:p>
@@ -1092,7 +1089,6 @@
               <a:rPr lang="zh-CN" altLang="en-US"/>
               <a:t>单击此处编辑母版标题样式</a:t>
             </a:r>
-            <a:endParaRPr lang="zh-CN" altLang="en-US"/>
           </a:p>
         </p:txBody>
       </p:sp>
@@ -1121,7 +1117,6 @@
               <a:rPr lang="zh-CN" altLang="en-US"/>
               <a:t>单击此处编辑母版文本样式</a:t>
             </a:r>
-            <a:endParaRPr lang="zh-CN" altLang="en-US"/>
           </a:p>
           <a:p>
             <a:pPr lvl="1"/>
@@ -1129,7 +1124,6 @@
               <a:rPr lang="zh-CN" altLang="en-US"/>
               <a:t>二级</a:t>
             </a:r>
-            <a:endParaRPr lang="zh-CN" altLang="en-US"/>
           </a:p>
           <a:p>
             <a:pPr lvl="2"/>
@@ -1137,7 +1131,6 @@
               <a:rPr lang="zh-CN" altLang="en-US"/>
               <a:t>三级</a:t>
             </a:r>
-            <a:endParaRPr lang="zh-CN" altLang="en-US"/>
           </a:p>
           <a:p>
             <a:pPr lvl="3"/>
@@ -1145,7 +1138,6 @@
               <a:rPr lang="zh-CN" altLang="en-US"/>
               <a:t>四级</a:t>
             </a:r>
-            <a:endParaRPr lang="zh-CN" altLang="en-US"/>
           </a:p>
           <a:p>
             <a:pPr lvl="4"/>
@@ -1153,7 +1145,6 @@
               <a:rPr lang="zh-CN" altLang="en-US"/>
               <a:t>五级</a:t>
             </a:r>
-            <a:endParaRPr lang="zh-CN" altLang="en-US"/>
           </a:p>
         </p:txBody>
       </p:sp>
@@ -1182,7 +1173,6 @@
               <a:rPr lang="zh-CN" altLang="en-US"/>
               <a:t>单击此处编辑母版文本样式</a:t>
             </a:r>
-            <a:endParaRPr lang="zh-CN" altLang="en-US"/>
           </a:p>
           <a:p>
             <a:pPr lvl="1"/>
@@ -1190,7 +1180,6 @@
               <a:rPr lang="zh-CN" altLang="en-US"/>
               <a:t>二级</a:t>
             </a:r>
-            <a:endParaRPr lang="zh-CN" altLang="en-US"/>
           </a:p>
           <a:p>
             <a:pPr lvl="2"/>
@@ -1198,7 +1187,6 @@
               <a:rPr lang="zh-CN" altLang="en-US"/>
               <a:t>三级</a:t>
             </a:r>
-            <a:endParaRPr lang="zh-CN" altLang="en-US"/>
           </a:p>
           <a:p>
             <a:pPr lvl="3"/>
@@ -1206,7 +1194,6 @@
               <a:rPr lang="zh-CN" altLang="en-US"/>
               <a:t>四级</a:t>
             </a:r>
-            <a:endParaRPr lang="zh-CN" altLang="en-US"/>
           </a:p>
           <a:p>
             <a:pPr lvl="4"/>
@@ -1214,7 +1201,6 @@
               <a:rPr lang="zh-CN" altLang="en-US"/>
               <a:t>五级</a:t>
             </a:r>
-            <a:endParaRPr lang="zh-CN" altLang="en-US"/>
           </a:p>
         </p:txBody>
       </p:sp>
@@ -1235,6 +1221,7 @@
           <a:p>
             <a:fld id="{DDD654C4-C72C-44C4-AA05-A5B2208255A8}" type="datetimeFigureOut">
               <a:rPr lang="zh-CN" altLang="en-US" smtClean="0"/>
+              <a:t>2021/5/19</a:t>
             </a:fld>
             <a:endParaRPr lang="zh-CN" altLang="en-US"/>
           </a:p>
@@ -1276,6 +1263,7 @@
           <a:p>
             <a:fld id="{A5FBB800-440C-474C-B735-C127FD42B685}" type="slidenum">
               <a:rPr lang="zh-CN" altLang="en-US" smtClean="0"/>
+              <a:t>‹#›</a:t>
             </a:fld>
             <a:endParaRPr lang="zh-CN" altLang="en-US"/>
           </a:p>
@@ -1330,7 +1318,6 @@
               <a:rPr lang="zh-CN" altLang="en-US"/>
               <a:t>单击此处编辑母版标题样式</a:t>
             </a:r>
-            <a:endParaRPr lang="zh-CN" altLang="en-US"/>
           </a:p>
         </p:txBody>
       </p:sp>
@@ -1396,7 +1383,6 @@
               <a:rPr lang="zh-CN" altLang="en-US"/>
               <a:t>单击此处编辑母版文本样式</a:t>
             </a:r>
-            <a:endParaRPr lang="zh-CN" altLang="en-US"/>
           </a:p>
         </p:txBody>
       </p:sp>
@@ -1425,7 +1411,6 @@
               <a:rPr lang="zh-CN" altLang="en-US"/>
               <a:t>单击此处编辑母版文本样式</a:t>
             </a:r>
-            <a:endParaRPr lang="zh-CN" altLang="en-US"/>
           </a:p>
           <a:p>
             <a:pPr lvl="1"/>
@@ -1433,7 +1418,6 @@
               <a:rPr lang="zh-CN" altLang="en-US"/>
               <a:t>二级</a:t>
             </a:r>
-            <a:endParaRPr lang="zh-CN" altLang="en-US"/>
           </a:p>
           <a:p>
             <a:pPr lvl="2"/>
@@ -1441,7 +1425,6 @@
               <a:rPr lang="zh-CN" altLang="en-US"/>
               <a:t>三级</a:t>
             </a:r>
-            <a:endParaRPr lang="zh-CN" altLang="en-US"/>
           </a:p>
           <a:p>
             <a:pPr lvl="3"/>
@@ -1449,7 +1432,6 @@
               <a:rPr lang="zh-CN" altLang="en-US"/>
               <a:t>四级</a:t>
             </a:r>
-            <a:endParaRPr lang="zh-CN" altLang="en-US"/>
           </a:p>
           <a:p>
             <a:pPr lvl="4"/>
@@ -1457,7 +1439,6 @@
               <a:rPr lang="zh-CN" altLang="en-US"/>
               <a:t>五级</a:t>
             </a:r>
-            <a:endParaRPr lang="zh-CN" altLang="en-US"/>
           </a:p>
         </p:txBody>
       </p:sp>
@@ -1523,7 +1504,6 @@
               <a:rPr lang="zh-CN" altLang="en-US"/>
               <a:t>单击此处编辑母版文本样式</a:t>
             </a:r>
-            <a:endParaRPr lang="zh-CN" altLang="en-US"/>
           </a:p>
         </p:txBody>
       </p:sp>
@@ -1552,7 +1532,6 @@
               <a:rPr lang="zh-CN" altLang="en-US"/>
               <a:t>单击此处编辑母版文本样式</a:t>
             </a:r>
-            <a:endParaRPr lang="zh-CN" altLang="en-US"/>
           </a:p>
           <a:p>
             <a:pPr lvl="1"/>
@@ -1560,7 +1539,6 @@
               <a:rPr lang="zh-CN" altLang="en-US"/>
               <a:t>二级</a:t>
             </a:r>
-            <a:endParaRPr lang="zh-CN" altLang="en-US"/>
           </a:p>
           <a:p>
             <a:pPr lvl="2"/>
@@ -1568,7 +1546,6 @@
               <a:rPr lang="zh-CN" altLang="en-US"/>
               <a:t>三级</a:t>
             </a:r>
-            <a:endParaRPr lang="zh-CN" altLang="en-US"/>
           </a:p>
           <a:p>
             <a:pPr lvl="3"/>
@@ -1576,7 +1553,6 @@
               <a:rPr lang="zh-CN" altLang="en-US"/>
               <a:t>四级</a:t>
             </a:r>
-            <a:endParaRPr lang="zh-CN" altLang="en-US"/>
           </a:p>
           <a:p>
             <a:pPr lvl="4"/>
@@ -1584,7 +1560,6 @@
               <a:rPr lang="zh-CN" altLang="en-US"/>
               <a:t>五级</a:t>
             </a:r>
-            <a:endParaRPr lang="zh-CN" altLang="en-US"/>
           </a:p>
         </p:txBody>
       </p:sp>
@@ -1605,6 +1580,7 @@
           <a:p>
             <a:fld id="{DDD654C4-C72C-44C4-AA05-A5B2208255A8}" type="datetimeFigureOut">
               <a:rPr lang="zh-CN" altLang="en-US" smtClean="0"/>
+              <a:t>2021/5/19</a:t>
             </a:fld>
             <a:endParaRPr lang="zh-CN" altLang="en-US"/>
           </a:p>
@@ -1646,6 +1622,7 @@
           <a:p>
             <a:fld id="{A5FBB800-440C-474C-B735-C127FD42B685}" type="slidenum">
               <a:rPr lang="zh-CN" altLang="en-US" smtClean="0"/>
+              <a:t>‹#›</a:t>
             </a:fld>
             <a:endParaRPr lang="zh-CN" altLang="en-US"/>
           </a:p>
@@ -1695,7 +1672,6 @@
               <a:rPr lang="zh-CN" altLang="en-US"/>
               <a:t>单击此处编辑母版标题样式</a:t>
             </a:r>
-            <a:endParaRPr lang="zh-CN" altLang="en-US"/>
           </a:p>
         </p:txBody>
       </p:sp>
@@ -1716,6 +1692,7 @@
           <a:p>
             <a:fld id="{DDD654C4-C72C-44C4-AA05-A5B2208255A8}" type="datetimeFigureOut">
               <a:rPr lang="zh-CN" altLang="en-US" smtClean="0"/>
+              <a:t>2021/5/19</a:t>
             </a:fld>
             <a:endParaRPr lang="zh-CN" altLang="en-US"/>
           </a:p>
@@ -1757,6 +1734,7 @@
           <a:p>
             <a:fld id="{A5FBB800-440C-474C-B735-C127FD42B685}" type="slidenum">
               <a:rPr lang="zh-CN" altLang="en-US" smtClean="0"/>
+              <a:t>‹#›</a:t>
             </a:fld>
             <a:endParaRPr lang="zh-CN" altLang="en-US"/>
           </a:p>
@@ -1804,6 +1782,7 @@
           <a:p>
             <a:fld id="{DDD654C4-C72C-44C4-AA05-A5B2208255A8}" type="datetimeFigureOut">
               <a:rPr lang="zh-CN" altLang="en-US" smtClean="0"/>
+              <a:t>2021/5/19</a:t>
             </a:fld>
             <a:endParaRPr lang="zh-CN" altLang="en-US"/>
           </a:p>
@@ -1845,6 +1824,7 @@
           <a:p>
             <a:fld id="{A5FBB800-440C-474C-B735-C127FD42B685}" type="slidenum">
               <a:rPr lang="zh-CN" altLang="en-US" smtClean="0"/>
+              <a:t>‹#›</a:t>
             </a:fld>
             <a:endParaRPr lang="zh-CN" altLang="en-US"/>
           </a:p>
@@ -1903,7 +1883,6 @@
               <a:rPr lang="zh-CN" altLang="en-US"/>
               <a:t>单击此处编辑母版标题样式</a:t>
             </a:r>
-            <a:endParaRPr lang="zh-CN" altLang="en-US"/>
           </a:p>
         </p:txBody>
       </p:sp>
@@ -1960,7 +1939,6 @@
               <a:rPr lang="zh-CN" altLang="en-US"/>
               <a:t>单击此处编辑母版文本样式</a:t>
             </a:r>
-            <a:endParaRPr lang="zh-CN" altLang="en-US"/>
           </a:p>
           <a:p>
             <a:pPr lvl="1"/>
@@ -1968,7 +1946,6 @@
               <a:rPr lang="zh-CN" altLang="en-US"/>
               <a:t>二级</a:t>
             </a:r>
-            <a:endParaRPr lang="zh-CN" altLang="en-US"/>
           </a:p>
           <a:p>
             <a:pPr lvl="2"/>
@@ -1976,7 +1953,6 @@
               <a:rPr lang="zh-CN" altLang="en-US"/>
               <a:t>三级</a:t>
             </a:r>
-            <a:endParaRPr lang="zh-CN" altLang="en-US"/>
           </a:p>
           <a:p>
             <a:pPr lvl="3"/>
@@ -1984,7 +1960,6 @@
               <a:rPr lang="zh-CN" altLang="en-US"/>
               <a:t>四级</a:t>
             </a:r>
-            <a:endParaRPr lang="zh-CN" altLang="en-US"/>
           </a:p>
           <a:p>
             <a:pPr lvl="4"/>
@@ -1992,7 +1967,6 @@
               <a:rPr lang="zh-CN" altLang="en-US"/>
               <a:t>五级</a:t>
             </a:r>
-            <a:endParaRPr lang="zh-CN" altLang="en-US"/>
           </a:p>
         </p:txBody>
       </p:sp>
@@ -2058,7 +2032,6 @@
               <a:rPr lang="zh-CN" altLang="en-US"/>
               <a:t>单击此处编辑母版文本样式</a:t>
             </a:r>
-            <a:endParaRPr lang="zh-CN" altLang="en-US"/>
           </a:p>
         </p:txBody>
       </p:sp>
@@ -2079,6 +2052,7 @@
           <a:p>
             <a:fld id="{DDD654C4-C72C-44C4-AA05-A5B2208255A8}" type="datetimeFigureOut">
               <a:rPr lang="zh-CN" altLang="en-US" smtClean="0"/>
+              <a:t>2021/5/19</a:t>
             </a:fld>
             <a:endParaRPr lang="zh-CN" altLang="en-US"/>
           </a:p>
@@ -2120,6 +2094,7 @@
           <a:p>
             <a:fld id="{A5FBB800-440C-474C-B735-C127FD42B685}" type="slidenum">
               <a:rPr lang="zh-CN" altLang="en-US" smtClean="0"/>
+              <a:t>‹#›</a:t>
             </a:fld>
             <a:endParaRPr lang="zh-CN" altLang="en-US"/>
           </a:p>
@@ -2178,7 +2153,6 @@
               <a:rPr lang="zh-CN" altLang="en-US"/>
               <a:t>单击此处编辑母版标题样式</a:t>
             </a:r>
-            <a:endParaRPr lang="zh-CN" altLang="en-US"/>
           </a:p>
         </p:txBody>
       </p:sp>
@@ -2305,7 +2279,6 @@
               <a:rPr lang="zh-CN" altLang="en-US"/>
               <a:t>单击此处编辑母版文本样式</a:t>
             </a:r>
-            <a:endParaRPr lang="zh-CN" altLang="en-US"/>
           </a:p>
         </p:txBody>
       </p:sp>
@@ -2326,6 +2299,7 @@
           <a:p>
             <a:fld id="{DDD654C4-C72C-44C4-AA05-A5B2208255A8}" type="datetimeFigureOut">
               <a:rPr lang="zh-CN" altLang="en-US" smtClean="0"/>
+              <a:t>2021/5/19</a:t>
             </a:fld>
             <a:endParaRPr lang="zh-CN" altLang="en-US"/>
           </a:p>
@@ -2367,6 +2341,7 @@
           <a:p>
             <a:fld id="{A5FBB800-440C-474C-B735-C127FD42B685}" type="slidenum">
               <a:rPr lang="zh-CN" altLang="en-US" smtClean="0"/>
+              <a:t>‹#›</a:t>
             </a:fld>
             <a:endParaRPr lang="zh-CN" altLang="en-US"/>
           </a:p>
@@ -2431,7 +2406,6 @@
               <a:rPr lang="zh-CN" altLang="en-US"/>
               <a:t>单击此处编辑母版标题样式</a:t>
             </a:r>
-            <a:endParaRPr lang="zh-CN" altLang="en-US"/>
           </a:p>
         </p:txBody>
       </p:sp>
@@ -2465,7 +2439,6 @@
               <a:rPr lang="zh-CN" altLang="en-US"/>
               <a:t>单击此处编辑母版文本样式</a:t>
             </a:r>
-            <a:endParaRPr lang="zh-CN" altLang="en-US"/>
           </a:p>
           <a:p>
             <a:pPr lvl="1"/>
@@ -2473,7 +2446,6 @@
               <a:rPr lang="zh-CN" altLang="en-US"/>
               <a:t>二级</a:t>
             </a:r>
-            <a:endParaRPr lang="zh-CN" altLang="en-US"/>
           </a:p>
           <a:p>
             <a:pPr lvl="2"/>
@@ -2481,7 +2453,6 @@
               <a:rPr lang="zh-CN" altLang="en-US"/>
               <a:t>三级</a:t>
             </a:r>
-            <a:endParaRPr lang="zh-CN" altLang="en-US"/>
           </a:p>
           <a:p>
             <a:pPr lvl="3"/>
@@ -2489,7 +2460,6 @@
               <a:rPr lang="zh-CN" altLang="en-US"/>
               <a:t>四级</a:t>
             </a:r>
-            <a:endParaRPr lang="zh-CN" altLang="en-US"/>
           </a:p>
           <a:p>
             <a:pPr lvl="4"/>
@@ -2497,7 +2467,6 @@
               <a:rPr lang="zh-CN" altLang="en-US"/>
               <a:t>五级</a:t>
             </a:r>
-            <a:endParaRPr lang="zh-CN" altLang="en-US"/>
           </a:p>
         </p:txBody>
       </p:sp>
@@ -2536,6 +2505,7 @@
           <a:p>
             <a:fld id="{DDD654C4-C72C-44C4-AA05-A5B2208255A8}" type="datetimeFigureOut">
               <a:rPr lang="zh-CN" altLang="en-US" smtClean="0"/>
+              <a:t>2021/5/19</a:t>
             </a:fld>
             <a:endParaRPr lang="zh-CN" altLang="en-US"/>
           </a:p>
@@ -2613,6 +2583,7 @@
           <a:p>
             <a:fld id="{A5FBB800-440C-474C-B735-C127FD42B685}" type="slidenum">
               <a:rPr lang="zh-CN" altLang="en-US" smtClean="0"/>
+              <a:t>‹#›</a:t>
             </a:fld>
             <a:endParaRPr lang="zh-CN" altLang="en-US"/>
           </a:p>
@@ -2979,7 +2950,6 @@
               <a:rPr lang="zh-CN" altLang="en-US" dirty="0"/>
               <a:t>分类</a:t>
             </a:r>
-            <a:endParaRPr lang="zh-CN" altLang="en-US" dirty="0"/>
           </a:p>
           <a:p>
             <a:pPr marL="457200" indent="-457200" algn="l">
@@ -2993,7 +2963,6 @@
               <a:rPr lang="zh-CN" altLang="en-US" dirty="0"/>
               <a:t>格式</a:t>
             </a:r>
-            <a:endParaRPr lang="zh-CN" altLang="en-US" dirty="0"/>
           </a:p>
           <a:p>
             <a:pPr marL="457200" indent="-457200" algn="l">
@@ -3039,7 +3008,6 @@
               <a:rPr lang="en-US" altLang="zh-CN" dirty="0"/>
               <a:t>glossary</a:t>
             </a:r>
-            <a:endParaRPr lang="en-US" altLang="zh-CN" dirty="0"/>
           </a:p>
           <a:p>
             <a:pPr marL="457200" indent="-457200" algn="l">
@@ -3075,9 +3043,6 @@
               </a:rPr>
               <a:t>管理</a:t>
             </a:r>
-            <a:endParaRPr lang="zh-CN" altLang="en-US" dirty="0">
-              <a:sym typeface="+mn-ea"/>
-            </a:endParaRPr>
           </a:p>
           <a:p>
             <a:pPr marL="457200" indent="-457200" algn="l">
@@ -3105,7 +3070,6 @@
               <a:rPr lang="zh-CN" altLang="en-US" dirty="0"/>
               <a:t>三步走</a:t>
             </a:r>
-            <a:endParaRPr lang="zh-CN" altLang="en-US" dirty="0"/>
           </a:p>
         </p:txBody>
       </p:sp>
@@ -3126,7 +3090,14 @@
         <p:cNvGrpSpPr/>
         <p:nvPr/>
       </p:nvGrpSpPr>
-      <p:grpSpPr/>
+      <p:grpSpPr>
+        <a:xfrm>
+          <a:off x="0" y="0"/>
+          <a:ext cx="0" cy="0"/>
+          <a:chOff x="0" y="0"/>
+          <a:chExt cx="0" cy="0"/>
+        </a:xfrm>
+      </p:grpSpPr>
       <p:sp>
         <p:nvSpPr>
           <p:cNvPr id="3" name="内容占位符 2"/>
@@ -3139,92 +3110,96 @@
         </p:nvSpPr>
         <p:spPr>
           <a:xfrm>
-            <a:off x="838200" y="413385"/>
-            <a:ext cx="10515600" cy="5763895"/>
+            <a:off x="838200" y="621665"/>
+            <a:ext cx="10515600" cy="5883910"/>
           </a:xfrm>
         </p:spPr>
         <p:txBody>
           <a:bodyPr/>
-          <a:p>
-            <a:pPr marL="0" indent="0">
-              <a:buNone/>
-            </a:pPr>
-            <a:r>
-              <a:rPr lang="en-US" altLang="zh-CN"/>
+          <a:lstStyle/>
+          <a:p>
+            <a:pPr marL="0" indent="0">
+              <a:buNone/>
+            </a:pPr>
+            <a:r>
+              <a:rPr lang="en-US" altLang="zh-CN" dirty="0">
+                <a:sym typeface="+mn-ea"/>
+              </a:rPr>
               <a:t>Log</a:t>
             </a:r>
             <a:r>
-              <a:rPr lang="zh-CN" altLang="en-US"/>
-              <a:t>管理</a:t>
-            </a:r>
-            <a:endParaRPr lang="zh-CN" altLang="en-US"/>
-          </a:p>
-          <a:p>
-            <a:pPr marL="0" indent="0">
-              <a:buNone/>
-            </a:pPr>
-            <a:r>
-              <a:rPr lang="en-US" altLang="zh-CN"/>
-              <a:t>1. </a:t>
-            </a:r>
-            <a:r>
-              <a:rPr lang="zh-CN" altLang="en-US"/>
-              <a:t>统一，命名、格式、内容、字段顺序</a:t>
-            </a:r>
-            <a:endParaRPr lang="zh-CN" altLang="en-US"/>
-          </a:p>
-          <a:p>
-            <a:pPr marL="0" indent="0">
-              <a:buNone/>
-            </a:pPr>
-            <a:r>
-              <a:rPr lang="en-US" altLang="zh-CN"/>
-              <a:t>2. </a:t>
-            </a:r>
-            <a:r>
-              <a:rPr lang="zh-CN" altLang="en-US"/>
-              <a:t>按需，客户需求，自身需求</a:t>
-            </a:r>
-            <a:endParaRPr lang="zh-CN" altLang="en-US"/>
-          </a:p>
-          <a:p>
-            <a:pPr marL="0" indent="0">
-              <a:buNone/>
-            </a:pPr>
+              <a:rPr lang="zh-CN" altLang="en-US" dirty="0">
+                <a:sym typeface="+mn-ea"/>
+              </a:rPr>
+              <a:t>实现</a:t>
+            </a:r>
+            <a:r>
+              <a:rPr lang="en-US" altLang="zh-CN" dirty="0">
+                <a:sym typeface="+mn-ea"/>
+              </a:rPr>
+              <a:t>(1)</a:t>
+            </a:r>
+            <a:endParaRPr lang="zh-CN" altLang="en-US" dirty="0"/>
+          </a:p>
+        </p:txBody>
+      </p:sp>
+      <p:sp>
+        <p:nvSpPr>
+          <p:cNvPr id="6" name="文本框 5"/>
+          <p:cNvSpPr txBox="1"/>
+          <p:nvPr/>
+        </p:nvSpPr>
+        <p:spPr>
+          <a:xfrm>
+            <a:off x="4826000" y="3244850"/>
+            <a:ext cx="2540000" cy="368300"/>
+          </a:xfrm>
+          <a:prstGeom prst="rect">
+            <a:avLst/>
+          </a:prstGeom>
+          <a:noFill/>
+        </p:spPr>
+        <p:txBody>
+          <a:bodyPr wrap="square" rtlCol="0" anchor="t">
+            <a:spAutoFit/>
+          </a:bodyPr>
+          <a:lstStyle/>
+          <a:p>
             <a:r>
               <a:rPr lang="zh-CN" altLang="en-US"/>
               <a:t> </a:t>
             </a:r>
-            <a:r>
-              <a:rPr lang="en-US" altLang="zh-CN"/>
-              <a:t>   </a:t>
-            </a:r>
-            <a:r>
-              <a:rPr lang="zh-CN" altLang="en-US"/>
-              <a:t>一般而言，涉及丢包，资源分配，或对报文有特定检查都需要发送</a:t>
-            </a:r>
-            <a:r>
-              <a:rPr lang="en-US" altLang="zh-CN"/>
-              <a:t>log</a:t>
-            </a:r>
-            <a:endParaRPr lang="zh-CN" altLang="en-US"/>
-          </a:p>
-          <a:p>
-            <a:pPr marL="0" indent="0">
-              <a:buNone/>
-            </a:pPr>
-            <a:r>
-              <a:rPr lang="en-US" altLang="zh-CN"/>
-              <a:t>3. </a:t>
-            </a:r>
-            <a:r>
-              <a:rPr lang="zh-CN" altLang="en-US"/>
-              <a:t>简单易扩展</a:t>
-            </a:r>
-            <a:endParaRPr lang="zh-CN" altLang="en-US"/>
-          </a:p>
-        </p:txBody>
-      </p:sp>
+          </a:p>
+        </p:txBody>
+      </p:sp>
+      <p:pic>
+        <p:nvPicPr>
+          <p:cNvPr id="7" name="图片 6" descr="jlog"/>
+          <p:cNvPicPr>
+            <a:picLocks noChangeAspect="1"/>
+          </p:cNvPicPr>
+          <p:nvPr>
+            <p:custDataLst>
+              <p:tags r:id="rId1"/>
+            </p:custDataLst>
+          </p:nvPr>
+        </p:nvPicPr>
+        <p:blipFill>
+          <a:blip r:embed="rId3"/>
+          <a:stretch>
+            <a:fillRect/>
+          </a:stretch>
+        </p:blipFill>
+        <p:spPr>
+          <a:xfrm>
+            <a:off x="3159125" y="62865"/>
+            <a:ext cx="6301740" cy="7223125"/>
+          </a:xfrm>
+          <a:prstGeom prst="rect">
+            <a:avLst/>
+          </a:prstGeom>
+        </p:spPr>
+      </p:pic>
     </p:spTree>
   </p:cSld>
   <p:clrMapOvr>
@@ -3242,10 +3217,23 @@
         <p:cNvGrpSpPr/>
         <p:nvPr/>
       </p:nvGrpSpPr>
-      <p:grpSpPr/>
-      <p:sp>
-        <p:nvSpPr>
-          <p:cNvPr id="3" name="内容占位符 2"/>
+      <p:grpSpPr>
+        <a:xfrm>
+          <a:off x="0" y="0"/>
+          <a:ext cx="0" cy="0"/>
+          <a:chOff x="0" y="0"/>
+          <a:chExt cx="0" cy="0"/>
+        </a:xfrm>
+      </p:grpSpPr>
+      <p:sp>
+        <p:nvSpPr>
+          <p:cNvPr id="3" name="内容占位符 2">
+            <a:extLst>
+              <a:ext uri="{FF2B5EF4-FFF2-40B4-BE49-F238E27FC236}">
+                <a16:creationId xmlns:a16="http://schemas.microsoft.com/office/drawing/2014/main" id="{7DB4307A-A81E-4496-B1CF-53502D1EF0E6}"/>
+              </a:ext>
+            </a:extLst>
+          </p:cNvPr>
           <p:cNvSpPr>
             <a:spLocks noGrp="1"/>
           </p:cNvSpPr>
@@ -3255,67 +3243,546 @@
         </p:nvSpPr>
         <p:spPr>
           <a:xfrm>
-            <a:off x="838200" y="488315"/>
-            <a:ext cx="10515600" cy="5688965"/>
+            <a:off x="838200" y="509047"/>
+            <a:ext cx="10515600" cy="5667916"/>
           </a:xfrm>
         </p:spPr>
         <p:txBody>
-          <a:bodyPr/>
-          <a:p>
-            <a:pPr marL="0" indent="0">
-              <a:buNone/>
-            </a:pPr>
-            <a:r>
-              <a:rPr lang="en-US" altLang="zh-CN"/>
+          <a:bodyPr>
+            <a:normAutofit fontScale="92500" lnSpcReduction="20000"/>
+          </a:bodyPr>
+          <a:lstStyle/>
+          <a:p>
+            <a:pPr marL="0" indent="0">
+              <a:buNone/>
+            </a:pPr>
+            <a:r>
+              <a:rPr lang="en-US" altLang="zh-CN" dirty="0">
+                <a:sym typeface="+mn-ea"/>
+              </a:rPr>
               <a:t>Log</a:t>
             </a:r>
             <a:r>
-              <a:rPr lang="zh-CN" altLang="en-US"/>
-              <a:t>调试</a:t>
-            </a:r>
-            <a:endParaRPr lang="zh-CN" altLang="en-US"/>
-          </a:p>
-          <a:p>
-            <a:pPr marL="0" indent="0">
-              <a:buNone/>
-            </a:pPr>
-            <a:r>
-              <a:rPr lang="en-US" altLang="zh-CN"/>
-              <a:t>1. Log</a:t>
-            </a:r>
-            <a:r>
-              <a:rPr lang="zh-CN" altLang="en-US"/>
-              <a:t>是非功能模块，需要其他模块触发，可以添加命令触发机制</a:t>
-            </a:r>
-            <a:endParaRPr lang="zh-CN" altLang="en-US"/>
-          </a:p>
-          <a:p>
-            <a:pPr marL="0" indent="0">
-              <a:buNone/>
-            </a:pPr>
-            <a:r>
-              <a:rPr lang="en-US" altLang="zh-CN"/>
-              <a:t>2. Log</a:t>
-            </a:r>
-            <a:r>
-              <a:rPr lang="zh-CN" altLang="en-US"/>
-              <a:t>问题大多是性能，配置或网络相关</a:t>
-            </a:r>
-            <a:endParaRPr lang="zh-CN" altLang="en-US"/>
-          </a:p>
-          <a:p>
-            <a:pPr marL="0" indent="0">
-              <a:buNone/>
-            </a:pPr>
-            <a:r>
-              <a:rPr lang="en-US" altLang="zh-CN"/>
-              <a:t>3. </a:t>
-            </a:r>
-            <a:endParaRPr lang="en-US" altLang="zh-CN"/>
+              <a:rPr lang="zh-CN" altLang="en-US" dirty="0">
+                <a:sym typeface="+mn-ea"/>
+              </a:rPr>
+              <a:t>实现</a:t>
+            </a:r>
+            <a:r>
+              <a:rPr lang="en-US" altLang="zh-CN" dirty="0">
+                <a:sym typeface="+mn-ea"/>
+              </a:rPr>
+              <a:t>(2)</a:t>
+            </a:r>
+          </a:p>
+          <a:p>
+            <a:pPr marL="514350" indent="-514350">
+              <a:buAutoNum type="arabicPeriod"/>
+            </a:pPr>
+            <a:r>
+              <a:rPr lang="en-US" altLang="zh-CN" dirty="0">
+                <a:sym typeface="+mn-ea"/>
+              </a:rPr>
+              <a:t>Log</a:t>
+            </a:r>
+            <a:r>
+              <a:rPr lang="zh-CN" altLang="en-US" dirty="0">
+                <a:sym typeface="+mn-ea"/>
+              </a:rPr>
+              <a:t>的生成在</a:t>
+            </a:r>
+            <a:r>
+              <a:rPr lang="en-US" altLang="zh-CN" dirty="0">
+                <a:sym typeface="+mn-ea"/>
+              </a:rPr>
+              <a:t>flow/service</a:t>
+            </a:r>
+            <a:r>
+              <a:rPr lang="zh-CN" altLang="en-US" dirty="0">
+                <a:sym typeface="+mn-ea"/>
+              </a:rPr>
+              <a:t>处理报文过程中</a:t>
+            </a:r>
+            <a:endParaRPr lang="en-US" altLang="zh-CN" dirty="0">
+              <a:sym typeface="+mn-ea"/>
+            </a:endParaRPr>
+          </a:p>
+          <a:p>
+            <a:pPr marL="514350" indent="-514350">
+              <a:buAutoNum type="arabicPeriod"/>
+            </a:pPr>
+            <a:r>
+              <a:rPr lang="zh-CN" altLang="en-US" dirty="0">
+                <a:sym typeface="+mn-ea"/>
+              </a:rPr>
+              <a:t>同一个报文可能生成多个</a:t>
+            </a:r>
+            <a:r>
+              <a:rPr lang="en-US" altLang="zh-CN" dirty="0">
+                <a:sym typeface="+mn-ea"/>
+              </a:rPr>
+              <a:t>Log</a:t>
+            </a:r>
+          </a:p>
+          <a:p>
+            <a:pPr marL="514350" indent="-514350">
+              <a:buAutoNum type="arabicPeriod"/>
+            </a:pPr>
+            <a:r>
+              <a:rPr lang="en-US" altLang="zh-CN" dirty="0">
+                <a:sym typeface="+mn-ea"/>
+              </a:rPr>
+              <a:t>Event mode Log</a:t>
+            </a:r>
+            <a:r>
+              <a:rPr lang="zh-CN" altLang="en-US" dirty="0">
+                <a:sym typeface="+mn-ea"/>
+              </a:rPr>
+              <a:t>流程</a:t>
+            </a:r>
+            <a:r>
+              <a:rPr lang="en-US" altLang="zh-CN" dirty="0">
+                <a:sym typeface="+mn-ea"/>
+              </a:rPr>
+              <a:t>: Log API -&gt; enqueue </a:t>
+            </a:r>
+            <a:r>
+              <a:rPr lang="en-US" altLang="zh-CN" dirty="0" err="1">
+                <a:sym typeface="+mn-ea"/>
+              </a:rPr>
+              <a:t>ebuf</a:t>
+            </a:r>
+            <a:r>
+              <a:rPr lang="en-US" altLang="zh-CN" dirty="0">
+                <a:sym typeface="+mn-ea"/>
+              </a:rPr>
+              <a:t> -&gt; </a:t>
+            </a:r>
+            <a:r>
+              <a:rPr lang="zh-CN" altLang="en-US" dirty="0">
+                <a:sym typeface="+mn-ea"/>
+              </a:rPr>
+              <a:t>继续其他处理</a:t>
+            </a:r>
+            <a:endParaRPr lang="en-US" altLang="zh-CN" dirty="0">
+              <a:sym typeface="+mn-ea"/>
+            </a:endParaRPr>
+          </a:p>
+          <a:p>
+            <a:pPr marL="0" indent="0">
+              <a:buNone/>
+            </a:pPr>
+            <a:r>
+              <a:rPr lang="en-US" altLang="zh-CN" dirty="0">
+                <a:sym typeface="+mn-ea"/>
+              </a:rPr>
+              <a:t>     </a:t>
+            </a:r>
+            <a:r>
+              <a:rPr lang="en-US" altLang="zh-CN" dirty="0" err="1">
+                <a:sym typeface="+mn-ea"/>
+              </a:rPr>
+              <a:t>Ukernel</a:t>
+            </a:r>
+            <a:r>
+              <a:rPr lang="en-US" altLang="zh-CN" dirty="0">
+                <a:sym typeface="+mn-ea"/>
+              </a:rPr>
+              <a:t> 50ms timer -&gt; </a:t>
+            </a:r>
+            <a:r>
+              <a:rPr lang="zh-CN" altLang="en-US" dirty="0">
+                <a:sym typeface="+mn-ea"/>
+              </a:rPr>
+              <a:t>遍历</a:t>
+            </a:r>
+            <a:r>
+              <a:rPr lang="en-US" altLang="zh-CN" dirty="0" err="1">
+                <a:sym typeface="+mn-ea"/>
+              </a:rPr>
+              <a:t>ebuf</a:t>
+            </a:r>
+            <a:r>
+              <a:rPr lang="en-US" altLang="zh-CN" dirty="0">
+                <a:sym typeface="+mn-ea"/>
+              </a:rPr>
+              <a:t> -&gt; </a:t>
+            </a:r>
+            <a:r>
+              <a:rPr lang="zh-CN" altLang="en-US" dirty="0">
+                <a:sym typeface="+mn-ea"/>
+              </a:rPr>
+              <a:t>通过</a:t>
+            </a:r>
+            <a:r>
+              <a:rPr lang="en-US" altLang="zh-CN" dirty="0">
+                <a:sym typeface="+mn-ea"/>
+              </a:rPr>
+              <a:t>socket</a:t>
+            </a:r>
+            <a:r>
+              <a:rPr lang="zh-CN" altLang="en-US" dirty="0">
+                <a:sym typeface="+mn-ea"/>
+              </a:rPr>
+              <a:t>发送给控制平面</a:t>
+            </a:r>
+            <a:r>
+              <a:rPr lang="en-US" altLang="zh-CN" dirty="0" err="1">
+                <a:sym typeface="+mn-ea"/>
+              </a:rPr>
+              <a:t>rtlogd</a:t>
+            </a:r>
+            <a:r>
+              <a:rPr lang="en-US" altLang="zh-CN" dirty="0">
+                <a:sym typeface="+mn-ea"/>
+              </a:rPr>
+              <a:t>, </a:t>
+            </a:r>
+            <a:r>
+              <a:rPr lang="en-US" altLang="zh-CN" dirty="0" err="1">
+                <a:sym typeface="+mn-ea"/>
+              </a:rPr>
+              <a:t>rtlogd</a:t>
+            </a:r>
+            <a:r>
+              <a:rPr lang="zh-CN" altLang="en-US" dirty="0">
+                <a:sym typeface="+mn-ea"/>
+              </a:rPr>
+              <a:t>根据配置可能写文件或发送至</a:t>
+            </a:r>
+            <a:r>
+              <a:rPr lang="en-US" altLang="zh-CN" dirty="0" err="1">
+                <a:sym typeface="+mn-ea"/>
+              </a:rPr>
+              <a:t>eventd</a:t>
+            </a:r>
+            <a:endParaRPr lang="en-US" altLang="zh-CN" dirty="0">
+              <a:sym typeface="+mn-ea"/>
+            </a:endParaRPr>
+          </a:p>
+          <a:p>
+            <a:pPr marL="514350" indent="-514350">
+              <a:buFont typeface="+mj-lt"/>
+              <a:buAutoNum type="arabicPeriod" startAt="4"/>
+            </a:pPr>
+            <a:r>
+              <a:rPr lang="en-US" altLang="zh-CN" dirty="0">
+                <a:sym typeface="+mn-ea"/>
+              </a:rPr>
+              <a:t>Stream mode </a:t>
+            </a:r>
+            <a:r>
+              <a:rPr lang="en-US" altLang="zh-CN" dirty="0" err="1">
+                <a:sym typeface="+mn-ea"/>
+              </a:rPr>
+              <a:t>udp</a:t>
+            </a:r>
+            <a:r>
+              <a:rPr lang="en-US" altLang="zh-CN" dirty="0">
+                <a:sym typeface="+mn-ea"/>
+              </a:rPr>
+              <a:t> based log </a:t>
+            </a:r>
+            <a:r>
+              <a:rPr lang="zh-CN" altLang="en-US" dirty="0">
+                <a:sym typeface="+mn-ea"/>
+              </a:rPr>
+              <a:t>流程</a:t>
+            </a:r>
+            <a:r>
+              <a:rPr lang="en-US" altLang="zh-CN" dirty="0">
+                <a:sym typeface="+mn-ea"/>
+              </a:rPr>
+              <a:t>: Log API -&gt; reinject to DPQ -&gt; </a:t>
+            </a:r>
+            <a:r>
+              <a:rPr lang="zh-CN" altLang="en-US" dirty="0">
+                <a:sym typeface="+mn-ea"/>
+              </a:rPr>
+              <a:t>继续其他处理</a:t>
+            </a:r>
+            <a:endParaRPr lang="en-US" altLang="zh-CN" dirty="0">
+              <a:sym typeface="+mn-ea"/>
+            </a:endParaRPr>
+          </a:p>
+          <a:p>
+            <a:pPr marL="0" indent="0">
+              <a:buNone/>
+            </a:pPr>
+            <a:r>
+              <a:rPr lang="en-US" altLang="zh-CN" dirty="0">
+                <a:sym typeface="+mn-ea"/>
+              </a:rPr>
+              <a:t>      flow poll DPQ -&gt; </a:t>
+            </a:r>
+            <a:r>
+              <a:rPr lang="zh-CN" altLang="en-US" dirty="0">
+                <a:sym typeface="+mn-ea"/>
+              </a:rPr>
+              <a:t>发送</a:t>
+            </a:r>
+            <a:r>
+              <a:rPr lang="en-US" altLang="zh-CN" dirty="0" err="1">
+                <a:sym typeface="+mn-ea"/>
+              </a:rPr>
+              <a:t>udp</a:t>
+            </a:r>
+            <a:r>
+              <a:rPr lang="en-US" altLang="zh-CN" dirty="0">
+                <a:sym typeface="+mn-ea"/>
+              </a:rPr>
+              <a:t> log</a:t>
+            </a:r>
+          </a:p>
+          <a:p>
+            <a:pPr marL="514350" indent="-514350">
+              <a:buFont typeface="+mj-lt"/>
+              <a:buAutoNum type="arabicPeriod" startAt="5"/>
+            </a:pPr>
+            <a:r>
+              <a:rPr lang="en-US" altLang="zh-CN" dirty="0">
+                <a:sym typeface="+mn-ea"/>
+              </a:rPr>
+              <a:t>Stream mode </a:t>
+            </a:r>
+            <a:r>
+              <a:rPr lang="en-US" altLang="zh-CN" dirty="0" err="1">
+                <a:sym typeface="+mn-ea"/>
+              </a:rPr>
+              <a:t>tcp</a:t>
+            </a:r>
+            <a:r>
+              <a:rPr lang="en-US" altLang="zh-CN" dirty="0">
+                <a:sym typeface="+mn-ea"/>
+              </a:rPr>
+              <a:t> based log </a:t>
+            </a:r>
+            <a:r>
+              <a:rPr lang="zh-CN" altLang="en-US" dirty="0">
+                <a:sym typeface="+mn-ea"/>
+              </a:rPr>
+              <a:t>流程</a:t>
+            </a:r>
+            <a:r>
+              <a:rPr lang="en-US" altLang="zh-CN" dirty="0">
+                <a:sym typeface="+mn-ea"/>
+              </a:rPr>
+              <a:t>: Log API-&gt; enqueue </a:t>
+            </a:r>
+            <a:r>
+              <a:rPr lang="en-US" altLang="zh-CN" dirty="0" err="1">
+                <a:sym typeface="+mn-ea"/>
+              </a:rPr>
+              <a:t>vbuf</a:t>
+            </a:r>
+            <a:r>
+              <a:rPr lang="en-US" altLang="zh-CN" dirty="0">
+                <a:sym typeface="+mn-ea"/>
+              </a:rPr>
+              <a:t> -&gt; </a:t>
+            </a:r>
+            <a:r>
+              <a:rPr lang="zh-CN" altLang="en-US" dirty="0">
+                <a:sym typeface="+mn-ea"/>
+              </a:rPr>
+              <a:t>继续其他处理</a:t>
+            </a:r>
+            <a:endParaRPr lang="en-US" altLang="zh-CN" dirty="0">
+              <a:sym typeface="+mn-ea"/>
+            </a:endParaRPr>
+          </a:p>
+          <a:p>
+            <a:pPr marL="0" indent="0">
+              <a:buNone/>
+            </a:pPr>
+            <a:r>
+              <a:rPr lang="en-US" altLang="zh-CN" dirty="0">
+                <a:sym typeface="+mn-ea"/>
+              </a:rPr>
+              <a:t>      flow 50ms timer -&gt; </a:t>
+            </a:r>
+            <a:r>
+              <a:rPr lang="zh-CN" altLang="en-US" dirty="0">
+                <a:sym typeface="+mn-ea"/>
+              </a:rPr>
+              <a:t>遍历</a:t>
+            </a:r>
+            <a:r>
+              <a:rPr lang="en-US" altLang="zh-CN" dirty="0" err="1">
+                <a:sym typeface="+mn-ea"/>
+              </a:rPr>
+              <a:t>vbuf</a:t>
+            </a:r>
+            <a:r>
+              <a:rPr lang="en-US" altLang="zh-CN" dirty="0">
+                <a:sym typeface="+mn-ea"/>
+              </a:rPr>
+              <a:t> -&gt; call </a:t>
+            </a:r>
+            <a:r>
+              <a:rPr lang="en-US" altLang="zh-CN" dirty="0" err="1">
+                <a:sym typeface="+mn-ea"/>
+              </a:rPr>
+              <a:t>rtcom</a:t>
+            </a:r>
+            <a:r>
+              <a:rPr lang="en-US" altLang="zh-CN" dirty="0">
+                <a:sym typeface="+mn-ea"/>
+              </a:rPr>
+              <a:t> API -&gt; call </a:t>
+            </a:r>
+            <a:r>
+              <a:rPr lang="en-US" altLang="zh-CN" dirty="0" err="1">
+                <a:sym typeface="+mn-ea"/>
+              </a:rPr>
+              <a:t>tcp</a:t>
+            </a:r>
+            <a:r>
+              <a:rPr lang="en-US" altLang="zh-CN" dirty="0">
+                <a:sym typeface="+mn-ea"/>
+              </a:rPr>
+              <a:t>-proxy -&gt; reinject to</a:t>
+            </a:r>
+            <a:r>
+              <a:rPr lang="zh-CN" altLang="en-US" dirty="0">
+                <a:sym typeface="+mn-ea"/>
+              </a:rPr>
+              <a:t> </a:t>
+            </a:r>
+            <a:r>
+              <a:rPr lang="en-US" altLang="zh-CN" dirty="0">
+                <a:sym typeface="+mn-ea"/>
+              </a:rPr>
+              <a:t>DPQ</a:t>
+            </a:r>
+            <a:r>
+              <a:rPr lang="zh-CN" altLang="en-US" dirty="0">
+                <a:sym typeface="+mn-ea"/>
+              </a:rPr>
+              <a:t> </a:t>
+            </a:r>
+            <a:r>
+              <a:rPr lang="en-US" altLang="zh-CN" dirty="0">
+                <a:sym typeface="+mn-ea"/>
+              </a:rPr>
+              <a:t>-&gt;</a:t>
+            </a:r>
+            <a:r>
+              <a:rPr lang="zh-CN" altLang="en-US" dirty="0">
+                <a:sym typeface="+mn-ea"/>
+              </a:rPr>
+              <a:t> </a:t>
+            </a:r>
+            <a:r>
+              <a:rPr lang="en-US" altLang="zh-CN" dirty="0">
+                <a:sym typeface="+mn-ea"/>
+              </a:rPr>
+              <a:t>create TCP connection and </a:t>
+            </a:r>
+            <a:r>
+              <a:rPr lang="en-US" altLang="zh-CN" dirty="0" err="1">
+                <a:sym typeface="+mn-ea"/>
+              </a:rPr>
+              <a:t>rtcom</a:t>
+            </a:r>
+            <a:r>
+              <a:rPr lang="en-US" altLang="zh-CN" dirty="0">
+                <a:sym typeface="+mn-ea"/>
+              </a:rPr>
+              <a:t> connection</a:t>
+            </a:r>
+          </a:p>
+          <a:p>
+            <a:pPr marL="0" indent="0">
+              <a:buNone/>
+            </a:pPr>
+            <a:r>
+              <a:rPr lang="en-US" altLang="zh-CN" dirty="0">
+                <a:sym typeface="+mn-ea"/>
+              </a:rPr>
+              <a:t>      flow 50ms timer -&gt; </a:t>
+            </a:r>
+            <a:r>
+              <a:rPr lang="zh-CN" altLang="en-US" dirty="0">
+                <a:sym typeface="+mn-ea"/>
+              </a:rPr>
+              <a:t>遍历</a:t>
+            </a:r>
+            <a:r>
+              <a:rPr lang="en-US" altLang="zh-CN" dirty="0" err="1">
+                <a:sym typeface="+mn-ea"/>
+              </a:rPr>
+              <a:t>vbuf</a:t>
+            </a:r>
+            <a:r>
+              <a:rPr lang="en-US" altLang="zh-CN" dirty="0">
+                <a:sym typeface="+mn-ea"/>
+              </a:rPr>
+              <a:t> -&gt; call </a:t>
+            </a:r>
+            <a:r>
+              <a:rPr lang="en-US" altLang="zh-CN" dirty="0" err="1">
+                <a:sym typeface="+mn-ea"/>
+              </a:rPr>
+              <a:t>rtcom</a:t>
+            </a:r>
+            <a:r>
+              <a:rPr lang="en-US" altLang="zh-CN" dirty="0">
+                <a:sym typeface="+mn-ea"/>
+              </a:rPr>
+              <a:t> API -&gt; </a:t>
+            </a:r>
+            <a:r>
+              <a:rPr lang="zh-CN" altLang="en-US" dirty="0">
+                <a:sym typeface="+mn-ea"/>
+              </a:rPr>
+              <a:t>发送</a:t>
+            </a:r>
+            <a:r>
+              <a:rPr lang="en-US" altLang="zh-CN" dirty="0" err="1">
+                <a:sym typeface="+mn-ea"/>
+              </a:rPr>
+              <a:t>tcp</a:t>
+            </a:r>
+            <a:r>
+              <a:rPr lang="en-US" altLang="zh-CN" dirty="0">
+                <a:sym typeface="+mn-ea"/>
+              </a:rPr>
+              <a:t> log</a:t>
+            </a:r>
+          </a:p>
+          <a:p>
+            <a:pPr marL="0" indent="0">
+              <a:buNone/>
+            </a:pPr>
+            <a:endParaRPr lang="en-US" altLang="zh-CN" dirty="0">
+              <a:sym typeface="+mn-ea"/>
+            </a:endParaRPr>
+          </a:p>
+          <a:p>
+            <a:pPr marL="514350" indent="-514350">
+              <a:buAutoNum type="arabicPeriod"/>
+            </a:pPr>
+            <a:endParaRPr lang="en-US" altLang="zh-CN" dirty="0">
+              <a:sym typeface="+mn-ea"/>
+            </a:endParaRPr>
+          </a:p>
+          <a:p>
+            <a:pPr marL="0" indent="0">
+              <a:buNone/>
+            </a:pPr>
+            <a:endParaRPr lang="en-US" altLang="zh-CN" dirty="0">
+              <a:sym typeface="+mn-ea"/>
+            </a:endParaRPr>
           </a:p>
         </p:txBody>
       </p:sp>
     </p:spTree>
+    <p:extLst>
+      <p:ext uri="{BB962C8B-B14F-4D97-AF65-F5344CB8AC3E}">
+        <p14:creationId xmlns:p14="http://schemas.microsoft.com/office/powerpoint/2010/main" val="67387965"/>
+      </p:ext>
+    </p:extLst>
   </p:cSld>
   <p:clrMapOvr>
     <a:masterClrMapping/>
@@ -3332,10 +3799,23 @@
         <p:cNvGrpSpPr/>
         <p:nvPr/>
       </p:nvGrpSpPr>
-      <p:grpSpPr/>
-      <p:sp>
-        <p:nvSpPr>
-          <p:cNvPr id="3" name="内容占位符 2"/>
+      <p:grpSpPr>
+        <a:xfrm>
+          <a:off x="0" y="0"/>
+          <a:ext cx="0" cy="0"/>
+          <a:chOff x="0" y="0"/>
+          <a:chExt cx="0" cy="0"/>
+        </a:xfrm>
+      </p:grpSpPr>
+      <p:sp>
+        <p:nvSpPr>
+          <p:cNvPr id="3" name="内容占位符 2">
+            <a:extLst>
+              <a:ext uri="{FF2B5EF4-FFF2-40B4-BE49-F238E27FC236}">
+                <a16:creationId xmlns:a16="http://schemas.microsoft.com/office/drawing/2014/main" id="{267BF8E2-CB1F-4BA0-BCF4-23BD14CAC523}"/>
+              </a:ext>
+            </a:extLst>
+          </p:cNvPr>
           <p:cNvSpPr>
             <a:spLocks noGrp="1"/>
           </p:cNvSpPr>
@@ -3345,14 +3825,13 @@
         </p:nvSpPr>
         <p:spPr>
           <a:xfrm>
-            <a:off x="838200" y="344170"/>
-            <a:ext cx="10515600" cy="5207000"/>
+            <a:off x="838200" y="618994"/>
+            <a:ext cx="10515600" cy="625344"/>
           </a:xfrm>
         </p:spPr>
         <p:txBody>
-          <a:bodyPr>
-            <a:normAutofit lnSpcReduction="20000"/>
-          </a:bodyPr>
+          <a:bodyPr/>
+          <a:lstStyle/>
           <a:p>
             <a:pPr marL="0" indent="0">
               <a:buNone/>
@@ -3367,159 +3846,71 @@
               <a:rPr lang="zh-CN" altLang="en-US" dirty="0">
                 <a:sym typeface="+mn-ea"/>
               </a:rPr>
-              <a:t>三步走</a:t>
+              <a:t>实现</a:t>
             </a:r>
             <a:r>
               <a:rPr lang="en-US" altLang="zh-CN" dirty="0">
                 <a:sym typeface="+mn-ea"/>
               </a:rPr>
-              <a:t>(1)</a:t>
-            </a:r>
+              <a:t>(3) – </a:t>
+            </a:r>
+            <a:r>
+              <a:rPr lang="en-US" altLang="zh-CN" dirty="0" err="1">
+                <a:sym typeface="+mn-ea"/>
+              </a:rPr>
+              <a:t>onbox</a:t>
+            </a:r>
+            <a:r>
+              <a:rPr lang="en-US" altLang="zh-CN" dirty="0">
+                <a:sym typeface="+mn-ea"/>
+              </a:rPr>
+              <a:t> reporting</a:t>
+            </a:r>
+          </a:p>
+          <a:p>
+            <a:pPr marL="0" indent="0">
+              <a:buNone/>
+            </a:pPr>
             <a:endParaRPr lang="zh-CN" altLang="en-US" dirty="0"/>
           </a:p>
-          <a:p>
-            <a:pPr marL="0" indent="0">
-              <a:buNone/>
-            </a:pPr>
-            <a:r>
-              <a:rPr lang="zh-CN" altLang="en-US"/>
-              <a:t>短期：</a:t>
-            </a:r>
-            <a:r>
-              <a:rPr lang="en-US" altLang="zh-CN"/>
-              <a:t>Log</a:t>
-            </a:r>
-            <a:r>
-              <a:rPr lang="zh-CN"/>
-              <a:t>定义框架</a:t>
-            </a:r>
-            <a:endParaRPr lang="en-US" altLang="zh-CN"/>
-          </a:p>
-          <a:p>
-            <a:pPr marL="0" indent="0">
-              <a:buNone/>
-            </a:pPr>
-            <a:r>
-              <a:rPr lang="en-US" altLang="zh-CN"/>
-              <a:t>           Log</a:t>
-            </a:r>
-            <a:r>
-              <a:rPr lang="zh-CN" altLang="en-US"/>
-              <a:t>生成</a:t>
-            </a:r>
-            <a:r>
-              <a:rPr lang="en-US" altLang="zh-CN"/>
-              <a:t>API, better to make a common lib for both event and stream mode</a:t>
-            </a:r>
-            <a:endParaRPr lang="en-US" altLang="zh-CN"/>
-          </a:p>
-          <a:p>
-            <a:pPr marL="0" indent="0">
-              <a:buNone/>
-            </a:pPr>
-            <a:r>
-              <a:rPr lang="en-US" altLang="zh-CN"/>
-              <a:t>           traditional log (RFC3164), sd-log (RFC5424)</a:t>
-            </a:r>
-            <a:endParaRPr lang="en-US" altLang="zh-CN"/>
-          </a:p>
-          <a:p>
-            <a:pPr marL="0" indent="0">
-              <a:buNone/>
-            </a:pPr>
-            <a:r>
-              <a:rPr lang="en-US" altLang="zh-CN"/>
-              <a:t>           event mode (save to file)</a:t>
-            </a:r>
-            <a:endParaRPr lang="en-US" altLang="zh-CN"/>
-          </a:p>
-          <a:p>
-            <a:pPr marL="0" indent="0">
-              <a:buNone/>
-            </a:pPr>
-            <a:r>
-              <a:rPr lang="en-US" altLang="zh-CN"/>
-              <a:t>           </a:t>
-            </a:r>
-            <a:r>
-              <a:rPr lang="en-US" altLang="zh-CN">
-                <a:sym typeface="+mn-ea"/>
-              </a:rPr>
-              <a:t>Log file </a:t>
-            </a:r>
-            <a:r>
-              <a:rPr lang="zh-CN" altLang="en-US">
-                <a:sym typeface="+mn-ea"/>
-              </a:rPr>
-              <a:t>rotate</a:t>
-            </a:r>
-            <a:endParaRPr lang="en-US" altLang="zh-CN"/>
-          </a:p>
-          <a:p>
-            <a:pPr marL="0" indent="0">
-              <a:buNone/>
-            </a:pPr>
-            <a:r>
-              <a:rPr lang="en-US" altLang="zh-CN"/>
-              <a:t>           udp based stream mode</a:t>
-            </a:r>
-            <a:endParaRPr lang="en-US" altLang="zh-CN"/>
-          </a:p>
-          <a:p>
-            <a:pPr marL="0" indent="0">
-              <a:buNone/>
-            </a:pPr>
-            <a:r>
-              <a:rPr lang="en-US" altLang="zh-CN"/>
-              <a:t>           multiple stream support</a:t>
-            </a:r>
-            <a:endParaRPr lang="en-US" altLang="zh-CN"/>
-          </a:p>
-          <a:p>
-            <a:pPr marL="0" indent="0">
-              <a:buNone/>
-            </a:pPr>
-            <a:r>
-              <a:rPr lang="en-US" altLang="zh-CN"/>
-              <a:t>           rate limit </a:t>
-            </a:r>
-            <a:endParaRPr lang="en-US" altLang="zh-CN"/>
-          </a:p>
-          <a:p>
-            <a:pPr marL="0" indent="0">
-              <a:buNone/>
-            </a:pPr>
-            <a:r>
-              <a:rPr lang="en-US" altLang="zh-CN"/>
-              <a:t>           </a:t>
-            </a:r>
-            <a:r>
-              <a:rPr lang="zh-CN" altLang="en-US"/>
-              <a:t>自生成</a:t>
-            </a:r>
-            <a:r>
-              <a:rPr lang="en-US" altLang="zh-CN"/>
-              <a:t>log (debug)</a:t>
-            </a:r>
-            <a:endParaRPr lang="en-US" altLang="zh-CN"/>
-          </a:p>
-          <a:p>
-            <a:pPr marL="0" indent="0">
-              <a:buNone/>
-            </a:pPr>
-            <a:r>
-              <a:rPr lang="en-US" altLang="zh-CN"/>
-              <a:t>           </a:t>
-            </a:r>
-            <a:r>
-              <a:rPr lang="zh-CN" altLang="en-US"/>
-              <a:t>配置处理</a:t>
-            </a:r>
-            <a:endParaRPr lang="zh-CN" altLang="en-US"/>
-          </a:p>
-        </p:txBody>
-      </p:sp>
+        </p:txBody>
+      </p:sp>
+      <p:pic>
+        <p:nvPicPr>
+          <p:cNvPr id="8" name="图片 7">
+            <a:extLst>
+              <a:ext uri="{FF2B5EF4-FFF2-40B4-BE49-F238E27FC236}">
+                <a16:creationId xmlns:a16="http://schemas.microsoft.com/office/drawing/2014/main" id="{EF2F26C9-1D51-45AF-A385-969A7052C706}"/>
+              </a:ext>
+            </a:extLst>
+          </p:cNvPr>
+          <p:cNvPicPr>
+            <a:picLocks noChangeAspect="1"/>
+          </p:cNvPicPr>
+          <p:nvPr/>
+        </p:nvPicPr>
+        <p:blipFill>
+          <a:blip r:embed="rId2"/>
+          <a:stretch>
+            <a:fillRect/>
+          </a:stretch>
+        </p:blipFill>
+        <p:spPr>
+          <a:xfrm>
+            <a:off x="1414964" y="1661631"/>
+            <a:ext cx="7985760" cy="4175760"/>
+          </a:xfrm>
+          <a:prstGeom prst="rect">
+            <a:avLst/>
+          </a:prstGeom>
+        </p:spPr>
+      </p:pic>
     </p:spTree>
+    <p:extLst>
+      <p:ext uri="{BB962C8B-B14F-4D97-AF65-F5344CB8AC3E}">
+        <p14:creationId xmlns:p14="http://schemas.microsoft.com/office/powerpoint/2010/main" val="545433844"/>
+      </p:ext>
+    </p:extLst>
   </p:cSld>
   <p:clrMapOvr>
     <a:masterClrMapping/>
@@ -3536,10 +3927,23 @@
         <p:cNvGrpSpPr/>
         <p:nvPr/>
       </p:nvGrpSpPr>
-      <p:grpSpPr/>
-      <p:sp>
-        <p:nvSpPr>
-          <p:cNvPr id="3" name="内容占位符 2"/>
+      <p:grpSpPr>
+        <a:xfrm>
+          <a:off x="0" y="0"/>
+          <a:ext cx="0" cy="0"/>
+          <a:chOff x="0" y="0"/>
+          <a:chExt cx="0" cy="0"/>
+        </a:xfrm>
+      </p:grpSpPr>
+      <p:sp>
+        <p:nvSpPr>
+          <p:cNvPr id="3" name="内容占位符 2">
+            <a:extLst>
+              <a:ext uri="{FF2B5EF4-FFF2-40B4-BE49-F238E27FC236}">
+                <a16:creationId xmlns:a16="http://schemas.microsoft.com/office/drawing/2014/main" id="{7EF99BB0-BFC4-47DE-907A-605D399C5847}"/>
+              </a:ext>
+            </a:extLst>
+          </p:cNvPr>
           <p:cNvSpPr>
             <a:spLocks noGrp="1"/>
           </p:cNvSpPr>
@@ -3549,12 +3953,13 @@
         </p:nvSpPr>
         <p:spPr>
           <a:xfrm>
-            <a:off x="838200" y="504825"/>
-            <a:ext cx="10515600" cy="4690110"/>
+            <a:off x="838200" y="471340"/>
+            <a:ext cx="10515600" cy="5705623"/>
           </a:xfrm>
         </p:spPr>
         <p:txBody>
           <a:bodyPr/>
+          <a:lstStyle/>
           <a:p>
             <a:pPr marL="0" indent="0">
               <a:buNone/>
@@ -3569,105 +3974,247 @@
               <a:rPr lang="zh-CN" altLang="en-US" dirty="0">
                 <a:sym typeface="+mn-ea"/>
               </a:rPr>
-              <a:t>三步走</a:t>
+              <a:t>实现</a:t>
             </a:r>
             <a:r>
               <a:rPr lang="en-US" altLang="zh-CN" dirty="0">
                 <a:sym typeface="+mn-ea"/>
               </a:rPr>
-              <a:t>(2)</a:t>
-            </a:r>
-            <a:endParaRPr lang="zh-CN" altLang="en-US" dirty="0"/>
-          </a:p>
-          <a:p>
-            <a:pPr marL="0" indent="0">
-              <a:buNone/>
-            </a:pPr>
-            <a:r>
-              <a:rPr lang="zh-CN" altLang="en-US"/>
-              <a:t>中期：</a:t>
-            </a:r>
-            <a:r>
-              <a:rPr lang="en-US" altLang="zh-CN"/>
-              <a:t>binary/protobuf log (to save disk space and bandwidth)</a:t>
-            </a:r>
-            <a:endParaRPr lang="en-US" altLang="zh-CN"/>
-          </a:p>
-          <a:p>
-            <a:pPr marL="0" indent="0">
-              <a:buNone/>
-            </a:pPr>
-            <a:r>
-              <a:rPr lang="en-US" altLang="zh-CN"/>
-              <a:t>           Log filter (by facility/category/severity/regex)</a:t>
-            </a:r>
-            <a:endParaRPr lang="en-US" altLang="zh-CN"/>
-          </a:p>
-          <a:p>
-            <a:pPr marL="0" indent="0">
-              <a:buNone/>
-            </a:pPr>
-            <a:r>
-              <a:rPr lang="en-US" altLang="zh-CN"/>
-              <a:t>           tcp/tls based stream mode</a:t>
-            </a:r>
-            <a:endParaRPr lang="en-US" altLang="zh-CN"/>
-          </a:p>
-          <a:p>
-            <a:pPr marL="0" indent="0">
-              <a:buNone/>
-            </a:pPr>
-            <a:r>
-              <a:rPr lang="en-US" altLang="zh-CN"/>
-              <a:t>           performance and log acceleration</a:t>
-            </a:r>
-            <a:endParaRPr lang="en-US" altLang="zh-CN"/>
-          </a:p>
-          <a:p>
-            <a:pPr marL="0" indent="0">
-              <a:buNone/>
-            </a:pPr>
-            <a:r>
-              <a:rPr lang="en-US" altLang="zh-CN"/>
-              <a:t>           event mode (save to DB)</a:t>
-            </a:r>
-            <a:endParaRPr lang="en-US" altLang="zh-CN"/>
-          </a:p>
-          <a:p>
-            <a:pPr marL="0" indent="0">
-              <a:buNone/>
-            </a:pPr>
-            <a:r>
-              <a:rPr lang="en-US" altLang="zh-CN"/>
-              <a:t>           </a:t>
-            </a:r>
-            <a:r>
-              <a:rPr lang="zh-CN" altLang="en-US"/>
-              <a:t>超长</a:t>
-            </a:r>
-            <a:r>
-              <a:rPr lang="en-US" altLang="zh-CN"/>
+              <a:t>(4) – </a:t>
+            </a:r>
+            <a:r>
+              <a:rPr lang="en-US" altLang="zh-CN" dirty="0" err="1">
+                <a:sym typeface="+mn-ea"/>
+              </a:rPr>
+              <a:t>onbox</a:t>
+            </a:r>
+            <a:r>
+              <a:rPr lang="en-US" altLang="zh-CN" dirty="0">
+                <a:sym typeface="+mn-ea"/>
+              </a:rPr>
+              <a:t> reporting</a:t>
+            </a:r>
+            <a:endParaRPr lang="en-US" altLang="zh-CN" dirty="0"/>
+          </a:p>
+          <a:p>
+            <a:pPr marL="514350" indent="-514350">
+              <a:buAutoNum type="arabicPeriod"/>
+            </a:pPr>
+            <a:endParaRPr lang="en-US" altLang="zh-CN" dirty="0"/>
+          </a:p>
+          <a:p>
+            <a:pPr marL="514350" indent="-514350">
+              <a:buAutoNum type="arabicPeriod"/>
+            </a:pPr>
+            <a:r>
+              <a:rPr lang="en-US" altLang="zh-CN" dirty="0"/>
+              <a:t>Flow</a:t>
+            </a:r>
+            <a:r>
+              <a:rPr lang="zh-CN" altLang="en-US" dirty="0"/>
+              <a:t>向</a:t>
+            </a:r>
+            <a:r>
+              <a:rPr lang="en-US" altLang="zh-CN" dirty="0"/>
+              <a:t>share memory</a:t>
+            </a:r>
+            <a:r>
+              <a:rPr lang="zh-CN" altLang="en-US" dirty="0"/>
+              <a:t>写入解析</a:t>
+            </a:r>
+            <a:r>
+              <a:rPr lang="en-US" altLang="zh-CN" dirty="0"/>
+              <a:t>binary log</a:t>
+            </a:r>
+          </a:p>
+          <a:p>
+            <a:pPr marL="514350" indent="-514350">
+              <a:buAutoNum type="arabicPeriod"/>
+            </a:pPr>
+            <a:r>
+              <a:rPr lang="en-US" altLang="zh-CN" dirty="0" err="1"/>
+              <a:t>Llmd</a:t>
+            </a:r>
+            <a:r>
+              <a:rPr lang="en-US" altLang="zh-CN" dirty="0"/>
+              <a:t> polling thread </a:t>
+            </a:r>
+            <a:r>
+              <a:rPr lang="zh-CN" altLang="en-US" dirty="0"/>
+              <a:t>读入</a:t>
+            </a:r>
+            <a:r>
+              <a:rPr lang="en-US" altLang="zh-CN" dirty="0"/>
               <a:t>log</a:t>
             </a:r>
-            <a:r>
-              <a:rPr lang="zh-CN" altLang="en-US"/>
-              <a:t>截断</a:t>
-            </a:r>
-            <a:endParaRPr lang="en-US" altLang="zh-CN"/>
-          </a:p>
-          <a:p>
-            <a:pPr marL="0" indent="0">
-              <a:buNone/>
-            </a:pPr>
-            <a:r>
-              <a:rPr lang="en-US" altLang="zh-CN"/>
-              <a:t>           </a:t>
-            </a:r>
-            <a:endParaRPr lang="en-US" altLang="zh-CN"/>
+          </a:p>
+          <a:p>
+            <a:pPr marL="514350" indent="-514350">
+              <a:buAutoNum type="arabicPeriod"/>
+            </a:pPr>
+            <a:r>
+              <a:rPr lang="en-US" altLang="zh-CN" dirty="0"/>
+              <a:t>Polling thread</a:t>
+            </a:r>
+            <a:r>
+              <a:rPr lang="zh-CN" altLang="en-US" dirty="0"/>
+              <a:t>分发</a:t>
+            </a:r>
+            <a:r>
+              <a:rPr lang="en-US" altLang="zh-CN" dirty="0"/>
+              <a:t>log</a:t>
+            </a:r>
+            <a:r>
+              <a:rPr lang="zh-CN" altLang="en-US" dirty="0"/>
+              <a:t>给不同</a:t>
+            </a:r>
+            <a:r>
+              <a:rPr lang="en-US" altLang="zh-CN" dirty="0"/>
+              <a:t>queue</a:t>
+            </a:r>
+          </a:p>
+          <a:p>
+            <a:pPr marL="514350" indent="-514350">
+              <a:buAutoNum type="arabicPeriod"/>
+            </a:pPr>
+            <a:r>
+              <a:rPr lang="en-US" altLang="zh-CN" dirty="0"/>
+              <a:t>Writing thread</a:t>
+            </a:r>
+            <a:r>
+              <a:rPr lang="zh-CN" altLang="en-US" dirty="0"/>
+              <a:t>将</a:t>
+            </a:r>
+            <a:r>
+              <a:rPr lang="en-US" altLang="zh-CN" dirty="0"/>
+              <a:t>log</a:t>
+            </a:r>
+            <a:r>
+              <a:rPr lang="zh-CN" altLang="en-US" dirty="0"/>
+              <a:t>写入</a:t>
+            </a:r>
+            <a:r>
+              <a:rPr lang="en-US" altLang="zh-CN" dirty="0"/>
+              <a:t>DB</a:t>
+            </a:r>
+          </a:p>
+          <a:p>
+            <a:pPr marL="514350" indent="-514350">
+              <a:buAutoNum type="arabicPeriod"/>
+            </a:pPr>
+            <a:r>
+              <a:rPr lang="zh-CN" altLang="en-US" dirty="0"/>
+              <a:t>用户</a:t>
+            </a:r>
+            <a:r>
+              <a:rPr lang="en-US" altLang="zh-CN" dirty="0"/>
+              <a:t>show</a:t>
+            </a:r>
+            <a:r>
+              <a:rPr lang="zh-CN" altLang="en-US" dirty="0"/>
+              <a:t>命令通过</a:t>
+            </a:r>
+            <a:r>
+              <a:rPr lang="en-US" altLang="zh-CN" dirty="0" err="1"/>
+              <a:t>ip</a:t>
+            </a:r>
+            <a:r>
+              <a:rPr lang="en-US" altLang="zh-CN" dirty="0"/>
+              <a:t> socket</a:t>
+            </a:r>
+            <a:r>
+              <a:rPr lang="zh-CN" altLang="en-US" dirty="0"/>
+              <a:t>传递给</a:t>
+            </a:r>
+            <a:r>
+              <a:rPr lang="en-US" altLang="zh-CN" dirty="0" err="1"/>
+              <a:t>llmd</a:t>
+            </a:r>
+            <a:endParaRPr lang="en-US" altLang="zh-CN" dirty="0"/>
+          </a:p>
+          <a:p>
+            <a:pPr marL="514350" indent="-514350">
+              <a:buAutoNum type="arabicPeriod"/>
+            </a:pPr>
+            <a:r>
+              <a:rPr lang="en-US" altLang="zh-CN" dirty="0"/>
+              <a:t>UI thread</a:t>
+            </a:r>
+            <a:r>
+              <a:rPr lang="zh-CN" altLang="en-US" dirty="0"/>
+              <a:t>根据</a:t>
+            </a:r>
+            <a:r>
+              <a:rPr lang="en-US" altLang="zh-CN" dirty="0"/>
+              <a:t>show</a:t>
+            </a:r>
+            <a:r>
+              <a:rPr lang="zh-CN" altLang="en-US" dirty="0"/>
+              <a:t>命令查询</a:t>
+            </a:r>
+            <a:r>
+              <a:rPr lang="en-US" altLang="zh-CN" dirty="0"/>
+              <a:t>DB</a:t>
+            </a:r>
+          </a:p>
+          <a:p>
+            <a:pPr marL="514350" indent="-514350">
+              <a:buAutoNum type="arabicPeriod"/>
+            </a:pPr>
+            <a:r>
+              <a:rPr lang="zh-CN" altLang="en-US" dirty="0"/>
+              <a:t>定时器任务将</a:t>
+            </a:r>
+            <a:r>
+              <a:rPr lang="en-US" altLang="zh-CN" dirty="0"/>
+              <a:t>DB rotate (</a:t>
+            </a:r>
+            <a:r>
+              <a:rPr lang="zh-CN" altLang="en-US" dirty="0"/>
+              <a:t>清除老数据</a:t>
+            </a:r>
+            <a:r>
+              <a:rPr lang="en-US" altLang="zh-CN" dirty="0"/>
+              <a:t>)</a:t>
+            </a:r>
+          </a:p>
+          <a:p>
+            <a:pPr marL="514350" indent="-514350">
+              <a:buAutoNum type="arabicPeriod"/>
+            </a:pPr>
+            <a:r>
+              <a:rPr lang="en-US" altLang="zh-CN" dirty="0" err="1"/>
+              <a:t>Rtlogd</a:t>
+            </a:r>
+            <a:r>
+              <a:rPr lang="en-US" altLang="zh-CN" dirty="0"/>
+              <a:t> </a:t>
+            </a:r>
+            <a:r>
+              <a:rPr lang="zh-CN" altLang="en-US" dirty="0"/>
+              <a:t>与 </a:t>
+            </a:r>
+            <a:r>
+              <a:rPr lang="en-US" altLang="zh-CN" dirty="0" err="1"/>
+              <a:t>llmd</a:t>
+            </a:r>
+            <a:r>
+              <a:rPr lang="en-US" altLang="zh-CN" dirty="0"/>
+              <a:t> sync </a:t>
+            </a:r>
+            <a:r>
+              <a:rPr lang="zh-CN" altLang="en-US" dirty="0"/>
+              <a:t>配置、状态信息</a:t>
+            </a:r>
           </a:p>
         </p:txBody>
       </p:sp>
     </p:spTree>
+    <p:extLst>
+      <p:ext uri="{BB962C8B-B14F-4D97-AF65-F5344CB8AC3E}">
+        <p14:creationId xmlns:p14="http://schemas.microsoft.com/office/powerpoint/2010/main" val="4223689209"/>
+      </p:ext>
+    </p:extLst>
   </p:cSld>
   <p:clrMapOvr>
     <a:masterClrMapping/>
@@ -3684,7 +4231,14 @@
         <p:cNvGrpSpPr/>
         <p:nvPr/>
       </p:nvGrpSpPr>
-      <p:grpSpPr/>
+      <p:grpSpPr>
+        <a:xfrm>
+          <a:off x="0" y="0"/>
+          <a:ext cx="0" cy="0"/>
+          <a:chOff x="0" y="0"/>
+          <a:chExt cx="0" cy="0"/>
+        </a:xfrm>
+      </p:grpSpPr>
       <p:sp>
         <p:nvSpPr>
           <p:cNvPr id="3" name="内容占位符 2"/>
@@ -3697,12 +4251,597 @@
         </p:nvSpPr>
         <p:spPr>
           <a:xfrm>
+            <a:off x="838200" y="413385"/>
+            <a:ext cx="10515600" cy="5763895"/>
+          </a:xfrm>
+        </p:spPr>
+        <p:txBody>
+          <a:bodyPr/>
+          <a:lstStyle/>
+          <a:p>
+            <a:pPr marL="0" indent="0">
+              <a:buNone/>
+            </a:pPr>
+            <a:r>
+              <a:rPr lang="en-US" altLang="zh-CN"/>
+              <a:t>Log</a:t>
+            </a:r>
+            <a:r>
+              <a:rPr lang="zh-CN" altLang="en-US"/>
+              <a:t>管理</a:t>
+            </a:r>
+          </a:p>
+          <a:p>
+            <a:pPr marL="0" indent="0">
+              <a:buNone/>
+            </a:pPr>
+            <a:r>
+              <a:rPr lang="en-US" altLang="zh-CN"/>
+              <a:t>1. </a:t>
+            </a:r>
+            <a:r>
+              <a:rPr lang="zh-CN" altLang="en-US"/>
+              <a:t>统一，命名、格式、内容、字段顺序</a:t>
+            </a:r>
+          </a:p>
+          <a:p>
+            <a:pPr marL="0" indent="0">
+              <a:buNone/>
+            </a:pPr>
+            <a:r>
+              <a:rPr lang="en-US" altLang="zh-CN"/>
+              <a:t>2. </a:t>
+            </a:r>
+            <a:r>
+              <a:rPr lang="zh-CN" altLang="en-US"/>
+              <a:t>按需，客户需求，自身需求</a:t>
+            </a:r>
+          </a:p>
+          <a:p>
+            <a:pPr marL="0" indent="0">
+              <a:buNone/>
+            </a:pPr>
+            <a:r>
+              <a:rPr lang="zh-CN" altLang="en-US"/>
+              <a:t> </a:t>
+            </a:r>
+            <a:r>
+              <a:rPr lang="en-US" altLang="zh-CN"/>
+              <a:t>   </a:t>
+            </a:r>
+            <a:r>
+              <a:rPr lang="zh-CN" altLang="en-US"/>
+              <a:t>一般而言，涉及丢包，资源分配，或对报文有特定检查都需要发送</a:t>
+            </a:r>
+            <a:r>
+              <a:rPr lang="en-US" altLang="zh-CN"/>
+              <a:t>log</a:t>
+            </a:r>
+            <a:endParaRPr lang="zh-CN" altLang="en-US"/>
+          </a:p>
+          <a:p>
+            <a:pPr marL="0" indent="0">
+              <a:buNone/>
+            </a:pPr>
+            <a:r>
+              <a:rPr lang="en-US" altLang="zh-CN"/>
+              <a:t>3. </a:t>
+            </a:r>
+            <a:r>
+              <a:rPr lang="zh-CN" altLang="en-US"/>
+              <a:t>简单易扩展</a:t>
+            </a:r>
+          </a:p>
+        </p:txBody>
+      </p:sp>
+    </p:spTree>
+  </p:cSld>
+  <p:clrMapOvr>
+    <a:masterClrMapping/>
+  </p:clrMapOvr>
+</p:sld>
+</file>
+
+<file path=ppt/slides/slide15.xml><?xml version="1.0" encoding="utf-8"?>
+<p:sld xmlns:a="http://schemas.openxmlformats.org/drawingml/2006/main" xmlns:r="http://schemas.openxmlformats.org/officeDocument/2006/relationships" xmlns:p="http://schemas.openxmlformats.org/presentationml/2006/main">
+  <p:cSld>
+    <p:spTree>
+      <p:nvGrpSpPr>
+        <p:cNvPr id="1" name=""/>
+        <p:cNvGrpSpPr/>
+        <p:nvPr/>
+      </p:nvGrpSpPr>
+      <p:grpSpPr>
+        <a:xfrm>
+          <a:off x="0" y="0"/>
+          <a:ext cx="0" cy="0"/>
+          <a:chOff x="0" y="0"/>
+          <a:chExt cx="0" cy="0"/>
+        </a:xfrm>
+      </p:grpSpPr>
+      <p:sp>
+        <p:nvSpPr>
+          <p:cNvPr id="3" name="内容占位符 2"/>
+          <p:cNvSpPr>
+            <a:spLocks noGrp="1"/>
+          </p:cNvSpPr>
+          <p:nvPr>
+            <p:ph idx="1"/>
+          </p:nvPr>
+        </p:nvSpPr>
+        <p:spPr>
+          <a:xfrm>
+            <a:off x="838200" y="488315"/>
+            <a:ext cx="10515600" cy="5688965"/>
+          </a:xfrm>
+        </p:spPr>
+        <p:txBody>
+          <a:bodyPr/>
+          <a:lstStyle/>
+          <a:p>
+            <a:pPr marL="0" indent="0">
+              <a:buNone/>
+            </a:pPr>
+            <a:r>
+              <a:rPr lang="en-US" altLang="zh-CN" dirty="0"/>
+              <a:t>Log</a:t>
+            </a:r>
+            <a:r>
+              <a:rPr lang="zh-CN" altLang="en-US" dirty="0"/>
+              <a:t>调试</a:t>
+            </a:r>
+          </a:p>
+          <a:p>
+            <a:pPr marL="0" indent="0">
+              <a:buNone/>
+            </a:pPr>
+            <a:r>
+              <a:rPr lang="en-US" altLang="zh-CN" dirty="0"/>
+              <a:t>1. Log</a:t>
+            </a:r>
+            <a:r>
+              <a:rPr lang="zh-CN" altLang="en-US" dirty="0"/>
+              <a:t>是非功能模块，需要其他模块触发，添加命令触发机制</a:t>
+            </a:r>
+          </a:p>
+          <a:p>
+            <a:pPr marL="0" indent="0">
+              <a:buNone/>
+            </a:pPr>
+            <a:r>
+              <a:rPr lang="en-US" altLang="zh-CN" dirty="0"/>
+              <a:t>2. Log</a:t>
+            </a:r>
+            <a:r>
+              <a:rPr lang="zh-CN" altLang="en-US" dirty="0"/>
+              <a:t>问题大多是性能，配置或网络相关</a:t>
+            </a:r>
+          </a:p>
+          <a:p>
+            <a:pPr marL="0" indent="0">
+              <a:buNone/>
+            </a:pPr>
+            <a:r>
+              <a:rPr lang="en-US" altLang="zh-CN" dirty="0"/>
+              <a:t>3. Log</a:t>
+            </a:r>
+            <a:r>
+              <a:rPr lang="zh-CN" altLang="en-US" dirty="0"/>
+              <a:t>内容错误不易发现，需要自动化测试</a:t>
+            </a:r>
+            <a:endParaRPr lang="en-US" altLang="zh-CN" dirty="0"/>
+          </a:p>
+        </p:txBody>
+      </p:sp>
+    </p:spTree>
+  </p:cSld>
+  <p:clrMapOvr>
+    <a:masterClrMapping/>
+  </p:clrMapOvr>
+</p:sld>
+</file>
+
+<file path=ppt/slides/slide16.xml><?xml version="1.0" encoding="utf-8"?>
+<p:sld xmlns:a="http://schemas.openxmlformats.org/drawingml/2006/main" xmlns:r="http://schemas.openxmlformats.org/officeDocument/2006/relationships" xmlns:p="http://schemas.openxmlformats.org/presentationml/2006/main">
+  <p:cSld>
+    <p:spTree>
+      <p:nvGrpSpPr>
+        <p:cNvPr id="1" name=""/>
+        <p:cNvGrpSpPr/>
+        <p:nvPr/>
+      </p:nvGrpSpPr>
+      <p:grpSpPr>
+        <a:xfrm>
+          <a:off x="0" y="0"/>
+          <a:ext cx="0" cy="0"/>
+          <a:chOff x="0" y="0"/>
+          <a:chExt cx="0" cy="0"/>
+        </a:xfrm>
+      </p:grpSpPr>
+      <p:sp>
+        <p:nvSpPr>
+          <p:cNvPr id="3" name="内容占位符 2"/>
+          <p:cNvSpPr>
+            <a:spLocks noGrp="1"/>
+          </p:cNvSpPr>
+          <p:nvPr>
+            <p:ph idx="1"/>
+          </p:nvPr>
+        </p:nvSpPr>
+        <p:spPr>
+          <a:xfrm>
+            <a:off x="838200" y="344170"/>
+            <a:ext cx="10515600" cy="5207000"/>
+          </a:xfrm>
+        </p:spPr>
+        <p:txBody>
+          <a:bodyPr>
+            <a:normAutofit fontScale="92500" lnSpcReduction="10000"/>
+          </a:bodyPr>
+          <a:lstStyle/>
+          <a:p>
+            <a:pPr marL="0" indent="0">
+              <a:buNone/>
+            </a:pPr>
+            <a:r>
+              <a:rPr lang="en-US" altLang="zh-CN" dirty="0">
+                <a:sym typeface="+mn-ea"/>
+              </a:rPr>
+              <a:t>Log</a:t>
+            </a:r>
+            <a:r>
+              <a:rPr lang="zh-CN" altLang="en-US" dirty="0">
+                <a:sym typeface="+mn-ea"/>
+              </a:rPr>
+              <a:t>三步走</a:t>
+            </a:r>
+            <a:r>
+              <a:rPr lang="en-US" altLang="zh-CN" dirty="0">
+                <a:sym typeface="+mn-ea"/>
+              </a:rPr>
+              <a:t>(1)</a:t>
+            </a:r>
+            <a:endParaRPr lang="zh-CN" altLang="en-US" dirty="0"/>
+          </a:p>
+          <a:p>
+            <a:pPr marL="0" indent="0">
+              <a:buNone/>
+            </a:pPr>
+            <a:r>
+              <a:rPr lang="zh-CN" altLang="en-US"/>
+              <a:t>短期：</a:t>
+            </a:r>
+            <a:r>
+              <a:rPr lang="en-US" altLang="zh-CN"/>
+              <a:t>Log</a:t>
+            </a:r>
+            <a:r>
+              <a:rPr lang="zh-CN"/>
+              <a:t>定义框架</a:t>
+            </a:r>
+            <a:endParaRPr lang="en-US" altLang="zh-CN"/>
+          </a:p>
+          <a:p>
+            <a:pPr marL="0" indent="0">
+              <a:buNone/>
+            </a:pPr>
+            <a:r>
+              <a:rPr lang="en-US" altLang="zh-CN"/>
+              <a:t>           Log</a:t>
+            </a:r>
+            <a:r>
+              <a:rPr lang="zh-CN" altLang="en-US"/>
+              <a:t>生成</a:t>
+            </a:r>
+            <a:r>
+              <a:rPr lang="en-US" altLang="zh-CN"/>
+              <a:t>API, better to make a common lib for both event and stream mode</a:t>
+            </a:r>
+          </a:p>
+          <a:p>
+            <a:pPr marL="0" indent="0">
+              <a:buNone/>
+            </a:pPr>
+            <a:r>
+              <a:rPr lang="en-US" altLang="zh-CN"/>
+              <a:t>           traditional log (RFC3164), sd-log (RFC5424)</a:t>
+            </a:r>
+          </a:p>
+          <a:p>
+            <a:pPr marL="0" indent="0">
+              <a:buNone/>
+            </a:pPr>
+            <a:r>
+              <a:rPr lang="en-US" altLang="zh-CN"/>
+              <a:t>           event mode (save to file)</a:t>
+            </a:r>
+          </a:p>
+          <a:p>
+            <a:pPr marL="0" indent="0">
+              <a:buNone/>
+            </a:pPr>
+            <a:r>
+              <a:rPr lang="en-US" altLang="zh-CN"/>
+              <a:t>           </a:t>
+            </a:r>
+            <a:r>
+              <a:rPr lang="en-US" altLang="zh-CN">
+                <a:sym typeface="+mn-ea"/>
+              </a:rPr>
+              <a:t>Log file </a:t>
+            </a:r>
+            <a:r>
+              <a:rPr lang="zh-CN" altLang="en-US">
+                <a:sym typeface="+mn-ea"/>
+              </a:rPr>
+              <a:t>rotate</a:t>
+            </a:r>
+            <a:endParaRPr lang="en-US" altLang="zh-CN"/>
+          </a:p>
+          <a:p>
+            <a:pPr marL="0" indent="0">
+              <a:buNone/>
+            </a:pPr>
+            <a:r>
+              <a:rPr lang="en-US" altLang="zh-CN"/>
+              <a:t>           udp based stream mode</a:t>
+            </a:r>
+          </a:p>
+          <a:p>
+            <a:pPr marL="0" indent="0">
+              <a:buNone/>
+            </a:pPr>
+            <a:r>
+              <a:rPr lang="en-US" altLang="zh-CN"/>
+              <a:t>           multiple stream support</a:t>
+            </a:r>
+          </a:p>
+          <a:p>
+            <a:pPr marL="0" indent="0">
+              <a:buNone/>
+            </a:pPr>
+            <a:r>
+              <a:rPr lang="en-US" altLang="zh-CN"/>
+              <a:t>           rate limit </a:t>
+            </a:r>
+          </a:p>
+          <a:p>
+            <a:pPr marL="0" indent="0">
+              <a:buNone/>
+            </a:pPr>
+            <a:r>
+              <a:rPr lang="en-US" altLang="zh-CN"/>
+              <a:t>           </a:t>
+            </a:r>
+            <a:r>
+              <a:rPr lang="zh-CN" altLang="en-US"/>
+              <a:t>自生成</a:t>
+            </a:r>
+            <a:r>
+              <a:rPr lang="en-US" altLang="zh-CN"/>
+              <a:t>log (debug)</a:t>
+            </a:r>
+          </a:p>
+          <a:p>
+            <a:pPr marL="0" indent="0">
+              <a:buNone/>
+            </a:pPr>
+            <a:r>
+              <a:rPr lang="en-US" altLang="zh-CN"/>
+              <a:t>           </a:t>
+            </a:r>
+            <a:r>
+              <a:rPr lang="zh-CN" altLang="en-US"/>
+              <a:t>配置处理</a:t>
+            </a:r>
+          </a:p>
+        </p:txBody>
+      </p:sp>
+    </p:spTree>
+  </p:cSld>
+  <p:clrMapOvr>
+    <a:masterClrMapping/>
+  </p:clrMapOvr>
+</p:sld>
+</file>
+
+<file path=ppt/slides/slide17.xml><?xml version="1.0" encoding="utf-8"?>
+<p:sld xmlns:a="http://schemas.openxmlformats.org/drawingml/2006/main" xmlns:r="http://schemas.openxmlformats.org/officeDocument/2006/relationships" xmlns:p="http://schemas.openxmlformats.org/presentationml/2006/main">
+  <p:cSld>
+    <p:spTree>
+      <p:nvGrpSpPr>
+        <p:cNvPr id="1" name=""/>
+        <p:cNvGrpSpPr/>
+        <p:nvPr/>
+      </p:nvGrpSpPr>
+      <p:grpSpPr>
+        <a:xfrm>
+          <a:off x="0" y="0"/>
+          <a:ext cx="0" cy="0"/>
+          <a:chOff x="0" y="0"/>
+          <a:chExt cx="0" cy="0"/>
+        </a:xfrm>
+      </p:grpSpPr>
+      <p:sp>
+        <p:nvSpPr>
+          <p:cNvPr id="3" name="内容占位符 2"/>
+          <p:cNvSpPr>
+            <a:spLocks noGrp="1"/>
+          </p:cNvSpPr>
+          <p:nvPr>
+            <p:ph idx="1"/>
+          </p:nvPr>
+        </p:nvSpPr>
+        <p:spPr>
+          <a:xfrm>
+            <a:off x="838200" y="504825"/>
+            <a:ext cx="10515600" cy="4690110"/>
+          </a:xfrm>
+        </p:spPr>
+        <p:txBody>
+          <a:bodyPr/>
+          <a:lstStyle/>
+          <a:p>
+            <a:pPr marL="0" indent="0">
+              <a:buNone/>
+            </a:pPr>
+            <a:r>
+              <a:rPr lang="en-US" altLang="zh-CN" dirty="0">
+                <a:sym typeface="+mn-ea"/>
+              </a:rPr>
+              <a:t>Log</a:t>
+            </a:r>
+            <a:r>
+              <a:rPr lang="zh-CN" altLang="en-US" dirty="0">
+                <a:sym typeface="+mn-ea"/>
+              </a:rPr>
+              <a:t>三步走</a:t>
+            </a:r>
+            <a:r>
+              <a:rPr lang="en-US" altLang="zh-CN" dirty="0">
+                <a:sym typeface="+mn-ea"/>
+              </a:rPr>
+              <a:t>(2)</a:t>
+            </a:r>
+            <a:endParaRPr lang="zh-CN" altLang="en-US" dirty="0"/>
+          </a:p>
+          <a:p>
+            <a:pPr marL="0" indent="0">
+              <a:buNone/>
+            </a:pPr>
+            <a:r>
+              <a:rPr lang="zh-CN" altLang="en-US" dirty="0"/>
+              <a:t>中期：</a:t>
+            </a:r>
+            <a:r>
+              <a:rPr lang="en-US" altLang="zh-CN" dirty="0"/>
+              <a:t>binary/</a:t>
+            </a:r>
+            <a:r>
+              <a:rPr lang="en-US" altLang="zh-CN" dirty="0" err="1"/>
+              <a:t>protobuf</a:t>
+            </a:r>
+            <a:r>
+              <a:rPr lang="en-US" altLang="zh-CN" dirty="0"/>
+              <a:t> log (to save disk space and bandwidth)</a:t>
+            </a:r>
+          </a:p>
+          <a:p>
+            <a:pPr marL="0" indent="0">
+              <a:buNone/>
+            </a:pPr>
+            <a:r>
+              <a:rPr lang="en-US" altLang="zh-CN" dirty="0"/>
+              <a:t>           Log filter (by facility/category/severity/regex)</a:t>
+            </a:r>
+          </a:p>
+          <a:p>
+            <a:pPr marL="0" indent="0">
+              <a:buNone/>
+            </a:pPr>
+            <a:r>
+              <a:rPr lang="en-US" altLang="zh-CN" dirty="0"/>
+              <a:t>           </a:t>
+            </a:r>
+            <a:r>
+              <a:rPr lang="en-US" altLang="zh-CN" dirty="0" err="1"/>
+              <a:t>tcp</a:t>
+            </a:r>
+            <a:r>
+              <a:rPr lang="en-US" altLang="zh-CN" dirty="0"/>
+              <a:t>/</a:t>
+            </a:r>
+            <a:r>
+              <a:rPr lang="en-US" altLang="zh-CN" dirty="0" err="1"/>
+              <a:t>tls</a:t>
+            </a:r>
+            <a:r>
+              <a:rPr lang="en-US" altLang="zh-CN" dirty="0"/>
+              <a:t> based stream mode</a:t>
+            </a:r>
+          </a:p>
+          <a:p>
+            <a:pPr marL="0" indent="0">
+              <a:buNone/>
+            </a:pPr>
+            <a:r>
+              <a:rPr lang="en-US" altLang="zh-CN" dirty="0"/>
+              <a:t>           performance and log acceleration</a:t>
+            </a:r>
+          </a:p>
+          <a:p>
+            <a:pPr marL="0" indent="0">
+              <a:buNone/>
+            </a:pPr>
+            <a:r>
+              <a:rPr lang="en-US" altLang="zh-CN" dirty="0"/>
+              <a:t>           event mode (save to DB)</a:t>
+            </a:r>
+          </a:p>
+          <a:p>
+            <a:pPr marL="0" indent="0">
+              <a:buNone/>
+            </a:pPr>
+            <a:r>
+              <a:rPr lang="en-US" altLang="zh-CN" dirty="0"/>
+              <a:t>           </a:t>
+            </a:r>
+          </a:p>
+          <a:p>
+            <a:pPr marL="0" indent="0">
+              <a:buNone/>
+            </a:pPr>
+            <a:r>
+              <a:rPr lang="en-US" altLang="zh-CN" dirty="0"/>
+              <a:t>           </a:t>
+            </a:r>
+          </a:p>
+        </p:txBody>
+      </p:sp>
+    </p:spTree>
+  </p:cSld>
+  <p:clrMapOvr>
+    <a:masterClrMapping/>
+  </p:clrMapOvr>
+</p:sld>
+</file>
+
+<file path=ppt/slides/slide18.xml><?xml version="1.0" encoding="utf-8"?>
+<p:sld xmlns:a="http://schemas.openxmlformats.org/drawingml/2006/main" xmlns:r="http://schemas.openxmlformats.org/officeDocument/2006/relationships" xmlns:p="http://schemas.openxmlformats.org/presentationml/2006/main">
+  <p:cSld>
+    <p:spTree>
+      <p:nvGrpSpPr>
+        <p:cNvPr id="1" name=""/>
+        <p:cNvGrpSpPr/>
+        <p:nvPr/>
+      </p:nvGrpSpPr>
+      <p:grpSpPr>
+        <a:xfrm>
+          <a:off x="0" y="0"/>
+          <a:ext cx="0" cy="0"/>
+          <a:chOff x="0" y="0"/>
+          <a:chExt cx="0" cy="0"/>
+        </a:xfrm>
+      </p:grpSpPr>
+      <p:sp>
+        <p:nvSpPr>
+          <p:cNvPr id="3" name="内容占位符 2"/>
+          <p:cNvSpPr>
+            <a:spLocks noGrp="1"/>
+          </p:cNvSpPr>
+          <p:nvPr>
+            <p:ph idx="1"/>
+          </p:nvPr>
+        </p:nvSpPr>
+        <p:spPr>
+          <a:xfrm>
             <a:off x="838200" y="429260"/>
             <a:ext cx="10515600" cy="5748020"/>
           </a:xfrm>
         </p:spPr>
         <p:txBody>
           <a:bodyPr/>
+          <a:lstStyle/>
           <a:p>
             <a:pPr marL="0" indent="0">
               <a:buNone/>
@@ -3732,80 +4871,123 @@
               <a:buNone/>
             </a:pPr>
             <a:r>
+              <a:rPr lang="zh-CN" altLang="en-US" dirty="0"/>
+              <a:t>长期：</a:t>
+            </a:r>
+            <a:r>
+              <a:rPr lang="en-US" altLang="zh-CN" dirty="0"/>
+              <a:t>Log</a:t>
+            </a:r>
+            <a:r>
+              <a:rPr lang="zh-CN" altLang="en-US" dirty="0"/>
+              <a:t>限速优先队列，超长</a:t>
+            </a:r>
+            <a:r>
+              <a:rPr lang="en-US" altLang="zh-CN" dirty="0"/>
+              <a:t>log</a:t>
+            </a:r>
+          </a:p>
+          <a:p>
+            <a:pPr marL="0" indent="0">
+              <a:buNone/>
+            </a:pPr>
+            <a:r>
+              <a:rPr lang="en-US" altLang="zh-CN" dirty="0"/>
+              <a:t>           on-box reporting (low/mid-end), save log to </a:t>
+            </a:r>
+            <a:r>
+              <a:rPr lang="en-US" altLang="zh-CN" dirty="0" err="1"/>
+              <a:t>db</a:t>
+            </a:r>
+            <a:r>
+              <a:rPr lang="en-US" altLang="zh-CN" dirty="0"/>
+              <a:t>, and generate reports, like top count 10, top volume 10, top risk 10, show statistics in specific interval, etc..</a:t>
+            </a:r>
+          </a:p>
+          <a:p>
+            <a:pPr marL="0" indent="0">
+              <a:buNone/>
+            </a:pPr>
+            <a:r>
+              <a:rPr lang="en-US" altLang="zh-CN" dirty="0"/>
+              <a:t>           </a:t>
+            </a:r>
+            <a:r>
+              <a:rPr lang="zh-CN" altLang="en-US" dirty="0"/>
+              <a:t>根据</a:t>
+            </a:r>
+            <a:r>
+              <a:rPr lang="en-US" altLang="zh-CN" dirty="0"/>
+              <a:t>Log</a:t>
+            </a:r>
+            <a:r>
               <a:rPr lang="zh-CN" altLang="en-US"/>
-              <a:t>长期：</a:t>
-            </a:r>
-            <a:r>
-              <a:rPr lang="en-US" altLang="zh-CN"/>
-              <a:t>on-box reporting (low/mid-end), save log to db, and generate reports, like top count 10, top volume 10, top risk 10, show statistics in specific interval, etc..</a:t>
-            </a:r>
-            <a:endParaRPr lang="en-US" altLang="zh-CN"/>
-          </a:p>
-          <a:p>
-            <a:pPr marL="0" indent="0">
-              <a:buNone/>
-            </a:pPr>
-            <a:r>
-              <a:rPr lang="en-US" altLang="zh-CN"/>
+              <a:t>分析，动态调节系统</a:t>
+            </a:r>
+            <a:endParaRPr lang="en-US" altLang="zh-CN" dirty="0"/>
+          </a:p>
+          <a:p>
+            <a:pPr marL="0" indent="0">
+              <a:buNone/>
+            </a:pPr>
+            <a:r>
+              <a:rPr lang="en-US" altLang="zh-CN" dirty="0"/>
               <a:t>           </a:t>
             </a:r>
             <a:r>
-              <a:rPr lang="zh-CN" altLang="en-US"/>
+              <a:rPr lang="zh-CN" altLang="en-US" dirty="0"/>
               <a:t>客户定制</a:t>
             </a:r>
             <a:r>
-              <a:rPr lang="en-US" altLang="zh-CN"/>
+              <a:rPr lang="en-US" altLang="zh-CN" dirty="0"/>
               <a:t>log</a:t>
             </a:r>
             <a:r>
-              <a:rPr lang="zh-CN" altLang="en-US"/>
+              <a:rPr lang="zh-CN" altLang="en-US" dirty="0"/>
               <a:t>，可以根据需要使用命令配置希望得到的</a:t>
             </a:r>
             <a:r>
-              <a:rPr lang="en-US" altLang="zh-CN"/>
+              <a:rPr lang="en-US" altLang="zh-CN" dirty="0"/>
               <a:t>log</a:t>
             </a:r>
             <a:r>
-              <a:rPr lang="zh-CN" altLang="en-US"/>
+              <a:rPr lang="zh-CN" altLang="en-US" dirty="0"/>
               <a:t>形式，比如改变某些字段顺序，去除某些字段</a:t>
             </a:r>
-            <a:endParaRPr lang="zh-CN" altLang="en-US"/>
-          </a:p>
-          <a:p>
-            <a:pPr marL="0" indent="0">
-              <a:buNone/>
-            </a:pPr>
-            <a:r>
-              <a:rPr lang="zh-CN" altLang="en-US"/>
+          </a:p>
+          <a:p>
+            <a:pPr marL="0" indent="0">
+              <a:buNone/>
+            </a:pPr>
+            <a:r>
+              <a:rPr lang="zh-CN" altLang="en-US" dirty="0"/>
               <a:t> </a:t>
             </a:r>
             <a:r>
-              <a:rPr lang="en-US" altLang="zh-CN"/>
+              <a:rPr lang="en-US" altLang="zh-CN" dirty="0"/>
               <a:t>          </a:t>
             </a:r>
             <a:r>
-              <a:rPr lang="zh-CN" altLang="en-US"/>
+              <a:rPr lang="zh-CN" altLang="en-US" dirty="0"/>
               <a:t>自动生成</a:t>
             </a:r>
             <a:r>
-              <a:rPr lang="en-US" altLang="zh-CN"/>
+              <a:rPr lang="en-US" altLang="zh-CN" dirty="0"/>
               <a:t>log</a:t>
             </a:r>
             <a:r>
-              <a:rPr lang="zh-CN" altLang="en-US"/>
+              <a:rPr lang="zh-CN" altLang="en-US" dirty="0"/>
               <a:t>帮助文档</a:t>
             </a:r>
-            <a:endParaRPr lang="zh-CN" altLang="en-US"/>
-          </a:p>
-          <a:p>
-            <a:pPr marL="0" indent="0">
-              <a:buNone/>
-            </a:pPr>
-            <a:r>
-              <a:rPr lang="en-US" altLang="zh-CN"/>
+          </a:p>
+          <a:p>
+            <a:pPr marL="0" indent="0">
+              <a:buNone/>
+            </a:pPr>
+            <a:r>
+              <a:rPr lang="en-US" altLang="zh-CN" dirty="0"/>
               <a:t>           </a:t>
             </a:r>
-            <a:endParaRPr lang="en-US" altLang="zh-CN"/>
           </a:p>
         </p:txBody>
       </p:sp>
@@ -3959,7 +5141,6 @@
               <a:rPr lang="zh-CN" altLang="en-US" dirty="0"/>
               <a:t>，各种统计信息等。</a:t>
             </a:r>
-            <a:endParaRPr lang="zh-CN" altLang="en-US" dirty="0"/>
           </a:p>
         </p:txBody>
       </p:sp>
@@ -4029,7 +5210,6 @@
               <a:rPr lang="en-US" altLang="zh-CN" dirty="0"/>
               <a:t>Event log      vs       traffic log</a:t>
             </a:r>
-            <a:endParaRPr lang="en-US" altLang="zh-CN" dirty="0"/>
           </a:p>
           <a:p>
             <a:pPr marL="0" indent="0">
@@ -4107,27 +5287,25 @@
               <a:rPr lang="zh-CN" altLang="en-US" dirty="0"/>
               <a:t>，系统资源使用等信息。</a:t>
             </a:r>
+          </a:p>
+          <a:p>
+            <a:pPr marL="0" indent="0">
+              <a:buNone/>
+            </a:pPr>
             <a:endParaRPr lang="zh-CN" altLang="en-US" dirty="0"/>
           </a:p>
           <a:p>
             <a:pPr marL="0" indent="0">
               <a:buNone/>
             </a:pPr>
-            <a:endParaRPr lang="zh-CN" altLang="en-US" dirty="0"/>
-          </a:p>
-          <a:p>
-            <a:pPr marL="0" indent="0">
-              <a:buNone/>
-            </a:pPr>
-            <a:r>
-              <a:rPr lang="zh-CN" altLang="en-US" dirty="0"/>
-              <a:t>这里指的是</a:t>
+            <a:r>
+              <a:rPr lang="zh-CN" altLang="en-US" dirty="0"/>
+              <a:t>这里我们讲的是</a:t>
             </a:r>
             <a:r>
               <a:rPr lang="en-US" altLang="zh-CN" dirty="0"/>
               <a:t>traffic log</a:t>
             </a:r>
-            <a:endParaRPr lang="en-US" altLang="zh-CN" dirty="0"/>
           </a:p>
         </p:txBody>
       </p:sp>
@@ -4148,7 +5326,14 @@
         <p:cNvGrpSpPr/>
         <p:nvPr/>
       </p:nvGrpSpPr>
-      <p:grpSpPr/>
+      <p:grpSpPr>
+        <a:xfrm>
+          <a:off x="0" y="0"/>
+          <a:ext cx="0" cy="0"/>
+          <a:chOff x="0" y="0"/>
+          <a:chExt cx="0" cy="0"/>
+        </a:xfrm>
+      </p:grpSpPr>
       <p:sp>
         <p:nvSpPr>
           <p:cNvPr id="3" name="内容占位符 2"/>
@@ -4167,55 +5352,133 @@
         </p:spPr>
         <p:txBody>
           <a:bodyPr/>
-          <a:p>
-            <a:pPr marL="0" indent="0">
-              <a:buNone/>
-            </a:pPr>
-            <a:r>
-              <a:rPr lang="en-US" altLang="zh-CN"/>
+          <a:lstStyle/>
+          <a:p>
+            <a:pPr marL="0" indent="0">
+              <a:buNone/>
+            </a:pPr>
+            <a:r>
+              <a:rPr lang="en-US" altLang="zh-CN" dirty="0"/>
               <a:t>Log</a:t>
             </a:r>
             <a:r>
-              <a:rPr lang="zh-CN" altLang="en-US"/>
+              <a:rPr lang="zh-CN" altLang="en-US" dirty="0"/>
               <a:t>格式</a:t>
             </a:r>
-            <a:endParaRPr lang="zh-CN" altLang="en-US"/>
-          </a:p>
-          <a:p>
-            <a:pPr marL="0" indent="0">
-              <a:buNone/>
-            </a:pPr>
-            <a:r>
-              <a:rPr lang="en-US" altLang="zh-CN"/>
+          </a:p>
+          <a:p>
+            <a:pPr marL="0" indent="0">
+              <a:buNone/>
+            </a:pPr>
+            <a:r>
+              <a:rPr lang="en-US" altLang="zh-CN" dirty="0"/>
               <a:t>RFC3164 (traditional) syslog</a:t>
             </a:r>
-            <a:endParaRPr lang="en-US" altLang="zh-CN"/>
-          </a:p>
-          <a:p>
-            <a:pPr marL="0" indent="0">
-              <a:buNone/>
-            </a:pPr>
-            <a:r>
-              <a:rPr lang="en-US" altLang="zh-CN"/>
+          </a:p>
+          <a:p>
+            <a:pPr marL="0" indent="0">
+              <a:buNone/>
+            </a:pPr>
+            <a:r>
+              <a:rPr lang="en-US" altLang="zh-CN" dirty="0"/>
               <a:t>RFC5424 structure data log (SD-log)</a:t>
             </a:r>
-            <a:endParaRPr lang="en-US" altLang="zh-CN"/>
-          </a:p>
-          <a:p>
-            <a:pPr marL="0" indent="0">
-              <a:buNone/>
-            </a:pPr>
-            <a:endParaRPr lang="zh-CN" altLang="en-US"/>
-          </a:p>
-          <a:p>
-            <a:pPr marL="0" indent="0">
-              <a:buNone/>
-            </a:pPr>
-            <a:r>
-              <a:rPr lang="en-US" altLang="zh-CN"/>
+          </a:p>
+          <a:p>
+            <a:pPr marL="0" indent="0">
+              <a:buNone/>
+            </a:pPr>
+            <a:r>
+              <a:rPr lang="zh-CN" altLang="en-US" dirty="0"/>
+              <a:t>还可自定义其他</a:t>
+            </a:r>
+            <a:r>
+              <a:rPr lang="en-US" altLang="zh-CN" dirty="0"/>
+              <a:t>log</a:t>
+            </a:r>
+            <a:r>
+              <a:rPr lang="zh-CN" altLang="en-US" dirty="0"/>
+              <a:t>格式，优点灵活</a:t>
+            </a:r>
+            <a:r>
+              <a:rPr lang="en-US" altLang="zh-CN" dirty="0"/>
+              <a:t>+</a:t>
+            </a:r>
+            <a:r>
+              <a:rPr lang="zh-CN" altLang="en-US" dirty="0"/>
+              <a:t>节省空间，缺点是需要额外解析</a:t>
+            </a:r>
+            <a:endParaRPr lang="en-US" altLang="zh-CN" dirty="0"/>
+          </a:p>
+          <a:p>
+            <a:pPr marL="0" indent="0">
+              <a:buNone/>
+            </a:pPr>
+            <a:endParaRPr lang="zh-CN" altLang="en-US" dirty="0"/>
+          </a:p>
+          <a:p>
+            <a:pPr marL="0" indent="0">
+              <a:buNone/>
+            </a:pPr>
+            <a:r>
+              <a:rPr lang="en-US" altLang="zh-CN" dirty="0"/>
               <a:t>other related RFCs:</a:t>
             </a:r>
-            <a:endParaRPr lang="en-US" altLang="zh-CN"/>
+          </a:p>
+          <a:p>
+            <a:pPr marL="0" indent="0">
+              <a:buNone/>
+            </a:pPr>
+            <a:r>
+              <a:rPr lang="en-US" altLang="zh-CN" dirty="0"/>
+              <a:t>5425</a:t>
+            </a:r>
+            <a:r>
+              <a:rPr lang="zh-CN" altLang="en-US" dirty="0"/>
+              <a:t>， </a:t>
+            </a:r>
+            <a:r>
+              <a:rPr lang="en-US" altLang="zh-CN" dirty="0"/>
+              <a:t>5426</a:t>
+            </a:r>
+            <a:r>
+              <a:rPr lang="zh-CN" altLang="en-US" dirty="0"/>
+              <a:t>， </a:t>
+            </a:r>
+            <a:r>
+              <a:rPr lang="en-US" altLang="zh-CN" dirty="0"/>
+              <a:t>5676</a:t>
+            </a:r>
+            <a:r>
+              <a:rPr lang="zh-CN" altLang="en-US" dirty="0"/>
+              <a:t>， </a:t>
+            </a:r>
+            <a:r>
+              <a:rPr lang="en-US" altLang="zh-CN" dirty="0"/>
+              <a:t>5848</a:t>
+            </a:r>
+            <a:r>
+              <a:rPr lang="zh-CN" altLang="en-US" dirty="0"/>
+              <a:t>， </a:t>
+            </a:r>
+            <a:r>
+              <a:rPr lang="en-US" altLang="zh-CN" dirty="0"/>
+              <a:t>6012</a:t>
+            </a:r>
+            <a:r>
+              <a:rPr lang="zh-CN" altLang="en-US" dirty="0"/>
+              <a:t>， </a:t>
+            </a:r>
+            <a:r>
+              <a:rPr lang="en-US" altLang="zh-CN" dirty="0"/>
+              <a:t>6587</a:t>
+            </a:r>
+          </a:p>
+          <a:p>
+            <a:pPr marL="0" indent="0">
+              <a:buNone/>
+            </a:pPr>
+            <a:endParaRPr lang="en-US" altLang="zh-CN" dirty="0"/>
           </a:p>
         </p:txBody>
       </p:sp>
@@ -4236,7 +5499,14 @@
         <p:cNvGrpSpPr/>
         <p:nvPr/>
       </p:nvGrpSpPr>
-      <p:grpSpPr/>
+      <p:grpSpPr>
+        <a:xfrm>
+          <a:off x="0" y="0"/>
+          <a:ext cx="0" cy="0"/>
+          <a:chOff x="0" y="0"/>
+          <a:chExt cx="0" cy="0"/>
+        </a:xfrm>
+      </p:grpSpPr>
       <p:sp>
         <p:nvSpPr>
           <p:cNvPr id="3" name="内容占位符 2"/>
@@ -4257,6 +5527,7 @@
           <a:bodyPr>
             <a:normAutofit lnSpcReduction="10000"/>
           </a:bodyPr>
+          <a:lstStyle/>
           <a:p>
             <a:pPr marL="0" indent="0">
               <a:buNone/>
@@ -4291,16 +5562,13 @@
               </a:rPr>
               <a:t>traditonal log</a:t>
             </a:r>
-            <a:endParaRPr lang="en-US" altLang="zh-CN" dirty="0">
-              <a:sym typeface="+mn-ea"/>
-            </a:endParaRPr>
-          </a:p>
-          <a:p>
-            <a:pPr marL="0" indent="0">
-              <a:buNone/>
-            </a:pPr>
-            <a:r>
-              <a:rPr lang="zh-CN" altLang="en-US">
+          </a:p>
+          <a:p>
+            <a:pPr marL="0" indent="0">
+              <a:buNone/>
+            </a:pPr>
+            <a:r>
+              <a:rPr lang="zh-CN" altLang="en-US" dirty="0">
                 <a:solidFill>
                   <a:srgbClr val="0000FF"/>
                 </a:solidFill>
@@ -4308,7 +5576,7 @@
               <a:t>&lt;14&gt;</a:t>
             </a:r>
             <a:r>
-              <a:rPr lang="zh-CN" altLang="en-US">
+              <a:rPr lang="zh-CN" altLang="en-US" dirty="0">
                 <a:solidFill>
                   <a:srgbClr val="FF0000"/>
                 </a:solidFill>
@@ -4316,11 +5584,11 @@
               <a:t>Aug 31</a:t>
             </a:r>
             <a:r>
-              <a:rPr lang="zh-CN" altLang="en-US"/>
+              <a:rPr lang="zh-CN" altLang="en-US" dirty="0"/>
               <a:t> </a:t>
             </a:r>
             <a:r>
-              <a:rPr lang="zh-CN" altLang="en-US">
+              <a:rPr lang="zh-CN" altLang="en-US" dirty="0">
                 <a:solidFill>
                   <a:srgbClr val="FF0000"/>
                 </a:solidFill>
@@ -4328,11 +5596,11 @@
               <a:t>15:21:06</a:t>
             </a:r>
             <a:r>
-              <a:rPr lang="zh-CN" altLang="en-US"/>
+              <a:rPr lang="zh-CN" altLang="en-US" dirty="0"/>
               <a:t> </a:t>
             </a:r>
             <a:r>
-              <a:rPr lang="zh-CN" altLang="en-US">
+              <a:rPr lang="zh-CN" altLang="en-US" dirty="0">
                 <a:solidFill>
                   <a:srgbClr val="00FF00"/>
                 </a:solidFill>
@@ -4340,11 +5608,11 @@
               <a:t>flow-vsrx10</a:t>
             </a:r>
             <a:r>
-              <a:rPr lang="zh-CN" altLang="en-US"/>
+              <a:rPr lang="zh-CN" altLang="en-US" dirty="0"/>
               <a:t> </a:t>
             </a:r>
             <a:r>
-              <a:rPr lang="en-US" altLang="zh-CN">
+              <a:rPr lang="en-US" altLang="zh-CN" dirty="0">
                 <a:solidFill>
                   <a:srgbClr val="00B0F0"/>
                 </a:solidFill>
@@ -4352,7 +5620,7 @@
               <a:t>RT_FLOW: RT_FLOW_SESSION_CLOSE</a:t>
             </a:r>
             <a:r>
-              <a:rPr lang="en-US" altLang="zh-CN">
+              <a:rPr lang="en-US" altLang="zh-CN" dirty="0">
                 <a:solidFill>
                   <a:schemeClr val="tx1"/>
                 </a:solidFill>
@@ -4360,10 +5628,233 @@
               <a:t>:</a:t>
             </a:r>
             <a:r>
-              <a:rPr lang="zh-CN" altLang="en-US"/>
-              <a:t> session closed Some reason: 124.193.37.100/30007-&gt;124.193.37.200/32768 0x0 Medium 124.193.37.100/30007-&gt;124.193.37.200/32768 0x0 Fake src nat type Fake src nat rule Fake dst nat type Fake dst nat rule 17 session_policy4 source_zone4 Fake dst zone 1 4294967295(1073741824) 4294967294(1073741824) 4294967291 junos:SSL junos:SSL user4(Fake UAC roles) source_interface4 Fake encrypt Infrastructure Encryption 4 application-character4 client-proxy 3735928575 124.193.37.100/30007-&gt;124.193.37.200/32768 Fake host Fake src vrf group Fake dst vrf group Fake tunnel inspection root</a:t>
-            </a:r>
-            <a:endParaRPr lang="zh-CN" altLang="en-US"/>
+              <a:rPr lang="zh-CN" altLang="en-US" dirty="0"/>
+              <a:t> session closed Some</a:t>
+            </a:r>
+            <a:r>
+              <a:rPr lang="en-US" altLang="zh-CN" dirty="0"/>
+              <a:t>-</a:t>
+            </a:r>
+            <a:r>
+              <a:rPr lang="zh-CN" altLang="en-US" dirty="0"/>
+              <a:t>reason: 124.193.37.100/30007-&gt;124.193.37.200/32768 0x0 Medium 124.193.37.100/30007-&gt;124.193.37.200/32768 0x0 Fake</a:t>
+            </a:r>
+            <a:r>
+              <a:rPr lang="en-US" altLang="zh-CN" dirty="0"/>
+              <a:t>-</a:t>
+            </a:r>
+            <a:r>
+              <a:rPr lang="zh-CN" altLang="en-US" dirty="0"/>
+              <a:t>src</a:t>
+            </a:r>
+            <a:r>
+              <a:rPr lang="en-US" altLang="zh-CN" dirty="0"/>
+              <a:t>-</a:t>
+            </a:r>
+            <a:r>
+              <a:rPr lang="zh-CN" altLang="en-US" dirty="0"/>
+              <a:t>nat</a:t>
+            </a:r>
+            <a:r>
+              <a:rPr lang="en-US" altLang="zh-CN" dirty="0"/>
+              <a:t>-</a:t>
+            </a:r>
+            <a:r>
+              <a:rPr lang="zh-CN" altLang="en-US" dirty="0"/>
+              <a:t>type Fake</a:t>
+            </a:r>
+            <a:r>
+              <a:rPr lang="en-US" altLang="zh-CN" dirty="0"/>
+              <a:t>-</a:t>
+            </a:r>
+            <a:r>
+              <a:rPr lang="zh-CN" altLang="en-US" dirty="0"/>
+              <a:t>src</a:t>
+            </a:r>
+            <a:r>
+              <a:rPr lang="en-US" altLang="zh-CN" dirty="0"/>
+              <a:t>-</a:t>
+            </a:r>
+            <a:r>
+              <a:rPr lang="zh-CN" altLang="en-US" dirty="0"/>
+              <a:t>nat</a:t>
+            </a:r>
+            <a:r>
+              <a:rPr lang="en-US" altLang="zh-CN" dirty="0"/>
+              <a:t>-</a:t>
+            </a:r>
+            <a:r>
+              <a:rPr lang="zh-CN" altLang="en-US" dirty="0"/>
+              <a:t>rule Fake</a:t>
+            </a:r>
+            <a:r>
+              <a:rPr lang="en-US" altLang="zh-CN" dirty="0"/>
+              <a:t>-</a:t>
+            </a:r>
+            <a:r>
+              <a:rPr lang="zh-CN" altLang="en-US" dirty="0"/>
+              <a:t>dst</a:t>
+            </a:r>
+            <a:r>
+              <a:rPr lang="en-US" altLang="zh-CN" dirty="0"/>
+              <a:t>-</a:t>
+            </a:r>
+            <a:r>
+              <a:rPr lang="zh-CN" altLang="en-US" dirty="0"/>
+              <a:t>nat</a:t>
+            </a:r>
+            <a:r>
+              <a:rPr lang="en-US" altLang="zh-CN" dirty="0"/>
+              <a:t>-</a:t>
+            </a:r>
+            <a:r>
+              <a:rPr lang="zh-CN" altLang="en-US" dirty="0"/>
+              <a:t>type Fake</a:t>
+            </a:r>
+            <a:r>
+              <a:rPr lang="en-US" altLang="zh-CN" dirty="0"/>
+              <a:t>-</a:t>
+            </a:r>
+            <a:r>
+              <a:rPr lang="zh-CN" altLang="en-US" dirty="0"/>
+              <a:t>dst</a:t>
+            </a:r>
+            <a:r>
+              <a:rPr lang="en-US" altLang="zh-CN" dirty="0"/>
+              <a:t>-</a:t>
+            </a:r>
+            <a:r>
+              <a:rPr lang="zh-CN" altLang="en-US" dirty="0"/>
+              <a:t>nat</a:t>
+            </a:r>
+            <a:r>
+              <a:rPr lang="en-US" altLang="zh-CN" dirty="0"/>
+              <a:t>-</a:t>
+            </a:r>
+            <a:r>
+              <a:rPr lang="zh-CN" altLang="en-US" dirty="0"/>
+              <a:t>rule 17 session_policy4 source_zone4 Fake</a:t>
+            </a:r>
+            <a:r>
+              <a:rPr lang="en-US" altLang="zh-CN" dirty="0"/>
+              <a:t>-</a:t>
+            </a:r>
+            <a:r>
+              <a:rPr lang="zh-CN" altLang="en-US" dirty="0"/>
+              <a:t>dst</a:t>
+            </a:r>
+            <a:r>
+              <a:rPr lang="en-US" altLang="zh-CN" dirty="0"/>
+              <a:t>-</a:t>
+            </a:r>
+            <a:r>
+              <a:rPr lang="zh-CN" altLang="en-US" dirty="0"/>
+              <a:t>zone</a:t>
+            </a:r>
+            <a:r>
+              <a:rPr lang="en-US" altLang="zh-CN" dirty="0"/>
+              <a:t> </a:t>
+            </a:r>
+            <a:r>
+              <a:rPr lang="zh-CN" altLang="en-US" dirty="0"/>
+              <a:t>1 4294967295(1073741824) 4294967294(1073741824) 4294967291 junos:SSL junos:SSL user4(Fake</a:t>
+            </a:r>
+            <a:r>
+              <a:rPr lang="en-US" altLang="zh-CN" dirty="0"/>
+              <a:t>-</a:t>
+            </a:r>
+            <a:r>
+              <a:rPr lang="zh-CN" altLang="en-US" dirty="0"/>
+              <a:t>UAC</a:t>
+            </a:r>
+            <a:r>
+              <a:rPr lang="en-US" altLang="zh-CN" dirty="0"/>
+              <a:t>-</a:t>
+            </a:r>
+            <a:r>
+              <a:rPr lang="zh-CN" altLang="en-US" dirty="0"/>
+              <a:t>roles) source_interface4 Fake</a:t>
+            </a:r>
+            <a:r>
+              <a:rPr lang="en-US" altLang="zh-CN" dirty="0"/>
+              <a:t>-</a:t>
+            </a:r>
+            <a:r>
+              <a:rPr lang="zh-CN" altLang="en-US" dirty="0"/>
+              <a:t>encrypt Infrastructure Encryption 4 application-character4 client-proxy 3735928575 124.193.37.100/30007-&gt;124.193.37.200/32768 Fake</a:t>
+            </a:r>
+            <a:r>
+              <a:rPr lang="en-US" altLang="zh-CN" dirty="0"/>
+              <a:t>-</a:t>
+            </a:r>
+            <a:r>
+              <a:rPr lang="zh-CN" altLang="en-US" dirty="0"/>
+              <a:t>host Fake</a:t>
+            </a:r>
+            <a:r>
+              <a:rPr lang="en-US" altLang="zh-CN" dirty="0"/>
+              <a:t>-</a:t>
+            </a:r>
+            <a:r>
+              <a:rPr lang="zh-CN" altLang="en-US" dirty="0"/>
+              <a:t>src</a:t>
+            </a:r>
+            <a:r>
+              <a:rPr lang="en-US" altLang="zh-CN" dirty="0"/>
+              <a:t>-</a:t>
+            </a:r>
+            <a:r>
+              <a:rPr lang="zh-CN" altLang="en-US" dirty="0"/>
+              <a:t>vrf</a:t>
+            </a:r>
+            <a:r>
+              <a:rPr lang="en-US" altLang="zh-CN" dirty="0"/>
+              <a:t>-</a:t>
+            </a:r>
+            <a:r>
+              <a:rPr lang="zh-CN" altLang="en-US" dirty="0"/>
+              <a:t>group Fake</a:t>
+            </a:r>
+            <a:r>
+              <a:rPr lang="en-US" altLang="zh-CN" dirty="0"/>
+              <a:t>-</a:t>
+            </a:r>
+            <a:r>
+              <a:rPr lang="zh-CN" altLang="en-US" dirty="0"/>
+              <a:t>dst</a:t>
+            </a:r>
+            <a:r>
+              <a:rPr lang="en-US" altLang="zh-CN" dirty="0"/>
+              <a:t>-</a:t>
+            </a:r>
+            <a:r>
+              <a:rPr lang="zh-CN" altLang="en-US" dirty="0"/>
+              <a:t>vrf</a:t>
+            </a:r>
+            <a:r>
+              <a:rPr lang="en-US" altLang="zh-CN" dirty="0"/>
+              <a:t>-</a:t>
+            </a:r>
+            <a:r>
+              <a:rPr lang="zh-CN" altLang="en-US" dirty="0"/>
+              <a:t>group Fake</a:t>
+            </a:r>
+            <a:r>
+              <a:rPr lang="en-US" altLang="zh-CN" dirty="0"/>
+              <a:t>-</a:t>
+            </a:r>
+            <a:r>
+              <a:rPr lang="zh-CN" altLang="en-US" dirty="0"/>
+              <a:t>tunnel</a:t>
+            </a:r>
+            <a:r>
+              <a:rPr lang="en-US" altLang="zh-CN" dirty="0"/>
+              <a:t>-</a:t>
+            </a:r>
+            <a:r>
+              <a:rPr lang="zh-CN" altLang="en-US" dirty="0"/>
+              <a:t>inspection root</a:t>
+            </a:r>
           </a:p>
         </p:txBody>
       </p:sp>
@@ -4384,7 +5875,14 @@
         <p:cNvGrpSpPr/>
         <p:nvPr/>
       </p:nvGrpSpPr>
-      <p:grpSpPr/>
+      <p:grpSpPr>
+        <a:xfrm>
+          <a:off x="0" y="0"/>
+          <a:ext cx="0" cy="0"/>
+          <a:chOff x="0" y="0"/>
+          <a:chExt cx="0" cy="0"/>
+        </a:xfrm>
+      </p:grpSpPr>
       <p:sp>
         <p:nvSpPr>
           <p:cNvPr id="3" name="内容占位符 2"/>
@@ -4403,8 +5901,9 @@
         </p:spPr>
         <p:txBody>
           <a:bodyPr>
-            <a:normAutofit fontScale="60000"/>
+            <a:normAutofit fontScale="75000" lnSpcReduction="20000"/>
           </a:bodyPr>
+          <a:lstStyle/>
           <a:p>
             <a:pPr marL="0" indent="0">
               <a:buNone/>
@@ -4427,9 +5926,6 @@
               </a:rPr>
               <a:t> (2)</a:t>
             </a:r>
-            <a:endParaRPr lang="en-US" altLang="zh-CN" dirty="0">
-              <a:sym typeface="+mn-ea"/>
-            </a:endParaRPr>
           </a:p>
           <a:p>
             <a:pPr marL="0" indent="0">
@@ -4439,7 +5935,6 @@
               <a:rPr lang="en-US" altLang="zh-CN"/>
               <a:t>sd-log:</a:t>
             </a:r>
-            <a:endParaRPr lang="en-US" altLang="zh-CN"/>
           </a:p>
           <a:p>
             <a:pPr marL="0" indent="0">
@@ -4521,11 +6016,6 @@
               </a:rPr>
               <a:t>]</a:t>
             </a:r>
-            <a:endParaRPr lang="en-US" altLang="zh-CN">
-              <a:solidFill>
-                <a:srgbClr val="FA16E7"/>
-              </a:solidFill>
-            </a:endParaRPr>
           </a:p>
         </p:txBody>
       </p:sp>
@@ -4546,7 +6036,14 @@
         <p:cNvGrpSpPr/>
         <p:nvPr/>
       </p:nvGrpSpPr>
-      <p:grpSpPr/>
+      <p:grpSpPr>
+        <a:xfrm>
+          <a:off x="0" y="0"/>
+          <a:ext cx="0" cy="0"/>
+          <a:chOff x="0" y="0"/>
+          <a:chExt cx="0" cy="0"/>
+        </a:xfrm>
+      </p:grpSpPr>
       <p:sp>
         <p:nvSpPr>
           <p:cNvPr id="3" name="内容占位符 2"/>
@@ -4559,14 +6056,418 @@
         </p:nvSpPr>
         <p:spPr>
           <a:xfrm>
-            <a:off x="838200" y="482600"/>
-            <a:ext cx="10515600" cy="5694680"/>
+            <a:off x="838200" y="1234911"/>
+            <a:ext cx="4931004" cy="5215746"/>
           </a:xfrm>
         </p:spPr>
         <p:txBody>
-          <a:bodyPr/>
-          <a:p>
-            <a:pPr marL="0" indent="0">
+          <a:bodyPr>
+            <a:normAutofit/>
+          </a:bodyPr>
+          <a:lstStyle/>
+          <a:p>
+            <a:pPr marL="0" indent="0">
+              <a:buNone/>
+            </a:pPr>
+            <a:r>
+              <a:rPr lang="en-US" altLang="zh-CN" sz="1600" dirty="0"/>
+              <a:t>log {</a:t>
+            </a:r>
+          </a:p>
+          <a:p>
+            <a:pPr marL="0" indent="0">
+              <a:buNone/>
+            </a:pPr>
+            <a:r>
+              <a:rPr lang="en-US" altLang="zh-CN" sz="1600" dirty="0"/>
+              <a:t>    (source-address </a:t>
+            </a:r>
+            <a:r>
+              <a:rPr lang="en-US" altLang="zh-CN" sz="1600" i="1" dirty="0" err="1"/>
+              <a:t>source-address</a:t>
+            </a:r>
+            <a:r>
+              <a:rPr lang="en-US" altLang="zh-CN" sz="1600" dirty="0"/>
+              <a:t> | source-interface </a:t>
+            </a:r>
+            <a:r>
+              <a:rPr lang="en-US" altLang="zh-CN" sz="1600" i="1" dirty="0"/>
+              <a:t>source-interface</a:t>
+            </a:r>
+            <a:r>
+              <a:rPr lang="en-US" altLang="zh-CN" sz="1600" dirty="0"/>
+              <a:t>);</a:t>
+            </a:r>
+          </a:p>
+          <a:p>
+            <a:pPr marL="0" indent="0">
+              <a:buNone/>
+            </a:pPr>
+            <a:r>
+              <a:rPr lang="en-US" altLang="zh-CN" sz="1600" dirty="0"/>
+              <a:t>    escape;</a:t>
+            </a:r>
+          </a:p>
+          <a:p>
+            <a:pPr marL="0" indent="0">
+              <a:buNone/>
+            </a:pPr>
+            <a:r>
+              <a:rPr lang="en-US" altLang="zh-CN" sz="1600" dirty="0"/>
+              <a:t>    time-format (year | millisecond);</a:t>
+            </a:r>
+          </a:p>
+          <a:p>
+            <a:pPr marL="0" indent="0">
+              <a:buNone/>
+            </a:pPr>
+            <a:r>
+              <a:rPr lang="en-US" altLang="zh-CN" sz="1600" dirty="0"/>
+              <a:t>    event-rate </a:t>
+            </a:r>
+            <a:r>
+              <a:rPr lang="en-US" altLang="zh-CN" sz="1600" i="1" dirty="0"/>
+              <a:t>logs per second</a:t>
+            </a:r>
+            <a:r>
+              <a:rPr lang="en-US" altLang="zh-CN" sz="1600" dirty="0"/>
+              <a:t>;  (for stream mode)</a:t>
+            </a:r>
+          </a:p>
+          <a:p>
+            <a:pPr marL="0" indent="0">
+              <a:buNone/>
+            </a:pPr>
+            <a:r>
+              <a:rPr lang="en-US" altLang="zh-CN" sz="1600" dirty="0"/>
+              <a:t>    file {</a:t>
+            </a:r>
+          </a:p>
+          <a:p>
+            <a:pPr marL="0" indent="0">
+              <a:buNone/>
+            </a:pPr>
+            <a:r>
+              <a:rPr lang="en-US" altLang="zh-CN" sz="1600" dirty="0"/>
+              <a:t>        files </a:t>
+            </a:r>
+            <a:r>
+              <a:rPr lang="en-US" altLang="zh-CN" sz="1600" i="1" dirty="0" err="1"/>
+              <a:t>files</a:t>
+            </a:r>
+            <a:r>
+              <a:rPr lang="en-US" altLang="zh-CN" sz="1600" dirty="0"/>
+              <a:t>;</a:t>
+            </a:r>
+          </a:p>
+          <a:p>
+            <a:pPr marL="0" indent="0">
+              <a:buNone/>
+            </a:pPr>
+            <a:r>
+              <a:rPr lang="en-US" altLang="zh-CN" sz="1600" dirty="0"/>
+              <a:t>        name </a:t>
+            </a:r>
+            <a:r>
+              <a:rPr lang="en-US" altLang="zh-CN" sz="1600" i="1" dirty="0" err="1"/>
+              <a:t>name</a:t>
+            </a:r>
+            <a:r>
+              <a:rPr lang="en-US" altLang="zh-CN" sz="1600" dirty="0"/>
+              <a:t>;</a:t>
+            </a:r>
+          </a:p>
+          <a:p>
+            <a:pPr marL="0" indent="0">
+              <a:buNone/>
+            </a:pPr>
+            <a:r>
+              <a:rPr lang="en-US" altLang="zh-CN" sz="1600" dirty="0"/>
+              <a:t>        path </a:t>
+            </a:r>
+            <a:r>
+              <a:rPr lang="en-US" altLang="zh-CN" sz="1600" i="1" dirty="0" err="1"/>
+              <a:t>path</a:t>
+            </a:r>
+            <a:r>
+              <a:rPr lang="en-US" altLang="zh-CN" sz="1600" dirty="0"/>
+              <a:t>;</a:t>
+            </a:r>
+          </a:p>
+          <a:p>
+            <a:pPr marL="0" indent="0">
+              <a:buNone/>
+            </a:pPr>
+            <a:r>
+              <a:rPr lang="en-US" altLang="zh-CN" sz="1600" dirty="0"/>
+              <a:t>        size </a:t>
+            </a:r>
+            <a:r>
+              <a:rPr lang="en-US" altLang="zh-CN" sz="1600" i="1" dirty="0" err="1"/>
+              <a:t>size</a:t>
+            </a:r>
+            <a:r>
+              <a:rPr lang="en-US" altLang="zh-CN" sz="1600" dirty="0"/>
+              <a:t>;</a:t>
+            </a:r>
+          </a:p>
+          <a:p>
+            <a:pPr marL="0" indent="0">
+              <a:buNone/>
+            </a:pPr>
+            <a:r>
+              <a:rPr lang="en-US" altLang="zh-CN" sz="1600" dirty="0"/>
+              <a:t>    }</a:t>
+            </a:r>
+          </a:p>
+          <a:p>
+            <a:pPr marL="0" indent="0">
+              <a:buNone/>
+            </a:pPr>
+            <a:r>
+              <a:rPr lang="en-US" altLang="zh-CN" sz="1600" dirty="0"/>
+              <a:t>    format (binary | </a:t>
+            </a:r>
+            <a:r>
+              <a:rPr lang="en-US" altLang="zh-CN" sz="1600" dirty="0" err="1"/>
+              <a:t>sd</a:t>
+            </a:r>
+            <a:r>
+              <a:rPr lang="en-US" altLang="zh-CN" sz="1600" dirty="0"/>
+              <a:t>-syslog | syslog | </a:t>
+            </a:r>
+            <a:r>
+              <a:rPr lang="en-US" altLang="zh-CN" sz="1600" dirty="0" err="1"/>
+              <a:t>protobuf</a:t>
+            </a:r>
+            <a:r>
+              <a:rPr lang="en-US" altLang="zh-CN" sz="1600" dirty="0"/>
+              <a:t>);</a:t>
+            </a:r>
+          </a:p>
+          <a:p>
+            <a:pPr marL="0" indent="0">
+              <a:buNone/>
+            </a:pPr>
+            <a:r>
+              <a:rPr lang="en-US" altLang="zh-CN" sz="1600" dirty="0"/>
+              <a:t>    max-database-record </a:t>
+            </a:r>
+            <a:r>
+              <a:rPr lang="en-US" altLang="zh-CN" sz="1600" i="1" dirty="0" err="1"/>
+              <a:t>max-database-record</a:t>
+            </a:r>
+            <a:r>
+              <a:rPr lang="en-US" altLang="zh-CN" sz="1600" dirty="0"/>
+              <a:t>;</a:t>
+            </a:r>
+          </a:p>
+          <a:p>
+            <a:pPr marL="0" indent="0">
+              <a:buNone/>
+            </a:pPr>
+            <a:r>
+              <a:rPr lang="en-US" altLang="zh-CN" sz="1600" dirty="0"/>
+              <a:t>    mode (event | stream | stream-event);</a:t>
+            </a:r>
+            <a:endParaRPr lang="zh-CN" altLang="en-US" sz="1600" dirty="0"/>
+          </a:p>
+        </p:txBody>
+      </p:sp>
+      <p:sp>
+        <p:nvSpPr>
+          <p:cNvPr id="4" name="内容占位符 2">
+            <a:extLst>
+              <a:ext uri="{FF2B5EF4-FFF2-40B4-BE49-F238E27FC236}">
+                <a16:creationId xmlns:a16="http://schemas.microsoft.com/office/drawing/2014/main" id="{53202F2F-CDBF-4945-B823-C3AF99691C64}"/>
+              </a:ext>
+            </a:extLst>
+          </p:cNvPr>
+          <p:cNvSpPr txBox="1">
+            <a:spLocks/>
+          </p:cNvSpPr>
+          <p:nvPr/>
+        </p:nvSpPr>
+        <p:spPr>
+          <a:xfrm>
+            <a:off x="838200" y="538323"/>
+            <a:ext cx="4931004" cy="489199"/>
+          </a:xfrm>
+          <a:prstGeom prst="rect">
+            <a:avLst/>
+          </a:prstGeom>
+        </p:spPr>
+        <p:txBody>
+          <a:bodyPr vert="horz" lIns="91440" tIns="45720" rIns="91440" bIns="45720" rtlCol="0">
+            <a:normAutofit/>
+          </a:bodyPr>
+          <a:lstStyle>
+            <a:lvl1pPr marL="228600" indent="-228600" algn="l" defTabSz="914400" rtl="0" eaLnBrk="1" latinLnBrk="0" hangingPunct="1">
+              <a:lnSpc>
+                <a:spcPct val="90000"/>
+              </a:lnSpc>
+              <a:spcBef>
+                <a:spcPts val="1000"/>
+              </a:spcBef>
+              <a:buFont typeface="Arial" panose="020B0604020202020204" pitchFamily="34" charset="0"/>
+              <a:buChar char="•"/>
+              <a:defRPr sz="2800" kern="1200">
+                <a:solidFill>
+                  <a:schemeClr val="tx1"/>
+                </a:solidFill>
+                <a:latin typeface="+mn-lt"/>
+                <a:ea typeface="+mn-ea"/>
+                <a:cs typeface="+mn-cs"/>
+              </a:defRPr>
+            </a:lvl1pPr>
+            <a:lvl2pPr marL="685800" indent="-228600" algn="l" defTabSz="914400" rtl="0" eaLnBrk="1" latinLnBrk="0" hangingPunct="1">
+              <a:lnSpc>
+                <a:spcPct val="90000"/>
+              </a:lnSpc>
+              <a:spcBef>
+                <a:spcPts val="500"/>
+              </a:spcBef>
+              <a:buFont typeface="Arial" panose="020B0604020202020204" pitchFamily="34" charset="0"/>
+              <a:buChar char="•"/>
+              <a:defRPr sz="2400" kern="1200">
+                <a:solidFill>
+                  <a:schemeClr val="tx1"/>
+                </a:solidFill>
+                <a:latin typeface="+mn-lt"/>
+                <a:ea typeface="+mn-ea"/>
+                <a:cs typeface="+mn-cs"/>
+              </a:defRPr>
+            </a:lvl2pPr>
+            <a:lvl3pPr marL="1143000" indent="-228600" algn="l" defTabSz="914400" rtl="0" eaLnBrk="1" latinLnBrk="0" hangingPunct="1">
+              <a:lnSpc>
+                <a:spcPct val="90000"/>
+              </a:lnSpc>
+              <a:spcBef>
+                <a:spcPts val="500"/>
+              </a:spcBef>
+              <a:buFont typeface="Arial" panose="020B0604020202020204" pitchFamily="34" charset="0"/>
+              <a:buChar char="•"/>
+              <a:defRPr sz="2000" kern="1200">
+                <a:solidFill>
+                  <a:schemeClr val="tx1"/>
+                </a:solidFill>
+                <a:latin typeface="+mn-lt"/>
+                <a:ea typeface="+mn-ea"/>
+                <a:cs typeface="+mn-cs"/>
+              </a:defRPr>
+            </a:lvl3pPr>
+            <a:lvl4pPr marL="1600200" indent="-228600" algn="l" defTabSz="914400" rtl="0" eaLnBrk="1" latinLnBrk="0" hangingPunct="1">
+              <a:lnSpc>
+                <a:spcPct val="90000"/>
+              </a:lnSpc>
+              <a:spcBef>
+                <a:spcPts val="500"/>
+              </a:spcBef>
+              <a:buFont typeface="Arial" panose="020B0604020202020204" pitchFamily="34" charset="0"/>
+              <a:buChar char="•"/>
+              <a:defRPr sz="1800" kern="1200">
+                <a:solidFill>
+                  <a:schemeClr val="tx1"/>
+                </a:solidFill>
+                <a:latin typeface="+mn-lt"/>
+                <a:ea typeface="+mn-ea"/>
+                <a:cs typeface="+mn-cs"/>
+              </a:defRPr>
+            </a:lvl4pPr>
+            <a:lvl5pPr marL="2057400" indent="-228600" algn="l" defTabSz="914400" rtl="0" eaLnBrk="1" latinLnBrk="0" hangingPunct="1">
+              <a:lnSpc>
+                <a:spcPct val="90000"/>
+              </a:lnSpc>
+              <a:spcBef>
+                <a:spcPts val="500"/>
+              </a:spcBef>
+              <a:buFont typeface="Arial" panose="020B0604020202020204" pitchFamily="34" charset="0"/>
+              <a:buChar char="•"/>
+              <a:defRPr sz="1800" kern="1200">
+                <a:solidFill>
+                  <a:schemeClr val="tx1"/>
+                </a:solidFill>
+                <a:latin typeface="+mn-lt"/>
+                <a:ea typeface="+mn-ea"/>
+                <a:cs typeface="+mn-cs"/>
+              </a:defRPr>
+            </a:lvl5pPr>
+            <a:lvl6pPr marL="2514600" indent="-228600" algn="l" defTabSz="914400" rtl="0" eaLnBrk="1" latinLnBrk="0" hangingPunct="1">
+              <a:lnSpc>
+                <a:spcPct val="90000"/>
+              </a:lnSpc>
+              <a:spcBef>
+                <a:spcPts val="500"/>
+              </a:spcBef>
+              <a:buFont typeface="Arial" panose="020B0604020202020204" pitchFamily="34" charset="0"/>
+              <a:buChar char="•"/>
+              <a:defRPr sz="1800" kern="1200">
+                <a:solidFill>
+                  <a:schemeClr val="tx1"/>
+                </a:solidFill>
+                <a:latin typeface="+mn-lt"/>
+                <a:ea typeface="+mn-ea"/>
+                <a:cs typeface="+mn-cs"/>
+              </a:defRPr>
+            </a:lvl6pPr>
+            <a:lvl7pPr marL="2971800" indent="-228600" algn="l" defTabSz="914400" rtl="0" eaLnBrk="1" latinLnBrk="0" hangingPunct="1">
+              <a:lnSpc>
+                <a:spcPct val="90000"/>
+              </a:lnSpc>
+              <a:spcBef>
+                <a:spcPts val="500"/>
+              </a:spcBef>
+              <a:buFont typeface="Arial" panose="020B0604020202020204" pitchFamily="34" charset="0"/>
+              <a:buChar char="•"/>
+              <a:defRPr sz="1800" kern="1200">
+                <a:solidFill>
+                  <a:schemeClr val="tx1"/>
+                </a:solidFill>
+                <a:latin typeface="+mn-lt"/>
+                <a:ea typeface="+mn-ea"/>
+                <a:cs typeface="+mn-cs"/>
+              </a:defRPr>
+            </a:lvl7pPr>
+            <a:lvl8pPr marL="3429000" indent="-228600" algn="l" defTabSz="914400" rtl="0" eaLnBrk="1" latinLnBrk="0" hangingPunct="1">
+              <a:lnSpc>
+                <a:spcPct val="90000"/>
+              </a:lnSpc>
+              <a:spcBef>
+                <a:spcPts val="500"/>
+              </a:spcBef>
+              <a:buFont typeface="Arial" panose="020B0604020202020204" pitchFamily="34" charset="0"/>
+              <a:buChar char="•"/>
+              <a:defRPr sz="1800" kern="1200">
+                <a:solidFill>
+                  <a:schemeClr val="tx1"/>
+                </a:solidFill>
+                <a:latin typeface="+mn-lt"/>
+                <a:ea typeface="+mn-ea"/>
+                <a:cs typeface="+mn-cs"/>
+              </a:defRPr>
+            </a:lvl8pPr>
+            <a:lvl9pPr marL="3886200" indent="-228600" algn="l" defTabSz="914400" rtl="0" eaLnBrk="1" latinLnBrk="0" hangingPunct="1">
+              <a:lnSpc>
+                <a:spcPct val="90000"/>
+              </a:lnSpc>
+              <a:spcBef>
+                <a:spcPts val="500"/>
+              </a:spcBef>
+              <a:buFont typeface="Arial" panose="020B0604020202020204" pitchFamily="34" charset="0"/>
+              <a:buChar char="•"/>
+              <a:defRPr sz="1800" kern="1200">
+                <a:solidFill>
+                  <a:schemeClr val="tx1"/>
+                </a:solidFill>
+                <a:latin typeface="+mn-lt"/>
+                <a:ea typeface="+mn-ea"/>
+                <a:cs typeface="+mn-cs"/>
+              </a:defRPr>
+            </a:lvl9pPr>
+          </a:lstStyle>
+          <a:p>
+            <a:pPr marL="0" indent="0">
+              <a:buFont typeface="Arial" panose="020B0604020202020204" pitchFamily="34" charset="0"/>
               <a:buNone/>
             </a:pPr>
             <a:r>
@@ -4580,16 +6481,472 @@
                 <a:sym typeface="+mn-ea"/>
               </a:rPr>
               <a:t>支持的功能</a:t>
+            </a:r>
+            <a:r>
+              <a:rPr lang="en-US" altLang="zh-CN" dirty="0">
+                <a:sym typeface="+mn-ea"/>
+              </a:rPr>
+              <a:t>(1)</a:t>
             </a:r>
             <a:endParaRPr lang="zh-CN" altLang="en-US" dirty="0">
               <a:sym typeface="+mn-ea"/>
             </a:endParaRPr>
           </a:p>
-          <a:p>
-            <a:pPr marL="0" indent="0">
-              <a:buNone/>
-            </a:pPr>
-            <a:endParaRPr lang="zh-CN" altLang="en-US"/>
+        </p:txBody>
+      </p:sp>
+      <p:sp>
+        <p:nvSpPr>
+          <p:cNvPr id="5" name="内容占位符 2">
+            <a:extLst>
+              <a:ext uri="{FF2B5EF4-FFF2-40B4-BE49-F238E27FC236}">
+                <a16:creationId xmlns:a16="http://schemas.microsoft.com/office/drawing/2014/main" id="{8C2BBA03-0672-4934-9913-8A65AE385649}"/>
+              </a:ext>
+            </a:extLst>
+          </p:cNvPr>
+          <p:cNvSpPr txBox="1">
+            <a:spLocks/>
+          </p:cNvSpPr>
+          <p:nvPr/>
+        </p:nvSpPr>
+        <p:spPr>
+          <a:xfrm>
+            <a:off x="5769204" y="1234911"/>
+            <a:ext cx="4931004" cy="5215746"/>
+          </a:xfrm>
+          <a:prstGeom prst="rect">
+            <a:avLst/>
+          </a:prstGeom>
+        </p:spPr>
+        <p:txBody>
+          <a:bodyPr vert="horz" lIns="91440" tIns="45720" rIns="91440" bIns="45720" rtlCol="0">
+            <a:normAutofit/>
+          </a:bodyPr>
+          <a:lstStyle>
+            <a:lvl1pPr marL="228600" indent="-228600" algn="l" defTabSz="914400" rtl="0" eaLnBrk="1" latinLnBrk="0" hangingPunct="1">
+              <a:lnSpc>
+                <a:spcPct val="90000"/>
+              </a:lnSpc>
+              <a:spcBef>
+                <a:spcPts val="1000"/>
+              </a:spcBef>
+              <a:buFont typeface="Arial" panose="020B0604020202020204" pitchFamily="34" charset="0"/>
+              <a:buChar char="•"/>
+              <a:defRPr sz="2800" kern="1200">
+                <a:solidFill>
+                  <a:schemeClr val="tx1"/>
+                </a:solidFill>
+                <a:latin typeface="+mn-lt"/>
+                <a:ea typeface="+mn-ea"/>
+                <a:cs typeface="+mn-cs"/>
+              </a:defRPr>
+            </a:lvl1pPr>
+            <a:lvl2pPr marL="685800" indent="-228600" algn="l" defTabSz="914400" rtl="0" eaLnBrk="1" latinLnBrk="0" hangingPunct="1">
+              <a:lnSpc>
+                <a:spcPct val="90000"/>
+              </a:lnSpc>
+              <a:spcBef>
+                <a:spcPts val="500"/>
+              </a:spcBef>
+              <a:buFont typeface="Arial" panose="020B0604020202020204" pitchFamily="34" charset="0"/>
+              <a:buChar char="•"/>
+              <a:defRPr sz="2400" kern="1200">
+                <a:solidFill>
+                  <a:schemeClr val="tx1"/>
+                </a:solidFill>
+                <a:latin typeface="+mn-lt"/>
+                <a:ea typeface="+mn-ea"/>
+                <a:cs typeface="+mn-cs"/>
+              </a:defRPr>
+            </a:lvl2pPr>
+            <a:lvl3pPr marL="1143000" indent="-228600" algn="l" defTabSz="914400" rtl="0" eaLnBrk="1" latinLnBrk="0" hangingPunct="1">
+              <a:lnSpc>
+                <a:spcPct val="90000"/>
+              </a:lnSpc>
+              <a:spcBef>
+                <a:spcPts val="500"/>
+              </a:spcBef>
+              <a:buFont typeface="Arial" panose="020B0604020202020204" pitchFamily="34" charset="0"/>
+              <a:buChar char="•"/>
+              <a:defRPr sz="2000" kern="1200">
+                <a:solidFill>
+                  <a:schemeClr val="tx1"/>
+                </a:solidFill>
+                <a:latin typeface="+mn-lt"/>
+                <a:ea typeface="+mn-ea"/>
+                <a:cs typeface="+mn-cs"/>
+              </a:defRPr>
+            </a:lvl3pPr>
+            <a:lvl4pPr marL="1600200" indent="-228600" algn="l" defTabSz="914400" rtl="0" eaLnBrk="1" latinLnBrk="0" hangingPunct="1">
+              <a:lnSpc>
+                <a:spcPct val="90000"/>
+              </a:lnSpc>
+              <a:spcBef>
+                <a:spcPts val="500"/>
+              </a:spcBef>
+              <a:buFont typeface="Arial" panose="020B0604020202020204" pitchFamily="34" charset="0"/>
+              <a:buChar char="•"/>
+              <a:defRPr sz="1800" kern="1200">
+                <a:solidFill>
+                  <a:schemeClr val="tx1"/>
+                </a:solidFill>
+                <a:latin typeface="+mn-lt"/>
+                <a:ea typeface="+mn-ea"/>
+                <a:cs typeface="+mn-cs"/>
+              </a:defRPr>
+            </a:lvl4pPr>
+            <a:lvl5pPr marL="2057400" indent="-228600" algn="l" defTabSz="914400" rtl="0" eaLnBrk="1" latinLnBrk="0" hangingPunct="1">
+              <a:lnSpc>
+                <a:spcPct val="90000"/>
+              </a:lnSpc>
+              <a:spcBef>
+                <a:spcPts val="500"/>
+              </a:spcBef>
+              <a:buFont typeface="Arial" panose="020B0604020202020204" pitchFamily="34" charset="0"/>
+              <a:buChar char="•"/>
+              <a:defRPr sz="1800" kern="1200">
+                <a:solidFill>
+                  <a:schemeClr val="tx1"/>
+                </a:solidFill>
+                <a:latin typeface="+mn-lt"/>
+                <a:ea typeface="+mn-ea"/>
+                <a:cs typeface="+mn-cs"/>
+              </a:defRPr>
+            </a:lvl5pPr>
+            <a:lvl6pPr marL="2514600" indent="-228600" algn="l" defTabSz="914400" rtl="0" eaLnBrk="1" latinLnBrk="0" hangingPunct="1">
+              <a:lnSpc>
+                <a:spcPct val="90000"/>
+              </a:lnSpc>
+              <a:spcBef>
+                <a:spcPts val="500"/>
+              </a:spcBef>
+              <a:buFont typeface="Arial" panose="020B0604020202020204" pitchFamily="34" charset="0"/>
+              <a:buChar char="•"/>
+              <a:defRPr sz="1800" kern="1200">
+                <a:solidFill>
+                  <a:schemeClr val="tx1"/>
+                </a:solidFill>
+                <a:latin typeface="+mn-lt"/>
+                <a:ea typeface="+mn-ea"/>
+                <a:cs typeface="+mn-cs"/>
+              </a:defRPr>
+            </a:lvl6pPr>
+            <a:lvl7pPr marL="2971800" indent="-228600" algn="l" defTabSz="914400" rtl="0" eaLnBrk="1" latinLnBrk="0" hangingPunct="1">
+              <a:lnSpc>
+                <a:spcPct val="90000"/>
+              </a:lnSpc>
+              <a:spcBef>
+                <a:spcPts val="500"/>
+              </a:spcBef>
+              <a:buFont typeface="Arial" panose="020B0604020202020204" pitchFamily="34" charset="0"/>
+              <a:buChar char="•"/>
+              <a:defRPr sz="1800" kern="1200">
+                <a:solidFill>
+                  <a:schemeClr val="tx1"/>
+                </a:solidFill>
+                <a:latin typeface="+mn-lt"/>
+                <a:ea typeface="+mn-ea"/>
+                <a:cs typeface="+mn-cs"/>
+              </a:defRPr>
+            </a:lvl7pPr>
+            <a:lvl8pPr marL="3429000" indent="-228600" algn="l" defTabSz="914400" rtl="0" eaLnBrk="1" latinLnBrk="0" hangingPunct="1">
+              <a:lnSpc>
+                <a:spcPct val="90000"/>
+              </a:lnSpc>
+              <a:spcBef>
+                <a:spcPts val="500"/>
+              </a:spcBef>
+              <a:buFont typeface="Arial" panose="020B0604020202020204" pitchFamily="34" charset="0"/>
+              <a:buChar char="•"/>
+              <a:defRPr sz="1800" kern="1200">
+                <a:solidFill>
+                  <a:schemeClr val="tx1"/>
+                </a:solidFill>
+                <a:latin typeface="+mn-lt"/>
+                <a:ea typeface="+mn-ea"/>
+                <a:cs typeface="+mn-cs"/>
+              </a:defRPr>
+            </a:lvl8pPr>
+            <a:lvl9pPr marL="3886200" indent="-228600" algn="l" defTabSz="914400" rtl="0" eaLnBrk="1" latinLnBrk="0" hangingPunct="1">
+              <a:lnSpc>
+                <a:spcPct val="90000"/>
+              </a:lnSpc>
+              <a:spcBef>
+                <a:spcPts val="500"/>
+              </a:spcBef>
+              <a:buFont typeface="Arial" panose="020B0604020202020204" pitchFamily="34" charset="0"/>
+              <a:buChar char="•"/>
+              <a:defRPr sz="1800" kern="1200">
+                <a:solidFill>
+                  <a:schemeClr val="tx1"/>
+                </a:solidFill>
+                <a:latin typeface="+mn-lt"/>
+                <a:ea typeface="+mn-ea"/>
+                <a:cs typeface="+mn-cs"/>
+              </a:defRPr>
+            </a:lvl9pPr>
+          </a:lstStyle>
+          <a:p>
+            <a:pPr marL="0" indent="0">
+              <a:buFont typeface="Arial" panose="020B0604020202020204" pitchFamily="34" charset="0"/>
+              <a:buNone/>
+            </a:pPr>
+            <a:r>
+              <a:rPr lang="en-US" altLang="zh-CN" sz="1600" dirty="0"/>
+              <a:t>    rate-cap </a:t>
+            </a:r>
+            <a:r>
+              <a:rPr lang="en-US" altLang="zh-CN" sz="1600" i="1" dirty="0"/>
+              <a:t>logs per second</a:t>
+            </a:r>
+            <a:r>
+              <a:rPr lang="en-US" altLang="zh-CN" sz="1600" dirty="0"/>
+              <a:t>; </a:t>
+            </a:r>
+            <a:r>
+              <a:rPr lang="zh-CN" altLang="en-US" sz="1600" dirty="0"/>
+              <a:t> </a:t>
+            </a:r>
+            <a:r>
+              <a:rPr lang="en-US" altLang="zh-CN" sz="1600" dirty="0"/>
+              <a:t>(for</a:t>
+            </a:r>
+            <a:r>
+              <a:rPr lang="zh-CN" altLang="en-US" sz="1600" dirty="0"/>
+              <a:t> </a:t>
+            </a:r>
+            <a:r>
+              <a:rPr lang="en-US" altLang="zh-CN" sz="1600" dirty="0"/>
+              <a:t>event</a:t>
+            </a:r>
+            <a:r>
+              <a:rPr lang="zh-CN" altLang="en-US" sz="1600" dirty="0"/>
+              <a:t> </a:t>
+            </a:r>
+            <a:r>
+              <a:rPr lang="en-US" altLang="zh-CN" sz="1600" dirty="0"/>
+              <a:t>mode)</a:t>
+            </a:r>
+          </a:p>
+          <a:p>
+            <a:pPr marL="0" indent="0">
+              <a:buFont typeface="Arial" panose="020B0604020202020204" pitchFamily="34" charset="0"/>
+              <a:buNone/>
+            </a:pPr>
+            <a:r>
+              <a:rPr lang="en-US" altLang="zh-CN" sz="1600" dirty="0"/>
+              <a:t>    report {</a:t>
+            </a:r>
+          </a:p>
+          <a:p>
+            <a:pPr marL="0" indent="0">
+              <a:buFont typeface="Arial" panose="020B0604020202020204" pitchFamily="34" charset="0"/>
+              <a:buNone/>
+            </a:pPr>
+            <a:r>
+              <a:rPr lang="en-US" altLang="zh-CN" sz="1600" dirty="0"/>
+              <a:t>        logs-per-table {</a:t>
+            </a:r>
+          </a:p>
+          <a:p>
+            <a:pPr marL="0" indent="0">
+              <a:buFont typeface="Arial" panose="020B0604020202020204" pitchFamily="34" charset="0"/>
+              <a:buNone/>
+            </a:pPr>
+            <a:r>
+              <a:rPr lang="en-US" altLang="zh-CN" sz="1600" dirty="0"/>
+              <a:t>            </a:t>
+            </a:r>
+            <a:r>
+              <a:rPr lang="en-US" altLang="zh-CN" sz="1600" dirty="0" err="1"/>
+              <a:t>idp</a:t>
+            </a:r>
+            <a:r>
+              <a:rPr lang="en-US" altLang="zh-CN" sz="1600" dirty="0"/>
+              <a:t> </a:t>
+            </a:r>
+            <a:r>
+              <a:rPr lang="en-US" altLang="zh-CN" sz="1600" i="1" dirty="0" err="1"/>
+              <a:t>idp</a:t>
+            </a:r>
+            <a:r>
+              <a:rPr lang="en-US" altLang="zh-CN" sz="1600" dirty="0"/>
+              <a:t>;</a:t>
+            </a:r>
+          </a:p>
+          <a:p>
+            <a:pPr marL="0" indent="0">
+              <a:buFont typeface="Arial" panose="020B0604020202020204" pitchFamily="34" charset="0"/>
+              <a:buNone/>
+            </a:pPr>
+            <a:r>
+              <a:rPr lang="en-US" altLang="zh-CN" sz="1600" dirty="0"/>
+              <a:t>            </a:t>
+            </a:r>
+            <a:r>
+              <a:rPr lang="en-US" altLang="zh-CN" sz="1600" dirty="0" err="1"/>
+              <a:t>ipsec-vpn</a:t>
+            </a:r>
+            <a:r>
+              <a:rPr lang="en-US" altLang="zh-CN" sz="1600" dirty="0"/>
+              <a:t> </a:t>
+            </a:r>
+            <a:r>
+              <a:rPr lang="en-US" altLang="zh-CN" sz="1600" i="1" dirty="0" err="1"/>
+              <a:t>ipsec-vpn</a:t>
+            </a:r>
+            <a:r>
+              <a:rPr lang="en-US" altLang="zh-CN" sz="1600" dirty="0"/>
+              <a:t>;</a:t>
+            </a:r>
+          </a:p>
+          <a:p>
+            <a:pPr marL="0" indent="0">
+              <a:buFont typeface="Arial" panose="020B0604020202020204" pitchFamily="34" charset="0"/>
+              <a:buNone/>
+            </a:pPr>
+            <a:r>
+              <a:rPr lang="en-US" altLang="zh-CN" sz="1600" dirty="0"/>
+              <a:t>            screen </a:t>
+            </a:r>
+            <a:r>
+              <a:rPr lang="en-US" altLang="zh-CN" sz="1600" i="1" dirty="0" err="1"/>
+              <a:t>screen</a:t>
+            </a:r>
+            <a:r>
+              <a:rPr lang="en-US" altLang="zh-CN" sz="1600" dirty="0"/>
+              <a:t>;</a:t>
+            </a:r>
+          </a:p>
+          <a:p>
+            <a:pPr marL="0" indent="0">
+              <a:buFont typeface="Arial" panose="020B0604020202020204" pitchFamily="34" charset="0"/>
+              <a:buNone/>
+            </a:pPr>
+            <a:r>
+              <a:rPr lang="en-US" altLang="zh-CN" sz="1600" dirty="0"/>
+              <a:t>            session-all </a:t>
+            </a:r>
+            <a:r>
+              <a:rPr lang="en-US" altLang="zh-CN" sz="1600" i="1" dirty="0" err="1"/>
+              <a:t>session-all</a:t>
+            </a:r>
+            <a:r>
+              <a:rPr lang="en-US" altLang="zh-CN" sz="1600" dirty="0"/>
+              <a:t>;</a:t>
+            </a:r>
+          </a:p>
+          <a:p>
+            <a:pPr marL="0" indent="0">
+              <a:buFont typeface="Arial" panose="020B0604020202020204" pitchFamily="34" charset="0"/>
+              <a:buNone/>
+            </a:pPr>
+            <a:r>
+              <a:rPr lang="en-US" altLang="zh-CN" sz="1600" dirty="0"/>
+              <a:t>            sky </a:t>
+            </a:r>
+            <a:r>
+              <a:rPr lang="en-US" altLang="zh-CN" sz="1600" i="1" dirty="0" err="1"/>
+              <a:t>sky</a:t>
+            </a:r>
+            <a:r>
+              <a:rPr lang="en-US" altLang="zh-CN" sz="1600" dirty="0"/>
+              <a:t>;</a:t>
+            </a:r>
+          </a:p>
+          <a:p>
+            <a:pPr marL="0" indent="0">
+              <a:buFont typeface="Arial" panose="020B0604020202020204" pitchFamily="34" charset="0"/>
+              <a:buNone/>
+            </a:pPr>
+            <a:r>
+              <a:rPr lang="en-US" altLang="zh-CN" sz="1600" dirty="0"/>
+              <a:t>            </a:t>
+            </a:r>
+            <a:r>
+              <a:rPr lang="en-US" altLang="zh-CN" sz="1600" dirty="0" err="1"/>
+              <a:t>utm</a:t>
+            </a:r>
+            <a:r>
+              <a:rPr lang="en-US" altLang="zh-CN" sz="1600" dirty="0"/>
+              <a:t> </a:t>
+            </a:r>
+            <a:r>
+              <a:rPr lang="en-US" altLang="zh-CN" sz="1600" i="1" dirty="0" err="1"/>
+              <a:t>utm</a:t>
+            </a:r>
+            <a:r>
+              <a:rPr lang="en-US" altLang="zh-CN" sz="1600" dirty="0"/>
+              <a:t>;</a:t>
+            </a:r>
+          </a:p>
+          <a:p>
+            <a:pPr marL="0" indent="0">
+              <a:buFont typeface="Arial" panose="020B0604020202020204" pitchFamily="34" charset="0"/>
+              <a:buNone/>
+            </a:pPr>
+            <a:r>
+              <a:rPr lang="en-US" altLang="zh-CN" sz="1600" dirty="0"/>
+              <a:t>        }</a:t>
+            </a:r>
+          </a:p>
+          <a:p>
+            <a:pPr marL="0" indent="0">
+              <a:buFont typeface="Arial" panose="020B0604020202020204" pitchFamily="34" charset="0"/>
+              <a:buNone/>
+            </a:pPr>
+            <a:r>
+              <a:rPr lang="en-US" altLang="zh-CN" sz="1600" dirty="0"/>
+              <a:t>        table-lifetime </a:t>
+            </a:r>
+            <a:r>
+              <a:rPr lang="en-US" altLang="zh-CN" sz="1600" i="1" dirty="0" err="1"/>
+              <a:t>table-lifetime</a:t>
+            </a:r>
+            <a:r>
+              <a:rPr lang="en-US" altLang="zh-CN" sz="1600" dirty="0"/>
+              <a:t>;</a:t>
+            </a:r>
+          </a:p>
+          <a:p>
+            <a:pPr marL="0" indent="0">
+              <a:buFont typeface="Arial" panose="020B0604020202020204" pitchFamily="34" charset="0"/>
+              <a:buNone/>
+            </a:pPr>
+            <a:r>
+              <a:rPr lang="en-US" altLang="zh-CN" sz="1600" dirty="0"/>
+              <a:t>        table-mode {</a:t>
+            </a:r>
+          </a:p>
+          <a:p>
+            <a:pPr marL="0" indent="0">
+              <a:buFont typeface="Arial" panose="020B0604020202020204" pitchFamily="34" charset="0"/>
+              <a:buNone/>
+            </a:pPr>
+            <a:r>
+              <a:rPr lang="en-US" altLang="zh-CN" sz="1600" dirty="0"/>
+              <a:t>            dense;</a:t>
+            </a:r>
+          </a:p>
+          <a:p>
+            <a:pPr marL="0" indent="0">
+              <a:buFont typeface="Arial" panose="020B0604020202020204" pitchFamily="34" charset="0"/>
+              <a:buNone/>
+            </a:pPr>
+            <a:r>
+              <a:rPr lang="en-US" altLang="zh-CN" sz="1600" dirty="0"/>
+              <a:t>        }</a:t>
+            </a:r>
+          </a:p>
+          <a:p>
+            <a:pPr marL="0" indent="0">
+              <a:buFont typeface="Arial" panose="020B0604020202020204" pitchFamily="34" charset="0"/>
+              <a:buNone/>
+            </a:pPr>
+            <a:r>
+              <a:rPr lang="en-US" altLang="zh-CN" sz="1600" dirty="0"/>
+              <a:t>    }</a:t>
+            </a:r>
+            <a:endParaRPr lang="zh-CN" altLang="en-US" sz="1600" dirty="0"/>
           </a:p>
         </p:txBody>
       </p:sp>
@@ -4620,7 +6977,13 @@
       </p:grpSpPr>
       <p:sp>
         <p:nvSpPr>
-          <p:cNvPr id="3" name="内容占位符 2"/>
+          <p:cNvPr id="3" name="内容占位符 2">
+            <a:extLst>
+              <a:ext uri="{FF2B5EF4-FFF2-40B4-BE49-F238E27FC236}">
+                <a16:creationId xmlns:a16="http://schemas.microsoft.com/office/drawing/2014/main" id="{6E28E86C-5BE7-4811-8D0A-29326A5C2E88}"/>
+              </a:ext>
+            </a:extLst>
+          </p:cNvPr>
           <p:cNvSpPr>
             <a:spLocks noGrp="1"/>
           </p:cNvSpPr>
@@ -4630,240 +6993,938 @@
         </p:nvSpPr>
         <p:spPr>
           <a:xfrm>
-            <a:off x="838200" y="499621"/>
-            <a:ext cx="10515600" cy="5986020"/>
+            <a:off x="838200" y="1027522"/>
+            <a:ext cx="4544505" cy="5149441"/>
           </a:xfrm>
         </p:spPr>
         <p:txBody>
-          <a:bodyPr/>
+          <a:bodyPr>
+            <a:normAutofit fontScale="92500" lnSpcReduction="20000"/>
+          </a:bodyPr>
           <a:lstStyle/>
           <a:p>
             <a:pPr marL="0" indent="0">
               <a:buNone/>
             </a:pPr>
             <a:r>
-              <a:rPr lang="en-US" altLang="zh-CN" dirty="0"/>
-              <a:t>Glossary</a:t>
-            </a:r>
-            <a:r>
-              <a:rPr lang="zh-CN" altLang="en-US" dirty="0"/>
-              <a:t>：</a:t>
-            </a:r>
-            <a:endParaRPr lang="en-US" altLang="zh-CN" dirty="0"/>
-          </a:p>
-          <a:p>
-            <a:pPr marL="0" indent="0">
-              <a:buNone/>
-            </a:pPr>
-            <a:r>
-              <a:rPr lang="en-US" altLang="zh-CN" dirty="0"/>
-              <a:t>Flow </a:t>
-            </a:r>
-            <a:r>
-              <a:rPr lang="zh-CN" altLang="en-US" dirty="0"/>
-              <a:t>防火墙处理报文基本流程</a:t>
-            </a:r>
-            <a:endParaRPr lang="en-US" altLang="zh-CN" dirty="0"/>
-          </a:p>
-          <a:p>
-            <a:pPr marL="0" indent="0">
-              <a:buNone/>
-            </a:pPr>
-            <a:r>
-              <a:rPr lang="en-US" altLang="zh-CN" dirty="0"/>
-              <a:t>Service </a:t>
-            </a:r>
-            <a:r>
-              <a:rPr lang="zh-CN" altLang="en-US" dirty="0"/>
-              <a:t>防火墙提供的上层服务，以</a:t>
-            </a:r>
-            <a:r>
-              <a:rPr lang="en-US" altLang="zh-CN" dirty="0"/>
-              <a:t>flow</a:t>
-            </a:r>
-            <a:r>
-              <a:rPr lang="zh-CN" altLang="en-US" dirty="0"/>
-              <a:t>为基础，如</a:t>
-            </a:r>
-            <a:r>
-              <a:rPr lang="en-US" altLang="zh-CN" dirty="0"/>
-              <a:t>IDS</a:t>
-            </a:r>
-            <a:r>
-              <a:rPr lang="zh-CN" altLang="en-US" dirty="0"/>
-              <a:t>，</a:t>
-            </a:r>
-            <a:r>
-              <a:rPr lang="en-US" altLang="zh-CN" dirty="0"/>
-              <a:t>UTM</a:t>
-            </a:r>
-            <a:r>
-              <a:rPr lang="zh-CN" altLang="en-US" dirty="0"/>
-              <a:t>，</a:t>
-            </a:r>
-            <a:r>
-              <a:rPr lang="en-US" altLang="zh-CN" dirty="0"/>
-              <a:t>IDP</a:t>
-            </a:r>
-            <a:r>
-              <a:rPr lang="zh-CN" altLang="en-US" dirty="0"/>
-              <a:t>，</a:t>
-            </a:r>
-            <a:r>
-              <a:rPr lang="en-US" altLang="zh-CN" dirty="0"/>
-              <a:t>TCP proxy</a:t>
-            </a:r>
-            <a:r>
-              <a:rPr lang="zh-CN" altLang="en-US" dirty="0"/>
-              <a:t>等</a:t>
-            </a:r>
-            <a:endParaRPr lang="en-US" altLang="zh-CN" dirty="0"/>
-          </a:p>
-          <a:p>
-            <a:pPr marL="0" indent="0">
-              <a:buNone/>
-            </a:pPr>
-            <a:r>
-              <a:rPr lang="en-US" altLang="zh-CN" dirty="0"/>
-              <a:t>Control/data plane </a:t>
-            </a:r>
-            <a:r>
-              <a:rPr lang="zh-CN" altLang="en-US" dirty="0"/>
-              <a:t>控制</a:t>
-            </a:r>
-            <a:r>
-              <a:rPr lang="en-US" altLang="zh-CN" dirty="0"/>
-              <a:t>/</a:t>
-            </a:r>
-            <a:r>
-              <a:rPr lang="zh-CN" altLang="en-US" dirty="0"/>
-              <a:t>数据平面</a:t>
-            </a:r>
-            <a:endParaRPr lang="en-US" altLang="zh-CN" dirty="0"/>
-          </a:p>
-          <a:p>
-            <a:pPr marL="0" indent="0">
-              <a:buNone/>
-            </a:pPr>
-            <a:r>
-              <a:rPr lang="en-US" altLang="zh-CN" dirty="0" err="1"/>
-              <a:t>Ukernel</a:t>
-            </a:r>
-            <a:r>
-              <a:rPr lang="en-US" altLang="zh-CN" dirty="0"/>
-              <a:t> </a:t>
-            </a:r>
-            <a:r>
-              <a:rPr lang="zh-CN" altLang="en-US" dirty="0"/>
-              <a:t>数据平面通过</a:t>
-            </a:r>
-            <a:r>
-              <a:rPr lang="en-US" altLang="zh-CN" dirty="0" err="1"/>
-              <a:t>ukernel</a:t>
-            </a:r>
-            <a:r>
-              <a:rPr lang="zh-CN" altLang="en-US" dirty="0"/>
-              <a:t>与控制平面通信</a:t>
-            </a:r>
-            <a:endParaRPr lang="en-US" altLang="zh-CN" dirty="0"/>
-          </a:p>
-          <a:p>
-            <a:pPr marL="0" indent="0">
-              <a:buNone/>
-            </a:pPr>
-            <a:r>
-              <a:rPr lang="en-US" altLang="zh-CN" dirty="0"/>
-              <a:t>DPQ data plane queue</a:t>
-            </a:r>
-            <a:r>
-              <a:rPr lang="zh-CN" altLang="en-US" dirty="0"/>
-              <a:t>，数据平面处理报文、消息队列，</a:t>
-            </a:r>
-            <a:r>
-              <a:rPr lang="en-US" altLang="zh-CN" dirty="0"/>
-              <a:t>flow</a:t>
-            </a:r>
-            <a:r>
-              <a:rPr lang="zh-CN" altLang="en-US" dirty="0"/>
-              <a:t>获取队列中的报文或消息进行处理</a:t>
-            </a:r>
-            <a:endParaRPr lang="en-US" altLang="zh-CN" dirty="0"/>
-          </a:p>
-          <a:p>
-            <a:pPr marL="0" indent="0">
-              <a:buNone/>
-            </a:pPr>
-            <a:r>
-              <a:rPr lang="en-US" altLang="zh-CN" dirty="0"/>
-              <a:t>Reinject  flow</a:t>
-            </a:r>
-            <a:r>
-              <a:rPr lang="zh-CN" altLang="en-US" dirty="0"/>
-              <a:t>处理过程中将报文或消息重新加入队列</a:t>
-            </a:r>
-            <a:endParaRPr lang="en-US" altLang="zh-CN" dirty="0"/>
-          </a:p>
-          <a:p>
-            <a:pPr marL="0" indent="0">
-              <a:buNone/>
-            </a:pPr>
-            <a:r>
-              <a:rPr lang="en-US" altLang="zh-CN" dirty="0" err="1"/>
-              <a:t>Rtlogd</a:t>
-            </a:r>
-            <a:r>
-              <a:rPr lang="en-US" altLang="zh-CN" dirty="0"/>
-              <a:t> run/real time log daemon</a:t>
-            </a:r>
-            <a:r>
-              <a:rPr lang="zh-CN" altLang="en-US" dirty="0"/>
-              <a:t>，控制平面处理</a:t>
-            </a:r>
-            <a:r>
-              <a:rPr lang="en-US" altLang="zh-CN" dirty="0"/>
-              <a:t>log</a:t>
-            </a:r>
-            <a:r>
-              <a:rPr lang="zh-CN" altLang="en-US" dirty="0"/>
-              <a:t>进程</a:t>
-            </a:r>
-            <a:endParaRPr lang="en-US" altLang="zh-CN" dirty="0"/>
-          </a:p>
-          <a:p>
-            <a:pPr marL="0" indent="0">
-              <a:buNone/>
-            </a:pPr>
-            <a:r>
-              <a:rPr lang="en-US" altLang="zh-CN" dirty="0" err="1"/>
-              <a:t>Llmd</a:t>
-            </a:r>
-            <a:r>
-              <a:rPr lang="en-US" altLang="zh-CN" dirty="0"/>
-              <a:t> local logging management daemon</a:t>
-            </a:r>
-            <a:r>
-              <a:rPr lang="zh-CN" altLang="en-US" dirty="0"/>
-              <a:t>，控制平面处理本地</a:t>
-            </a:r>
-            <a:r>
-              <a:rPr lang="en-US" altLang="zh-CN" dirty="0"/>
-              <a:t>log</a:t>
-            </a:r>
-            <a:r>
-              <a:rPr lang="zh-CN" altLang="en-US" dirty="0"/>
-              <a:t>进程</a:t>
-            </a:r>
-            <a:endParaRPr lang="en-US" altLang="zh-CN"/>
-          </a:p>
-          <a:p>
-            <a:pPr marL="0" indent="0">
-              <a:buNone/>
-            </a:pPr>
-            <a:endParaRPr lang="zh-CN" altLang="en-US" dirty="0"/>
+              <a:rPr lang="en-US" altLang="zh-CN" sz="1600" dirty="0"/>
+              <a:t>    root-streaming;</a:t>
+            </a:r>
+          </a:p>
+          <a:p>
+            <a:pPr marL="0" indent="0">
+              <a:buNone/>
+            </a:pPr>
+            <a:r>
+              <a:rPr lang="en-US" altLang="zh-CN" sz="1600" dirty="0"/>
+              <a:t>    stream </a:t>
+            </a:r>
+            <a:r>
+              <a:rPr lang="en-US" altLang="zh-CN" sz="1600" i="1" dirty="0"/>
+              <a:t>stream-name</a:t>
+            </a:r>
+            <a:r>
+              <a:rPr lang="en-US" altLang="zh-CN" sz="1600" dirty="0"/>
+              <a:t> {</a:t>
+            </a:r>
+          </a:p>
+          <a:p>
+            <a:pPr marL="0" indent="0">
+              <a:buNone/>
+            </a:pPr>
+            <a:r>
+              <a:rPr lang="en-US" altLang="zh-CN" sz="1600" dirty="0"/>
+              <a:t>        category (all | content-security | </a:t>
+            </a:r>
+            <a:r>
+              <a:rPr lang="en-US" altLang="zh-CN" sz="1600" dirty="0" err="1"/>
+              <a:t>fw</a:t>
+            </a:r>
+            <a:r>
+              <a:rPr lang="en-US" altLang="zh-CN" sz="1600" dirty="0"/>
+              <a:t>-auth | screen | </a:t>
+            </a:r>
+            <a:r>
+              <a:rPr lang="en-US" altLang="zh-CN" sz="1600" dirty="0" err="1"/>
+              <a:t>alg</a:t>
+            </a:r>
+            <a:r>
+              <a:rPr lang="en-US" altLang="zh-CN" sz="1600" dirty="0"/>
+              <a:t> | </a:t>
+            </a:r>
+            <a:r>
+              <a:rPr lang="en-US" altLang="zh-CN" sz="1600" dirty="0" err="1"/>
+              <a:t>nat</a:t>
+            </a:r>
+            <a:r>
+              <a:rPr lang="en-US" altLang="zh-CN" sz="1600" dirty="0"/>
+              <a:t> | flow | </a:t>
+            </a:r>
+            <a:r>
+              <a:rPr lang="en-US" altLang="zh-CN" sz="1600" dirty="0" err="1"/>
+              <a:t>sctp</a:t>
+            </a:r>
+            <a:r>
+              <a:rPr lang="en-US" altLang="zh-CN" sz="1600" dirty="0"/>
+              <a:t> | </a:t>
+            </a:r>
+            <a:r>
+              <a:rPr lang="en-US" altLang="zh-CN" sz="1600" dirty="0" err="1"/>
+              <a:t>gtp</a:t>
+            </a:r>
+            <a:r>
+              <a:rPr lang="en-US" altLang="zh-CN" sz="1600" dirty="0"/>
+              <a:t> | </a:t>
+            </a:r>
+            <a:r>
+              <a:rPr lang="en-US" altLang="zh-CN" sz="1600" dirty="0" err="1"/>
+              <a:t>ipsec</a:t>
+            </a:r>
+            <a:r>
+              <a:rPr lang="en-US" altLang="zh-CN" sz="1600" dirty="0"/>
+              <a:t> | </a:t>
+            </a:r>
+            <a:r>
+              <a:rPr lang="en-US" altLang="zh-CN" sz="1600" dirty="0" err="1"/>
+              <a:t>idp</a:t>
+            </a:r>
+            <a:r>
+              <a:rPr lang="en-US" altLang="zh-CN" sz="1600" dirty="0"/>
+              <a:t> | </a:t>
+            </a:r>
+            <a:r>
+              <a:rPr lang="en-US" altLang="zh-CN" sz="1600" dirty="0" err="1"/>
+              <a:t>rtlog</a:t>
+            </a:r>
+            <a:r>
+              <a:rPr lang="en-US" altLang="zh-CN" sz="1600" dirty="0"/>
+              <a:t> |</a:t>
+            </a:r>
+            <a:r>
+              <a:rPr lang="en-US" altLang="zh-CN" sz="1600" dirty="0" err="1"/>
+              <a:t>pst</a:t>
+            </a:r>
+            <a:r>
+              <a:rPr lang="en-US" altLang="zh-CN" sz="1600" dirty="0"/>
+              <a:t>-ds-lite | </a:t>
+            </a:r>
+            <a:r>
+              <a:rPr lang="en-US" altLang="zh-CN" sz="1600" dirty="0" err="1"/>
+              <a:t>appqos</a:t>
+            </a:r>
+            <a:r>
+              <a:rPr lang="en-US" altLang="zh-CN" sz="1600" dirty="0"/>
+              <a:t> |</a:t>
+            </a:r>
+            <a:r>
+              <a:rPr lang="en-US" altLang="zh-CN" sz="1600" dirty="0" err="1"/>
+              <a:t>secintel</a:t>
+            </a:r>
+            <a:r>
+              <a:rPr lang="en-US" altLang="zh-CN" sz="1600" dirty="0"/>
+              <a:t> |</a:t>
+            </a:r>
+            <a:r>
+              <a:rPr lang="en-US" altLang="zh-CN" sz="1600" dirty="0" err="1"/>
+              <a:t>aamw</a:t>
+            </a:r>
+            <a:r>
+              <a:rPr lang="en-US" altLang="zh-CN" sz="1600" dirty="0"/>
+              <a:t>);</a:t>
+            </a:r>
+          </a:p>
+          <a:p>
+            <a:pPr marL="0" indent="0">
+              <a:buNone/>
+            </a:pPr>
+            <a:r>
+              <a:rPr lang="en-US" altLang="zh-CN" sz="1600" dirty="0"/>
+              <a:t>        filter {</a:t>
+            </a:r>
+          </a:p>
+          <a:p>
+            <a:pPr marL="0" indent="0">
+              <a:buNone/>
+            </a:pPr>
+            <a:r>
+              <a:rPr lang="en-US" altLang="zh-CN" sz="1600" dirty="0"/>
+              <a:t>            threat-attack;</a:t>
+            </a:r>
+          </a:p>
+          <a:p>
+            <a:pPr marL="0" indent="0">
+              <a:buNone/>
+            </a:pPr>
+            <a:r>
+              <a:rPr lang="en-US" altLang="zh-CN" sz="1600" dirty="0"/>
+              <a:t>            }</a:t>
+            </a:r>
+          </a:p>
+          <a:p>
+            <a:pPr marL="0" indent="0">
+              <a:buNone/>
+            </a:pPr>
+            <a:r>
+              <a:rPr lang="en-US" altLang="zh-CN" sz="1600" dirty="0"/>
+              <a:t>        format (binary | </a:t>
+            </a:r>
+            <a:r>
+              <a:rPr lang="en-US" altLang="zh-CN" sz="1600" dirty="0" err="1"/>
+              <a:t>sd</a:t>
+            </a:r>
+            <a:r>
+              <a:rPr lang="en-US" altLang="zh-CN" sz="1600" dirty="0"/>
+              <a:t>-syslog | syslog | </a:t>
+            </a:r>
+            <a:r>
+              <a:rPr lang="en-US" altLang="zh-CN" sz="1600" dirty="0" err="1"/>
+              <a:t>welf</a:t>
+            </a:r>
+            <a:r>
+              <a:rPr lang="en-US" altLang="zh-CN" sz="1600" dirty="0"/>
+              <a:t>);</a:t>
+            </a:r>
+          </a:p>
+          <a:p>
+            <a:pPr marL="0" indent="0">
+              <a:buNone/>
+            </a:pPr>
+            <a:r>
+              <a:rPr lang="en-US" altLang="zh-CN" sz="1600" dirty="0"/>
+              <a:t>        host {</a:t>
+            </a:r>
+          </a:p>
+          <a:p>
+            <a:pPr marL="0" indent="0">
+              <a:buNone/>
+            </a:pPr>
+            <a:r>
+              <a:rPr lang="en-US" altLang="zh-CN" sz="1600" dirty="0"/>
+              <a:t>            </a:t>
+            </a:r>
+            <a:r>
+              <a:rPr lang="en-US" altLang="zh-CN" sz="1600" i="1" dirty="0" err="1"/>
+              <a:t>ip</a:t>
+            </a:r>
+            <a:r>
+              <a:rPr lang="en-US" altLang="zh-CN" sz="1600" i="1" dirty="0"/>
+              <a:t>-address</a:t>
+            </a:r>
+            <a:r>
+              <a:rPr lang="en-US" altLang="zh-CN" sz="1600" dirty="0"/>
+              <a:t>;</a:t>
+            </a:r>
+          </a:p>
+          <a:p>
+            <a:pPr marL="0" indent="0">
+              <a:buNone/>
+            </a:pPr>
+            <a:r>
+              <a:rPr lang="en-US" altLang="zh-CN" sz="1600" dirty="0"/>
+              <a:t>            port </a:t>
+            </a:r>
+            <a:r>
+              <a:rPr lang="en-US" altLang="zh-CN" sz="1600" i="1" dirty="0"/>
+              <a:t>port-number</a:t>
+            </a:r>
+            <a:r>
+              <a:rPr lang="en-US" altLang="zh-CN" sz="1600" dirty="0"/>
+              <a:t>;</a:t>
+            </a:r>
+          </a:p>
+          <a:p>
+            <a:pPr marL="0" indent="0">
+              <a:buNone/>
+            </a:pPr>
+            <a:r>
+              <a:rPr lang="en-US" altLang="zh-CN" sz="1600" dirty="0"/>
+              <a:t>            routing-instance </a:t>
+            </a:r>
+            <a:r>
+              <a:rPr lang="en-US" altLang="zh-CN" sz="1600" i="1" dirty="0"/>
+              <a:t>instance-name</a:t>
+            </a:r>
+            <a:r>
+              <a:rPr lang="en-US" altLang="zh-CN" sz="1600" dirty="0"/>
+              <a:t>;</a:t>
+            </a:r>
+          </a:p>
+          <a:p>
+            <a:pPr marL="0" indent="0">
+              <a:buNone/>
+            </a:pPr>
+            <a:r>
+              <a:rPr lang="en-US" altLang="zh-CN" sz="1600" dirty="0"/>
+              <a:t>        }</a:t>
+            </a:r>
+          </a:p>
+          <a:p>
+            <a:pPr marL="0" indent="0">
+              <a:buNone/>
+            </a:pPr>
+            <a:r>
+              <a:rPr lang="en-US" altLang="zh-CN" sz="1600" dirty="0"/>
+              <a:t>        rate-limit {</a:t>
+            </a:r>
+          </a:p>
+          <a:p>
+            <a:pPr marL="0" indent="0">
+              <a:buNone/>
+            </a:pPr>
+            <a:r>
+              <a:rPr lang="en-US" altLang="zh-CN" sz="1600" dirty="0"/>
+              <a:t>            </a:t>
+            </a:r>
+            <a:r>
+              <a:rPr lang="en-US" altLang="zh-CN" sz="1600" i="1" dirty="0"/>
+              <a:t>log-rate</a:t>
+            </a:r>
+            <a:r>
+              <a:rPr lang="en-US" altLang="zh-CN" sz="1600" dirty="0"/>
+              <a:t>;</a:t>
+            </a:r>
+          </a:p>
+          <a:p>
+            <a:pPr marL="0" indent="0">
+              <a:buNone/>
+            </a:pPr>
+            <a:r>
+              <a:rPr lang="en-US" altLang="zh-CN" sz="1600" dirty="0"/>
+              <a:t>        }</a:t>
+            </a:r>
+          </a:p>
+          <a:p>
+            <a:pPr marL="0" indent="0">
+              <a:buNone/>
+            </a:pPr>
+            <a:r>
+              <a:rPr lang="en-US" altLang="zh-CN" sz="1600" dirty="0"/>
+              <a:t>        severity (alert | critical | debug | emergency | error | info | notice | warning);</a:t>
+            </a:r>
+            <a:endParaRPr lang="zh-CN" altLang="en-US" sz="1600" dirty="0"/>
+          </a:p>
+        </p:txBody>
+      </p:sp>
+      <p:sp>
+        <p:nvSpPr>
+          <p:cNvPr id="4" name="内容占位符 2">
+            <a:extLst>
+              <a:ext uri="{FF2B5EF4-FFF2-40B4-BE49-F238E27FC236}">
+                <a16:creationId xmlns:a16="http://schemas.microsoft.com/office/drawing/2014/main" id="{A11272F9-D36A-4498-9F72-789E98231E04}"/>
+              </a:ext>
+            </a:extLst>
+          </p:cNvPr>
+          <p:cNvSpPr txBox="1">
+            <a:spLocks/>
+          </p:cNvSpPr>
+          <p:nvPr/>
+        </p:nvSpPr>
+        <p:spPr>
+          <a:xfrm>
+            <a:off x="838200" y="538323"/>
+            <a:ext cx="4931004" cy="489199"/>
+          </a:xfrm>
+          <a:prstGeom prst="rect">
+            <a:avLst/>
+          </a:prstGeom>
+        </p:spPr>
+        <p:txBody>
+          <a:bodyPr vert="horz" lIns="91440" tIns="45720" rIns="91440" bIns="45720" rtlCol="0">
+            <a:normAutofit/>
+          </a:bodyPr>
+          <a:lstStyle>
+            <a:lvl1pPr marL="228600" indent="-228600" algn="l" defTabSz="914400" rtl="0" eaLnBrk="1" latinLnBrk="0" hangingPunct="1">
+              <a:lnSpc>
+                <a:spcPct val="90000"/>
+              </a:lnSpc>
+              <a:spcBef>
+                <a:spcPts val="1000"/>
+              </a:spcBef>
+              <a:buFont typeface="Arial" panose="020B0604020202020204" pitchFamily="34" charset="0"/>
+              <a:buChar char="•"/>
+              <a:defRPr sz="2800" kern="1200">
+                <a:solidFill>
+                  <a:schemeClr val="tx1"/>
+                </a:solidFill>
+                <a:latin typeface="+mn-lt"/>
+                <a:ea typeface="+mn-ea"/>
+                <a:cs typeface="+mn-cs"/>
+              </a:defRPr>
+            </a:lvl1pPr>
+            <a:lvl2pPr marL="685800" indent="-228600" algn="l" defTabSz="914400" rtl="0" eaLnBrk="1" latinLnBrk="0" hangingPunct="1">
+              <a:lnSpc>
+                <a:spcPct val="90000"/>
+              </a:lnSpc>
+              <a:spcBef>
+                <a:spcPts val="500"/>
+              </a:spcBef>
+              <a:buFont typeface="Arial" panose="020B0604020202020204" pitchFamily="34" charset="0"/>
+              <a:buChar char="•"/>
+              <a:defRPr sz="2400" kern="1200">
+                <a:solidFill>
+                  <a:schemeClr val="tx1"/>
+                </a:solidFill>
+                <a:latin typeface="+mn-lt"/>
+                <a:ea typeface="+mn-ea"/>
+                <a:cs typeface="+mn-cs"/>
+              </a:defRPr>
+            </a:lvl2pPr>
+            <a:lvl3pPr marL="1143000" indent="-228600" algn="l" defTabSz="914400" rtl="0" eaLnBrk="1" latinLnBrk="0" hangingPunct="1">
+              <a:lnSpc>
+                <a:spcPct val="90000"/>
+              </a:lnSpc>
+              <a:spcBef>
+                <a:spcPts val="500"/>
+              </a:spcBef>
+              <a:buFont typeface="Arial" panose="020B0604020202020204" pitchFamily="34" charset="0"/>
+              <a:buChar char="•"/>
+              <a:defRPr sz="2000" kern="1200">
+                <a:solidFill>
+                  <a:schemeClr val="tx1"/>
+                </a:solidFill>
+                <a:latin typeface="+mn-lt"/>
+                <a:ea typeface="+mn-ea"/>
+                <a:cs typeface="+mn-cs"/>
+              </a:defRPr>
+            </a:lvl3pPr>
+            <a:lvl4pPr marL="1600200" indent="-228600" algn="l" defTabSz="914400" rtl="0" eaLnBrk="1" latinLnBrk="0" hangingPunct="1">
+              <a:lnSpc>
+                <a:spcPct val="90000"/>
+              </a:lnSpc>
+              <a:spcBef>
+                <a:spcPts val="500"/>
+              </a:spcBef>
+              <a:buFont typeface="Arial" panose="020B0604020202020204" pitchFamily="34" charset="0"/>
+              <a:buChar char="•"/>
+              <a:defRPr sz="1800" kern="1200">
+                <a:solidFill>
+                  <a:schemeClr val="tx1"/>
+                </a:solidFill>
+                <a:latin typeface="+mn-lt"/>
+                <a:ea typeface="+mn-ea"/>
+                <a:cs typeface="+mn-cs"/>
+              </a:defRPr>
+            </a:lvl4pPr>
+            <a:lvl5pPr marL="2057400" indent="-228600" algn="l" defTabSz="914400" rtl="0" eaLnBrk="1" latinLnBrk="0" hangingPunct="1">
+              <a:lnSpc>
+                <a:spcPct val="90000"/>
+              </a:lnSpc>
+              <a:spcBef>
+                <a:spcPts val="500"/>
+              </a:spcBef>
+              <a:buFont typeface="Arial" panose="020B0604020202020204" pitchFamily="34" charset="0"/>
+              <a:buChar char="•"/>
+              <a:defRPr sz="1800" kern="1200">
+                <a:solidFill>
+                  <a:schemeClr val="tx1"/>
+                </a:solidFill>
+                <a:latin typeface="+mn-lt"/>
+                <a:ea typeface="+mn-ea"/>
+                <a:cs typeface="+mn-cs"/>
+              </a:defRPr>
+            </a:lvl5pPr>
+            <a:lvl6pPr marL="2514600" indent="-228600" algn="l" defTabSz="914400" rtl="0" eaLnBrk="1" latinLnBrk="0" hangingPunct="1">
+              <a:lnSpc>
+                <a:spcPct val="90000"/>
+              </a:lnSpc>
+              <a:spcBef>
+                <a:spcPts val="500"/>
+              </a:spcBef>
+              <a:buFont typeface="Arial" panose="020B0604020202020204" pitchFamily="34" charset="0"/>
+              <a:buChar char="•"/>
+              <a:defRPr sz="1800" kern="1200">
+                <a:solidFill>
+                  <a:schemeClr val="tx1"/>
+                </a:solidFill>
+                <a:latin typeface="+mn-lt"/>
+                <a:ea typeface="+mn-ea"/>
+                <a:cs typeface="+mn-cs"/>
+              </a:defRPr>
+            </a:lvl6pPr>
+            <a:lvl7pPr marL="2971800" indent="-228600" algn="l" defTabSz="914400" rtl="0" eaLnBrk="1" latinLnBrk="0" hangingPunct="1">
+              <a:lnSpc>
+                <a:spcPct val="90000"/>
+              </a:lnSpc>
+              <a:spcBef>
+                <a:spcPts val="500"/>
+              </a:spcBef>
+              <a:buFont typeface="Arial" panose="020B0604020202020204" pitchFamily="34" charset="0"/>
+              <a:buChar char="•"/>
+              <a:defRPr sz="1800" kern="1200">
+                <a:solidFill>
+                  <a:schemeClr val="tx1"/>
+                </a:solidFill>
+                <a:latin typeface="+mn-lt"/>
+                <a:ea typeface="+mn-ea"/>
+                <a:cs typeface="+mn-cs"/>
+              </a:defRPr>
+            </a:lvl7pPr>
+            <a:lvl8pPr marL="3429000" indent="-228600" algn="l" defTabSz="914400" rtl="0" eaLnBrk="1" latinLnBrk="0" hangingPunct="1">
+              <a:lnSpc>
+                <a:spcPct val="90000"/>
+              </a:lnSpc>
+              <a:spcBef>
+                <a:spcPts val="500"/>
+              </a:spcBef>
+              <a:buFont typeface="Arial" panose="020B0604020202020204" pitchFamily="34" charset="0"/>
+              <a:buChar char="•"/>
+              <a:defRPr sz="1800" kern="1200">
+                <a:solidFill>
+                  <a:schemeClr val="tx1"/>
+                </a:solidFill>
+                <a:latin typeface="+mn-lt"/>
+                <a:ea typeface="+mn-ea"/>
+                <a:cs typeface="+mn-cs"/>
+              </a:defRPr>
+            </a:lvl8pPr>
+            <a:lvl9pPr marL="3886200" indent="-228600" algn="l" defTabSz="914400" rtl="0" eaLnBrk="1" latinLnBrk="0" hangingPunct="1">
+              <a:lnSpc>
+                <a:spcPct val="90000"/>
+              </a:lnSpc>
+              <a:spcBef>
+                <a:spcPts val="500"/>
+              </a:spcBef>
+              <a:buFont typeface="Arial" panose="020B0604020202020204" pitchFamily="34" charset="0"/>
+              <a:buChar char="•"/>
+              <a:defRPr sz="1800" kern="1200">
+                <a:solidFill>
+                  <a:schemeClr val="tx1"/>
+                </a:solidFill>
+                <a:latin typeface="+mn-lt"/>
+                <a:ea typeface="+mn-ea"/>
+                <a:cs typeface="+mn-cs"/>
+              </a:defRPr>
+            </a:lvl9pPr>
+          </a:lstStyle>
+          <a:p>
+            <a:pPr marL="0" indent="0">
+              <a:buFont typeface="Arial" panose="020B0604020202020204" pitchFamily="34" charset="0"/>
+              <a:buNone/>
+            </a:pPr>
+            <a:r>
+              <a:rPr lang="en-US" altLang="zh-CN" dirty="0">
+                <a:sym typeface="+mn-ea"/>
+              </a:rPr>
+              <a:t>Log</a:t>
+            </a:r>
+            <a:r>
+              <a:rPr lang="zh-CN" altLang="en-US" dirty="0">
+                <a:sym typeface="+mn-ea"/>
+              </a:rPr>
+              <a:t>支持的功能</a:t>
+            </a:r>
+            <a:r>
+              <a:rPr lang="en-US" altLang="zh-CN" dirty="0">
+                <a:sym typeface="+mn-ea"/>
+              </a:rPr>
+              <a:t>(2)</a:t>
+            </a:r>
+            <a:endParaRPr lang="zh-CN" altLang="en-US" dirty="0">
+              <a:sym typeface="+mn-ea"/>
+            </a:endParaRPr>
+          </a:p>
+        </p:txBody>
+      </p:sp>
+      <p:sp>
+        <p:nvSpPr>
+          <p:cNvPr id="5" name="内容占位符 2">
+            <a:extLst>
+              <a:ext uri="{FF2B5EF4-FFF2-40B4-BE49-F238E27FC236}">
+                <a16:creationId xmlns:a16="http://schemas.microsoft.com/office/drawing/2014/main" id="{5B134B4D-BC53-4EEA-BC4A-D58EA461EB45}"/>
+              </a:ext>
+            </a:extLst>
+          </p:cNvPr>
+          <p:cNvSpPr txBox="1">
+            <a:spLocks/>
+          </p:cNvSpPr>
+          <p:nvPr/>
+        </p:nvSpPr>
+        <p:spPr>
+          <a:xfrm>
+            <a:off x="5656868" y="1027522"/>
+            <a:ext cx="4544505" cy="5149441"/>
+          </a:xfrm>
+          <a:prstGeom prst="rect">
+            <a:avLst/>
+          </a:prstGeom>
+        </p:spPr>
+        <p:txBody>
+          <a:bodyPr vert="horz" lIns="91440" tIns="45720" rIns="91440" bIns="45720" rtlCol="0">
+            <a:normAutofit/>
+          </a:bodyPr>
+          <a:lstStyle>
+            <a:lvl1pPr marL="228600" indent="-228600" algn="l" defTabSz="914400" rtl="0" eaLnBrk="1" latinLnBrk="0" hangingPunct="1">
+              <a:lnSpc>
+                <a:spcPct val="90000"/>
+              </a:lnSpc>
+              <a:spcBef>
+                <a:spcPts val="1000"/>
+              </a:spcBef>
+              <a:buFont typeface="Arial" panose="020B0604020202020204" pitchFamily="34" charset="0"/>
+              <a:buChar char="•"/>
+              <a:defRPr sz="2800" kern="1200">
+                <a:solidFill>
+                  <a:schemeClr val="tx1"/>
+                </a:solidFill>
+                <a:latin typeface="+mn-lt"/>
+                <a:ea typeface="+mn-ea"/>
+                <a:cs typeface="+mn-cs"/>
+              </a:defRPr>
+            </a:lvl1pPr>
+            <a:lvl2pPr marL="685800" indent="-228600" algn="l" defTabSz="914400" rtl="0" eaLnBrk="1" latinLnBrk="0" hangingPunct="1">
+              <a:lnSpc>
+                <a:spcPct val="90000"/>
+              </a:lnSpc>
+              <a:spcBef>
+                <a:spcPts val="500"/>
+              </a:spcBef>
+              <a:buFont typeface="Arial" panose="020B0604020202020204" pitchFamily="34" charset="0"/>
+              <a:buChar char="•"/>
+              <a:defRPr sz="2400" kern="1200">
+                <a:solidFill>
+                  <a:schemeClr val="tx1"/>
+                </a:solidFill>
+                <a:latin typeface="+mn-lt"/>
+                <a:ea typeface="+mn-ea"/>
+                <a:cs typeface="+mn-cs"/>
+              </a:defRPr>
+            </a:lvl2pPr>
+            <a:lvl3pPr marL="1143000" indent="-228600" algn="l" defTabSz="914400" rtl="0" eaLnBrk="1" latinLnBrk="0" hangingPunct="1">
+              <a:lnSpc>
+                <a:spcPct val="90000"/>
+              </a:lnSpc>
+              <a:spcBef>
+                <a:spcPts val="500"/>
+              </a:spcBef>
+              <a:buFont typeface="Arial" panose="020B0604020202020204" pitchFamily="34" charset="0"/>
+              <a:buChar char="•"/>
+              <a:defRPr sz="2000" kern="1200">
+                <a:solidFill>
+                  <a:schemeClr val="tx1"/>
+                </a:solidFill>
+                <a:latin typeface="+mn-lt"/>
+                <a:ea typeface="+mn-ea"/>
+                <a:cs typeface="+mn-cs"/>
+              </a:defRPr>
+            </a:lvl3pPr>
+            <a:lvl4pPr marL="1600200" indent="-228600" algn="l" defTabSz="914400" rtl="0" eaLnBrk="1" latinLnBrk="0" hangingPunct="1">
+              <a:lnSpc>
+                <a:spcPct val="90000"/>
+              </a:lnSpc>
+              <a:spcBef>
+                <a:spcPts val="500"/>
+              </a:spcBef>
+              <a:buFont typeface="Arial" panose="020B0604020202020204" pitchFamily="34" charset="0"/>
+              <a:buChar char="•"/>
+              <a:defRPr sz="1800" kern="1200">
+                <a:solidFill>
+                  <a:schemeClr val="tx1"/>
+                </a:solidFill>
+                <a:latin typeface="+mn-lt"/>
+                <a:ea typeface="+mn-ea"/>
+                <a:cs typeface="+mn-cs"/>
+              </a:defRPr>
+            </a:lvl4pPr>
+            <a:lvl5pPr marL="2057400" indent="-228600" algn="l" defTabSz="914400" rtl="0" eaLnBrk="1" latinLnBrk="0" hangingPunct="1">
+              <a:lnSpc>
+                <a:spcPct val="90000"/>
+              </a:lnSpc>
+              <a:spcBef>
+                <a:spcPts val="500"/>
+              </a:spcBef>
+              <a:buFont typeface="Arial" panose="020B0604020202020204" pitchFamily="34" charset="0"/>
+              <a:buChar char="•"/>
+              <a:defRPr sz="1800" kern="1200">
+                <a:solidFill>
+                  <a:schemeClr val="tx1"/>
+                </a:solidFill>
+                <a:latin typeface="+mn-lt"/>
+                <a:ea typeface="+mn-ea"/>
+                <a:cs typeface="+mn-cs"/>
+              </a:defRPr>
+            </a:lvl5pPr>
+            <a:lvl6pPr marL="2514600" indent="-228600" algn="l" defTabSz="914400" rtl="0" eaLnBrk="1" latinLnBrk="0" hangingPunct="1">
+              <a:lnSpc>
+                <a:spcPct val="90000"/>
+              </a:lnSpc>
+              <a:spcBef>
+                <a:spcPts val="500"/>
+              </a:spcBef>
+              <a:buFont typeface="Arial" panose="020B0604020202020204" pitchFamily="34" charset="0"/>
+              <a:buChar char="•"/>
+              <a:defRPr sz="1800" kern="1200">
+                <a:solidFill>
+                  <a:schemeClr val="tx1"/>
+                </a:solidFill>
+                <a:latin typeface="+mn-lt"/>
+                <a:ea typeface="+mn-ea"/>
+                <a:cs typeface="+mn-cs"/>
+              </a:defRPr>
+            </a:lvl6pPr>
+            <a:lvl7pPr marL="2971800" indent="-228600" algn="l" defTabSz="914400" rtl="0" eaLnBrk="1" latinLnBrk="0" hangingPunct="1">
+              <a:lnSpc>
+                <a:spcPct val="90000"/>
+              </a:lnSpc>
+              <a:spcBef>
+                <a:spcPts val="500"/>
+              </a:spcBef>
+              <a:buFont typeface="Arial" panose="020B0604020202020204" pitchFamily="34" charset="0"/>
+              <a:buChar char="•"/>
+              <a:defRPr sz="1800" kern="1200">
+                <a:solidFill>
+                  <a:schemeClr val="tx1"/>
+                </a:solidFill>
+                <a:latin typeface="+mn-lt"/>
+                <a:ea typeface="+mn-ea"/>
+                <a:cs typeface="+mn-cs"/>
+              </a:defRPr>
+            </a:lvl7pPr>
+            <a:lvl8pPr marL="3429000" indent="-228600" algn="l" defTabSz="914400" rtl="0" eaLnBrk="1" latinLnBrk="0" hangingPunct="1">
+              <a:lnSpc>
+                <a:spcPct val="90000"/>
+              </a:lnSpc>
+              <a:spcBef>
+                <a:spcPts val="500"/>
+              </a:spcBef>
+              <a:buFont typeface="Arial" panose="020B0604020202020204" pitchFamily="34" charset="0"/>
+              <a:buChar char="•"/>
+              <a:defRPr sz="1800" kern="1200">
+                <a:solidFill>
+                  <a:schemeClr val="tx1"/>
+                </a:solidFill>
+                <a:latin typeface="+mn-lt"/>
+                <a:ea typeface="+mn-ea"/>
+                <a:cs typeface="+mn-cs"/>
+              </a:defRPr>
+            </a:lvl8pPr>
+            <a:lvl9pPr marL="3886200" indent="-228600" algn="l" defTabSz="914400" rtl="0" eaLnBrk="1" latinLnBrk="0" hangingPunct="1">
+              <a:lnSpc>
+                <a:spcPct val="90000"/>
+              </a:lnSpc>
+              <a:spcBef>
+                <a:spcPts val="500"/>
+              </a:spcBef>
+              <a:buFont typeface="Arial" panose="020B0604020202020204" pitchFamily="34" charset="0"/>
+              <a:buChar char="•"/>
+              <a:defRPr sz="1800" kern="1200">
+                <a:solidFill>
+                  <a:schemeClr val="tx1"/>
+                </a:solidFill>
+                <a:latin typeface="+mn-lt"/>
+                <a:ea typeface="+mn-ea"/>
+                <a:cs typeface="+mn-cs"/>
+              </a:defRPr>
+            </a:lvl9pPr>
+          </a:lstStyle>
+          <a:p>
+            <a:pPr marL="0" indent="0">
+              <a:buFont typeface="Arial" panose="020B0604020202020204" pitchFamily="34" charset="0"/>
+              <a:buNone/>
+            </a:pPr>
+            <a:r>
+              <a:rPr lang="en-US" altLang="zh-CN" sz="1600" dirty="0"/>
+              <a:t>        source-address {</a:t>
+            </a:r>
+          </a:p>
+          <a:p>
+            <a:pPr marL="0" indent="0">
+              <a:buFont typeface="Arial" panose="020B0604020202020204" pitchFamily="34" charset="0"/>
+              <a:buNone/>
+            </a:pPr>
+            <a:r>
+              <a:rPr lang="en-US" altLang="zh-CN" sz="1600" dirty="0"/>
+              <a:t>            </a:t>
+            </a:r>
+            <a:r>
+              <a:rPr lang="en-US" altLang="zh-CN" sz="1600" dirty="0" err="1"/>
+              <a:t>ip</a:t>
+            </a:r>
+            <a:r>
+              <a:rPr lang="en-US" altLang="zh-CN" sz="1600" dirty="0"/>
+              <a:t>-address;</a:t>
+            </a:r>
+          </a:p>
+          <a:p>
+            <a:pPr marL="0" indent="0">
+              <a:buFont typeface="Arial" panose="020B0604020202020204" pitchFamily="34" charset="0"/>
+              <a:buNone/>
+            </a:pPr>
+            <a:r>
+              <a:rPr lang="en-US" altLang="zh-CN" sz="1600" dirty="0"/>
+              <a:t>        }</a:t>
+            </a:r>
+          </a:p>
+          <a:p>
+            <a:pPr marL="0" indent="0">
+              <a:buFont typeface="Arial" panose="020B0604020202020204" pitchFamily="34" charset="0"/>
+              <a:buNone/>
+            </a:pPr>
+            <a:r>
+              <a:rPr lang="en-US" altLang="zh-CN" sz="1600" dirty="0"/>
+              <a:t>        time-format (year | millisecond);</a:t>
+            </a:r>
+          </a:p>
+          <a:p>
+            <a:pPr marL="0" indent="0">
+              <a:buFont typeface="Arial" panose="020B0604020202020204" pitchFamily="34" charset="0"/>
+              <a:buNone/>
+            </a:pPr>
+            <a:r>
+              <a:rPr lang="en-US" altLang="zh-CN" sz="1600" dirty="0"/>
+              <a:t>        transport {</a:t>
+            </a:r>
+          </a:p>
+          <a:p>
+            <a:pPr marL="0" indent="0">
+              <a:buFont typeface="Arial" panose="020B0604020202020204" pitchFamily="34" charset="0"/>
+              <a:buNone/>
+            </a:pPr>
+            <a:r>
+              <a:rPr lang="en-US" altLang="zh-CN" sz="1600" dirty="0"/>
+              <a:t>            protocol (</a:t>
+            </a:r>
+            <a:r>
+              <a:rPr lang="en-US" altLang="zh-CN" sz="1600" dirty="0" err="1"/>
+              <a:t>tcp</a:t>
+            </a:r>
+            <a:r>
+              <a:rPr lang="en-US" altLang="zh-CN" sz="1600" dirty="0"/>
+              <a:t> | </a:t>
+            </a:r>
+            <a:r>
+              <a:rPr lang="en-US" altLang="zh-CN" sz="1600" dirty="0" err="1"/>
+              <a:t>tls</a:t>
+            </a:r>
+            <a:r>
+              <a:rPr lang="en-US" altLang="zh-CN" sz="1600" dirty="0"/>
+              <a:t> | </a:t>
+            </a:r>
+            <a:r>
+              <a:rPr lang="en-US" altLang="zh-CN" sz="1600" dirty="0" err="1"/>
+              <a:t>udp</a:t>
+            </a:r>
+            <a:r>
+              <a:rPr lang="en-US" altLang="zh-CN" sz="1600" dirty="0"/>
+              <a:t>);</a:t>
+            </a:r>
+          </a:p>
+          <a:p>
+            <a:pPr marL="0" indent="0">
+              <a:buFont typeface="Arial" panose="020B0604020202020204" pitchFamily="34" charset="0"/>
+              <a:buNone/>
+            </a:pPr>
+            <a:r>
+              <a:rPr lang="en-US" altLang="zh-CN" sz="1600" dirty="0"/>
+              <a:t>            </a:t>
+            </a:r>
+            <a:r>
+              <a:rPr lang="en-US" altLang="zh-CN" sz="1600" dirty="0" err="1"/>
+              <a:t>tcp</a:t>
+            </a:r>
+            <a:r>
+              <a:rPr lang="en-US" altLang="zh-CN" sz="1600" dirty="0"/>
+              <a:t>-connections </a:t>
+            </a:r>
+            <a:r>
+              <a:rPr lang="en-US" altLang="zh-CN" sz="1600" i="1" dirty="0" err="1"/>
+              <a:t>tcp</a:t>
+            </a:r>
+            <a:r>
+              <a:rPr lang="en-US" altLang="zh-CN" sz="1600" i="1" dirty="0"/>
+              <a:t>-connections</a:t>
+            </a:r>
+            <a:r>
+              <a:rPr lang="en-US" altLang="zh-CN" sz="1600" dirty="0"/>
+              <a:t>;</a:t>
+            </a:r>
+          </a:p>
+          <a:p>
+            <a:pPr marL="0" indent="0">
+              <a:buFont typeface="Arial" panose="020B0604020202020204" pitchFamily="34" charset="0"/>
+              <a:buNone/>
+            </a:pPr>
+            <a:r>
+              <a:rPr lang="en-US" altLang="zh-CN" sz="1600" dirty="0"/>
+              <a:t>            </a:t>
+            </a:r>
+            <a:r>
+              <a:rPr lang="en-US" altLang="zh-CN" sz="1600" dirty="0" err="1"/>
+              <a:t>tls</a:t>
+            </a:r>
+            <a:r>
+              <a:rPr lang="en-US" altLang="zh-CN" sz="1600" dirty="0"/>
+              <a:t>-profile </a:t>
+            </a:r>
+            <a:r>
+              <a:rPr lang="en-US" altLang="zh-CN" sz="1600" i="1" dirty="0" err="1"/>
+              <a:t>tls</a:t>
+            </a:r>
+            <a:r>
+              <a:rPr lang="en-US" altLang="zh-CN" sz="1600" i="1" dirty="0"/>
+              <a:t>-profile</a:t>
+            </a:r>
+            <a:r>
+              <a:rPr lang="en-US" altLang="zh-CN" sz="1600" dirty="0"/>
+              <a:t>;</a:t>
+            </a:r>
+          </a:p>
+          <a:p>
+            <a:pPr marL="0" indent="0">
+              <a:buFont typeface="Arial" panose="020B0604020202020204" pitchFamily="34" charset="0"/>
+              <a:buNone/>
+            </a:pPr>
+            <a:r>
+              <a:rPr lang="en-US" altLang="zh-CN" sz="1600" dirty="0"/>
+              <a:t>        }</a:t>
+            </a:r>
+          </a:p>
+          <a:p>
+            <a:pPr marL="0" indent="0">
+              <a:buFont typeface="Arial" panose="020B0604020202020204" pitchFamily="34" charset="0"/>
+              <a:buNone/>
+            </a:pPr>
+            <a:r>
+              <a:rPr lang="en-US" altLang="zh-CN" sz="1600" dirty="0"/>
+              <a:t>    }</a:t>
+            </a:r>
+          </a:p>
+          <a:p>
+            <a:pPr marL="0" indent="0">
+              <a:buFont typeface="Arial" panose="020B0604020202020204" pitchFamily="34" charset="0"/>
+              <a:buNone/>
+            </a:pPr>
+            <a:r>
+              <a:rPr lang="en-US" altLang="zh-CN" sz="1600" dirty="0"/>
+              <a:t>    </a:t>
+            </a:r>
+            <a:r>
+              <a:rPr lang="en-US" altLang="zh-CN" sz="1600" dirty="0" err="1"/>
+              <a:t>utc</a:t>
+            </a:r>
+            <a:r>
+              <a:rPr lang="en-US" altLang="zh-CN" sz="1600" dirty="0"/>
+              <a:t>-timestamp;</a:t>
+            </a:r>
+          </a:p>
+          <a:p>
+            <a:pPr marL="0" indent="0">
+              <a:buFont typeface="Arial" panose="020B0604020202020204" pitchFamily="34" charset="0"/>
+              <a:buNone/>
+            </a:pPr>
+            <a:r>
+              <a:rPr lang="en-US" altLang="zh-CN" sz="1600" dirty="0"/>
+              <a:t>}</a:t>
+            </a:r>
+            <a:endParaRPr lang="zh-CN" altLang="en-US" sz="1600" dirty="0"/>
           </a:p>
         </p:txBody>
       </p:sp>
     </p:spTree>
+    <p:extLst>
+      <p:ext uri="{BB962C8B-B14F-4D97-AF65-F5344CB8AC3E}">
+        <p14:creationId xmlns:p14="http://schemas.microsoft.com/office/powerpoint/2010/main" val="4193260457"/>
+      </p:ext>
+    </p:extLst>
   </p:cSld>
   <p:clrMapOvr>
     <a:masterClrMapping/>
@@ -4900,8 +7961,8 @@
         </p:nvSpPr>
         <p:spPr>
           <a:xfrm>
-            <a:off x="838200" y="621665"/>
-            <a:ext cx="10515600" cy="5883910"/>
+            <a:off x="838200" y="499621"/>
+            <a:ext cx="10515600" cy="5986020"/>
           </a:xfrm>
         </p:spPr>
         <p:txBody>
@@ -4912,78 +7973,227 @@
               <a:buNone/>
             </a:pPr>
             <a:r>
-              <a:rPr lang="en-US" altLang="zh-CN" dirty="0">
-                <a:sym typeface="+mn-ea"/>
-              </a:rPr>
-              <a:t>Log</a:t>
-            </a:r>
-            <a:r>
-              <a:rPr lang="zh-CN" altLang="en-US" dirty="0">
-                <a:sym typeface="+mn-ea"/>
-              </a:rPr>
-              <a:t>实现</a:t>
-            </a:r>
-            <a:endParaRPr lang="zh-CN" altLang="en-US"/>
-          </a:p>
-        </p:txBody>
-      </p:sp>
-      <p:sp>
-        <p:nvSpPr>
-          <p:cNvPr id="6" name="文本框 5"/>
-          <p:cNvSpPr txBox="1"/>
-          <p:nvPr/>
-        </p:nvSpPr>
-        <p:spPr>
-          <a:xfrm>
-            <a:off x="4826000" y="3244850"/>
-            <a:ext cx="2540000" cy="368300"/>
-          </a:xfrm>
-          <a:prstGeom prst="rect">
-            <a:avLst/>
-          </a:prstGeom>
-          <a:noFill/>
-        </p:spPr>
-        <p:txBody>
-          <a:bodyPr wrap="square" rtlCol="0" anchor="t">
-            <a:spAutoFit/>
-          </a:bodyPr>
-          <a:p>
-            <a:r>
-              <a:rPr lang="zh-CN" altLang="en-US"/>
+              <a:rPr lang="en-US" altLang="zh-CN" dirty="0"/>
+              <a:t>Glossary</a:t>
+            </a:r>
+            <a:r>
+              <a:rPr lang="zh-CN" altLang="en-US" dirty="0"/>
+              <a:t>：</a:t>
+            </a:r>
+            <a:endParaRPr lang="en-US" altLang="zh-CN" dirty="0"/>
+          </a:p>
+          <a:p>
+            <a:pPr marL="0" indent="0">
+              <a:buNone/>
+            </a:pPr>
+            <a:r>
+              <a:rPr lang="en-US" altLang="zh-CN" dirty="0"/>
+              <a:t>Flow </a:t>
+            </a:r>
+            <a:r>
+              <a:rPr lang="zh-CN" altLang="en-US" dirty="0"/>
+              <a:t>防火墙处理报文基本流程</a:t>
+            </a:r>
+            <a:endParaRPr lang="en-US" altLang="zh-CN" dirty="0"/>
+          </a:p>
+          <a:p>
+            <a:pPr marL="0" indent="0">
+              <a:buNone/>
+            </a:pPr>
+            <a:r>
+              <a:rPr lang="en-US" altLang="zh-CN" dirty="0"/>
+              <a:t>Service </a:t>
+            </a:r>
+            <a:r>
+              <a:rPr lang="zh-CN" altLang="en-US" dirty="0"/>
+              <a:t>防火墙提供的上层服务，以</a:t>
+            </a:r>
+            <a:r>
+              <a:rPr lang="en-US" altLang="zh-CN" dirty="0"/>
+              <a:t>flow</a:t>
+            </a:r>
+            <a:r>
+              <a:rPr lang="zh-CN" altLang="en-US" dirty="0"/>
+              <a:t>为基础，如</a:t>
+            </a:r>
+            <a:r>
+              <a:rPr lang="en-US" altLang="zh-CN" dirty="0"/>
+              <a:t>IDS</a:t>
+            </a:r>
+            <a:r>
+              <a:rPr lang="zh-CN" altLang="en-US" dirty="0"/>
+              <a:t>，</a:t>
+            </a:r>
+            <a:r>
+              <a:rPr lang="en-US" altLang="zh-CN" dirty="0"/>
+              <a:t>UTM</a:t>
+            </a:r>
+            <a:r>
+              <a:rPr lang="zh-CN" altLang="en-US" dirty="0"/>
+              <a:t>，</a:t>
+            </a:r>
+            <a:r>
+              <a:rPr lang="en-US" altLang="zh-CN" dirty="0"/>
+              <a:t>IDP</a:t>
+            </a:r>
+            <a:r>
+              <a:rPr lang="zh-CN" altLang="en-US" dirty="0"/>
+              <a:t>，</a:t>
+            </a:r>
+            <a:r>
+              <a:rPr lang="en-US" altLang="zh-CN" dirty="0"/>
+              <a:t>TCP proxy</a:t>
+            </a:r>
+            <a:r>
+              <a:rPr lang="zh-CN" altLang="en-US" dirty="0"/>
+              <a:t>等</a:t>
+            </a:r>
+            <a:endParaRPr lang="en-US" altLang="zh-CN" dirty="0"/>
+          </a:p>
+          <a:p>
+            <a:pPr marL="0" indent="0">
+              <a:buNone/>
+            </a:pPr>
+            <a:r>
+              <a:rPr lang="en-US" altLang="zh-CN" dirty="0"/>
+              <a:t>Control/data plane </a:t>
+            </a:r>
+            <a:r>
+              <a:rPr lang="zh-CN" altLang="en-US" dirty="0"/>
+              <a:t>控制</a:t>
+            </a:r>
+            <a:r>
+              <a:rPr lang="en-US" altLang="zh-CN" dirty="0"/>
+              <a:t>/</a:t>
+            </a:r>
+            <a:r>
+              <a:rPr lang="zh-CN" altLang="en-US" dirty="0"/>
+              <a:t>数据平面</a:t>
+            </a:r>
+            <a:endParaRPr lang="en-US" altLang="zh-CN" dirty="0"/>
+          </a:p>
+          <a:p>
+            <a:pPr marL="0" indent="0">
+              <a:buNone/>
+            </a:pPr>
+            <a:r>
+              <a:rPr lang="en-US" altLang="zh-CN" dirty="0" err="1"/>
+              <a:t>Ukernel</a:t>
+            </a:r>
+            <a:r>
+              <a:rPr lang="en-US" altLang="zh-CN" dirty="0"/>
               <a:t> </a:t>
             </a:r>
-            <a:endParaRPr lang="zh-CN" altLang="en-US"/>
-          </a:p>
-        </p:txBody>
-      </p:sp>
-      <p:pic>
-        <p:nvPicPr>
-          <p:cNvPr id="7" name="图片 6" descr="jlog"/>
-          <p:cNvPicPr>
-            <a:picLocks noChangeAspect="1"/>
-          </p:cNvPicPr>
-          <p:nvPr>
-            <p:custDataLst>
-              <p:tags r:id="rId1"/>
-            </p:custDataLst>
-          </p:nvPr>
-        </p:nvPicPr>
-        <p:blipFill>
-          <a:blip r:embed="rId2"/>
-          <a:stretch>
-            <a:fillRect/>
-          </a:stretch>
-        </p:blipFill>
-        <p:spPr>
-          <a:xfrm>
-            <a:off x="3159125" y="62865"/>
-            <a:ext cx="6301740" cy="7223125"/>
-          </a:xfrm>
-          <a:prstGeom prst="rect">
-            <a:avLst/>
-          </a:prstGeom>
-        </p:spPr>
-      </p:pic>
+            <a:r>
+              <a:rPr lang="zh-CN" altLang="en-US" dirty="0"/>
+              <a:t>数据平面通过</a:t>
+            </a:r>
+            <a:r>
+              <a:rPr lang="en-US" altLang="zh-CN" dirty="0" err="1"/>
+              <a:t>ukernel</a:t>
+            </a:r>
+            <a:r>
+              <a:rPr lang="zh-CN" altLang="en-US" dirty="0"/>
+              <a:t>与控制平面通信</a:t>
+            </a:r>
+            <a:endParaRPr lang="en-US" altLang="zh-CN" dirty="0"/>
+          </a:p>
+          <a:p>
+            <a:pPr marL="0" indent="0">
+              <a:buNone/>
+            </a:pPr>
+            <a:r>
+              <a:rPr lang="en-US" altLang="zh-CN" dirty="0"/>
+              <a:t>DPQ data plane queue</a:t>
+            </a:r>
+            <a:r>
+              <a:rPr lang="zh-CN" altLang="en-US" dirty="0"/>
+              <a:t>，数据平面处理报文、消息队列，</a:t>
+            </a:r>
+            <a:r>
+              <a:rPr lang="en-US" altLang="zh-CN" dirty="0"/>
+              <a:t>flow</a:t>
+            </a:r>
+            <a:r>
+              <a:rPr lang="zh-CN" altLang="en-US" dirty="0"/>
+              <a:t>获取队列中的报文或消息进行处理</a:t>
+            </a:r>
+            <a:endParaRPr lang="en-US" altLang="zh-CN" dirty="0"/>
+          </a:p>
+          <a:p>
+            <a:pPr marL="0" indent="0">
+              <a:buNone/>
+            </a:pPr>
+            <a:r>
+              <a:rPr lang="en-US" altLang="zh-CN" dirty="0"/>
+              <a:t>Reinject  flow</a:t>
+            </a:r>
+            <a:r>
+              <a:rPr lang="zh-CN" altLang="en-US" dirty="0"/>
+              <a:t>处理过程中将报文或消息重新加入队列</a:t>
+            </a:r>
+            <a:endParaRPr lang="en-US" altLang="zh-CN" dirty="0"/>
+          </a:p>
+          <a:p>
+            <a:pPr marL="0" indent="0">
+              <a:buNone/>
+            </a:pPr>
+            <a:r>
+              <a:rPr lang="en-US" altLang="zh-CN" dirty="0" err="1"/>
+              <a:t>Rtlogd</a:t>
+            </a:r>
+            <a:r>
+              <a:rPr lang="en-US" altLang="zh-CN" dirty="0"/>
+              <a:t> run/real time log daemon</a:t>
+            </a:r>
+            <a:r>
+              <a:rPr lang="zh-CN" altLang="en-US" dirty="0"/>
+              <a:t>，控制平面处理</a:t>
+            </a:r>
+            <a:r>
+              <a:rPr lang="en-US" altLang="zh-CN" dirty="0"/>
+              <a:t>log</a:t>
+            </a:r>
+            <a:r>
+              <a:rPr lang="zh-CN" altLang="en-US" dirty="0"/>
+              <a:t>进程</a:t>
+            </a:r>
+            <a:endParaRPr lang="en-US" altLang="zh-CN" dirty="0"/>
+          </a:p>
+          <a:p>
+            <a:pPr marL="0" indent="0">
+              <a:buNone/>
+            </a:pPr>
+            <a:r>
+              <a:rPr lang="en-US" altLang="zh-CN" dirty="0" err="1"/>
+              <a:t>Llmd</a:t>
+            </a:r>
+            <a:r>
+              <a:rPr lang="en-US" altLang="zh-CN" dirty="0"/>
+              <a:t> local logging management daemon</a:t>
+            </a:r>
+            <a:r>
+              <a:rPr lang="zh-CN" altLang="en-US" dirty="0"/>
+              <a:t>，控制平面处理本地</a:t>
+            </a:r>
+            <a:r>
+              <a:rPr lang="en-US" altLang="zh-CN" dirty="0"/>
+              <a:t>log</a:t>
+            </a:r>
+            <a:r>
+              <a:rPr lang="zh-CN" altLang="en-US" dirty="0"/>
+              <a:t>进程</a:t>
+            </a:r>
+            <a:endParaRPr lang="en-US" altLang="zh-CN"/>
+          </a:p>
+          <a:p>
+            <a:pPr marL="0" indent="0">
+              <a:buNone/>
+            </a:pPr>
+            <a:endParaRPr lang="zh-CN" altLang="en-US" dirty="0"/>
+          </a:p>
+        </p:txBody>
+      </p:sp>
     </p:spTree>
   </p:cSld>
   <p:clrMapOvr>
@@ -4993,7 +8203,7 @@
 </file>
 
 <file path=ppt/tags/tag1.xml><?xml version="1.0" encoding="utf-8"?>
-<p:tagLst xmlns:p="http://schemas.openxmlformats.org/presentationml/2006/main">
+<p:tagLst xmlns:a="http://schemas.openxmlformats.org/drawingml/2006/main" xmlns:r="http://schemas.openxmlformats.org/officeDocument/2006/relationships" xmlns:p="http://schemas.openxmlformats.org/presentationml/2006/main">
   <p:tag name="KSO_WM_UNIT_PLACING_PICTURE_USER_VIEWPORT" val="{&quot;height&quot;:7370,&quot;width&quot;:6430}"/>
 </p:tagLst>
 </file>
@@ -5249,6 +8459,8 @@
       </a:bgFillStyleLst>
     </a:fmtScheme>
   </a:themeElements>
+  <a:objectDefaults/>
+  <a:extraClrSchemeLst/>
   <a:extLst>
     <a:ext uri="{05A4C25C-085E-4340-85A3-A5531E510DB2}">
       <thm15:themeFamily xmlns:thm15="http://schemas.microsoft.com/office/thememl/2012/main" name="Office Theme" id="{62F939B6-93AF-4DB8-9C6B-D6C7DFDC589F}" vid="{4A3C46E8-61CC-4603-A589-7422A47A8E4A}"/>
